--- a/lectures/intro.pptx
+++ b/lectures/intro.pptx
@@ -5,10 +5,10 @@
     <p:sldMasterId id="2147483672" r:id="rId1"/>
   </p:sldMasterIdLst>
   <p:notesMasterIdLst>
-    <p:notesMasterId r:id="rId11"/>
+    <p:notesMasterId r:id="rId12"/>
   </p:notesMasterIdLst>
   <p:handoutMasterIdLst>
-    <p:handoutMasterId r:id="rId12"/>
+    <p:handoutMasterId r:id="rId13"/>
   </p:handoutMasterIdLst>
   <p:sldIdLst>
     <p:sldId id="256" r:id="rId2"/>
@@ -19,7 +19,8 @@
     <p:sldId id="291" r:id="rId7"/>
     <p:sldId id="294" r:id="rId8"/>
     <p:sldId id="295" r:id="rId9"/>
-    <p:sldId id="289" r:id="rId10"/>
+    <p:sldId id="296" r:id="rId10"/>
+    <p:sldId id="289" r:id="rId11"/>
   </p:sldIdLst>
   <p:sldSz cx="12192000" cy="6858000"/>
   <p:notesSz cx="9144000" cy="6858000"/>
@@ -4037,6 +4038,240 @@
 </p:sld>
 </file>
 
+<file path=ppt/slides/slide10.xml><?xml version="1.0" encoding="utf-8"?>
+<p:sld xmlns:a="http://schemas.openxmlformats.org/drawingml/2006/main" xmlns:r="http://schemas.openxmlformats.org/officeDocument/2006/relationships" xmlns:p="http://schemas.openxmlformats.org/presentationml/2006/main">
+  <p:cSld>
+    <p:spTree>
+      <p:nvGrpSpPr>
+        <p:cNvPr id="1" name=""/>
+        <p:cNvGrpSpPr/>
+        <p:nvPr/>
+      </p:nvGrpSpPr>
+      <p:grpSpPr>
+        <a:xfrm>
+          <a:off x="0" y="0"/>
+          <a:ext cx="0" cy="0"/>
+          <a:chOff x="0" y="0"/>
+          <a:chExt cx="0" cy="0"/>
+        </a:xfrm>
+      </p:grpSpPr>
+      <p:sp>
+        <p:nvSpPr>
+          <p:cNvPr id="2" name="Title 1">
+            <a:extLst>
+              <a:ext uri="{FF2B5EF4-FFF2-40B4-BE49-F238E27FC236}">
+                <a16:creationId xmlns:a16="http://schemas.microsoft.com/office/drawing/2014/main" id="{A4185B4C-535F-FB49-BF4C-2BCB9A05590B}"/>
+              </a:ext>
+            </a:extLst>
+          </p:cNvPr>
+          <p:cNvSpPr>
+            <a:spLocks noGrp="1"/>
+          </p:cNvSpPr>
+          <p:nvPr>
+            <p:ph type="title"/>
+          </p:nvPr>
+        </p:nvSpPr>
+        <p:spPr/>
+        <p:txBody>
+          <a:bodyPr/>
+          <a:lstStyle/>
+          <a:p>
+            <a:endParaRPr lang="en-US"/>
+          </a:p>
+        </p:txBody>
+      </p:sp>
+      <p:sp>
+        <p:nvSpPr>
+          <p:cNvPr id="3" name="Content Placeholder 2">
+            <a:extLst>
+              <a:ext uri="{FF2B5EF4-FFF2-40B4-BE49-F238E27FC236}">
+                <a16:creationId xmlns:a16="http://schemas.microsoft.com/office/drawing/2014/main" id="{EFE373C9-A5BD-394B-8241-28904E2B959A}"/>
+              </a:ext>
+            </a:extLst>
+          </p:cNvPr>
+          <p:cNvSpPr>
+            <a:spLocks noGrp="1"/>
+          </p:cNvSpPr>
+          <p:nvPr>
+            <p:ph idx="1"/>
+          </p:nvPr>
+        </p:nvSpPr>
+        <p:spPr/>
+        <p:txBody>
+          <a:bodyPr/>
+          <a:lstStyle/>
+          <a:p>
+            <a:endParaRPr lang="en-US" dirty="0"/>
+          </a:p>
+        </p:txBody>
+      </p:sp>
+      <p:sp>
+        <p:nvSpPr>
+          <p:cNvPr id="4" name="TextBox 3">
+            <a:extLst>
+              <a:ext uri="{FF2B5EF4-FFF2-40B4-BE49-F238E27FC236}">
+                <a16:creationId xmlns:a16="http://schemas.microsoft.com/office/drawing/2014/main" id="{B16617ED-8ED9-0245-8C56-CEE9CD7A42B5}"/>
+              </a:ext>
+            </a:extLst>
+          </p:cNvPr>
+          <p:cNvSpPr txBox="1"/>
+          <p:nvPr/>
+        </p:nvSpPr>
+        <p:spPr>
+          <a:xfrm>
+            <a:off x="966141" y="2438888"/>
+            <a:ext cx="5804310" cy="1569660"/>
+          </a:xfrm>
+          <a:prstGeom prst="rect">
+            <a:avLst/>
+          </a:prstGeom>
+          <a:noFill/>
+          <a:ln>
+            <a:solidFill>
+              <a:schemeClr val="accent1"/>
+            </a:solidFill>
+          </a:ln>
+        </p:spPr>
+        <p:txBody>
+          <a:bodyPr wrap="square" rtlCol="0">
+            <a:spAutoFit/>
+          </a:bodyPr>
+          <a:lstStyle/>
+          <a:p>
+            <a:r>
+              <a:rPr lang="en-US" sz="2400" dirty="0">
+                <a:latin typeface="Monaco" charset="0"/>
+                <a:ea typeface="Monaco" charset="0"/>
+                <a:cs typeface="Monaco" charset="0"/>
+              </a:rPr>
+              <a:t>def walk(</a:t>
+            </a:r>
+            <a:r>
+              <a:rPr lang="en-US" sz="2400" dirty="0" err="1">
+                <a:latin typeface="Monaco" charset="0"/>
+                <a:ea typeface="Monaco" charset="0"/>
+                <a:cs typeface="Monaco" charset="0"/>
+              </a:rPr>
+              <a:t>A,nrows,ncols</a:t>
+            </a:r>
+            <a:r>
+              <a:rPr lang="en-US" sz="2400" dirty="0">
+                <a:latin typeface="Monaco" charset="0"/>
+                <a:ea typeface="Monaco" charset="0"/>
+                <a:cs typeface="Monaco" charset="0"/>
+              </a:rPr>
+              <a:t>):</a:t>
+            </a:r>
+          </a:p>
+          <a:p>
+            <a:r>
+              <a:rPr lang="en-US" sz="2400" dirty="0">
+                <a:latin typeface="Monaco" charset="0"/>
+                <a:ea typeface="Monaco" charset="0"/>
+                <a:cs typeface="Monaco" charset="0"/>
+              </a:rPr>
+              <a:t>    for </a:t>
+            </a:r>
+            <a:r>
+              <a:rPr lang="en-US" sz="2400" dirty="0" err="1">
+                <a:latin typeface="Monaco" charset="0"/>
+                <a:ea typeface="Monaco" charset="0"/>
+                <a:cs typeface="Monaco" charset="0"/>
+              </a:rPr>
+              <a:t>i</a:t>
+            </a:r>
+            <a:r>
+              <a:rPr lang="en-US" sz="2400" dirty="0">
+                <a:latin typeface="Monaco" charset="0"/>
+                <a:ea typeface="Monaco" charset="0"/>
+                <a:cs typeface="Monaco" charset="0"/>
+              </a:rPr>
+              <a:t> in range(</a:t>
+            </a:r>
+            <a:r>
+              <a:rPr lang="en-US" sz="2400" dirty="0" err="1">
+                <a:latin typeface="Monaco" charset="0"/>
+                <a:ea typeface="Monaco" charset="0"/>
+                <a:cs typeface="Monaco" charset="0"/>
+              </a:rPr>
+              <a:t>nrows</a:t>
+            </a:r>
+            <a:r>
+              <a:rPr lang="en-US" sz="2400" dirty="0">
+                <a:latin typeface="Monaco" charset="0"/>
+                <a:ea typeface="Monaco" charset="0"/>
+                <a:cs typeface="Monaco" charset="0"/>
+              </a:rPr>
+              <a:t>):</a:t>
+            </a:r>
+          </a:p>
+          <a:p>
+            <a:r>
+              <a:rPr lang="en-US" sz="2400" dirty="0">
+                <a:latin typeface="Monaco" charset="0"/>
+                <a:ea typeface="Monaco" charset="0"/>
+                <a:cs typeface="Monaco" charset="0"/>
+              </a:rPr>
+              <a:t>        for j in range(</a:t>
+            </a:r>
+            <a:r>
+              <a:rPr lang="en-US" sz="2400" dirty="0" err="1">
+                <a:latin typeface="Monaco" charset="0"/>
+                <a:ea typeface="Monaco" charset="0"/>
+                <a:cs typeface="Monaco" charset="0"/>
+              </a:rPr>
+              <a:t>ncols</a:t>
+            </a:r>
+            <a:r>
+              <a:rPr lang="en-US" sz="2400" dirty="0">
+                <a:latin typeface="Monaco" charset="0"/>
+                <a:ea typeface="Monaco" charset="0"/>
+                <a:cs typeface="Monaco" charset="0"/>
+              </a:rPr>
+              <a:t>):</a:t>
+            </a:r>
+          </a:p>
+          <a:p>
+            <a:r>
+              <a:rPr lang="en-US" sz="2400" dirty="0">
+                <a:latin typeface="Monaco" charset="0"/>
+                <a:ea typeface="Monaco" charset="0"/>
+                <a:cs typeface="Monaco" charset="0"/>
+              </a:rPr>
+              <a:t>            # process A[</a:t>
+            </a:r>
+            <a:r>
+              <a:rPr lang="en-US" sz="2400" dirty="0" err="1">
+                <a:latin typeface="Monaco" charset="0"/>
+                <a:ea typeface="Monaco" charset="0"/>
+                <a:cs typeface="Monaco" charset="0"/>
+              </a:rPr>
+              <a:t>i</a:t>
+            </a:r>
+            <a:r>
+              <a:rPr lang="en-US" sz="2400" dirty="0">
+                <a:latin typeface="Monaco" charset="0"/>
+                <a:ea typeface="Monaco" charset="0"/>
+                <a:cs typeface="Monaco" charset="0"/>
+              </a:rPr>
+              <a:t>][j]</a:t>
+            </a:r>
+          </a:p>
+        </p:txBody>
+      </p:sp>
+    </p:spTree>
+    <p:extLst>
+      <p:ext uri="{BB962C8B-B14F-4D97-AF65-F5344CB8AC3E}">
+        <p14:creationId xmlns:p14="http://schemas.microsoft.com/office/powerpoint/2010/main" val="321087353"/>
+      </p:ext>
+    </p:extLst>
+  </p:cSld>
+  <p:clrMapOvr>
+    <a:masterClrMapping/>
+  </p:clrMapOvr>
+</p:sld>
+</file>
+
 <file path=ppt/slides/slide2.xml><?xml version="1.0" encoding="utf-8"?>
 <p:sld xmlns:a="http://schemas.openxmlformats.org/drawingml/2006/main" xmlns:r="http://schemas.openxmlformats.org/officeDocument/2006/relationships" xmlns:p="http://schemas.openxmlformats.org/presentationml/2006/main">
   <p:cSld>
@@ -5215,7 +5450,7 @@
           <p:cNvPr id="2" name="Title 1">
             <a:extLst>
               <a:ext uri="{FF2B5EF4-FFF2-40B4-BE49-F238E27FC236}">
-                <a16:creationId xmlns:a16="http://schemas.microsoft.com/office/drawing/2014/main" id="{A4185B4C-535F-FB49-BF4C-2BCB9A05590B}"/>
+                <a16:creationId xmlns:a16="http://schemas.microsoft.com/office/drawing/2014/main" id="{BE3488E0-CCC7-504A-8E04-17A3F65AD0B3}"/>
               </a:ext>
             </a:extLst>
           </p:cNvPr>
@@ -5231,193 +5466,377 @@
           <a:bodyPr/>
           <a:lstStyle/>
           <a:p>
-            <a:endParaRPr lang="en-US"/>
-          </a:p>
-        </p:txBody>
-      </p:sp>
-      <p:sp>
-        <p:nvSpPr>
-          <p:cNvPr id="3" name="Content Placeholder 2">
-            <a:extLst>
-              <a:ext uri="{FF2B5EF4-FFF2-40B4-BE49-F238E27FC236}">
-                <a16:creationId xmlns:a16="http://schemas.microsoft.com/office/drawing/2014/main" id="{EFE373C9-A5BD-394B-8241-28904E2B959A}"/>
-              </a:ext>
-            </a:extLst>
-          </p:cNvPr>
-          <p:cNvSpPr>
-            <a:spLocks noGrp="1"/>
-          </p:cNvSpPr>
-          <p:nvPr>
-            <p:ph idx="1"/>
-          </p:nvPr>
-        </p:nvSpPr>
-        <p:spPr/>
-        <p:txBody>
-          <a:bodyPr/>
-          <a:lstStyle/>
-          <a:p>
-            <a:endParaRPr lang="en-US"/>
-          </a:p>
-        </p:txBody>
-      </p:sp>
-      <p:sp>
-        <p:nvSpPr>
-          <p:cNvPr id="4" name="TextBox 3">
-            <a:extLst>
-              <a:ext uri="{FF2B5EF4-FFF2-40B4-BE49-F238E27FC236}">
-                <a16:creationId xmlns:a16="http://schemas.microsoft.com/office/drawing/2014/main" id="{B16617ED-8ED9-0245-8C56-CEE9CD7A42B5}"/>
-              </a:ext>
-            </a:extLst>
-          </p:cNvPr>
-          <p:cNvSpPr txBox="1"/>
+            <a:r>
+              <a:rPr lang="en-US" dirty="0"/>
+              <a:t> building blocks</a:t>
+            </a:r>
+          </a:p>
+        </p:txBody>
+      </p:sp>
+      <mc:AlternateContent xmlns:mc="http://schemas.openxmlformats.org/markup-compatibility/2006">
+        <mc:Choice xmlns:a14="http://schemas.microsoft.com/office/drawing/2010/main" Requires="a14">
+          <p:sp>
+            <p:nvSpPr>
+              <p:cNvPr id="3" name="Content Placeholder 2">
+                <a:extLst>
+                  <a:ext uri="{FF2B5EF4-FFF2-40B4-BE49-F238E27FC236}">
+                    <a16:creationId xmlns:a16="http://schemas.microsoft.com/office/drawing/2014/main" id="{48072270-1EF2-F14F-BEDA-0C2C02E75815}"/>
+                  </a:ext>
+                </a:extLst>
+              </p:cNvPr>
+              <p:cNvSpPr>
+                <a:spLocks noGrp="1"/>
+              </p:cNvSpPr>
+              <p:nvPr>
+                <p:ph idx="1"/>
+              </p:nvPr>
+            </p:nvSpPr>
+            <p:spPr/>
+            <p:txBody>
+              <a:bodyPr/>
+              <a:lstStyle/>
+              <a:p>
+                <a14:m>
+                  <m:oMath xmlns:m="http://schemas.openxmlformats.org/officeDocument/2006/math">
+                    <m:r>
+                      <a:rPr lang="en-US" b="0" i="1" dirty="0" smtClean="0">
+                        <a:latin typeface="Cambria Math" panose="02040503050406030204" pitchFamily="18" charset="0"/>
+                      </a:rPr>
+                      <m:t>𝑦</m:t>
+                    </m:r>
+                    <m:r>
+                      <a:rPr lang="en-US" b="0" i="1" dirty="0" smtClean="0">
+                        <a:latin typeface="Cambria Math" panose="02040503050406030204" pitchFamily="18" charset="0"/>
+                      </a:rPr>
+                      <m:t>=</m:t>
+                    </m:r>
+                    <m:r>
+                      <a:rPr lang="en-US" b="1" i="1" dirty="0" smtClean="0">
+                        <a:latin typeface="Cambria Math" panose="02040503050406030204" pitchFamily="18" charset="0"/>
+                      </a:rPr>
+                      <m:t>𝒘𝒙</m:t>
+                    </m:r>
+                    <m:r>
+                      <a:rPr lang="en-US" b="0" i="1" dirty="0" smtClean="0">
+                        <a:latin typeface="Cambria Math" panose="02040503050406030204" pitchFamily="18" charset="0"/>
+                      </a:rPr>
+                      <m:t>+</m:t>
+                    </m:r>
+                    <m:r>
+                      <a:rPr lang="en-US" b="0" i="1" dirty="0" smtClean="0">
+                        <a:latin typeface="Cambria Math" panose="02040503050406030204" pitchFamily="18" charset="0"/>
+                      </a:rPr>
+                      <m:t>𝑏</m:t>
+                    </m:r>
+                    <m:r>
+                      <a:rPr lang="en-US" b="0" i="1" dirty="0" smtClean="0">
+                        <a:latin typeface="Cambria Math" panose="02040503050406030204" pitchFamily="18" charset="0"/>
+                      </a:rPr>
+                      <m:t>=</m:t>
+                    </m:r>
+                    <m:sSub>
+                      <m:sSubPr>
+                        <m:ctrlPr>
+                          <a:rPr lang="en-US" b="0" i="1" dirty="0" smtClean="0">
+                            <a:latin typeface="Cambria Math" panose="02040503050406030204" pitchFamily="18" charset="0"/>
+                          </a:rPr>
+                        </m:ctrlPr>
+                      </m:sSubPr>
+                      <m:e>
+                        <m:r>
+                          <a:rPr lang="en-US" b="0" i="1" dirty="0" smtClean="0">
+                            <a:latin typeface="Cambria Math" panose="02040503050406030204" pitchFamily="18" charset="0"/>
+                          </a:rPr>
+                          <m:t>𝑤</m:t>
+                        </m:r>
+                      </m:e>
+                      <m:sub>
+                        <m:r>
+                          <a:rPr lang="en-US" b="0" i="1" dirty="0" smtClean="0">
+                            <a:latin typeface="Cambria Math" panose="02040503050406030204" pitchFamily="18" charset="0"/>
+                          </a:rPr>
+                          <m:t>1</m:t>
+                        </m:r>
+                      </m:sub>
+                    </m:sSub>
+                    <m:sSub>
+                      <m:sSubPr>
+                        <m:ctrlPr>
+                          <a:rPr lang="en-US" b="0" i="1" dirty="0" smtClean="0">
+                            <a:latin typeface="Cambria Math" panose="02040503050406030204" pitchFamily="18" charset="0"/>
+                          </a:rPr>
+                        </m:ctrlPr>
+                      </m:sSubPr>
+                      <m:e>
+                        <m:r>
+                          <a:rPr lang="en-US" b="0" i="1" dirty="0" smtClean="0">
+                            <a:latin typeface="Cambria Math" panose="02040503050406030204" pitchFamily="18" charset="0"/>
+                          </a:rPr>
+                          <m:t>𝑥</m:t>
+                        </m:r>
+                      </m:e>
+                      <m:sub>
+                        <m:r>
+                          <a:rPr lang="en-US" b="0" i="1" dirty="0" smtClean="0">
+                            <a:latin typeface="Cambria Math" panose="02040503050406030204" pitchFamily="18" charset="0"/>
+                          </a:rPr>
+                          <m:t>1</m:t>
+                        </m:r>
+                      </m:sub>
+                    </m:sSub>
+                    <m:r>
+                      <a:rPr lang="en-US" b="0" i="1" dirty="0" smtClean="0">
+                        <a:latin typeface="Cambria Math" panose="02040503050406030204" pitchFamily="18" charset="0"/>
+                      </a:rPr>
+                      <m:t>+</m:t>
+                    </m:r>
+                    <m:sSub>
+                      <m:sSubPr>
+                        <m:ctrlPr>
+                          <a:rPr lang="en-US" b="0" i="1" dirty="0" smtClean="0">
+                            <a:latin typeface="Cambria Math" panose="02040503050406030204" pitchFamily="18" charset="0"/>
+                          </a:rPr>
+                        </m:ctrlPr>
+                      </m:sSubPr>
+                      <m:e>
+                        <m:r>
+                          <a:rPr lang="en-US" b="0" i="1" dirty="0" smtClean="0">
+                            <a:latin typeface="Cambria Math" panose="02040503050406030204" pitchFamily="18" charset="0"/>
+                          </a:rPr>
+                          <m:t>𝑤</m:t>
+                        </m:r>
+                      </m:e>
+                      <m:sub>
+                        <m:r>
+                          <a:rPr lang="en-US" b="0" i="1" dirty="0" smtClean="0">
+                            <a:latin typeface="Cambria Math" panose="02040503050406030204" pitchFamily="18" charset="0"/>
+                          </a:rPr>
+                          <m:t>2</m:t>
+                        </m:r>
+                      </m:sub>
+                    </m:sSub>
+                    <m:sSub>
+                      <m:sSubPr>
+                        <m:ctrlPr>
+                          <a:rPr lang="en-US" b="0" i="1" dirty="0" smtClean="0">
+                            <a:latin typeface="Cambria Math" panose="02040503050406030204" pitchFamily="18" charset="0"/>
+                          </a:rPr>
+                        </m:ctrlPr>
+                      </m:sSubPr>
+                      <m:e>
+                        <m:r>
+                          <a:rPr lang="en-US" b="0" i="1" dirty="0" smtClean="0">
+                            <a:latin typeface="Cambria Math" panose="02040503050406030204" pitchFamily="18" charset="0"/>
+                          </a:rPr>
+                          <m:t>𝑥</m:t>
+                        </m:r>
+                      </m:e>
+                      <m:sub>
+                        <m:r>
+                          <a:rPr lang="en-US" b="0" i="1" dirty="0" smtClean="0">
+                            <a:latin typeface="Cambria Math" panose="02040503050406030204" pitchFamily="18" charset="0"/>
+                          </a:rPr>
+                          <m:t>2</m:t>
+                        </m:r>
+                      </m:sub>
+                    </m:sSub>
+                    <m:r>
+                      <a:rPr lang="en-US" b="0" i="1" dirty="0" smtClean="0">
+                        <a:latin typeface="Cambria Math" panose="02040503050406030204" pitchFamily="18" charset="0"/>
+                      </a:rPr>
+                      <m:t>+ …+</m:t>
+                    </m:r>
+                    <m:sSub>
+                      <m:sSubPr>
+                        <m:ctrlPr>
+                          <a:rPr lang="en-US" b="0" i="1" dirty="0" smtClean="0">
+                            <a:latin typeface="Cambria Math" panose="02040503050406030204" pitchFamily="18" charset="0"/>
+                          </a:rPr>
+                        </m:ctrlPr>
+                      </m:sSubPr>
+                      <m:e>
+                        <m:r>
+                          <a:rPr lang="en-US" b="0" i="1" dirty="0" smtClean="0">
+                            <a:latin typeface="Cambria Math" panose="02040503050406030204" pitchFamily="18" charset="0"/>
+                          </a:rPr>
+                          <m:t>𝑤</m:t>
+                        </m:r>
+                      </m:e>
+                      <m:sub>
+                        <m:r>
+                          <a:rPr lang="en-US" b="0" i="1" dirty="0" smtClean="0">
+                            <a:latin typeface="Cambria Math" panose="02040503050406030204" pitchFamily="18" charset="0"/>
+                          </a:rPr>
+                          <m:t>𝑚</m:t>
+                        </m:r>
+                      </m:sub>
+                    </m:sSub>
+                    <m:sSub>
+                      <m:sSubPr>
+                        <m:ctrlPr>
+                          <a:rPr lang="en-US" b="0" i="1" dirty="0" smtClean="0">
+                            <a:latin typeface="Cambria Math" panose="02040503050406030204" pitchFamily="18" charset="0"/>
+                          </a:rPr>
+                        </m:ctrlPr>
+                      </m:sSubPr>
+                      <m:e>
+                        <m:r>
+                          <a:rPr lang="en-US" b="0" i="1" dirty="0" smtClean="0">
+                            <a:latin typeface="Cambria Math" panose="02040503050406030204" pitchFamily="18" charset="0"/>
+                          </a:rPr>
+                          <m:t>𝑥</m:t>
+                        </m:r>
+                      </m:e>
+                      <m:sub>
+                        <m:r>
+                          <a:rPr lang="en-US" b="0" i="1" dirty="0" smtClean="0">
+                            <a:latin typeface="Cambria Math" panose="02040503050406030204" pitchFamily="18" charset="0"/>
+                          </a:rPr>
+                          <m:t>𝑚</m:t>
+                        </m:r>
+                      </m:sub>
+                    </m:sSub>
+                  </m:oMath>
+                </a14:m>
+                <a:endParaRPr lang="en-US" dirty="0"/>
+              </a:p>
+            </p:txBody>
+          </p:sp>
+        </mc:Choice>
+        <mc:Fallback>
+          <p:sp>
+            <p:nvSpPr>
+              <p:cNvPr id="3" name="Content Placeholder 2">
+                <a:extLst>
+                  <a:ext uri="{FF2B5EF4-FFF2-40B4-BE49-F238E27FC236}">
+                    <a16:creationId xmlns:a16="http://schemas.microsoft.com/office/drawing/2014/main" id="{48072270-1EF2-F14F-BEDA-0C2C02E75815}"/>
+                  </a:ext>
+                </a:extLst>
+              </p:cNvPr>
+              <p:cNvSpPr>
+                <a:spLocks noGrp="1" noRot="1" noChangeAspect="1" noMove="1" noResize="1" noEditPoints="1" noAdjustHandles="1" noChangeArrowheads="1" noChangeShapeType="1" noTextEdit="1"/>
+              </p:cNvSpPr>
+              <p:nvPr>
+                <p:ph idx="1"/>
+              </p:nvPr>
+            </p:nvSpPr>
+            <p:spPr>
+              <a:blipFill>
+                <a:blip r:embed="rId2"/>
+                <a:stretch>
+                  <a:fillRect l="-1086" t="-1453"/>
+                </a:stretch>
+              </a:blipFill>
+            </p:spPr>
+            <p:txBody>
+              <a:bodyPr/>
+              <a:lstStyle/>
+              <a:p>
+                <a:r>
+                  <a:rPr lang="en-US">
+                    <a:noFill/>
+                  </a:rPr>
+                  <a:t> </a:t>
+                </a:r>
+              </a:p>
+            </p:txBody>
+          </p:sp>
+        </mc:Fallback>
+      </mc:AlternateContent>
+      <p:pic>
+        <p:nvPicPr>
+          <p:cNvPr id="4" name="Picture 3">
+            <a:extLst>
+              <a:ext uri="{FF2B5EF4-FFF2-40B4-BE49-F238E27FC236}">
+                <a16:creationId xmlns:a16="http://schemas.microsoft.com/office/drawing/2014/main" id="{9BAC4E1A-FBE7-A440-94DB-88C947598D3F}"/>
+              </a:ext>
+            </a:extLst>
+          </p:cNvPr>
+          <p:cNvPicPr>
+            <a:picLocks noChangeAspect="1"/>
+          </p:cNvPicPr>
           <p:nvPr/>
-        </p:nvSpPr>
+        </p:nvPicPr>
+        <p:blipFill>
+          <a:blip r:embed="rId3"/>
+          <a:stretch>
+            <a:fillRect/>
+          </a:stretch>
+        </p:blipFill>
         <p:spPr>
           <a:xfrm>
-            <a:off x="966141" y="2438888"/>
-            <a:ext cx="5804310" cy="1569660"/>
+            <a:off x="1666185" y="2365513"/>
+            <a:ext cx="1206500" cy="469900"/>
           </a:xfrm>
           <a:prstGeom prst="rect">
             <a:avLst/>
           </a:prstGeom>
-          <a:noFill/>
-          <a:ln>
-            <a:solidFill>
-              <a:schemeClr val="accent1"/>
-            </a:solidFill>
-          </a:ln>
         </p:spPr>
-        <p:txBody>
-          <a:bodyPr wrap="square" rtlCol="0">
-            <a:spAutoFit/>
-          </a:bodyPr>
-          <a:lstStyle/>
-          <a:p>
-            <a:r>
-              <a:rPr lang="en-US" sz="2400" dirty="0">
-                <a:latin typeface="Monaco" charset="0"/>
-                <a:ea typeface="Monaco" charset="0"/>
-                <a:cs typeface="Monaco" charset="0"/>
-              </a:rPr>
-              <a:t>def walk(</a:t>
-            </a:r>
-            <a:r>
-              <a:rPr lang="en-US" sz="2400" dirty="0" err="1">
-                <a:latin typeface="Monaco" charset="0"/>
-                <a:ea typeface="Monaco" charset="0"/>
-                <a:cs typeface="Monaco" charset="0"/>
-              </a:rPr>
-              <a:t>A,nrows,ncols</a:t>
-            </a:r>
-            <a:r>
-              <a:rPr lang="en-US" sz="2400" dirty="0">
-                <a:latin typeface="Monaco" charset="0"/>
-                <a:ea typeface="Monaco" charset="0"/>
-                <a:cs typeface="Monaco" charset="0"/>
-              </a:rPr>
-              <a:t>):</a:t>
-            </a:r>
-          </a:p>
-          <a:p>
-            <a:r>
-              <a:rPr lang="en-US" sz="2400" dirty="0">
-                <a:latin typeface="Monaco" charset="0"/>
-                <a:ea typeface="Monaco" charset="0"/>
-                <a:cs typeface="Monaco" charset="0"/>
-              </a:rPr>
-              <a:t>    for </a:t>
-            </a:r>
-            <a:r>
-              <a:rPr lang="en-US" sz="2400" dirty="0" err="1">
-                <a:latin typeface="Monaco" charset="0"/>
-                <a:ea typeface="Monaco" charset="0"/>
-                <a:cs typeface="Monaco" charset="0"/>
-              </a:rPr>
-              <a:t>i</a:t>
-            </a:r>
-            <a:r>
-              <a:rPr lang="en-US" sz="2400" dirty="0">
-                <a:latin typeface="Monaco" charset="0"/>
-                <a:ea typeface="Monaco" charset="0"/>
-                <a:cs typeface="Monaco" charset="0"/>
-              </a:rPr>
-              <a:t> in range(</a:t>
-            </a:r>
-            <a:r>
-              <a:rPr lang="en-US" sz="2400" dirty="0" err="1">
-                <a:latin typeface="Monaco" charset="0"/>
-                <a:ea typeface="Monaco" charset="0"/>
-                <a:cs typeface="Monaco" charset="0"/>
-              </a:rPr>
-              <a:t>nrows</a:t>
-            </a:r>
-            <a:r>
-              <a:rPr lang="en-US" sz="2400" dirty="0">
-                <a:latin typeface="Monaco" charset="0"/>
-                <a:ea typeface="Monaco" charset="0"/>
-                <a:cs typeface="Monaco" charset="0"/>
-              </a:rPr>
-              <a:t>):</a:t>
-            </a:r>
-          </a:p>
-          <a:p>
-            <a:r>
-              <a:rPr lang="en-US" sz="2400" dirty="0">
-                <a:latin typeface="Monaco" charset="0"/>
-                <a:ea typeface="Monaco" charset="0"/>
-                <a:cs typeface="Monaco" charset="0"/>
-              </a:rPr>
-              <a:t>        for j in range(</a:t>
-            </a:r>
-            <a:r>
-              <a:rPr lang="en-US" sz="2400" dirty="0" err="1">
-                <a:latin typeface="Monaco" charset="0"/>
-                <a:ea typeface="Monaco" charset="0"/>
-                <a:cs typeface="Monaco" charset="0"/>
-              </a:rPr>
-              <a:t>ncols</a:t>
-            </a:r>
-            <a:r>
-              <a:rPr lang="en-US" sz="2400" dirty="0">
-                <a:latin typeface="Monaco" charset="0"/>
-                <a:ea typeface="Monaco" charset="0"/>
-                <a:cs typeface="Monaco" charset="0"/>
-              </a:rPr>
-              <a:t>):</a:t>
-            </a:r>
-          </a:p>
-          <a:p>
-            <a:r>
-              <a:rPr lang="en-US" sz="2400" dirty="0">
-                <a:latin typeface="Monaco" charset="0"/>
-                <a:ea typeface="Monaco" charset="0"/>
-                <a:cs typeface="Monaco" charset="0"/>
-              </a:rPr>
-              <a:t>            # process A[</a:t>
-            </a:r>
-            <a:r>
-              <a:rPr lang="en-US" sz="2400" dirty="0" err="1">
-                <a:latin typeface="Monaco" charset="0"/>
-                <a:ea typeface="Monaco" charset="0"/>
-                <a:cs typeface="Monaco" charset="0"/>
-              </a:rPr>
-              <a:t>i</a:t>
-            </a:r>
-            <a:r>
-              <a:rPr lang="en-US" sz="2400" dirty="0">
-                <a:latin typeface="Monaco" charset="0"/>
-                <a:ea typeface="Monaco" charset="0"/>
-                <a:cs typeface="Monaco" charset="0"/>
-              </a:rPr>
-              <a:t>][j]</a:t>
-            </a:r>
-          </a:p>
-        </p:txBody>
-      </p:sp>
+      </p:pic>
+      <p:pic>
+        <p:nvPicPr>
+          <p:cNvPr id="5" name="Picture 4">
+            <a:extLst>
+              <a:ext uri="{FF2B5EF4-FFF2-40B4-BE49-F238E27FC236}">
+                <a16:creationId xmlns:a16="http://schemas.microsoft.com/office/drawing/2014/main" id="{99035C85-FFDA-FF41-B480-89FC854EB29C}"/>
+              </a:ext>
+            </a:extLst>
+          </p:cNvPr>
+          <p:cNvPicPr>
+            <a:picLocks noChangeAspect="1"/>
+          </p:cNvPicPr>
+          <p:nvPr/>
+        </p:nvPicPr>
+        <p:blipFill>
+          <a:blip r:embed="rId4"/>
+          <a:stretch>
+            <a:fillRect/>
+          </a:stretch>
+        </p:blipFill>
+        <p:spPr>
+          <a:xfrm>
+            <a:off x="1666185" y="2971800"/>
+            <a:ext cx="431800" cy="457200"/>
+          </a:xfrm>
+          <a:prstGeom prst="rect">
+            <a:avLst/>
+          </a:prstGeom>
+        </p:spPr>
+      </p:pic>
+      <p:pic>
+        <p:nvPicPr>
+          <p:cNvPr id="7" name="Picture 6">
+            <a:extLst>
+              <a:ext uri="{FF2B5EF4-FFF2-40B4-BE49-F238E27FC236}">
+                <a16:creationId xmlns:a16="http://schemas.microsoft.com/office/drawing/2014/main" id="{909FE0A1-DE6F-DC4F-A1F9-7F83776BA55F}"/>
+              </a:ext>
+            </a:extLst>
+          </p:cNvPr>
+          <p:cNvPicPr>
+            <a:picLocks noChangeAspect="1"/>
+          </p:cNvPicPr>
+          <p:nvPr/>
+        </p:nvPicPr>
+        <p:blipFill>
+          <a:blip r:embed="rId5"/>
+          <a:stretch>
+            <a:fillRect/>
+          </a:stretch>
+        </p:blipFill>
+        <p:spPr>
+          <a:xfrm>
+            <a:off x="1666185" y="3562627"/>
+            <a:ext cx="431800" cy="469900"/>
+          </a:xfrm>
+          <a:prstGeom prst="rect">
+            <a:avLst/>
+          </a:prstGeom>
+        </p:spPr>
+      </p:pic>
     </p:spTree>
     <p:extLst>
       <p:ext uri="{BB962C8B-B14F-4D97-AF65-F5344CB8AC3E}">
-        <p14:creationId xmlns:p14="http://schemas.microsoft.com/office/powerpoint/2010/main" val="321087353"/>
+        <p14:creationId xmlns:p14="http://schemas.microsoft.com/office/powerpoint/2010/main" val="1910129909"/>
       </p:ext>
     </p:extLst>
   </p:cSld>

--- a/lectures/intro.pptx
+++ b/lectures/intro.pptx
@@ -5,10 +5,10 @@
     <p:sldMasterId id="2147483672" r:id="rId1"/>
   </p:sldMasterIdLst>
   <p:notesMasterIdLst>
-    <p:notesMasterId r:id="rId12"/>
+    <p:notesMasterId r:id="rId22"/>
   </p:notesMasterIdLst>
   <p:handoutMasterIdLst>
-    <p:handoutMasterId r:id="rId13"/>
+    <p:handoutMasterId r:id="rId23"/>
   </p:handoutMasterIdLst>
   <p:sldIdLst>
     <p:sldId id="256" r:id="rId2"/>
@@ -19,8 +19,18 @@
     <p:sldId id="291" r:id="rId7"/>
     <p:sldId id="294" r:id="rId8"/>
     <p:sldId id="295" r:id="rId9"/>
-    <p:sldId id="296" r:id="rId10"/>
-    <p:sldId id="289" r:id="rId11"/>
+    <p:sldId id="303" r:id="rId10"/>
+    <p:sldId id="296" r:id="rId11"/>
+    <p:sldId id="297" r:id="rId12"/>
+    <p:sldId id="298" r:id="rId13"/>
+    <p:sldId id="300" r:id="rId14"/>
+    <p:sldId id="299" r:id="rId15"/>
+    <p:sldId id="306" r:id="rId16"/>
+    <p:sldId id="301" r:id="rId17"/>
+    <p:sldId id="302" r:id="rId18"/>
+    <p:sldId id="304" r:id="rId19"/>
+    <p:sldId id="305" r:id="rId20"/>
+    <p:sldId id="289" r:id="rId21"/>
   </p:sldIdLst>
   <p:sldSz cx="12192000" cy="6858000"/>
   <p:notesSz cx="9144000" cy="6858000"/>
@@ -4060,7 +4070,7 @@
           <p:cNvPr id="2" name="Title 1">
             <a:extLst>
               <a:ext uri="{FF2B5EF4-FFF2-40B4-BE49-F238E27FC236}">
-                <a16:creationId xmlns:a16="http://schemas.microsoft.com/office/drawing/2014/main" id="{A4185B4C-535F-FB49-BF4C-2BCB9A05590B}"/>
+                <a16:creationId xmlns:a16="http://schemas.microsoft.com/office/drawing/2014/main" id="{BE3488E0-CCC7-504A-8E04-17A3F65AD0B3}"/>
               </a:ext>
             </a:extLst>
           </p:cNvPr>
@@ -4076,1399 +4086,9 @@
           <a:bodyPr/>
           <a:lstStyle/>
           <a:p>
-            <a:endParaRPr lang="en-US"/>
-          </a:p>
-        </p:txBody>
-      </p:sp>
-      <p:sp>
-        <p:nvSpPr>
-          <p:cNvPr id="3" name="Content Placeholder 2">
-            <a:extLst>
-              <a:ext uri="{FF2B5EF4-FFF2-40B4-BE49-F238E27FC236}">
-                <a16:creationId xmlns:a16="http://schemas.microsoft.com/office/drawing/2014/main" id="{EFE373C9-A5BD-394B-8241-28904E2B959A}"/>
-              </a:ext>
-            </a:extLst>
-          </p:cNvPr>
-          <p:cNvSpPr>
-            <a:spLocks noGrp="1"/>
-          </p:cNvSpPr>
-          <p:nvPr>
-            <p:ph idx="1"/>
-          </p:nvPr>
-        </p:nvSpPr>
-        <p:spPr/>
-        <p:txBody>
-          <a:bodyPr/>
-          <a:lstStyle/>
-          <a:p>
-            <a:endParaRPr lang="en-US" dirty="0"/>
-          </a:p>
-        </p:txBody>
-      </p:sp>
-      <p:sp>
-        <p:nvSpPr>
-          <p:cNvPr id="4" name="TextBox 3">
-            <a:extLst>
-              <a:ext uri="{FF2B5EF4-FFF2-40B4-BE49-F238E27FC236}">
-                <a16:creationId xmlns:a16="http://schemas.microsoft.com/office/drawing/2014/main" id="{B16617ED-8ED9-0245-8C56-CEE9CD7A42B5}"/>
-              </a:ext>
-            </a:extLst>
-          </p:cNvPr>
-          <p:cNvSpPr txBox="1"/>
-          <p:nvPr/>
-        </p:nvSpPr>
-        <p:spPr>
-          <a:xfrm>
-            <a:off x="966141" y="2438888"/>
-            <a:ext cx="5804310" cy="1569660"/>
-          </a:xfrm>
-          <a:prstGeom prst="rect">
-            <a:avLst/>
-          </a:prstGeom>
-          <a:noFill/>
-          <a:ln>
-            <a:solidFill>
-              <a:schemeClr val="accent1"/>
-            </a:solidFill>
-          </a:ln>
-        </p:spPr>
-        <p:txBody>
-          <a:bodyPr wrap="square" rtlCol="0">
-            <a:spAutoFit/>
-          </a:bodyPr>
-          <a:lstStyle/>
-          <a:p>
-            <a:r>
-              <a:rPr lang="en-US" sz="2400" dirty="0">
-                <a:latin typeface="Monaco" charset="0"/>
-                <a:ea typeface="Monaco" charset="0"/>
-                <a:cs typeface="Monaco" charset="0"/>
-              </a:rPr>
-              <a:t>def walk(</a:t>
-            </a:r>
-            <a:r>
-              <a:rPr lang="en-US" sz="2400" dirty="0" err="1">
-                <a:latin typeface="Monaco" charset="0"/>
-                <a:ea typeface="Monaco" charset="0"/>
-                <a:cs typeface="Monaco" charset="0"/>
-              </a:rPr>
-              <a:t>A,nrows,ncols</a:t>
-            </a:r>
-            <a:r>
-              <a:rPr lang="en-US" sz="2400" dirty="0">
-                <a:latin typeface="Monaco" charset="0"/>
-                <a:ea typeface="Monaco" charset="0"/>
-                <a:cs typeface="Monaco" charset="0"/>
-              </a:rPr>
-              <a:t>):</a:t>
-            </a:r>
-          </a:p>
-          <a:p>
-            <a:r>
-              <a:rPr lang="en-US" sz="2400" dirty="0">
-                <a:latin typeface="Monaco" charset="0"/>
-                <a:ea typeface="Monaco" charset="0"/>
-                <a:cs typeface="Monaco" charset="0"/>
-              </a:rPr>
-              <a:t>    for </a:t>
-            </a:r>
-            <a:r>
-              <a:rPr lang="en-US" sz="2400" dirty="0" err="1">
-                <a:latin typeface="Monaco" charset="0"/>
-                <a:ea typeface="Monaco" charset="0"/>
-                <a:cs typeface="Monaco" charset="0"/>
-              </a:rPr>
-              <a:t>i</a:t>
-            </a:r>
-            <a:r>
-              <a:rPr lang="en-US" sz="2400" dirty="0">
-                <a:latin typeface="Monaco" charset="0"/>
-                <a:ea typeface="Monaco" charset="0"/>
-                <a:cs typeface="Monaco" charset="0"/>
-              </a:rPr>
-              <a:t> in range(</a:t>
-            </a:r>
-            <a:r>
-              <a:rPr lang="en-US" sz="2400" dirty="0" err="1">
-                <a:latin typeface="Monaco" charset="0"/>
-                <a:ea typeface="Monaco" charset="0"/>
-                <a:cs typeface="Monaco" charset="0"/>
-              </a:rPr>
-              <a:t>nrows</a:t>
-            </a:r>
-            <a:r>
-              <a:rPr lang="en-US" sz="2400" dirty="0">
-                <a:latin typeface="Monaco" charset="0"/>
-                <a:ea typeface="Monaco" charset="0"/>
-                <a:cs typeface="Monaco" charset="0"/>
-              </a:rPr>
-              <a:t>):</a:t>
-            </a:r>
-          </a:p>
-          <a:p>
-            <a:r>
-              <a:rPr lang="en-US" sz="2400" dirty="0">
-                <a:latin typeface="Monaco" charset="0"/>
-                <a:ea typeface="Monaco" charset="0"/>
-                <a:cs typeface="Monaco" charset="0"/>
-              </a:rPr>
-              <a:t>        for j in range(</a:t>
-            </a:r>
-            <a:r>
-              <a:rPr lang="en-US" sz="2400" dirty="0" err="1">
-                <a:latin typeface="Monaco" charset="0"/>
-                <a:ea typeface="Monaco" charset="0"/>
-                <a:cs typeface="Monaco" charset="0"/>
-              </a:rPr>
-              <a:t>ncols</a:t>
-            </a:r>
-            <a:r>
-              <a:rPr lang="en-US" sz="2400" dirty="0">
-                <a:latin typeface="Monaco" charset="0"/>
-                <a:ea typeface="Monaco" charset="0"/>
-                <a:cs typeface="Monaco" charset="0"/>
-              </a:rPr>
-              <a:t>):</a:t>
-            </a:r>
-          </a:p>
-          <a:p>
-            <a:r>
-              <a:rPr lang="en-US" sz="2400" dirty="0">
-                <a:latin typeface="Monaco" charset="0"/>
-                <a:ea typeface="Monaco" charset="0"/>
-                <a:cs typeface="Monaco" charset="0"/>
-              </a:rPr>
-              <a:t>            # process A[</a:t>
-            </a:r>
-            <a:r>
-              <a:rPr lang="en-US" sz="2400" dirty="0" err="1">
-                <a:latin typeface="Monaco" charset="0"/>
-                <a:ea typeface="Monaco" charset="0"/>
-                <a:cs typeface="Monaco" charset="0"/>
-              </a:rPr>
-              <a:t>i</a:t>
-            </a:r>
-            <a:r>
-              <a:rPr lang="en-US" sz="2400" dirty="0">
-                <a:latin typeface="Monaco" charset="0"/>
-                <a:ea typeface="Monaco" charset="0"/>
-                <a:cs typeface="Monaco" charset="0"/>
-              </a:rPr>
-              <a:t>][j]</a:t>
-            </a:r>
-          </a:p>
-        </p:txBody>
-      </p:sp>
-    </p:spTree>
-    <p:extLst>
-      <p:ext uri="{BB962C8B-B14F-4D97-AF65-F5344CB8AC3E}">
-        <p14:creationId xmlns:p14="http://schemas.microsoft.com/office/powerpoint/2010/main" val="321087353"/>
-      </p:ext>
-    </p:extLst>
-  </p:cSld>
-  <p:clrMapOvr>
-    <a:masterClrMapping/>
-  </p:clrMapOvr>
-</p:sld>
-</file>
-
-<file path=ppt/slides/slide2.xml><?xml version="1.0" encoding="utf-8"?>
-<p:sld xmlns:a="http://schemas.openxmlformats.org/drawingml/2006/main" xmlns:r="http://schemas.openxmlformats.org/officeDocument/2006/relationships" xmlns:p="http://schemas.openxmlformats.org/presentationml/2006/main">
-  <p:cSld>
-    <p:spTree>
-      <p:nvGrpSpPr>
-        <p:cNvPr id="1" name=""/>
-        <p:cNvGrpSpPr/>
-        <p:nvPr/>
-      </p:nvGrpSpPr>
-      <p:grpSpPr>
-        <a:xfrm>
-          <a:off x="0" y="0"/>
-          <a:ext cx="0" cy="0"/>
-          <a:chOff x="0" y="0"/>
-          <a:chExt cx="0" cy="0"/>
-        </a:xfrm>
-      </p:grpSpPr>
-      <p:sp>
-        <p:nvSpPr>
-          <p:cNvPr id="2" name="Title 1">
-            <a:extLst>
-              <a:ext uri="{FF2B5EF4-FFF2-40B4-BE49-F238E27FC236}">
-                <a16:creationId xmlns:a16="http://schemas.microsoft.com/office/drawing/2014/main" id="{AB203521-C5E7-CF43-945D-117CF27B2000}"/>
-              </a:ext>
-            </a:extLst>
-          </p:cNvPr>
-          <p:cNvSpPr>
-            <a:spLocks noGrp="1"/>
-          </p:cNvSpPr>
-          <p:nvPr>
-            <p:ph type="title"/>
-          </p:nvPr>
-        </p:nvSpPr>
-        <p:spPr/>
-        <p:txBody>
-          <a:bodyPr/>
-          <a:lstStyle/>
-          <a:p>
-            <a:r>
-              <a:rPr lang="en-US" dirty="0"/>
-              <a:t>The goal of machine learning</a:t>
-            </a:r>
-          </a:p>
-        </p:txBody>
-      </p:sp>
-      <p:sp>
-        <p:nvSpPr>
-          <p:cNvPr id="3" name="Content Placeholder 2">
-            <a:extLst>
-              <a:ext uri="{FF2B5EF4-FFF2-40B4-BE49-F238E27FC236}">
-                <a16:creationId xmlns:a16="http://schemas.microsoft.com/office/drawing/2014/main" id="{AE1D1A2F-CB6C-CA4F-86B0-9D2A5E86C942}"/>
-              </a:ext>
-            </a:extLst>
-          </p:cNvPr>
-          <p:cNvSpPr>
-            <a:spLocks noGrp="1"/>
-          </p:cNvSpPr>
-          <p:nvPr>
-            <p:ph idx="1"/>
-          </p:nvPr>
-        </p:nvSpPr>
-        <p:spPr/>
-        <p:txBody>
-          <a:bodyPr/>
-          <a:lstStyle/>
-          <a:p>
-            <a:r>
-              <a:rPr lang="en-US" dirty="0"/>
-              <a:t>Obtain a model that predicts numeric values (regressor) or categories (classifier) from information about an entity:</a:t>
-            </a:r>
-          </a:p>
-        </p:txBody>
-      </p:sp>
-      <p:pic>
-        <p:nvPicPr>
-          <p:cNvPr id="4" name="Picture 3">
-            <a:extLst>
-              <a:ext uri="{FF2B5EF4-FFF2-40B4-BE49-F238E27FC236}">
-                <a16:creationId xmlns:a16="http://schemas.microsoft.com/office/drawing/2014/main" id="{1D44E256-A7B3-7D48-9804-7DDF303A4F9C}"/>
-              </a:ext>
-            </a:extLst>
-          </p:cNvPr>
-          <p:cNvPicPr>
-            <a:picLocks noChangeAspect="1"/>
-          </p:cNvPicPr>
-          <p:nvPr/>
-        </p:nvPicPr>
-        <p:blipFill>
-          <a:blip r:embed="rId2"/>
-          <a:stretch>
-            <a:fillRect/>
-          </a:stretch>
-        </p:blipFill>
-        <p:spPr>
-          <a:xfrm>
-            <a:off x="6361044" y="2928628"/>
-            <a:ext cx="4794405" cy="1728216"/>
-          </a:xfrm>
-          <a:prstGeom prst="rect">
-            <a:avLst/>
-          </a:prstGeom>
-        </p:spPr>
-      </p:pic>
-      <p:pic>
-        <p:nvPicPr>
-          <p:cNvPr id="5" name="Graphic 4">
-            <a:extLst>
-              <a:ext uri="{FF2B5EF4-FFF2-40B4-BE49-F238E27FC236}">
-                <a16:creationId xmlns:a16="http://schemas.microsoft.com/office/drawing/2014/main" id="{F65E5F39-B394-CE41-B54D-82950907987A}"/>
-              </a:ext>
-            </a:extLst>
-          </p:cNvPr>
-          <p:cNvPicPr>
-            <a:picLocks noChangeAspect="1"/>
-          </p:cNvPicPr>
-          <p:nvPr/>
-        </p:nvPicPr>
-        <p:blipFill>
-          <a:blip r:embed="rId3">
-            <a:extLst>
-              <a:ext uri="{96DAC541-7B7A-43D3-8B79-37D633B846F1}">
-                <asvg:svgBlip xmlns:asvg="http://schemas.microsoft.com/office/drawing/2016/SVG/main" r:embed="rId4"/>
-              </a:ext>
-            </a:extLst>
-          </a:blip>
-          <a:stretch>
-            <a:fillRect/>
-          </a:stretch>
-        </p:blipFill>
-        <p:spPr>
-          <a:xfrm>
-            <a:off x="1146313" y="2978323"/>
-            <a:ext cx="4308738" cy="1772582"/>
-          </a:xfrm>
-          <a:prstGeom prst="rect">
-            <a:avLst/>
-          </a:prstGeom>
-        </p:spPr>
-      </p:pic>
-    </p:spTree>
-    <p:extLst>
-      <p:ext uri="{BB962C8B-B14F-4D97-AF65-F5344CB8AC3E}">
-        <p14:creationId xmlns:p14="http://schemas.microsoft.com/office/powerpoint/2010/main" val="298508201"/>
-      </p:ext>
-    </p:extLst>
-  </p:cSld>
-  <p:clrMapOvr>
-    <a:masterClrMapping/>
-  </p:clrMapOvr>
-</p:sld>
-</file>
-
-<file path=ppt/slides/slide3.xml><?xml version="1.0" encoding="utf-8"?>
-<p:sld xmlns:a="http://schemas.openxmlformats.org/drawingml/2006/main" xmlns:r="http://schemas.openxmlformats.org/officeDocument/2006/relationships" xmlns:p="http://schemas.openxmlformats.org/presentationml/2006/main">
-  <p:cSld>
-    <p:spTree>
-      <p:nvGrpSpPr>
-        <p:cNvPr id="1" name=""/>
-        <p:cNvGrpSpPr/>
-        <p:nvPr/>
-      </p:nvGrpSpPr>
-      <p:grpSpPr>
-        <a:xfrm>
-          <a:off x="0" y="0"/>
-          <a:ext cx="0" cy="0"/>
-          <a:chOff x="0" y="0"/>
-          <a:chExt cx="0" cy="0"/>
-        </a:xfrm>
-      </p:grpSpPr>
-      <p:sp>
-        <p:nvSpPr>
-          <p:cNvPr id="2" name="Title 1">
-            <a:extLst>
-              <a:ext uri="{FF2B5EF4-FFF2-40B4-BE49-F238E27FC236}">
-                <a16:creationId xmlns:a16="http://schemas.microsoft.com/office/drawing/2014/main" id="{28E269BC-FCD0-3641-BD6D-5B96C2417018}"/>
-              </a:ext>
-            </a:extLst>
-          </p:cNvPr>
-          <p:cNvSpPr>
-            <a:spLocks noGrp="1"/>
-          </p:cNvSpPr>
-          <p:nvPr>
-            <p:ph type="title"/>
-          </p:nvPr>
-        </p:nvSpPr>
-        <p:spPr/>
-        <p:txBody>
-          <a:bodyPr/>
-          <a:lstStyle/>
-          <a:p>
-            <a:r>
-              <a:rPr lang="en-US" dirty="0"/>
-              <a:t>The abstraction</a:t>
-            </a:r>
-          </a:p>
-        </p:txBody>
-      </p:sp>
-      <p:sp>
-        <p:nvSpPr>
-          <p:cNvPr id="3" name="Content Placeholder 2">
-            <a:extLst>
-              <a:ext uri="{FF2B5EF4-FFF2-40B4-BE49-F238E27FC236}">
-                <a16:creationId xmlns:a16="http://schemas.microsoft.com/office/drawing/2014/main" id="{011453FF-9B1C-204B-BAC3-7506D02A781A}"/>
-              </a:ext>
-            </a:extLst>
-          </p:cNvPr>
-          <p:cNvSpPr>
-            <a:spLocks noGrp="1"/>
-          </p:cNvSpPr>
-          <p:nvPr>
-            <p:ph idx="1"/>
-          </p:nvPr>
-        </p:nvSpPr>
-        <p:spPr/>
-        <p:txBody>
-          <a:bodyPr/>
-          <a:lstStyle/>
-          <a:p>
-            <a:r>
-              <a:rPr lang="en-US" dirty="0"/>
-              <a:t>Training a model means capturing relationship between feature vectors and some target variables given a training data set</a:t>
-            </a:r>
-          </a:p>
-          <a:p>
-            <a:r>
-              <a:rPr lang="en-US" b="1" dirty="0"/>
-              <a:t>Feature vector </a:t>
-            </a:r>
-            <a:r>
-              <a:rPr lang="en-US" dirty="0"/>
-              <a:t>x: set of features or attributes characterizing an entity, such as square footage, num of bedrooms, bathrooms</a:t>
-            </a:r>
-          </a:p>
-          <a:p>
-            <a:r>
-              <a:rPr lang="en-US" b="1" dirty="0"/>
-              <a:t>Target</a:t>
-            </a:r>
-            <a:r>
-              <a:rPr lang="en-US" dirty="0"/>
-              <a:t> y: either a scalar value like rent price (regressor), or it's an integer indicating “creditworthy” or “it's not cancer” (classifier)</a:t>
-            </a:r>
-          </a:p>
-          <a:p>
-            <a:r>
-              <a:rPr lang="en-US" dirty="0"/>
-              <a:t>Model capture this relationship: </a:t>
-            </a:r>
-            <a:r>
-              <a:rPr lang="en-US" dirty="0" err="1"/>
-              <a:t>x_i</a:t>
-            </a:r>
-            <a:r>
-              <a:rPr lang="en-US" dirty="0"/>
-              <a:t> -&gt; </a:t>
-            </a:r>
-            <a:r>
-              <a:rPr lang="en-US" dirty="0" err="1"/>
-              <a:t>y_i</a:t>
-            </a:r>
-            <a:endParaRPr lang="en-US" dirty="0"/>
-          </a:p>
-        </p:txBody>
-      </p:sp>
-    </p:spTree>
-    <p:extLst>
-      <p:ext uri="{BB962C8B-B14F-4D97-AF65-F5344CB8AC3E}">
-        <p14:creationId xmlns:p14="http://schemas.microsoft.com/office/powerpoint/2010/main" val="3002228280"/>
-      </p:ext>
-    </p:extLst>
-  </p:cSld>
-  <p:clrMapOvr>
-    <a:masterClrMapping/>
-  </p:clrMapOvr>
-</p:sld>
-</file>
-
-<file path=ppt/slides/slide4.xml><?xml version="1.0" encoding="utf-8"?>
-<p:sld xmlns:a="http://schemas.openxmlformats.org/drawingml/2006/main" xmlns:r="http://schemas.openxmlformats.org/officeDocument/2006/relationships" xmlns:p="http://schemas.openxmlformats.org/presentationml/2006/main">
-  <p:cSld>
-    <p:spTree>
-      <p:nvGrpSpPr>
-        <p:cNvPr id="1" name=""/>
-        <p:cNvGrpSpPr/>
-        <p:nvPr/>
-      </p:nvGrpSpPr>
-      <p:grpSpPr>
-        <a:xfrm>
-          <a:off x="0" y="0"/>
-          <a:ext cx="0" cy="0"/>
-          <a:chOff x="0" y="0"/>
-          <a:chExt cx="0" cy="0"/>
-        </a:xfrm>
-      </p:grpSpPr>
-      <p:sp>
-        <p:nvSpPr>
-          <p:cNvPr id="2" name="Title 1">
-            <a:extLst>
-              <a:ext uri="{FF2B5EF4-FFF2-40B4-BE49-F238E27FC236}">
-                <a16:creationId xmlns:a16="http://schemas.microsoft.com/office/drawing/2014/main" id="{484803F9-EC0B-E546-9120-BC7A9DDA7B4B}"/>
-              </a:ext>
-            </a:extLst>
-          </p:cNvPr>
-          <p:cNvSpPr>
-            <a:spLocks noGrp="1"/>
-          </p:cNvSpPr>
-          <p:nvPr>
-            <p:ph type="title"/>
-          </p:nvPr>
-        </p:nvSpPr>
-        <p:spPr/>
-        <p:txBody>
-          <a:bodyPr/>
-          <a:lstStyle/>
-          <a:p>
-            <a:r>
-              <a:rPr lang="en-US" dirty="0"/>
-              <a:t>Regression versus classification</a:t>
-            </a:r>
-          </a:p>
-        </p:txBody>
-      </p:sp>
-      <p:sp>
-        <p:nvSpPr>
-          <p:cNvPr id="3" name="Content Placeholder 2">
-            <a:extLst>
-              <a:ext uri="{FF2B5EF4-FFF2-40B4-BE49-F238E27FC236}">
-                <a16:creationId xmlns:a16="http://schemas.microsoft.com/office/drawing/2014/main" id="{18E58408-1F5B-5F43-B21B-AA23FF248133}"/>
-              </a:ext>
-            </a:extLst>
-          </p:cNvPr>
-          <p:cNvSpPr>
-            <a:spLocks noGrp="1"/>
-          </p:cNvSpPr>
-          <p:nvPr>
-            <p:ph idx="1"/>
-          </p:nvPr>
-        </p:nvSpPr>
-        <p:spPr/>
-        <p:txBody>
-          <a:bodyPr/>
-          <a:lstStyle/>
-          <a:p>
-            <a:r>
-              <a:rPr lang="en-US" dirty="0"/>
-              <a:t>Predictors fit curves to data and classifiers draw decision boundaries between data points in different categories</a:t>
-            </a:r>
-          </a:p>
-          <a:p>
-            <a:r>
-              <a:rPr lang="en-US" dirty="0"/>
-              <a:t>Two sides of the same coin</a:t>
-            </a:r>
-          </a:p>
-        </p:txBody>
-      </p:sp>
-      <p:pic>
-        <p:nvPicPr>
-          <p:cNvPr id="6" name="Graphic 5">
-            <a:extLst>
-              <a:ext uri="{FF2B5EF4-FFF2-40B4-BE49-F238E27FC236}">
-                <a16:creationId xmlns:a16="http://schemas.microsoft.com/office/drawing/2014/main" id="{7F1122B5-DB61-8646-AE03-0343A7BC0816}"/>
-              </a:ext>
-            </a:extLst>
-          </p:cNvPr>
-          <p:cNvPicPr>
-            <a:picLocks noChangeAspect="1"/>
-          </p:cNvPicPr>
-          <p:nvPr/>
-        </p:nvPicPr>
-        <p:blipFill>
-          <a:blip r:embed="rId2">
-            <a:extLst>
-              <a:ext uri="{96DAC541-7B7A-43D3-8B79-37D633B846F1}">
-                <asvg:svgBlip xmlns:asvg="http://schemas.microsoft.com/office/drawing/2016/SVG/main" r:embed="rId3"/>
-              </a:ext>
-            </a:extLst>
-          </a:blip>
-          <a:stretch>
-            <a:fillRect/>
-          </a:stretch>
-        </p:blipFill>
-        <p:spPr>
-          <a:xfrm>
-            <a:off x="1519030" y="3392280"/>
-            <a:ext cx="3430454" cy="2604604"/>
-          </a:xfrm>
-          <a:prstGeom prst="rect">
-            <a:avLst/>
-          </a:prstGeom>
-        </p:spPr>
-      </p:pic>
-      <p:pic>
-        <p:nvPicPr>
-          <p:cNvPr id="7" name="Graphic 6">
-            <a:extLst>
-              <a:ext uri="{FF2B5EF4-FFF2-40B4-BE49-F238E27FC236}">
-                <a16:creationId xmlns:a16="http://schemas.microsoft.com/office/drawing/2014/main" id="{131686B8-B9BF-B14E-AC13-BD1B577CCDCE}"/>
-              </a:ext>
-            </a:extLst>
-          </p:cNvPr>
-          <p:cNvPicPr>
-            <a:picLocks noChangeAspect="1"/>
-          </p:cNvPicPr>
-          <p:nvPr/>
-        </p:nvPicPr>
-        <p:blipFill>
-          <a:blip r:embed="rId4">
-            <a:extLst>
-              <a:ext uri="{96DAC541-7B7A-43D3-8B79-37D633B846F1}">
-                <asvg:svgBlip xmlns:asvg="http://schemas.microsoft.com/office/drawing/2016/SVG/main" r:embed="rId5"/>
-              </a:ext>
-            </a:extLst>
-          </a:blip>
-          <a:stretch>
-            <a:fillRect/>
-          </a:stretch>
-        </p:blipFill>
-        <p:spPr>
-          <a:xfrm>
-            <a:off x="5941943" y="3392280"/>
-            <a:ext cx="3430454" cy="2604604"/>
-          </a:xfrm>
-          <a:prstGeom prst="rect">
-            <a:avLst/>
-          </a:prstGeom>
-        </p:spPr>
-      </p:pic>
-    </p:spTree>
-    <p:extLst>
-      <p:ext uri="{BB962C8B-B14F-4D97-AF65-F5344CB8AC3E}">
-        <p14:creationId xmlns:p14="http://schemas.microsoft.com/office/powerpoint/2010/main" val="3721359882"/>
-      </p:ext>
-    </p:extLst>
-  </p:cSld>
-  <p:clrMapOvr>
-    <a:masterClrMapping/>
-  </p:clrMapOvr>
-</p:sld>
-</file>
-
-<file path=ppt/slides/slide5.xml><?xml version="1.0" encoding="utf-8"?>
-<p:sld xmlns:a="http://schemas.openxmlformats.org/drawingml/2006/main" xmlns:r="http://schemas.openxmlformats.org/officeDocument/2006/relationships" xmlns:p="http://schemas.openxmlformats.org/presentationml/2006/main">
-  <p:cSld>
-    <p:spTree>
-      <p:nvGrpSpPr>
-        <p:cNvPr id="1" name=""/>
-        <p:cNvGrpSpPr/>
-        <p:nvPr/>
-      </p:nvGrpSpPr>
-      <p:grpSpPr>
-        <a:xfrm>
-          <a:off x="0" y="0"/>
-          <a:ext cx="0" cy="0"/>
-          <a:chOff x="0" y="0"/>
-          <a:chExt cx="0" cy="0"/>
-        </a:xfrm>
-      </p:grpSpPr>
-      <p:sp>
-        <p:nvSpPr>
-          <p:cNvPr id="2" name="Title 1">
-            <a:extLst>
-              <a:ext uri="{FF2B5EF4-FFF2-40B4-BE49-F238E27FC236}">
-                <a16:creationId xmlns:a16="http://schemas.microsoft.com/office/drawing/2014/main" id="{55528133-89D7-A447-BA0A-B6F2C95F49A6}"/>
-              </a:ext>
-            </a:extLst>
-          </p:cNvPr>
-          <p:cNvSpPr>
-            <a:spLocks noGrp="1"/>
-          </p:cNvSpPr>
-          <p:nvPr>
-            <p:ph type="title"/>
-          </p:nvPr>
-        </p:nvSpPr>
-        <p:spPr/>
-        <p:txBody>
-          <a:bodyPr/>
-          <a:lstStyle/>
-          <a:p>
-            <a:r>
-              <a:rPr lang="en-US" dirty="0"/>
-              <a:t>Models</a:t>
-            </a:r>
-          </a:p>
-        </p:txBody>
-      </p:sp>
-      <p:sp>
-        <p:nvSpPr>
-          <p:cNvPr id="3" name="Content Placeholder 2">
-            <a:extLst>
-              <a:ext uri="{FF2B5EF4-FFF2-40B4-BE49-F238E27FC236}">
-                <a16:creationId xmlns:a16="http://schemas.microsoft.com/office/drawing/2014/main" id="{B55B58AC-E5CA-BA43-981A-A3E686F7ED72}"/>
-              </a:ext>
-            </a:extLst>
-          </p:cNvPr>
-          <p:cNvSpPr>
-            <a:spLocks noGrp="1"/>
-          </p:cNvSpPr>
-          <p:nvPr>
-            <p:ph idx="1"/>
-          </p:nvPr>
-        </p:nvSpPr>
-        <p:spPr/>
-        <p:txBody>
-          <a:bodyPr/>
-          <a:lstStyle/>
-          <a:p>
-            <a:r>
-              <a:rPr lang="en-US" dirty="0"/>
-              <a:t>Models have architecture: deep learning: number of layers, number of neurons per layer, which nonlinearity</a:t>
-            </a:r>
-          </a:p>
-          <a:p>
-            <a:r>
-              <a:rPr lang="en-US" dirty="0"/>
-              <a:t>Models also have hyper-parameters, which dictate the overall architecture or other aspects of the model.</a:t>
-            </a:r>
-          </a:p>
-          <a:p>
-            <a:r>
-              <a:rPr lang="en-US" dirty="0"/>
-              <a:t>Hyper-parameters are specified by the programmer, not computed from the training data</a:t>
-            </a:r>
-          </a:p>
-          <a:p>
-            <a:r>
-              <a:rPr lang="en-US" dirty="0"/>
-              <a:t>Deep learning training greatly affected by learning rate, and even things like parameter initialization</a:t>
-            </a:r>
-          </a:p>
-          <a:p>
-            <a:r>
-              <a:rPr lang="en-US" dirty="0"/>
-              <a:t>Must be tuned</a:t>
-            </a:r>
-          </a:p>
-          <a:p>
-            <a:endParaRPr lang="en-US" dirty="0"/>
-          </a:p>
-        </p:txBody>
-      </p:sp>
-    </p:spTree>
-    <p:extLst>
-      <p:ext uri="{BB962C8B-B14F-4D97-AF65-F5344CB8AC3E}">
-        <p14:creationId xmlns:p14="http://schemas.microsoft.com/office/powerpoint/2010/main" val="2565264894"/>
-      </p:ext>
-    </p:extLst>
-  </p:cSld>
-  <p:clrMapOvr>
-    <a:masterClrMapping/>
-  </p:clrMapOvr>
-</p:sld>
-</file>
-
-<file path=ppt/slides/slide6.xml><?xml version="1.0" encoding="utf-8"?>
-<p:sld xmlns:a="http://schemas.openxmlformats.org/drawingml/2006/main" xmlns:r="http://schemas.openxmlformats.org/officeDocument/2006/relationships" xmlns:p="http://schemas.openxmlformats.org/presentationml/2006/main">
-  <p:cSld>
-    <p:spTree>
-      <p:nvGrpSpPr>
-        <p:cNvPr id="1" name=""/>
-        <p:cNvGrpSpPr/>
-        <p:nvPr/>
-      </p:nvGrpSpPr>
-      <p:grpSpPr>
-        <a:xfrm>
-          <a:off x="0" y="0"/>
-          <a:ext cx="0" cy="0"/>
-          <a:chOff x="0" y="0"/>
-          <a:chExt cx="0" cy="0"/>
-        </a:xfrm>
-      </p:grpSpPr>
-      <p:sp>
-        <p:nvSpPr>
-          <p:cNvPr id="2" name="Title 1">
-            <a:extLst>
-              <a:ext uri="{FF2B5EF4-FFF2-40B4-BE49-F238E27FC236}">
-                <a16:creationId xmlns:a16="http://schemas.microsoft.com/office/drawing/2014/main" id="{72872A69-5764-9F48-B704-2F889DB1A960}"/>
-              </a:ext>
-            </a:extLst>
-          </p:cNvPr>
-          <p:cNvSpPr>
-            <a:spLocks noGrp="1"/>
-          </p:cNvSpPr>
-          <p:nvPr>
-            <p:ph type="title"/>
-          </p:nvPr>
-        </p:nvSpPr>
-        <p:spPr/>
-        <p:txBody>
-          <a:bodyPr/>
-          <a:lstStyle/>
-          <a:p>
-            <a:r>
-              <a:rPr lang="en-US" dirty="0"/>
-              <a:t>Training</a:t>
-            </a:r>
-          </a:p>
-        </p:txBody>
-      </p:sp>
-      <p:sp>
-        <p:nvSpPr>
-          <p:cNvPr id="3" name="Content Placeholder 2">
-            <a:extLst>
-              <a:ext uri="{FF2B5EF4-FFF2-40B4-BE49-F238E27FC236}">
-                <a16:creationId xmlns:a16="http://schemas.microsoft.com/office/drawing/2014/main" id="{DF8A031C-9DE9-5646-9FCB-3A9ADBE9D37F}"/>
-              </a:ext>
-            </a:extLst>
-          </p:cNvPr>
-          <p:cNvSpPr>
-            <a:spLocks noGrp="1"/>
-          </p:cNvSpPr>
-          <p:nvPr>
-            <p:ph idx="1"/>
-          </p:nvPr>
-        </p:nvSpPr>
-        <p:spPr/>
-        <p:txBody>
-          <a:bodyPr/>
-          <a:lstStyle/>
-          <a:p>
-            <a:r>
-              <a:rPr lang="en-US" i="1" dirty="0"/>
-              <a:t>Underfitting</a:t>
-            </a:r>
-            <a:r>
-              <a:rPr lang="en-US" dirty="0"/>
-              <a:t>: model unable to capture relationship (assuming there is a relationship to be had)</a:t>
-            </a:r>
-          </a:p>
-          <a:p>
-            <a:r>
-              <a:rPr lang="en-US" i="1" dirty="0"/>
-              <a:t>Overfitting</a:t>
-            </a:r>
-            <a:r>
-              <a:rPr lang="en-US" dirty="0"/>
-              <a:t>: model is too specific to the training data and doesn't generalize well</a:t>
-            </a:r>
-          </a:p>
-          <a:p>
-            <a:r>
-              <a:rPr lang="en-US" dirty="0"/>
-              <a:t>To </a:t>
-            </a:r>
-            <a:r>
-              <a:rPr lang="en-US" i="1" dirty="0"/>
-              <a:t>generalize</a:t>
-            </a:r>
-            <a:r>
-              <a:rPr lang="en-US" dirty="0"/>
-              <a:t> means we get accurate predictions for feature vectors not found in the training set</a:t>
-            </a:r>
-          </a:p>
-        </p:txBody>
-      </p:sp>
-    </p:spTree>
-    <p:extLst>
-      <p:ext uri="{BB962C8B-B14F-4D97-AF65-F5344CB8AC3E}">
-        <p14:creationId xmlns:p14="http://schemas.microsoft.com/office/powerpoint/2010/main" val="2313113274"/>
-      </p:ext>
-    </p:extLst>
-  </p:cSld>
-  <p:clrMapOvr>
-    <a:masterClrMapping/>
-  </p:clrMapOvr>
-</p:sld>
-</file>
-
-<file path=ppt/slides/slide7.xml><?xml version="1.0" encoding="utf-8"?>
-<p:sld xmlns:a="http://schemas.openxmlformats.org/drawingml/2006/main" xmlns:r="http://schemas.openxmlformats.org/officeDocument/2006/relationships" xmlns:p="http://schemas.openxmlformats.org/presentationml/2006/main">
-  <p:cSld>
-    <p:spTree>
-      <p:nvGrpSpPr>
-        <p:cNvPr id="1" name=""/>
-        <p:cNvGrpSpPr/>
-        <p:nvPr/>
-      </p:nvGrpSpPr>
-      <p:grpSpPr>
-        <a:xfrm>
-          <a:off x="0" y="0"/>
-          <a:ext cx="0" cy="0"/>
-          <a:chOff x="0" y="0"/>
-          <a:chExt cx="0" cy="0"/>
-        </a:xfrm>
-      </p:grpSpPr>
-      <p:sp>
-        <p:nvSpPr>
-          <p:cNvPr id="2" name="Title 1"/>
-          <p:cNvSpPr>
-            <a:spLocks noGrp="1"/>
-          </p:cNvSpPr>
-          <p:nvPr>
-            <p:ph type="title"/>
-          </p:nvPr>
-        </p:nvSpPr>
-        <p:spPr/>
-        <p:txBody>
-          <a:bodyPr/>
-          <a:lstStyle/>
-          <a:p>
-            <a:r>
-              <a:rPr lang="en-US" dirty="0"/>
-              <a:t>Train, validate, test</a:t>
-            </a:r>
-          </a:p>
-        </p:txBody>
-      </p:sp>
-      <p:sp>
-        <p:nvSpPr>
-          <p:cNvPr id="3" name="Content Placeholder 2"/>
-          <p:cNvSpPr>
-            <a:spLocks noGrp="1"/>
-          </p:cNvSpPr>
-          <p:nvPr>
-            <p:ph idx="1"/>
-          </p:nvPr>
-        </p:nvSpPr>
-        <p:spPr>
-          <a:xfrm>
-            <a:off x="838200" y="1640295"/>
-            <a:ext cx="10515600" cy="4671295"/>
-          </a:xfrm>
-        </p:spPr>
-        <p:txBody>
-          <a:bodyPr>
-            <a:normAutofit fontScale="92500" lnSpcReduction="10000"/>
-          </a:bodyPr>
-          <a:lstStyle/>
-          <a:p>
-            <a:r>
-              <a:rPr lang="en-US" i="1" dirty="0"/>
-              <a:t>This might be the most important slide!</a:t>
-            </a:r>
-          </a:p>
-          <a:p>
-            <a:r>
-              <a:rPr lang="en-US" dirty="0"/>
-              <a:t>We always need 3 data sets with known answers:</a:t>
-            </a:r>
-          </a:p>
-          <a:p>
-            <a:pPr lvl="1"/>
-            <a:r>
-              <a:rPr lang="en-US" dirty="0"/>
-              <a:t>training</a:t>
-            </a:r>
-          </a:p>
-          <a:p>
-            <a:pPr lvl="1"/>
-            <a:r>
-              <a:rPr lang="en-US" dirty="0"/>
-              <a:t>validation (as shorthand you’ll hear me / others call this test set)</a:t>
-            </a:r>
-          </a:p>
-          <a:p>
-            <a:pPr lvl="1"/>
-            <a:r>
-              <a:rPr lang="en-US" dirty="0"/>
-              <a:t>testing (put in a vault and </a:t>
-            </a:r>
-            <a:r>
-              <a:rPr lang="en-US" b="1" dirty="0"/>
-              <a:t>don’t peek</a:t>
-            </a:r>
-            <a:r>
-              <a:rPr lang="en-US" dirty="0"/>
-              <a:t>!!)</a:t>
-            </a:r>
-          </a:p>
-          <a:p>
-            <a:r>
-              <a:rPr lang="en-US" dirty="0"/>
-              <a:t>Validation set: used to evaluate, tune models and features</a:t>
-            </a:r>
-          </a:p>
-          <a:p>
-            <a:pPr lvl="1"/>
-            <a:r>
-              <a:rPr lang="en-US" dirty="0"/>
-              <a:t>Any changes you make to model tailor it to this specific validation set</a:t>
-            </a:r>
-          </a:p>
-          <a:p>
-            <a:r>
-              <a:rPr lang="en-US" dirty="0"/>
-              <a:t>Test set: used exactly </a:t>
-            </a:r>
-            <a:r>
-              <a:rPr lang="en-US" b="1" dirty="0"/>
-              <a:t>once</a:t>
-            </a:r>
-            <a:r>
-              <a:rPr lang="en-US" dirty="0"/>
-              <a:t> after you think you have best model</a:t>
-            </a:r>
-          </a:p>
-          <a:p>
-            <a:pPr lvl="1"/>
-            <a:r>
-              <a:rPr lang="en-US" dirty="0"/>
-              <a:t>The only true measure of model’s generality, how it’ll perform in production</a:t>
-            </a:r>
-          </a:p>
-          <a:p>
-            <a:pPr lvl="1"/>
-            <a:r>
-              <a:rPr lang="en-US" dirty="0"/>
-              <a:t>Never use test set to tune model</a:t>
-            </a:r>
-          </a:p>
-          <a:p>
-            <a:r>
-              <a:rPr lang="en-US" dirty="0"/>
-              <a:t>Production: recombine all sets back into a big training set again, retrain model but don’t change it according to test set metrics</a:t>
-            </a:r>
-          </a:p>
-          <a:p>
-            <a:endParaRPr lang="en-US" dirty="0"/>
-          </a:p>
-        </p:txBody>
-      </p:sp>
-      <p:pic>
-        <p:nvPicPr>
-          <p:cNvPr id="10" name="Picture 9"/>
-          <p:cNvPicPr>
-            <a:picLocks noChangeAspect="1"/>
-          </p:cNvPicPr>
-          <p:nvPr/>
-        </p:nvPicPr>
-        <p:blipFill>
-          <a:blip r:embed="rId2">
-            <a:extLst>
-              <a:ext uri="{28A0092B-C50C-407E-A947-70E740481C1C}">
-                <a14:useLocalDpi xmlns:a14="http://schemas.microsoft.com/office/drawing/2010/main" val="0"/>
-              </a:ext>
-            </a:extLst>
-          </a:blip>
-          <a:stretch>
-            <a:fillRect/>
-          </a:stretch>
-        </p:blipFill>
-        <p:spPr>
-          <a:xfrm>
-            <a:off x="9357732" y="1260988"/>
-            <a:ext cx="928151" cy="859399"/>
-          </a:xfrm>
-          <a:prstGeom prst="rect">
-            <a:avLst/>
-          </a:prstGeom>
-        </p:spPr>
-      </p:pic>
-    </p:spTree>
-    <p:extLst>
-      <p:ext uri="{BB962C8B-B14F-4D97-AF65-F5344CB8AC3E}">
-        <p14:creationId xmlns:p14="http://schemas.microsoft.com/office/powerpoint/2010/main" val="3712983599"/>
-      </p:ext>
-    </p:extLst>
-  </p:cSld>
-  <p:clrMapOvr>
-    <a:masterClrMapping/>
-  </p:clrMapOvr>
-</p:sld>
-</file>
-
-<file path=ppt/slides/slide8.xml><?xml version="1.0" encoding="utf-8"?>
-<p:sld xmlns:a="http://schemas.openxmlformats.org/drawingml/2006/main" xmlns:r="http://schemas.openxmlformats.org/officeDocument/2006/relationships" xmlns:p="http://schemas.openxmlformats.org/presentationml/2006/main">
-  <p:cSld>
-    <p:spTree>
-      <p:nvGrpSpPr>
-        <p:cNvPr id="1" name=""/>
-        <p:cNvGrpSpPr/>
-        <p:nvPr/>
-      </p:nvGrpSpPr>
-      <p:grpSpPr>
-        <a:xfrm>
-          <a:off x="0" y="0"/>
-          <a:ext cx="0" cy="0"/>
-          <a:chOff x="0" y="0"/>
-          <a:chExt cx="0" cy="0"/>
-        </a:xfrm>
-      </p:grpSpPr>
-      <p:sp>
-        <p:nvSpPr>
-          <p:cNvPr id="2" name="Title 1"/>
-          <p:cNvSpPr>
-            <a:spLocks noGrp="1"/>
-          </p:cNvSpPr>
-          <p:nvPr>
-            <p:ph type="title"/>
-          </p:nvPr>
-        </p:nvSpPr>
-        <p:spPr/>
-        <p:txBody>
-          <a:bodyPr/>
-          <a:lstStyle/>
-          <a:p>
-            <a:r>
-              <a:rPr lang="en-US" dirty="0"/>
-              <a:t>Terminology: Loss function vs metric</a:t>
-            </a:r>
-          </a:p>
-        </p:txBody>
-      </p:sp>
-      <mc:AlternateContent xmlns:mc="http://schemas.openxmlformats.org/markup-compatibility/2006">
-        <mc:Choice xmlns:a14="http://schemas.microsoft.com/office/drawing/2010/main" Requires="a14">
-          <p:sp>
-            <p:nvSpPr>
-              <p:cNvPr id="3" name="Content Placeholder 2"/>
-              <p:cNvSpPr>
-                <a:spLocks noGrp="1"/>
-              </p:cNvSpPr>
-              <p:nvPr>
-                <p:ph idx="1"/>
-              </p:nvPr>
-            </p:nvSpPr>
-            <p:spPr>
-              <a:xfrm>
-                <a:off x="838200" y="1591733"/>
-                <a:ext cx="10515600" cy="4585230"/>
-              </a:xfrm>
-            </p:spPr>
-            <p:txBody>
-              <a:bodyPr>
-                <a:normAutofit fontScale="92500" lnSpcReduction="10000"/>
-              </a:bodyPr>
-              <a:lstStyle/>
-              <a:p>
-                <a:r>
-                  <a:rPr lang="en-US" i="1" dirty="0"/>
-                  <a:t>Loss</a:t>
-                </a:r>
-                <a:r>
-                  <a:rPr lang="en-US" dirty="0"/>
-                  <a:t> </a:t>
-                </a:r>
-                <a:r>
-                  <a:rPr lang="en-US" i="1" dirty="0"/>
-                  <a:t>function</a:t>
-                </a:r>
-                <a:r>
-                  <a:rPr lang="en-US" dirty="0"/>
-                  <a:t>: minimized to train a model (if appropriate)</a:t>
-                </a:r>
-                <a:br>
-                  <a:rPr lang="en-US" dirty="0"/>
-                </a:br>
-                <a:r>
-                  <a:rPr lang="en-US" dirty="0"/>
-                  <a:t>E.g., gradient descent uses loss to train regularize linear model</a:t>
-                </a:r>
-              </a:p>
-              <a:p>
-                <a:r>
-                  <a:rPr lang="en-US" i="1" dirty="0"/>
-                  <a:t>Metric</a:t>
-                </a:r>
-                <a:r>
-                  <a:rPr lang="en-US" dirty="0"/>
-                  <a:t>: evaluate accuracy of predictions compared to known results (the business perspective)</a:t>
-                </a:r>
-              </a:p>
-              <a:p>
-                <a:r>
-                  <a:rPr lang="en-US" dirty="0"/>
-                  <a:t>Both are functions of </a:t>
-                </a:r>
-                <a14:m>
-                  <m:oMath xmlns:m="http://schemas.openxmlformats.org/officeDocument/2006/math">
-                    <m:r>
-                      <a:rPr lang="en-US" b="0" i="1" smtClean="0">
-                        <a:latin typeface="Cambria Math" panose="02040503050406030204" pitchFamily="18" charset="0"/>
-                      </a:rPr>
-                      <m:t>𝑦</m:t>
-                    </m:r>
-                  </m:oMath>
-                </a14:m>
-                <a:r>
-                  <a:rPr lang="en-US" dirty="0"/>
-                  <a:t> and </a:t>
-                </a:r>
-                <a14:m>
-                  <m:oMath xmlns:m="http://schemas.openxmlformats.org/officeDocument/2006/math">
-                    <m:acc>
-                      <m:accPr>
-                        <m:chr m:val="̂"/>
-                        <m:ctrlPr>
-                          <a:rPr lang="en-US" i="1" smtClean="0">
-                            <a:latin typeface="Cambria Math" panose="02040503050406030204" pitchFamily="18" charset="0"/>
-                          </a:rPr>
-                        </m:ctrlPr>
-                      </m:accPr>
-                      <m:e>
-                        <m:r>
-                          <a:rPr lang="en-US" b="0" i="1" smtClean="0">
-                            <a:latin typeface="Cambria Math" panose="02040503050406030204" pitchFamily="18" charset="0"/>
-                          </a:rPr>
-                          <m:t>𝑦</m:t>
-                        </m:r>
-                      </m:e>
-                    </m:acc>
-                  </m:oMath>
-                </a14:m>
-                <a:r>
-                  <a:rPr lang="en-US" dirty="0"/>
-                  <a:t>, but loss is also possibly model parameters (e.g., linear model regularization loss tests parameters)</a:t>
-                </a:r>
-              </a:p>
-              <a:p>
-                <a:r>
-                  <a:rPr lang="en-US" dirty="0"/>
-                  <a:t>Examples:</a:t>
-                </a:r>
-              </a:p>
-              <a:p>
-                <a:pPr lvl="1"/>
-                <a:r>
-                  <a:rPr lang="en-US" dirty="0"/>
-                  <a:t>Train: MSE loss &amp; Test: MSE metric</a:t>
-                </a:r>
-              </a:p>
-              <a:p>
-                <a:pPr lvl="1"/>
-                <a:r>
-                  <a:rPr lang="en-US" dirty="0"/>
-                  <a:t>Train: MSE loss &amp; Test: MAE metric</a:t>
-                </a:r>
-              </a:p>
-              <a:p>
-                <a:pPr lvl="1"/>
-                <a:r>
-                  <a:rPr lang="en-US" dirty="0"/>
-                  <a:t>Train: Cross entropy &amp; Test: misclassification or FP/FN metric</a:t>
-                </a:r>
-              </a:p>
-              <a:p>
-                <a:r>
-                  <a:rPr lang="en-US" dirty="0"/>
-                  <a:t>If metric is applied to validation or test set, informs on generality and quality of your model</a:t>
-                </a:r>
-              </a:p>
-              <a:p>
-                <a:endParaRPr lang="en-US" dirty="0"/>
-              </a:p>
-            </p:txBody>
-          </p:sp>
-        </mc:Choice>
-        <mc:Fallback>
-          <p:sp>
-            <p:nvSpPr>
-              <p:cNvPr id="3" name="Content Placeholder 2"/>
-              <p:cNvSpPr>
-                <a:spLocks noGrp="1" noRot="1" noChangeAspect="1" noMove="1" noResize="1" noEditPoints="1" noAdjustHandles="1" noChangeArrowheads="1" noChangeShapeType="1" noTextEdit="1"/>
-              </p:cNvSpPr>
-              <p:nvPr>
-                <p:ph idx="1"/>
-              </p:nvPr>
-            </p:nvSpPr>
-            <p:spPr>
-              <a:xfrm>
-                <a:off x="838200" y="1591733"/>
-                <a:ext cx="10515600" cy="4585230"/>
-              </a:xfrm>
-              <a:blipFill>
-                <a:blip r:embed="rId2"/>
-                <a:stretch>
-                  <a:fillRect l="-965" t="-3039" r="-483" b="-276"/>
-                </a:stretch>
-              </a:blipFill>
-            </p:spPr>
-            <p:txBody>
-              <a:bodyPr/>
-              <a:lstStyle/>
-              <a:p>
-                <a:r>
-                  <a:rPr lang="en-US">
-                    <a:noFill/>
-                  </a:rPr>
-                  <a:t> </a:t>
-                </a:r>
-              </a:p>
-            </p:txBody>
-          </p:sp>
-        </mc:Fallback>
-      </mc:AlternateContent>
-      <p:sp>
-        <p:nvSpPr>
-          <p:cNvPr id="5" name="Rectangle 4"/>
-          <p:cNvSpPr/>
-          <p:nvPr/>
-        </p:nvSpPr>
-        <p:spPr>
-          <a:xfrm>
-            <a:off x="126460" y="6311900"/>
-            <a:ext cx="7618689" cy="369332"/>
-          </a:xfrm>
-          <a:prstGeom prst="rect">
-            <a:avLst/>
-          </a:prstGeom>
-        </p:spPr>
-        <p:txBody>
-          <a:bodyPr wrap="none">
-            <a:spAutoFit/>
-          </a:bodyPr>
-          <a:lstStyle/>
-          <a:p>
-            <a:r>
-              <a:rPr lang="en-US" dirty="0"/>
-              <a:t>See also </a:t>
-            </a:r>
-            <a:r>
-              <a:rPr lang="en-US" dirty="0" err="1"/>
-              <a:t>stackoverflow</a:t>
-            </a:r>
-            <a:r>
-              <a:rPr lang="en-US" dirty="0"/>
-              <a:t> post by </a:t>
-            </a:r>
-            <a:r>
-              <a:rPr lang="en-US" dirty="0" err="1"/>
-              <a:t>Chstiros</a:t>
-            </a:r>
-            <a:r>
-              <a:rPr lang="en-US" dirty="0"/>
-              <a:t> </a:t>
-            </a:r>
-            <a:r>
-              <a:rPr lang="en-US" dirty="0" err="1"/>
-              <a:t>Tsatsoulis</a:t>
-            </a:r>
-            <a:r>
-              <a:rPr lang="en-US" dirty="0"/>
-              <a:t>: </a:t>
-            </a:r>
-            <a:r>
-              <a:rPr lang="en-US" dirty="0">
-                <a:hlinkClick r:id="rId3"/>
-              </a:rPr>
-              <a:t>https://goo.gl/T5AmrT</a:t>
-            </a:r>
-            <a:endParaRPr lang="en-US" dirty="0"/>
-          </a:p>
-        </p:txBody>
-      </p:sp>
-    </p:spTree>
-    <p:extLst>
-      <p:ext uri="{BB962C8B-B14F-4D97-AF65-F5344CB8AC3E}">
-        <p14:creationId xmlns:p14="http://schemas.microsoft.com/office/powerpoint/2010/main" val="858878956"/>
-      </p:ext>
-    </p:extLst>
-  </p:cSld>
-  <p:clrMapOvr>
-    <a:masterClrMapping/>
-  </p:clrMapOvr>
-</p:sld>
-</file>
-
-<file path=ppt/slides/slide9.xml><?xml version="1.0" encoding="utf-8"?>
-<p:sld xmlns:a="http://schemas.openxmlformats.org/drawingml/2006/main" xmlns:r="http://schemas.openxmlformats.org/officeDocument/2006/relationships" xmlns:p="http://schemas.openxmlformats.org/presentationml/2006/main">
-  <p:cSld>
-    <p:spTree>
-      <p:nvGrpSpPr>
-        <p:cNvPr id="1" name=""/>
-        <p:cNvGrpSpPr/>
-        <p:nvPr/>
-      </p:nvGrpSpPr>
-      <p:grpSpPr>
-        <a:xfrm>
-          <a:off x="0" y="0"/>
-          <a:ext cx="0" cy="0"/>
-          <a:chOff x="0" y="0"/>
-          <a:chExt cx="0" cy="0"/>
-        </a:xfrm>
-      </p:grpSpPr>
-      <p:sp>
-        <p:nvSpPr>
-          <p:cNvPr id="2" name="Title 1">
-            <a:extLst>
-              <a:ext uri="{FF2B5EF4-FFF2-40B4-BE49-F238E27FC236}">
-                <a16:creationId xmlns:a16="http://schemas.microsoft.com/office/drawing/2014/main" id="{BE3488E0-CCC7-504A-8E04-17A3F65AD0B3}"/>
-              </a:ext>
-            </a:extLst>
-          </p:cNvPr>
-          <p:cNvSpPr>
-            <a:spLocks noGrp="1"/>
-          </p:cNvSpPr>
-          <p:nvPr>
-            <p:ph type="title"/>
-          </p:nvPr>
-        </p:nvSpPr>
-        <p:spPr/>
-        <p:txBody>
-          <a:bodyPr/>
-          <a:lstStyle/>
-          <a:p>
-            <a:r>
-              <a:rPr lang="en-US" dirty="0"/>
-              <a:t> building blocks</a:t>
+            <a:r>
+              <a:rPr lang="en-US" dirty="0"/>
+              <a:t> building blocks; X is n x m</a:t>
             </a:r>
           </a:p>
         </p:txBody>
@@ -5696,6 +4316,18 @@
                         </m:r>
                       </m:sub>
                     </m:sSub>
+                    <m:r>
+                      <a:rPr lang="en-US" b="0" i="1" dirty="0" smtClean="0">
+                        <a:latin typeface="Cambria Math" panose="02040503050406030204" pitchFamily="18" charset="0"/>
+                      </a:rPr>
+                      <m:t>+</m:t>
+                    </m:r>
+                    <m:r>
+                      <a:rPr lang="en-US" b="0" i="1" dirty="0" smtClean="0">
+                        <a:latin typeface="Cambria Math" panose="02040503050406030204" pitchFamily="18" charset="0"/>
+                      </a:rPr>
+                      <m:t>𝑏</m:t>
+                    </m:r>
                   </m:oMath>
                 </a14:m>
                 <a:endParaRPr lang="en-US" dirty="0"/>
@@ -5745,10 +4377,10 @@
       </mc:AlternateContent>
       <p:pic>
         <p:nvPicPr>
-          <p:cNvPr id="4" name="Picture 3">
-            <a:extLst>
-              <a:ext uri="{FF2B5EF4-FFF2-40B4-BE49-F238E27FC236}">
-                <a16:creationId xmlns:a16="http://schemas.microsoft.com/office/drawing/2014/main" id="{9BAC4E1A-FBE7-A440-94DB-88C947598D3F}"/>
+          <p:cNvPr id="11" name="Picture 10">
+            <a:extLst>
+              <a:ext uri="{FF2B5EF4-FFF2-40B4-BE49-F238E27FC236}">
+                <a16:creationId xmlns:a16="http://schemas.microsoft.com/office/drawing/2014/main" id="{A09833E8-57F1-A44B-8A28-2E9706E57971}"/>
               </a:ext>
             </a:extLst>
           </p:cNvPr>
@@ -5765,8 +4397,8 @@
         </p:blipFill>
         <p:spPr>
           <a:xfrm>
-            <a:off x="1666185" y="2365513"/>
-            <a:ext cx="1206500" cy="469900"/>
+            <a:off x="1451113" y="2736850"/>
+            <a:ext cx="1219200" cy="469900"/>
           </a:xfrm>
           <a:prstGeom prst="rect">
             <a:avLst/>
@@ -5775,10 +4407,10 @@
       </p:pic>
       <p:pic>
         <p:nvPicPr>
-          <p:cNvPr id="5" name="Picture 4">
-            <a:extLst>
-              <a:ext uri="{FF2B5EF4-FFF2-40B4-BE49-F238E27FC236}">
-                <a16:creationId xmlns:a16="http://schemas.microsoft.com/office/drawing/2014/main" id="{99035C85-FFDA-FF41-B480-89FC854EB29C}"/>
+          <p:cNvPr id="13" name="Picture 12">
+            <a:extLst>
+              <a:ext uri="{FF2B5EF4-FFF2-40B4-BE49-F238E27FC236}">
+                <a16:creationId xmlns:a16="http://schemas.microsoft.com/office/drawing/2014/main" id="{9EB4183F-EEA6-D44F-BB2D-C1D558AEB33F}"/>
               </a:ext>
             </a:extLst>
           </p:cNvPr>
@@ -5795,8 +4427,8 @@
         </p:blipFill>
         <p:spPr>
           <a:xfrm>
-            <a:off x="1666185" y="2971800"/>
-            <a:ext cx="431800" cy="457200"/>
+            <a:off x="1451113" y="3341687"/>
+            <a:ext cx="431800" cy="469900"/>
           </a:xfrm>
           <a:prstGeom prst="rect">
             <a:avLst/>
@@ -5805,10 +4437,10 @@
       </p:pic>
       <p:pic>
         <p:nvPicPr>
-          <p:cNvPr id="7" name="Picture 6">
-            <a:extLst>
-              <a:ext uri="{FF2B5EF4-FFF2-40B4-BE49-F238E27FC236}">
-                <a16:creationId xmlns:a16="http://schemas.microsoft.com/office/drawing/2014/main" id="{909FE0A1-DE6F-DC4F-A1F9-7F83776BA55F}"/>
+          <p:cNvPr id="14" name="Picture 13">
+            <a:extLst>
+              <a:ext uri="{FF2B5EF4-FFF2-40B4-BE49-F238E27FC236}">
+                <a16:creationId xmlns:a16="http://schemas.microsoft.com/office/drawing/2014/main" id="{F05A36BD-E5A5-5948-8340-36819AAA95BD}"/>
               </a:ext>
             </a:extLst>
           </p:cNvPr>
@@ -5825,8 +4457,98 @@
         </p:blipFill>
         <p:spPr>
           <a:xfrm>
-            <a:off x="1666185" y="3562627"/>
+            <a:off x="1451113" y="3926646"/>
             <a:ext cx="431800" cy="469900"/>
+          </a:xfrm>
+          <a:prstGeom prst="rect">
+            <a:avLst/>
+          </a:prstGeom>
+        </p:spPr>
+      </p:pic>
+      <p:pic>
+        <p:nvPicPr>
+          <p:cNvPr id="15" name="Picture 14">
+            <a:extLst>
+              <a:ext uri="{FF2B5EF4-FFF2-40B4-BE49-F238E27FC236}">
+                <a16:creationId xmlns:a16="http://schemas.microsoft.com/office/drawing/2014/main" id="{4E36C658-8AFE-E644-8B9C-9B511A57A534}"/>
+              </a:ext>
+            </a:extLst>
+          </p:cNvPr>
+          <p:cNvPicPr>
+            <a:picLocks noChangeAspect="1"/>
+          </p:cNvPicPr>
+          <p:nvPr/>
+        </p:nvPicPr>
+        <p:blipFill>
+          <a:blip r:embed="rId6"/>
+          <a:stretch>
+            <a:fillRect/>
+          </a:stretch>
+        </p:blipFill>
+        <p:spPr>
+          <a:xfrm>
+            <a:off x="3283226" y="4052265"/>
+            <a:ext cx="3543300" cy="1155700"/>
+          </a:xfrm>
+          <a:prstGeom prst="rect">
+            <a:avLst/>
+          </a:prstGeom>
+        </p:spPr>
+      </p:pic>
+      <p:pic>
+        <p:nvPicPr>
+          <p:cNvPr id="16" name="Picture 15">
+            <a:extLst>
+              <a:ext uri="{FF2B5EF4-FFF2-40B4-BE49-F238E27FC236}">
+                <a16:creationId xmlns:a16="http://schemas.microsoft.com/office/drawing/2014/main" id="{D0E88794-F22F-BB4D-A469-180550E98FFA}"/>
+              </a:ext>
+            </a:extLst>
+          </p:cNvPr>
+          <p:cNvPicPr>
+            <a:picLocks noChangeAspect="1"/>
+          </p:cNvPicPr>
+          <p:nvPr/>
+        </p:nvPicPr>
+        <p:blipFill>
+          <a:blip r:embed="rId7"/>
+          <a:stretch>
+            <a:fillRect/>
+          </a:stretch>
+        </p:blipFill>
+        <p:spPr>
+          <a:xfrm>
+            <a:off x="7375939" y="3314700"/>
+            <a:ext cx="3657600" cy="2743200"/>
+          </a:xfrm>
+          <a:prstGeom prst="rect">
+            <a:avLst/>
+          </a:prstGeom>
+        </p:spPr>
+      </p:pic>
+      <p:pic>
+        <p:nvPicPr>
+          <p:cNvPr id="17" name="Picture 16">
+            <a:extLst>
+              <a:ext uri="{FF2B5EF4-FFF2-40B4-BE49-F238E27FC236}">
+                <a16:creationId xmlns:a16="http://schemas.microsoft.com/office/drawing/2014/main" id="{39E4CF2B-C4A9-FF4E-9A01-8E66AAE2F571}"/>
+              </a:ext>
+            </a:extLst>
+          </p:cNvPr>
+          <p:cNvPicPr>
+            <a:picLocks noChangeAspect="1"/>
+          </p:cNvPicPr>
+          <p:nvPr/>
+        </p:nvPicPr>
+        <p:blipFill>
+          <a:blip r:embed="rId8"/>
+          <a:stretch>
+            <a:fillRect/>
+          </a:stretch>
+        </p:blipFill>
+        <p:spPr>
+          <a:xfrm>
+            <a:off x="3283226" y="2476500"/>
+            <a:ext cx="2692400" cy="1460500"/>
           </a:xfrm>
           <a:prstGeom prst="rect">
             <a:avLst/>
@@ -5837,6 +4559,3910 @@
     <p:extLst>
       <p:ext uri="{BB962C8B-B14F-4D97-AF65-F5344CB8AC3E}">
         <p14:creationId xmlns:p14="http://schemas.microsoft.com/office/powerpoint/2010/main" val="1910129909"/>
+      </p:ext>
+    </p:extLst>
+  </p:cSld>
+  <p:clrMapOvr>
+    <a:masterClrMapping/>
+  </p:clrMapOvr>
+</p:sld>
+</file>
+
+<file path=ppt/slides/slide11.xml><?xml version="1.0" encoding="utf-8"?>
+<p:sld xmlns:a="http://schemas.openxmlformats.org/drawingml/2006/main" xmlns:r="http://schemas.openxmlformats.org/officeDocument/2006/relationships" xmlns:p="http://schemas.openxmlformats.org/presentationml/2006/main">
+  <p:cSld>
+    <p:spTree>
+      <p:nvGrpSpPr>
+        <p:cNvPr id="1" name=""/>
+        <p:cNvGrpSpPr/>
+        <p:nvPr/>
+      </p:nvGrpSpPr>
+      <p:grpSpPr>
+        <a:xfrm>
+          <a:off x="0" y="0"/>
+          <a:ext cx="0" cy="0"/>
+          <a:chOff x="0" y="0"/>
+          <a:chExt cx="0" cy="0"/>
+        </a:xfrm>
+      </p:grpSpPr>
+      <p:sp>
+        <p:nvSpPr>
+          <p:cNvPr id="2" name="Title 1">
+            <a:extLst>
+              <a:ext uri="{FF2B5EF4-FFF2-40B4-BE49-F238E27FC236}">
+                <a16:creationId xmlns:a16="http://schemas.microsoft.com/office/drawing/2014/main" id="{E82D9078-A3CD-7149-A235-21E44F2795DE}"/>
+              </a:ext>
+            </a:extLst>
+          </p:cNvPr>
+          <p:cNvSpPr>
+            <a:spLocks noGrp="1"/>
+          </p:cNvSpPr>
+          <p:nvPr>
+            <p:ph type="title"/>
+          </p:nvPr>
+        </p:nvSpPr>
+        <p:spPr/>
+        <p:txBody>
+          <a:bodyPr/>
+          <a:lstStyle/>
+          <a:p>
+            <a:endParaRPr lang="en-US" dirty="0"/>
+          </a:p>
+        </p:txBody>
+      </p:sp>
+      <p:sp>
+        <p:nvSpPr>
+          <p:cNvPr id="3" name="Content Placeholder 2">
+            <a:extLst>
+              <a:ext uri="{FF2B5EF4-FFF2-40B4-BE49-F238E27FC236}">
+                <a16:creationId xmlns:a16="http://schemas.microsoft.com/office/drawing/2014/main" id="{A9D149B7-B0FC-A942-A3E6-50277DC3790A}"/>
+              </a:ext>
+            </a:extLst>
+          </p:cNvPr>
+          <p:cNvSpPr>
+            <a:spLocks noGrp="1"/>
+          </p:cNvSpPr>
+          <p:nvPr>
+            <p:ph idx="1"/>
+          </p:nvPr>
+        </p:nvSpPr>
+        <p:spPr/>
+        <p:txBody>
+          <a:bodyPr/>
+          <a:lstStyle/>
+          <a:p>
+            <a:r>
+              <a:rPr lang="en-US" dirty="0"/>
+              <a:t>d</a:t>
+            </a:r>
+          </a:p>
+        </p:txBody>
+      </p:sp>
+      <p:pic>
+        <p:nvPicPr>
+          <p:cNvPr id="5" name="Picture 4">
+            <a:extLst>
+              <a:ext uri="{FF2B5EF4-FFF2-40B4-BE49-F238E27FC236}">
+                <a16:creationId xmlns:a16="http://schemas.microsoft.com/office/drawing/2014/main" id="{52EDFB65-1464-D940-9AE0-AA37EAAE52DB}"/>
+              </a:ext>
+            </a:extLst>
+          </p:cNvPr>
+          <p:cNvPicPr>
+            <a:picLocks noChangeAspect="1"/>
+          </p:cNvPicPr>
+          <p:nvPr/>
+        </p:nvPicPr>
+        <p:blipFill>
+          <a:blip r:embed="rId2"/>
+          <a:stretch>
+            <a:fillRect/>
+          </a:stretch>
+        </p:blipFill>
+        <p:spPr>
+          <a:xfrm>
+            <a:off x="1843433" y="1825625"/>
+            <a:ext cx="4330700" cy="1155700"/>
+          </a:xfrm>
+          <a:prstGeom prst="rect">
+            <a:avLst/>
+          </a:prstGeom>
+        </p:spPr>
+      </p:pic>
+      <p:sp>
+        <p:nvSpPr>
+          <p:cNvPr id="13" name="Rectangle 12">
+            <a:extLst>
+              <a:ext uri="{FF2B5EF4-FFF2-40B4-BE49-F238E27FC236}">
+                <a16:creationId xmlns:a16="http://schemas.microsoft.com/office/drawing/2014/main" id="{2E81B015-AB34-2545-8053-265088B3DA7A}"/>
+              </a:ext>
+            </a:extLst>
+          </p:cNvPr>
+          <p:cNvSpPr/>
+          <p:nvPr/>
+        </p:nvSpPr>
+        <p:spPr>
+          <a:xfrm>
+            <a:off x="2487129" y="4001294"/>
+            <a:ext cx="2641462" cy="1200329"/>
+          </a:xfrm>
+          <a:prstGeom prst="rect">
+            <a:avLst/>
+          </a:prstGeom>
+        </p:spPr>
+        <p:txBody>
+          <a:bodyPr wrap="square">
+            <a:spAutoFit/>
+          </a:bodyPr>
+          <a:lstStyle/>
+          <a:p>
+            <a:r>
+              <a:rPr lang="en-US" dirty="0"/>
+              <a:t>model = </a:t>
+            </a:r>
+            <a:r>
+              <a:rPr lang="en-US" dirty="0" err="1"/>
+              <a:t>nn.Sequential</a:t>
+            </a:r>
+            <a:r>
+              <a:rPr lang="en-US" dirty="0"/>
+              <a:t>(</a:t>
+            </a:r>
+          </a:p>
+          <a:p>
+            <a:r>
+              <a:rPr lang="en-US" dirty="0"/>
+              <a:t>    </a:t>
+            </a:r>
+            <a:r>
+              <a:rPr lang="en-US" dirty="0" err="1"/>
+              <a:t>nn.Linear</a:t>
+            </a:r>
+            <a:r>
+              <a:rPr lang="en-US" dirty="0"/>
+              <a:t>(m, 1),</a:t>
+            </a:r>
+          </a:p>
+          <a:p>
+            <a:r>
+              <a:rPr lang="en-US" dirty="0"/>
+              <a:t>    </a:t>
+            </a:r>
+            <a:r>
+              <a:rPr lang="en-US" dirty="0" err="1"/>
+              <a:t>nn.Linear</a:t>
+            </a:r>
+            <a:r>
+              <a:rPr lang="en-US" dirty="0"/>
+              <a:t>(m, 1)</a:t>
+            </a:r>
+          </a:p>
+          <a:p>
+            <a:r>
+              <a:rPr lang="en-US" dirty="0"/>
+              <a:t>)</a:t>
+            </a:r>
+          </a:p>
+        </p:txBody>
+      </p:sp>
+    </p:spTree>
+    <p:extLst>
+      <p:ext uri="{BB962C8B-B14F-4D97-AF65-F5344CB8AC3E}">
+        <p14:creationId xmlns:p14="http://schemas.microsoft.com/office/powerpoint/2010/main" val="708398555"/>
+      </p:ext>
+    </p:extLst>
+  </p:cSld>
+  <p:clrMapOvr>
+    <a:masterClrMapping/>
+  </p:clrMapOvr>
+</p:sld>
+</file>
+
+<file path=ppt/slides/slide12.xml><?xml version="1.0" encoding="utf-8"?>
+<p:sld xmlns:a="http://schemas.openxmlformats.org/drawingml/2006/main" xmlns:r="http://schemas.openxmlformats.org/officeDocument/2006/relationships" xmlns:p="http://schemas.openxmlformats.org/presentationml/2006/main">
+  <p:cSld>
+    <p:spTree>
+      <p:nvGrpSpPr>
+        <p:cNvPr id="1" name=""/>
+        <p:cNvGrpSpPr/>
+        <p:nvPr/>
+      </p:nvGrpSpPr>
+      <p:grpSpPr>
+        <a:xfrm>
+          <a:off x="0" y="0"/>
+          <a:ext cx="0" cy="0"/>
+          <a:chOff x="0" y="0"/>
+          <a:chExt cx="0" cy="0"/>
+        </a:xfrm>
+      </p:grpSpPr>
+      <p:sp>
+        <p:nvSpPr>
+          <p:cNvPr id="2" name="Title 1">
+            <a:extLst>
+              <a:ext uri="{FF2B5EF4-FFF2-40B4-BE49-F238E27FC236}">
+                <a16:creationId xmlns:a16="http://schemas.microsoft.com/office/drawing/2014/main" id="{7D7AC285-6FD8-2C41-9BCC-D7294E346B26}"/>
+              </a:ext>
+            </a:extLst>
+          </p:cNvPr>
+          <p:cNvSpPr>
+            <a:spLocks noGrp="1"/>
+          </p:cNvSpPr>
+          <p:nvPr>
+            <p:ph type="title"/>
+          </p:nvPr>
+        </p:nvSpPr>
+        <p:spPr/>
+        <p:txBody>
+          <a:bodyPr/>
+          <a:lstStyle/>
+          <a:p>
+            <a:r>
+              <a:rPr lang="en-US" dirty="0" err="1"/>
+              <a:t>sadfadsf</a:t>
+            </a:r>
+            <a:endParaRPr lang="en-US" dirty="0"/>
+          </a:p>
+        </p:txBody>
+      </p:sp>
+      <p:sp>
+        <p:nvSpPr>
+          <p:cNvPr id="3" name="Content Placeholder 2">
+            <a:extLst>
+              <a:ext uri="{FF2B5EF4-FFF2-40B4-BE49-F238E27FC236}">
+                <a16:creationId xmlns:a16="http://schemas.microsoft.com/office/drawing/2014/main" id="{1C737ED2-159D-704C-866D-7BB0C1ECDA62}"/>
+              </a:ext>
+            </a:extLst>
+          </p:cNvPr>
+          <p:cNvSpPr>
+            <a:spLocks noGrp="1"/>
+          </p:cNvSpPr>
+          <p:nvPr>
+            <p:ph idx="1"/>
+          </p:nvPr>
+        </p:nvSpPr>
+        <p:spPr/>
+        <p:txBody>
+          <a:bodyPr/>
+          <a:lstStyle/>
+          <a:p>
+            <a:r>
+              <a:rPr lang="en-US" dirty="0" err="1"/>
+              <a:t>dfsfd</a:t>
+            </a:r>
+            <a:endParaRPr lang="en-US" dirty="0"/>
+          </a:p>
+        </p:txBody>
+      </p:sp>
+      <p:pic>
+        <p:nvPicPr>
+          <p:cNvPr id="4" name="Picture 3">
+            <a:extLst>
+              <a:ext uri="{FF2B5EF4-FFF2-40B4-BE49-F238E27FC236}">
+                <a16:creationId xmlns:a16="http://schemas.microsoft.com/office/drawing/2014/main" id="{D86F40E6-DE69-F242-8F23-E44D7C081C8A}"/>
+              </a:ext>
+            </a:extLst>
+          </p:cNvPr>
+          <p:cNvPicPr>
+            <a:picLocks noChangeAspect="1"/>
+          </p:cNvPicPr>
+          <p:nvPr/>
+        </p:nvPicPr>
+        <p:blipFill>
+          <a:blip r:embed="rId2"/>
+          <a:stretch>
+            <a:fillRect/>
+          </a:stretch>
+        </p:blipFill>
+        <p:spPr>
+          <a:xfrm>
+            <a:off x="2191302" y="1446386"/>
+            <a:ext cx="5168900" cy="1155700"/>
+          </a:xfrm>
+          <a:prstGeom prst="rect">
+            <a:avLst/>
+          </a:prstGeom>
+        </p:spPr>
+      </p:pic>
+      <p:pic>
+        <p:nvPicPr>
+          <p:cNvPr id="5" name="Picture 4">
+            <a:extLst>
+              <a:ext uri="{FF2B5EF4-FFF2-40B4-BE49-F238E27FC236}">
+                <a16:creationId xmlns:a16="http://schemas.microsoft.com/office/drawing/2014/main" id="{781C878A-0D7F-8C43-AAD4-AD3A44009C76}"/>
+              </a:ext>
+            </a:extLst>
+          </p:cNvPr>
+          <p:cNvPicPr>
+            <a:picLocks noChangeAspect="1"/>
+          </p:cNvPicPr>
+          <p:nvPr/>
+        </p:nvPicPr>
+        <p:blipFill>
+          <a:blip r:embed="rId3"/>
+          <a:stretch>
+            <a:fillRect/>
+          </a:stretch>
+        </p:blipFill>
+        <p:spPr>
+          <a:xfrm>
+            <a:off x="1634711" y="4534246"/>
+            <a:ext cx="5168900" cy="1155700"/>
+          </a:xfrm>
+          <a:prstGeom prst="rect">
+            <a:avLst/>
+          </a:prstGeom>
+        </p:spPr>
+      </p:pic>
+      <p:pic>
+        <p:nvPicPr>
+          <p:cNvPr id="11" name="Picture 10">
+            <a:extLst>
+              <a:ext uri="{FF2B5EF4-FFF2-40B4-BE49-F238E27FC236}">
+                <a16:creationId xmlns:a16="http://schemas.microsoft.com/office/drawing/2014/main" id="{742169BE-6063-184A-91FE-2EF876FBE6C3}"/>
+              </a:ext>
+            </a:extLst>
+          </p:cNvPr>
+          <p:cNvPicPr>
+            <a:picLocks noChangeAspect="1"/>
+          </p:cNvPicPr>
+          <p:nvPr/>
+        </p:nvPicPr>
+        <p:blipFill>
+          <a:blip r:embed="rId4"/>
+          <a:stretch>
+            <a:fillRect/>
+          </a:stretch>
+        </p:blipFill>
+        <p:spPr>
+          <a:xfrm>
+            <a:off x="7785653" y="3568700"/>
+            <a:ext cx="3657600" cy="2743200"/>
+          </a:xfrm>
+          <a:prstGeom prst="rect">
+            <a:avLst/>
+          </a:prstGeom>
+        </p:spPr>
+      </p:pic>
+      <p:pic>
+        <p:nvPicPr>
+          <p:cNvPr id="15" name="Picture 14">
+            <a:extLst>
+              <a:ext uri="{FF2B5EF4-FFF2-40B4-BE49-F238E27FC236}">
+                <a16:creationId xmlns:a16="http://schemas.microsoft.com/office/drawing/2014/main" id="{5EE52951-EB62-8041-A691-D0586CE678E6}"/>
+              </a:ext>
+            </a:extLst>
+          </p:cNvPr>
+          <p:cNvPicPr>
+            <a:picLocks noChangeAspect="1"/>
+          </p:cNvPicPr>
+          <p:nvPr/>
+        </p:nvPicPr>
+        <p:blipFill>
+          <a:blip r:embed="rId5"/>
+          <a:stretch>
+            <a:fillRect/>
+          </a:stretch>
+        </p:blipFill>
+        <p:spPr>
+          <a:xfrm>
+            <a:off x="7785653" y="825500"/>
+            <a:ext cx="3657600" cy="2743200"/>
+          </a:xfrm>
+          <a:prstGeom prst="rect">
+            <a:avLst/>
+          </a:prstGeom>
+        </p:spPr>
+      </p:pic>
+      <p:sp>
+        <p:nvSpPr>
+          <p:cNvPr id="16" name="Rectangle 15">
+            <a:extLst>
+              <a:ext uri="{FF2B5EF4-FFF2-40B4-BE49-F238E27FC236}">
+                <a16:creationId xmlns:a16="http://schemas.microsoft.com/office/drawing/2014/main" id="{FA631EB0-DCD2-864A-A64D-8DC68B6BEDB4}"/>
+              </a:ext>
+            </a:extLst>
+          </p:cNvPr>
+          <p:cNvSpPr/>
+          <p:nvPr/>
+        </p:nvSpPr>
+        <p:spPr>
+          <a:xfrm>
+            <a:off x="3465443" y="2989450"/>
+            <a:ext cx="2627244" cy="1477328"/>
+          </a:xfrm>
+          <a:prstGeom prst="rect">
+            <a:avLst/>
+          </a:prstGeom>
+        </p:spPr>
+        <p:txBody>
+          <a:bodyPr wrap="square">
+            <a:spAutoFit/>
+          </a:bodyPr>
+          <a:lstStyle/>
+          <a:p>
+            <a:r>
+              <a:rPr lang="en-US" dirty="0"/>
+              <a:t>model = </a:t>
+            </a:r>
+            <a:r>
+              <a:rPr lang="en-US" dirty="0" err="1"/>
+              <a:t>nn.Sequential</a:t>
+            </a:r>
+            <a:r>
+              <a:rPr lang="en-US" dirty="0"/>
+              <a:t>(</a:t>
+            </a:r>
+          </a:p>
+          <a:p>
+            <a:r>
+              <a:rPr lang="en-US" dirty="0"/>
+              <a:t>    </a:t>
+            </a:r>
+            <a:r>
+              <a:rPr lang="en-US" dirty="0" err="1"/>
+              <a:t>nn.Linear</a:t>
+            </a:r>
+            <a:r>
+              <a:rPr lang="en-US" dirty="0"/>
+              <a:t>(m, 1),</a:t>
+            </a:r>
+          </a:p>
+          <a:p>
+            <a:r>
+              <a:rPr lang="en-US" dirty="0"/>
+              <a:t>    </a:t>
+            </a:r>
+            <a:r>
+              <a:rPr lang="en-US" dirty="0" err="1"/>
+              <a:t>nn.ReLU</a:t>
+            </a:r>
+            <a:r>
+              <a:rPr lang="en-US" dirty="0"/>
+              <a:t>(),</a:t>
+            </a:r>
+          </a:p>
+          <a:p>
+            <a:r>
+              <a:rPr lang="en-US" dirty="0"/>
+              <a:t>    </a:t>
+            </a:r>
+            <a:r>
+              <a:rPr lang="en-US" dirty="0" err="1"/>
+              <a:t>nn.Linear</a:t>
+            </a:r>
+            <a:r>
+              <a:rPr lang="en-US" dirty="0"/>
+              <a:t>(m, 1)</a:t>
+            </a:r>
+          </a:p>
+          <a:p>
+            <a:r>
+              <a:rPr lang="en-US" dirty="0"/>
+              <a:t>)</a:t>
+            </a:r>
+          </a:p>
+        </p:txBody>
+      </p:sp>
+    </p:spTree>
+    <p:extLst>
+      <p:ext uri="{BB962C8B-B14F-4D97-AF65-F5344CB8AC3E}">
+        <p14:creationId xmlns:p14="http://schemas.microsoft.com/office/powerpoint/2010/main" val="2858175416"/>
+      </p:ext>
+    </p:extLst>
+  </p:cSld>
+  <p:clrMapOvr>
+    <a:masterClrMapping/>
+  </p:clrMapOvr>
+</p:sld>
+</file>
+
+<file path=ppt/slides/slide13.xml><?xml version="1.0" encoding="utf-8"?>
+<p:sld xmlns:a="http://schemas.openxmlformats.org/drawingml/2006/main" xmlns:r="http://schemas.openxmlformats.org/officeDocument/2006/relationships" xmlns:p="http://schemas.openxmlformats.org/presentationml/2006/main">
+  <p:cSld>
+    <p:spTree>
+      <p:nvGrpSpPr>
+        <p:cNvPr id="1" name=""/>
+        <p:cNvGrpSpPr/>
+        <p:nvPr/>
+      </p:nvGrpSpPr>
+      <p:grpSpPr>
+        <a:xfrm>
+          <a:off x="0" y="0"/>
+          <a:ext cx="0" cy="0"/>
+          <a:chOff x="0" y="0"/>
+          <a:chExt cx="0" cy="0"/>
+        </a:xfrm>
+      </p:grpSpPr>
+      <p:sp>
+        <p:nvSpPr>
+          <p:cNvPr id="2" name="Title 1">
+            <a:extLst>
+              <a:ext uri="{FF2B5EF4-FFF2-40B4-BE49-F238E27FC236}">
+                <a16:creationId xmlns:a16="http://schemas.microsoft.com/office/drawing/2014/main" id="{D0063125-EC62-E441-972A-4642575E043D}"/>
+              </a:ext>
+            </a:extLst>
+          </p:cNvPr>
+          <p:cNvSpPr>
+            <a:spLocks noGrp="1"/>
+          </p:cNvSpPr>
+          <p:nvPr>
+            <p:ph type="title"/>
+          </p:nvPr>
+        </p:nvSpPr>
+        <p:spPr/>
+        <p:txBody>
+          <a:bodyPr/>
+          <a:lstStyle/>
+          <a:p>
+            <a:endParaRPr lang="en-US" dirty="0"/>
+          </a:p>
+        </p:txBody>
+      </p:sp>
+      <p:sp>
+        <p:nvSpPr>
+          <p:cNvPr id="3" name="Content Placeholder 2">
+            <a:extLst>
+              <a:ext uri="{FF2B5EF4-FFF2-40B4-BE49-F238E27FC236}">
+                <a16:creationId xmlns:a16="http://schemas.microsoft.com/office/drawing/2014/main" id="{E70F90C2-3914-6643-A249-846E097AAF6B}"/>
+              </a:ext>
+            </a:extLst>
+          </p:cNvPr>
+          <p:cNvSpPr>
+            <a:spLocks noGrp="1"/>
+          </p:cNvSpPr>
+          <p:nvPr>
+            <p:ph idx="1"/>
+          </p:nvPr>
+        </p:nvSpPr>
+        <p:spPr/>
+        <p:txBody>
+          <a:bodyPr/>
+          <a:lstStyle/>
+          <a:p>
+            <a:r>
+              <a:rPr lang="en-US" dirty="0"/>
+              <a:t>d</a:t>
+            </a:r>
+          </a:p>
+        </p:txBody>
+      </p:sp>
+      <p:pic>
+        <p:nvPicPr>
+          <p:cNvPr id="4" name="Picture 3">
+            <a:extLst>
+              <a:ext uri="{FF2B5EF4-FFF2-40B4-BE49-F238E27FC236}">
+                <a16:creationId xmlns:a16="http://schemas.microsoft.com/office/drawing/2014/main" id="{C1C30C4E-95BD-D940-866D-F57B192EA814}"/>
+              </a:ext>
+            </a:extLst>
+          </p:cNvPr>
+          <p:cNvPicPr>
+            <a:picLocks noChangeAspect="1"/>
+          </p:cNvPicPr>
+          <p:nvPr/>
+        </p:nvPicPr>
+        <p:blipFill>
+          <a:blip r:embed="rId2"/>
+          <a:stretch>
+            <a:fillRect/>
+          </a:stretch>
+        </p:blipFill>
+        <p:spPr>
+          <a:xfrm>
+            <a:off x="1817481" y="2687705"/>
+            <a:ext cx="5118100" cy="2933700"/>
+          </a:xfrm>
+          <a:prstGeom prst="rect">
+            <a:avLst/>
+          </a:prstGeom>
+        </p:spPr>
+      </p:pic>
+      <p:pic>
+        <p:nvPicPr>
+          <p:cNvPr id="6" name="Picture 5">
+            <a:extLst>
+              <a:ext uri="{FF2B5EF4-FFF2-40B4-BE49-F238E27FC236}">
+                <a16:creationId xmlns:a16="http://schemas.microsoft.com/office/drawing/2014/main" id="{B43BDC4D-134F-D84D-994F-560734792648}"/>
+              </a:ext>
+            </a:extLst>
+          </p:cNvPr>
+          <p:cNvPicPr>
+            <a:picLocks noChangeAspect="1"/>
+          </p:cNvPicPr>
+          <p:nvPr/>
+        </p:nvPicPr>
+        <p:blipFill>
+          <a:blip r:embed="rId3"/>
+          <a:stretch>
+            <a:fillRect/>
+          </a:stretch>
+        </p:blipFill>
+        <p:spPr>
+          <a:xfrm>
+            <a:off x="7696200" y="1825625"/>
+            <a:ext cx="3657600" cy="2743200"/>
+          </a:xfrm>
+          <a:prstGeom prst="rect">
+            <a:avLst/>
+          </a:prstGeom>
+        </p:spPr>
+      </p:pic>
+      <p:sp>
+        <p:nvSpPr>
+          <p:cNvPr id="7" name="TextBox 6">
+            <a:extLst>
+              <a:ext uri="{FF2B5EF4-FFF2-40B4-BE49-F238E27FC236}">
+                <a16:creationId xmlns:a16="http://schemas.microsoft.com/office/drawing/2014/main" id="{706B2CCF-A8B2-5641-B47A-D8F843AFAAC8}"/>
+              </a:ext>
+            </a:extLst>
+          </p:cNvPr>
+          <p:cNvSpPr txBox="1"/>
+          <p:nvPr/>
+        </p:nvSpPr>
+        <p:spPr>
+          <a:xfrm>
+            <a:off x="4496574" y="5065270"/>
+            <a:ext cx="2563522" cy="1477328"/>
+          </a:xfrm>
+          <a:prstGeom prst="rect">
+            <a:avLst/>
+          </a:prstGeom>
+          <a:noFill/>
+        </p:spPr>
+        <p:txBody>
+          <a:bodyPr wrap="none" rtlCol="0">
+            <a:spAutoFit/>
+          </a:bodyPr>
+          <a:lstStyle/>
+          <a:p>
+            <a:r>
+              <a:rPr lang="en-US" dirty="0"/>
+              <a:t>model = </a:t>
+            </a:r>
+            <a:r>
+              <a:rPr lang="en-US" dirty="0" err="1"/>
+              <a:t>nn.Sequential</a:t>
+            </a:r>
+            <a:r>
+              <a:rPr lang="en-US" dirty="0"/>
+              <a:t>(</a:t>
+            </a:r>
+          </a:p>
+          <a:p>
+            <a:r>
+              <a:rPr lang="en-US" dirty="0"/>
+              <a:t>    </a:t>
+            </a:r>
+            <a:r>
+              <a:rPr lang="en-US" dirty="0" err="1"/>
+              <a:t>nn.Linear</a:t>
+            </a:r>
+            <a:r>
+              <a:rPr lang="en-US" dirty="0"/>
+              <a:t>(1, 5),</a:t>
+            </a:r>
+          </a:p>
+          <a:p>
+            <a:r>
+              <a:rPr lang="en-US" dirty="0"/>
+              <a:t>    </a:t>
+            </a:r>
+            <a:r>
+              <a:rPr lang="en-US" dirty="0" err="1"/>
+              <a:t>nn.ReLU</a:t>
+            </a:r>
+            <a:r>
+              <a:rPr lang="en-US" dirty="0"/>
+              <a:t>(),</a:t>
+            </a:r>
+          </a:p>
+          <a:p>
+            <a:r>
+              <a:rPr lang="en-US" dirty="0"/>
+              <a:t>    </a:t>
+            </a:r>
+            <a:r>
+              <a:rPr lang="en-US" dirty="0" err="1"/>
+              <a:t>nn.Linear</a:t>
+            </a:r>
+            <a:r>
+              <a:rPr lang="en-US" dirty="0"/>
+              <a:t>(5, 1)</a:t>
+            </a:r>
+          </a:p>
+          <a:p>
+            <a:r>
+              <a:rPr lang="en-US" dirty="0"/>
+              <a:t>)</a:t>
+            </a:r>
+          </a:p>
+        </p:txBody>
+      </p:sp>
+    </p:spTree>
+    <p:extLst>
+      <p:ext uri="{BB962C8B-B14F-4D97-AF65-F5344CB8AC3E}">
+        <p14:creationId xmlns:p14="http://schemas.microsoft.com/office/powerpoint/2010/main" val="170153977"/>
+      </p:ext>
+    </p:extLst>
+  </p:cSld>
+  <p:clrMapOvr>
+    <a:masterClrMapping/>
+  </p:clrMapOvr>
+</p:sld>
+</file>
+
+<file path=ppt/slides/slide14.xml><?xml version="1.0" encoding="utf-8"?>
+<p:sld xmlns:a="http://schemas.openxmlformats.org/drawingml/2006/main" xmlns:r="http://schemas.openxmlformats.org/officeDocument/2006/relationships" xmlns:p="http://schemas.openxmlformats.org/presentationml/2006/main">
+  <p:cSld>
+    <p:spTree>
+      <p:nvGrpSpPr>
+        <p:cNvPr id="1" name=""/>
+        <p:cNvGrpSpPr/>
+        <p:nvPr/>
+      </p:nvGrpSpPr>
+      <p:grpSpPr>
+        <a:xfrm>
+          <a:off x="0" y="0"/>
+          <a:ext cx="0" cy="0"/>
+          <a:chOff x="0" y="0"/>
+          <a:chExt cx="0" cy="0"/>
+        </a:xfrm>
+      </p:grpSpPr>
+      <p:sp>
+        <p:nvSpPr>
+          <p:cNvPr id="2" name="Title 1">
+            <a:extLst>
+              <a:ext uri="{FF2B5EF4-FFF2-40B4-BE49-F238E27FC236}">
+                <a16:creationId xmlns:a16="http://schemas.microsoft.com/office/drawing/2014/main" id="{56E2489B-0015-F244-93EC-5DA11EA8250C}"/>
+              </a:ext>
+            </a:extLst>
+          </p:cNvPr>
+          <p:cNvSpPr>
+            <a:spLocks noGrp="1"/>
+          </p:cNvSpPr>
+          <p:nvPr>
+            <p:ph type="title"/>
+          </p:nvPr>
+        </p:nvSpPr>
+        <p:spPr/>
+        <p:txBody>
+          <a:bodyPr/>
+          <a:lstStyle/>
+          <a:p>
+            <a:endParaRPr lang="en-US"/>
+          </a:p>
+        </p:txBody>
+      </p:sp>
+      <p:sp>
+        <p:nvSpPr>
+          <p:cNvPr id="3" name="Content Placeholder 2">
+            <a:extLst>
+              <a:ext uri="{FF2B5EF4-FFF2-40B4-BE49-F238E27FC236}">
+                <a16:creationId xmlns:a16="http://schemas.microsoft.com/office/drawing/2014/main" id="{D8DE3412-A3FC-C545-A686-5C8071664824}"/>
+              </a:ext>
+            </a:extLst>
+          </p:cNvPr>
+          <p:cNvSpPr>
+            <a:spLocks noGrp="1"/>
+          </p:cNvSpPr>
+          <p:nvPr>
+            <p:ph idx="1"/>
+          </p:nvPr>
+        </p:nvSpPr>
+        <p:spPr/>
+        <p:txBody>
+          <a:bodyPr/>
+          <a:lstStyle/>
+          <a:p>
+            <a:r>
+              <a:rPr lang="en-US" dirty="0" err="1"/>
+              <a:t>dfs</a:t>
+            </a:r>
+            <a:endParaRPr lang="en-US" dirty="0"/>
+          </a:p>
+        </p:txBody>
+      </p:sp>
+      <p:pic>
+        <p:nvPicPr>
+          <p:cNvPr id="6" name="Picture 5">
+            <a:extLst>
+              <a:ext uri="{FF2B5EF4-FFF2-40B4-BE49-F238E27FC236}">
+                <a16:creationId xmlns:a16="http://schemas.microsoft.com/office/drawing/2014/main" id="{474B5C4F-F544-1345-920B-87204C61B949}"/>
+              </a:ext>
+            </a:extLst>
+          </p:cNvPr>
+          <p:cNvPicPr>
+            <a:picLocks noChangeAspect="1"/>
+          </p:cNvPicPr>
+          <p:nvPr/>
+        </p:nvPicPr>
+        <p:blipFill>
+          <a:blip r:embed="rId2"/>
+          <a:stretch>
+            <a:fillRect/>
+          </a:stretch>
+        </p:blipFill>
+        <p:spPr>
+          <a:xfrm>
+            <a:off x="7417905" y="2494722"/>
+            <a:ext cx="3657600" cy="2743200"/>
+          </a:xfrm>
+          <a:prstGeom prst="rect">
+            <a:avLst/>
+          </a:prstGeom>
+        </p:spPr>
+      </p:pic>
+      <p:sp>
+        <p:nvSpPr>
+          <p:cNvPr id="8" name="Rectangle 7">
+            <a:extLst>
+              <a:ext uri="{FF2B5EF4-FFF2-40B4-BE49-F238E27FC236}">
+                <a16:creationId xmlns:a16="http://schemas.microsoft.com/office/drawing/2014/main" id="{1338DF29-8F0F-EE4D-9E80-9F78D184AB29}"/>
+              </a:ext>
+            </a:extLst>
+          </p:cNvPr>
+          <p:cNvSpPr/>
+          <p:nvPr/>
+        </p:nvSpPr>
+        <p:spPr>
+          <a:xfrm>
+            <a:off x="4270513" y="4280575"/>
+            <a:ext cx="2686878" cy="2031325"/>
+          </a:xfrm>
+          <a:prstGeom prst="rect">
+            <a:avLst/>
+          </a:prstGeom>
+        </p:spPr>
+        <p:txBody>
+          <a:bodyPr wrap="square">
+            <a:spAutoFit/>
+          </a:bodyPr>
+          <a:lstStyle/>
+          <a:p>
+            <a:r>
+              <a:rPr lang="en-US" dirty="0"/>
+              <a:t>model = </a:t>
+            </a:r>
+            <a:r>
+              <a:rPr lang="en-US" dirty="0" err="1"/>
+              <a:t>nn.Sequential</a:t>
+            </a:r>
+            <a:r>
+              <a:rPr lang="en-US" dirty="0"/>
+              <a:t>(</a:t>
+            </a:r>
+          </a:p>
+          <a:p>
+            <a:r>
+              <a:rPr lang="en-US" dirty="0"/>
+              <a:t>    </a:t>
+            </a:r>
+            <a:r>
+              <a:rPr lang="en-US" dirty="0" err="1"/>
+              <a:t>nn.Linear</a:t>
+            </a:r>
+            <a:r>
+              <a:rPr lang="en-US" dirty="0"/>
+              <a:t>(1, 5),</a:t>
+            </a:r>
+          </a:p>
+          <a:p>
+            <a:r>
+              <a:rPr lang="en-US" dirty="0"/>
+              <a:t>    </a:t>
+            </a:r>
+            <a:r>
+              <a:rPr lang="en-US" dirty="0" err="1"/>
+              <a:t>nn.ReLU</a:t>
+            </a:r>
+            <a:r>
+              <a:rPr lang="en-US" dirty="0"/>
+              <a:t>(),</a:t>
+            </a:r>
+          </a:p>
+          <a:p>
+            <a:r>
+              <a:rPr lang="en-US" dirty="0"/>
+              <a:t>    </a:t>
+            </a:r>
+            <a:r>
+              <a:rPr lang="en-US" dirty="0" err="1"/>
+              <a:t>nn.Linear</a:t>
+            </a:r>
+            <a:r>
+              <a:rPr lang="en-US" dirty="0"/>
+              <a:t>(5, 2),</a:t>
+            </a:r>
+          </a:p>
+          <a:p>
+            <a:r>
+              <a:rPr lang="en-US" dirty="0"/>
+              <a:t>    </a:t>
+            </a:r>
+            <a:r>
+              <a:rPr lang="en-US" dirty="0" err="1"/>
+              <a:t>nn.ReLU</a:t>
+            </a:r>
+            <a:r>
+              <a:rPr lang="en-US" dirty="0"/>
+              <a:t>(),</a:t>
+            </a:r>
+          </a:p>
+          <a:p>
+            <a:r>
+              <a:rPr lang="en-US" dirty="0"/>
+              <a:t>    </a:t>
+            </a:r>
+            <a:r>
+              <a:rPr lang="en-US" dirty="0" err="1"/>
+              <a:t>nn.Linear</a:t>
+            </a:r>
+            <a:r>
+              <a:rPr lang="en-US" dirty="0"/>
+              <a:t>(2, 1)</a:t>
+            </a:r>
+          </a:p>
+          <a:p>
+            <a:r>
+              <a:rPr lang="en-US" dirty="0"/>
+              <a:t>)</a:t>
+            </a:r>
+          </a:p>
+        </p:txBody>
+      </p:sp>
+      <p:pic>
+        <p:nvPicPr>
+          <p:cNvPr id="9" name="Picture 8">
+            <a:extLst>
+              <a:ext uri="{FF2B5EF4-FFF2-40B4-BE49-F238E27FC236}">
+                <a16:creationId xmlns:a16="http://schemas.microsoft.com/office/drawing/2014/main" id="{DE24D993-4B40-8A4A-B68B-FB9EFDA28CE4}"/>
+              </a:ext>
+            </a:extLst>
+          </p:cNvPr>
+          <p:cNvPicPr>
+            <a:picLocks noChangeAspect="1"/>
+          </p:cNvPicPr>
+          <p:nvPr/>
+        </p:nvPicPr>
+        <p:blipFill>
+          <a:blip r:embed="rId3"/>
+          <a:stretch>
+            <a:fillRect/>
+          </a:stretch>
+        </p:blipFill>
+        <p:spPr>
+          <a:xfrm>
+            <a:off x="330753" y="2386772"/>
+            <a:ext cx="7594600" cy="2959100"/>
+          </a:xfrm>
+          <a:prstGeom prst="rect">
+            <a:avLst/>
+          </a:prstGeom>
+        </p:spPr>
+      </p:pic>
+    </p:spTree>
+    <p:extLst>
+      <p:ext uri="{BB962C8B-B14F-4D97-AF65-F5344CB8AC3E}">
+        <p14:creationId xmlns:p14="http://schemas.microsoft.com/office/powerpoint/2010/main" val="966627113"/>
+      </p:ext>
+    </p:extLst>
+  </p:cSld>
+  <p:clrMapOvr>
+    <a:masterClrMapping/>
+  </p:clrMapOvr>
+</p:sld>
+</file>
+
+<file path=ppt/slides/slide15.xml><?xml version="1.0" encoding="utf-8"?>
+<p:sld xmlns:a="http://schemas.openxmlformats.org/drawingml/2006/main" xmlns:r="http://schemas.openxmlformats.org/officeDocument/2006/relationships" xmlns:p="http://schemas.openxmlformats.org/presentationml/2006/main">
+  <p:cSld>
+    <p:spTree>
+      <p:nvGrpSpPr>
+        <p:cNvPr id="1" name=""/>
+        <p:cNvGrpSpPr/>
+        <p:nvPr/>
+      </p:nvGrpSpPr>
+      <p:grpSpPr>
+        <a:xfrm>
+          <a:off x="0" y="0"/>
+          <a:ext cx="0" cy="0"/>
+          <a:chOff x="0" y="0"/>
+          <a:chExt cx="0" cy="0"/>
+        </a:xfrm>
+      </p:grpSpPr>
+      <p:sp>
+        <p:nvSpPr>
+          <p:cNvPr id="2" name="Title 1">
+            <a:extLst>
+              <a:ext uri="{FF2B5EF4-FFF2-40B4-BE49-F238E27FC236}">
+                <a16:creationId xmlns:a16="http://schemas.microsoft.com/office/drawing/2014/main" id="{94920348-73C8-124F-AAA7-407E19EFEBC0}"/>
+              </a:ext>
+            </a:extLst>
+          </p:cNvPr>
+          <p:cNvSpPr>
+            <a:spLocks noGrp="1"/>
+          </p:cNvSpPr>
+          <p:nvPr>
+            <p:ph type="title"/>
+          </p:nvPr>
+        </p:nvSpPr>
+        <p:spPr/>
+        <p:txBody>
+          <a:bodyPr/>
+          <a:lstStyle/>
+          <a:p>
+            <a:r>
+              <a:rPr lang="en-US" dirty="0"/>
+              <a:t>Too much strength can lead to overfitting</a:t>
+            </a:r>
+          </a:p>
+        </p:txBody>
+      </p:sp>
+      <p:sp>
+        <p:nvSpPr>
+          <p:cNvPr id="3" name="Content Placeholder 2">
+            <a:extLst>
+              <a:ext uri="{FF2B5EF4-FFF2-40B4-BE49-F238E27FC236}">
+                <a16:creationId xmlns:a16="http://schemas.microsoft.com/office/drawing/2014/main" id="{D691D0BC-E438-AC43-802F-28F85258CB3A}"/>
+              </a:ext>
+            </a:extLst>
+          </p:cNvPr>
+          <p:cNvSpPr>
+            <a:spLocks noGrp="1"/>
+          </p:cNvSpPr>
+          <p:nvPr>
+            <p:ph idx="1"/>
+          </p:nvPr>
+        </p:nvSpPr>
+        <p:spPr/>
+        <p:txBody>
+          <a:bodyPr/>
+          <a:lstStyle/>
+          <a:p>
+            <a:endParaRPr lang="en-US"/>
+          </a:p>
+        </p:txBody>
+      </p:sp>
+      <p:sp>
+        <p:nvSpPr>
+          <p:cNvPr id="4" name="TextBox 3">
+            <a:extLst>
+              <a:ext uri="{FF2B5EF4-FFF2-40B4-BE49-F238E27FC236}">
+                <a16:creationId xmlns:a16="http://schemas.microsoft.com/office/drawing/2014/main" id="{89743707-FAB1-884E-A142-EF99FDF2A2C3}"/>
+              </a:ext>
+            </a:extLst>
+          </p:cNvPr>
+          <p:cNvSpPr txBox="1"/>
+          <p:nvPr/>
+        </p:nvSpPr>
+        <p:spPr>
+          <a:xfrm>
+            <a:off x="1063486" y="2166731"/>
+            <a:ext cx="2563522" cy="1754326"/>
+          </a:xfrm>
+          <a:prstGeom prst="rect">
+            <a:avLst/>
+          </a:prstGeom>
+          <a:noFill/>
+        </p:spPr>
+        <p:txBody>
+          <a:bodyPr wrap="none" rtlCol="0">
+            <a:spAutoFit/>
+          </a:bodyPr>
+          <a:lstStyle/>
+          <a:p>
+            <a:r>
+              <a:rPr lang="en-US" dirty="0"/>
+              <a:t>model = </a:t>
+            </a:r>
+            <a:r>
+              <a:rPr lang="en-US" dirty="0" err="1"/>
+              <a:t>nn.Sequential</a:t>
+            </a:r>
+            <a:r>
+              <a:rPr lang="en-US" dirty="0"/>
+              <a:t>(</a:t>
+            </a:r>
+          </a:p>
+          <a:p>
+            <a:r>
+              <a:rPr lang="en-US" dirty="0"/>
+              <a:t>    </a:t>
+            </a:r>
+            <a:r>
+              <a:rPr lang="en-US" dirty="0" err="1"/>
+              <a:t>nn.Linear</a:t>
+            </a:r>
+            <a:r>
+              <a:rPr lang="en-US" dirty="0"/>
+              <a:t>(1, 1000),</a:t>
+            </a:r>
+          </a:p>
+          <a:p>
+            <a:r>
+              <a:rPr lang="en-US" dirty="0"/>
+              <a:t>    </a:t>
+            </a:r>
+            <a:r>
+              <a:rPr lang="en-US" dirty="0" err="1"/>
+              <a:t>nn.ReLU</a:t>
+            </a:r>
+            <a:r>
+              <a:rPr lang="en-US" dirty="0"/>
+              <a:t>(),</a:t>
+            </a:r>
+          </a:p>
+          <a:p>
+            <a:r>
+              <a:rPr lang="en-US" dirty="0"/>
+              <a:t>    </a:t>
+            </a:r>
+            <a:r>
+              <a:rPr lang="en-US" dirty="0" err="1"/>
+              <a:t>nn.Linear</a:t>
+            </a:r>
+            <a:r>
+              <a:rPr lang="en-US" dirty="0"/>
+              <a:t>(1000, 1)</a:t>
+            </a:r>
+          </a:p>
+          <a:p>
+            <a:r>
+              <a:rPr lang="en-US" dirty="0"/>
+              <a:t>)</a:t>
+            </a:r>
+          </a:p>
+          <a:p>
+            <a:endParaRPr lang="en-US" dirty="0"/>
+          </a:p>
+        </p:txBody>
+      </p:sp>
+      <p:pic>
+        <p:nvPicPr>
+          <p:cNvPr id="8" name="Picture 7">
+            <a:extLst>
+              <a:ext uri="{FF2B5EF4-FFF2-40B4-BE49-F238E27FC236}">
+                <a16:creationId xmlns:a16="http://schemas.microsoft.com/office/drawing/2014/main" id="{4E9EFC00-CC3A-2842-872F-8832710E564F}"/>
+              </a:ext>
+            </a:extLst>
+          </p:cNvPr>
+          <p:cNvPicPr>
+            <a:picLocks noChangeAspect="1"/>
+          </p:cNvPicPr>
+          <p:nvPr/>
+        </p:nvPicPr>
+        <p:blipFill>
+          <a:blip r:embed="rId2"/>
+          <a:stretch>
+            <a:fillRect/>
+          </a:stretch>
+        </p:blipFill>
+        <p:spPr>
+          <a:xfrm>
+            <a:off x="4267200" y="2057400"/>
+            <a:ext cx="3657600" cy="2743200"/>
+          </a:xfrm>
+          <a:prstGeom prst="rect">
+            <a:avLst/>
+          </a:prstGeom>
+        </p:spPr>
+      </p:pic>
+    </p:spTree>
+    <p:extLst>
+      <p:ext uri="{BB962C8B-B14F-4D97-AF65-F5344CB8AC3E}">
+        <p14:creationId xmlns:p14="http://schemas.microsoft.com/office/powerpoint/2010/main" val="4061427620"/>
+      </p:ext>
+    </p:extLst>
+  </p:cSld>
+  <p:clrMapOvr>
+    <a:masterClrMapping/>
+  </p:clrMapOvr>
+</p:sld>
+</file>
+
+<file path=ppt/slides/slide16.xml><?xml version="1.0" encoding="utf-8"?>
+<p:sld xmlns:a="http://schemas.openxmlformats.org/drawingml/2006/main" xmlns:r="http://schemas.openxmlformats.org/officeDocument/2006/relationships" xmlns:p="http://schemas.openxmlformats.org/presentationml/2006/main">
+  <p:cSld>
+    <p:spTree>
+      <p:nvGrpSpPr>
+        <p:cNvPr id="1" name=""/>
+        <p:cNvGrpSpPr/>
+        <p:nvPr/>
+      </p:nvGrpSpPr>
+      <p:grpSpPr>
+        <a:xfrm>
+          <a:off x="0" y="0"/>
+          <a:ext cx="0" cy="0"/>
+          <a:chOff x="0" y="0"/>
+          <a:chExt cx="0" cy="0"/>
+        </a:xfrm>
+      </p:grpSpPr>
+      <p:sp>
+        <p:nvSpPr>
+          <p:cNvPr id="2" name="Title 1">
+            <a:extLst>
+              <a:ext uri="{FF2B5EF4-FFF2-40B4-BE49-F238E27FC236}">
+                <a16:creationId xmlns:a16="http://schemas.microsoft.com/office/drawing/2014/main" id="{B08802F1-79F9-B844-B1FA-47147E170B80}"/>
+              </a:ext>
+            </a:extLst>
+          </p:cNvPr>
+          <p:cNvSpPr>
+            <a:spLocks noGrp="1"/>
+          </p:cNvSpPr>
+          <p:nvPr>
+            <p:ph type="title"/>
+          </p:nvPr>
+        </p:nvSpPr>
+        <p:spPr/>
+        <p:txBody>
+          <a:bodyPr/>
+          <a:lstStyle/>
+          <a:p>
+            <a:r>
+              <a:rPr lang="en-US" dirty="0"/>
+              <a:t>Classifier</a:t>
+            </a:r>
+          </a:p>
+        </p:txBody>
+      </p:sp>
+      <p:sp>
+        <p:nvSpPr>
+          <p:cNvPr id="3" name="Content Placeholder 2">
+            <a:extLst>
+              <a:ext uri="{FF2B5EF4-FFF2-40B4-BE49-F238E27FC236}">
+                <a16:creationId xmlns:a16="http://schemas.microsoft.com/office/drawing/2014/main" id="{D165BE80-36B0-E741-B0EE-EE774712B3F1}"/>
+              </a:ext>
+            </a:extLst>
+          </p:cNvPr>
+          <p:cNvSpPr>
+            <a:spLocks noGrp="1"/>
+          </p:cNvSpPr>
+          <p:nvPr>
+            <p:ph idx="1"/>
+          </p:nvPr>
+        </p:nvSpPr>
+        <p:spPr/>
+        <p:txBody>
+          <a:bodyPr/>
+          <a:lstStyle/>
+          <a:p>
+            <a:r>
+              <a:rPr lang="en-US" dirty="0"/>
+              <a:t>d</a:t>
+            </a:r>
+          </a:p>
+        </p:txBody>
+      </p:sp>
+      <p:sp>
+        <p:nvSpPr>
+          <p:cNvPr id="5" name="TextBox 4">
+            <a:extLst>
+              <a:ext uri="{FF2B5EF4-FFF2-40B4-BE49-F238E27FC236}">
+                <a16:creationId xmlns:a16="http://schemas.microsoft.com/office/drawing/2014/main" id="{87A7A1CD-FB32-7C47-A941-9D8CFF4347B9}"/>
+              </a:ext>
+            </a:extLst>
+          </p:cNvPr>
+          <p:cNvSpPr txBox="1"/>
+          <p:nvPr/>
+        </p:nvSpPr>
+        <p:spPr>
+          <a:xfrm>
+            <a:off x="8104192" y="1168254"/>
+            <a:ext cx="3249608" cy="1477328"/>
+          </a:xfrm>
+          <a:prstGeom prst="rect">
+            <a:avLst/>
+          </a:prstGeom>
+          <a:noFill/>
+        </p:spPr>
+        <p:txBody>
+          <a:bodyPr wrap="none" rtlCol="0">
+            <a:spAutoFit/>
+          </a:bodyPr>
+          <a:lstStyle/>
+          <a:p>
+            <a:r>
+              <a:rPr lang="en-US" dirty="0"/>
+              <a:t># 2 input vars: proline, alcohol</a:t>
+            </a:r>
+            <a:br>
+              <a:rPr lang="en-US" dirty="0"/>
+            </a:br>
+            <a:r>
+              <a:rPr lang="en-US" dirty="0"/>
+              <a:t>model = </a:t>
+            </a:r>
+            <a:r>
+              <a:rPr lang="en-US" dirty="0" err="1"/>
+              <a:t>nn.Sequential</a:t>
+            </a:r>
+            <a:r>
+              <a:rPr lang="en-US" dirty="0"/>
+              <a:t>(</a:t>
+            </a:r>
+          </a:p>
+          <a:p>
+            <a:r>
+              <a:rPr lang="en-US" dirty="0"/>
+              <a:t>    </a:t>
+            </a:r>
+            <a:r>
+              <a:rPr lang="en-US" dirty="0" err="1"/>
+              <a:t>nn.Linear</a:t>
+            </a:r>
+            <a:r>
+              <a:rPr lang="en-US" dirty="0"/>
+              <a:t>(2, 1), </a:t>
+            </a:r>
+          </a:p>
+          <a:p>
+            <a:r>
+              <a:rPr lang="en-US" dirty="0"/>
+              <a:t>    </a:t>
+            </a:r>
+            <a:r>
+              <a:rPr lang="en-US" dirty="0" err="1"/>
+              <a:t>nn.Sigmoid</a:t>
+            </a:r>
+            <a:r>
+              <a:rPr lang="en-US" dirty="0"/>
+              <a:t>(),</a:t>
+            </a:r>
+          </a:p>
+          <a:p>
+            <a:r>
+              <a:rPr lang="en-US" dirty="0"/>
+              <a:t>)</a:t>
+            </a:r>
+          </a:p>
+        </p:txBody>
+      </p:sp>
+      <p:pic>
+        <p:nvPicPr>
+          <p:cNvPr id="10" name="Picture 9">
+            <a:extLst>
+              <a:ext uri="{FF2B5EF4-FFF2-40B4-BE49-F238E27FC236}">
+                <a16:creationId xmlns:a16="http://schemas.microsoft.com/office/drawing/2014/main" id="{6D35E14F-B03F-2F4A-AB34-71F7A1E5A6B0}"/>
+              </a:ext>
+            </a:extLst>
+          </p:cNvPr>
+          <p:cNvPicPr>
+            <a:picLocks noChangeAspect="1"/>
+          </p:cNvPicPr>
+          <p:nvPr/>
+        </p:nvPicPr>
+        <p:blipFill>
+          <a:blip r:embed="rId2"/>
+          <a:stretch>
+            <a:fillRect/>
+          </a:stretch>
+        </p:blipFill>
+        <p:spPr>
+          <a:xfrm>
+            <a:off x="4032526" y="1631554"/>
+            <a:ext cx="3530600" cy="685800"/>
+          </a:xfrm>
+          <a:prstGeom prst="rect">
+            <a:avLst/>
+          </a:prstGeom>
+        </p:spPr>
+      </p:pic>
+      <p:pic>
+        <p:nvPicPr>
+          <p:cNvPr id="12" name="Picture 11">
+            <a:extLst>
+              <a:ext uri="{FF2B5EF4-FFF2-40B4-BE49-F238E27FC236}">
+                <a16:creationId xmlns:a16="http://schemas.microsoft.com/office/drawing/2014/main" id="{1BEA6341-0CEE-E342-B5E4-08D202D4E8D9}"/>
+              </a:ext>
+            </a:extLst>
+          </p:cNvPr>
+          <p:cNvPicPr>
+            <a:picLocks noChangeAspect="1"/>
+          </p:cNvPicPr>
+          <p:nvPr/>
+        </p:nvPicPr>
+        <p:blipFill>
+          <a:blip r:embed="rId3"/>
+          <a:stretch>
+            <a:fillRect/>
+          </a:stretch>
+        </p:blipFill>
+        <p:spPr>
+          <a:xfrm>
+            <a:off x="7308574" y="2519363"/>
+            <a:ext cx="4572000" cy="3657600"/>
+          </a:xfrm>
+          <a:prstGeom prst="rect">
+            <a:avLst/>
+          </a:prstGeom>
+        </p:spPr>
+      </p:pic>
+      <p:pic>
+        <p:nvPicPr>
+          <p:cNvPr id="14" name="Picture 13">
+            <a:extLst>
+              <a:ext uri="{FF2B5EF4-FFF2-40B4-BE49-F238E27FC236}">
+                <a16:creationId xmlns:a16="http://schemas.microsoft.com/office/drawing/2014/main" id="{B178528C-AAFB-EE4C-8432-CAB0D26549C7}"/>
+              </a:ext>
+            </a:extLst>
+          </p:cNvPr>
+          <p:cNvPicPr>
+            <a:picLocks noChangeAspect="1"/>
+          </p:cNvPicPr>
+          <p:nvPr/>
+        </p:nvPicPr>
+        <p:blipFill>
+          <a:blip r:embed="rId4"/>
+          <a:stretch>
+            <a:fillRect/>
+          </a:stretch>
+        </p:blipFill>
+        <p:spPr>
+          <a:xfrm>
+            <a:off x="0" y="4154557"/>
+            <a:ext cx="3657600" cy="2743200"/>
+          </a:xfrm>
+          <a:prstGeom prst="rect">
+            <a:avLst/>
+          </a:prstGeom>
+        </p:spPr>
+      </p:pic>
+      <p:pic>
+        <p:nvPicPr>
+          <p:cNvPr id="16" name="Picture 15">
+            <a:extLst>
+              <a:ext uri="{FF2B5EF4-FFF2-40B4-BE49-F238E27FC236}">
+                <a16:creationId xmlns:a16="http://schemas.microsoft.com/office/drawing/2014/main" id="{E7E8FF11-C0D1-5542-B0C0-9499E762DB87}"/>
+              </a:ext>
+            </a:extLst>
+          </p:cNvPr>
+          <p:cNvPicPr>
+            <a:picLocks noChangeAspect="1"/>
+          </p:cNvPicPr>
+          <p:nvPr/>
+        </p:nvPicPr>
+        <p:blipFill>
+          <a:blip r:embed="rId5"/>
+          <a:stretch>
+            <a:fillRect/>
+          </a:stretch>
+        </p:blipFill>
+        <p:spPr>
+          <a:xfrm>
+            <a:off x="3382130" y="4168259"/>
+            <a:ext cx="3657600" cy="2743200"/>
+          </a:xfrm>
+          <a:prstGeom prst="rect">
+            <a:avLst/>
+          </a:prstGeom>
+        </p:spPr>
+      </p:pic>
+    </p:spTree>
+    <p:extLst>
+      <p:ext uri="{BB962C8B-B14F-4D97-AF65-F5344CB8AC3E}">
+        <p14:creationId xmlns:p14="http://schemas.microsoft.com/office/powerpoint/2010/main" val="4251213431"/>
+      </p:ext>
+    </p:extLst>
+  </p:cSld>
+  <p:clrMapOvr>
+    <a:masterClrMapping/>
+  </p:clrMapOvr>
+</p:sld>
+</file>
+
+<file path=ppt/slides/slide17.xml><?xml version="1.0" encoding="utf-8"?>
+<p:sld xmlns:a="http://schemas.openxmlformats.org/drawingml/2006/main" xmlns:r="http://schemas.openxmlformats.org/officeDocument/2006/relationships" xmlns:p="http://schemas.openxmlformats.org/presentationml/2006/main">
+  <p:cSld>
+    <p:spTree>
+      <p:nvGrpSpPr>
+        <p:cNvPr id="1" name=""/>
+        <p:cNvGrpSpPr/>
+        <p:nvPr/>
+      </p:nvGrpSpPr>
+      <p:grpSpPr>
+        <a:xfrm>
+          <a:off x="0" y="0"/>
+          <a:ext cx="0" cy="0"/>
+          <a:chOff x="0" y="0"/>
+          <a:chExt cx="0" cy="0"/>
+        </a:xfrm>
+      </p:grpSpPr>
+      <p:sp>
+        <p:nvSpPr>
+          <p:cNvPr id="2" name="Title 1">
+            <a:extLst>
+              <a:ext uri="{FF2B5EF4-FFF2-40B4-BE49-F238E27FC236}">
+                <a16:creationId xmlns:a16="http://schemas.microsoft.com/office/drawing/2014/main" id="{6CDD21CE-D1F0-614C-8E41-3C1CACD63000}"/>
+              </a:ext>
+            </a:extLst>
+          </p:cNvPr>
+          <p:cNvSpPr>
+            <a:spLocks noGrp="1"/>
+          </p:cNvSpPr>
+          <p:nvPr>
+            <p:ph type="title"/>
+          </p:nvPr>
+        </p:nvSpPr>
+        <p:spPr/>
+        <p:txBody>
+          <a:bodyPr/>
+          <a:lstStyle/>
+          <a:p>
+            <a:endParaRPr lang="en-US"/>
+          </a:p>
+        </p:txBody>
+      </p:sp>
+      <p:sp>
+        <p:nvSpPr>
+          <p:cNvPr id="3" name="Content Placeholder 2">
+            <a:extLst>
+              <a:ext uri="{FF2B5EF4-FFF2-40B4-BE49-F238E27FC236}">
+                <a16:creationId xmlns:a16="http://schemas.microsoft.com/office/drawing/2014/main" id="{ACE95AC2-7E22-F849-9403-9FE052DA407C}"/>
+              </a:ext>
+            </a:extLst>
+          </p:cNvPr>
+          <p:cNvSpPr>
+            <a:spLocks noGrp="1"/>
+          </p:cNvSpPr>
+          <p:nvPr>
+            <p:ph idx="1"/>
+          </p:nvPr>
+        </p:nvSpPr>
+        <p:spPr/>
+        <p:txBody>
+          <a:bodyPr/>
+          <a:lstStyle/>
+          <a:p>
+            <a:endParaRPr lang="en-US" dirty="0"/>
+          </a:p>
+        </p:txBody>
+      </p:sp>
+      <p:sp>
+        <p:nvSpPr>
+          <p:cNvPr id="6" name="TextBox 5">
+            <a:extLst>
+              <a:ext uri="{FF2B5EF4-FFF2-40B4-BE49-F238E27FC236}">
+                <a16:creationId xmlns:a16="http://schemas.microsoft.com/office/drawing/2014/main" id="{6FF65EF3-7A1C-BB42-9AB4-6BD63009193B}"/>
+              </a:ext>
+            </a:extLst>
+          </p:cNvPr>
+          <p:cNvSpPr txBox="1"/>
+          <p:nvPr/>
+        </p:nvSpPr>
+        <p:spPr>
+          <a:xfrm>
+            <a:off x="1007165" y="4304679"/>
+            <a:ext cx="2563522" cy="1754326"/>
+          </a:xfrm>
+          <a:prstGeom prst="rect">
+            <a:avLst/>
+          </a:prstGeom>
+          <a:noFill/>
+        </p:spPr>
+        <p:txBody>
+          <a:bodyPr wrap="none" rtlCol="0">
+            <a:spAutoFit/>
+          </a:bodyPr>
+          <a:lstStyle/>
+          <a:p>
+            <a:r>
+              <a:rPr lang="en-US" dirty="0"/>
+              <a:t>model = </a:t>
+            </a:r>
+            <a:r>
+              <a:rPr lang="en-US" dirty="0" err="1"/>
+              <a:t>nn.Sequential</a:t>
+            </a:r>
+            <a:r>
+              <a:rPr lang="en-US" dirty="0"/>
+              <a:t>(</a:t>
+            </a:r>
+          </a:p>
+          <a:p>
+            <a:r>
+              <a:rPr lang="en-US" dirty="0"/>
+              <a:t>    </a:t>
+            </a:r>
+            <a:r>
+              <a:rPr lang="en-US" dirty="0" err="1"/>
+              <a:t>nn.Linear</a:t>
+            </a:r>
+            <a:r>
+              <a:rPr lang="en-US" dirty="0"/>
+              <a:t>(2, 3),</a:t>
+            </a:r>
+          </a:p>
+          <a:p>
+            <a:r>
+              <a:rPr lang="en-US" dirty="0"/>
+              <a:t>    </a:t>
+            </a:r>
+            <a:r>
+              <a:rPr lang="en-US" dirty="0" err="1"/>
+              <a:t>nn.Tanh</a:t>
+            </a:r>
+            <a:r>
+              <a:rPr lang="en-US" dirty="0"/>
+              <a:t>(),</a:t>
+            </a:r>
+          </a:p>
+          <a:p>
+            <a:r>
+              <a:rPr lang="en-US" dirty="0"/>
+              <a:t>    </a:t>
+            </a:r>
+            <a:r>
+              <a:rPr lang="en-US" dirty="0" err="1"/>
+              <a:t>nn.Linear</a:t>
+            </a:r>
+            <a:r>
+              <a:rPr lang="en-US" dirty="0"/>
+              <a:t>(3, 1),</a:t>
+            </a:r>
+          </a:p>
+          <a:p>
+            <a:r>
+              <a:rPr lang="en-US" dirty="0"/>
+              <a:t>    </a:t>
+            </a:r>
+            <a:r>
+              <a:rPr lang="en-US" dirty="0" err="1"/>
+              <a:t>nn.Sigmoid</a:t>
+            </a:r>
+            <a:r>
+              <a:rPr lang="en-US" dirty="0"/>
+              <a:t>()</a:t>
+            </a:r>
+          </a:p>
+          <a:p>
+            <a:r>
+              <a:rPr lang="en-US" dirty="0"/>
+              <a:t>)</a:t>
+            </a:r>
+          </a:p>
+        </p:txBody>
+      </p:sp>
+      <p:pic>
+        <p:nvPicPr>
+          <p:cNvPr id="8" name="Picture 7">
+            <a:extLst>
+              <a:ext uri="{FF2B5EF4-FFF2-40B4-BE49-F238E27FC236}">
+                <a16:creationId xmlns:a16="http://schemas.microsoft.com/office/drawing/2014/main" id="{1B9B48D8-D12C-AB46-AB79-4D922CFC5B8B}"/>
+              </a:ext>
+            </a:extLst>
+          </p:cNvPr>
+          <p:cNvPicPr>
+            <a:picLocks noChangeAspect="1"/>
+          </p:cNvPicPr>
+          <p:nvPr/>
+        </p:nvPicPr>
+        <p:blipFill>
+          <a:blip r:embed="rId2"/>
+          <a:stretch>
+            <a:fillRect/>
+          </a:stretch>
+        </p:blipFill>
+        <p:spPr>
+          <a:xfrm>
+            <a:off x="1007165" y="2429842"/>
+            <a:ext cx="5956300" cy="1739900"/>
+          </a:xfrm>
+          <a:prstGeom prst="rect">
+            <a:avLst/>
+          </a:prstGeom>
+        </p:spPr>
+      </p:pic>
+      <p:pic>
+        <p:nvPicPr>
+          <p:cNvPr id="10" name="Picture 9">
+            <a:extLst>
+              <a:ext uri="{FF2B5EF4-FFF2-40B4-BE49-F238E27FC236}">
+                <a16:creationId xmlns:a16="http://schemas.microsoft.com/office/drawing/2014/main" id="{6A742C6B-7095-2945-BFE8-D7227E343B7C}"/>
+              </a:ext>
+            </a:extLst>
+          </p:cNvPr>
+          <p:cNvPicPr>
+            <a:picLocks noChangeAspect="1"/>
+          </p:cNvPicPr>
+          <p:nvPr/>
+        </p:nvPicPr>
+        <p:blipFill>
+          <a:blip r:embed="rId3"/>
+          <a:stretch>
+            <a:fillRect/>
+          </a:stretch>
+        </p:blipFill>
+        <p:spPr>
+          <a:xfrm>
+            <a:off x="6781800" y="1958009"/>
+            <a:ext cx="4572000" cy="3657600"/>
+          </a:xfrm>
+          <a:prstGeom prst="rect">
+            <a:avLst/>
+          </a:prstGeom>
+        </p:spPr>
+      </p:pic>
+    </p:spTree>
+    <p:extLst>
+      <p:ext uri="{BB962C8B-B14F-4D97-AF65-F5344CB8AC3E}">
+        <p14:creationId xmlns:p14="http://schemas.microsoft.com/office/powerpoint/2010/main" val="3455785278"/>
+      </p:ext>
+    </p:extLst>
+  </p:cSld>
+  <p:clrMapOvr>
+    <a:masterClrMapping/>
+  </p:clrMapOvr>
+</p:sld>
+</file>
+
+<file path=ppt/slides/slide18.xml><?xml version="1.0" encoding="utf-8"?>
+<p:sld xmlns:a="http://schemas.openxmlformats.org/drawingml/2006/main" xmlns:r="http://schemas.openxmlformats.org/officeDocument/2006/relationships" xmlns:p="http://schemas.openxmlformats.org/presentationml/2006/main">
+  <p:cSld>
+    <p:spTree>
+      <p:nvGrpSpPr>
+        <p:cNvPr id="1" name=""/>
+        <p:cNvGrpSpPr/>
+        <p:nvPr/>
+      </p:nvGrpSpPr>
+      <p:grpSpPr>
+        <a:xfrm>
+          <a:off x="0" y="0"/>
+          <a:ext cx="0" cy="0"/>
+          <a:chOff x="0" y="0"/>
+          <a:chExt cx="0" cy="0"/>
+        </a:xfrm>
+      </p:grpSpPr>
+      <p:sp>
+        <p:nvSpPr>
+          <p:cNvPr id="2" name="Title 1">
+            <a:extLst>
+              <a:ext uri="{FF2B5EF4-FFF2-40B4-BE49-F238E27FC236}">
+                <a16:creationId xmlns:a16="http://schemas.microsoft.com/office/drawing/2014/main" id="{49B89F71-6727-3B45-B145-86DE943E433F}"/>
+              </a:ext>
+            </a:extLst>
+          </p:cNvPr>
+          <p:cNvSpPr>
+            <a:spLocks noGrp="1"/>
+          </p:cNvSpPr>
+          <p:nvPr>
+            <p:ph type="title"/>
+          </p:nvPr>
+        </p:nvSpPr>
+        <p:spPr/>
+        <p:txBody>
+          <a:bodyPr/>
+          <a:lstStyle/>
+          <a:p>
+            <a:endParaRPr lang="en-US"/>
+          </a:p>
+        </p:txBody>
+      </p:sp>
+      <p:sp>
+        <p:nvSpPr>
+          <p:cNvPr id="3" name="Content Placeholder 2">
+            <a:extLst>
+              <a:ext uri="{FF2B5EF4-FFF2-40B4-BE49-F238E27FC236}">
+                <a16:creationId xmlns:a16="http://schemas.microsoft.com/office/drawing/2014/main" id="{B864C968-1E1F-EB41-91D6-56A5000EAB5C}"/>
+              </a:ext>
+            </a:extLst>
+          </p:cNvPr>
+          <p:cNvSpPr>
+            <a:spLocks noGrp="1"/>
+          </p:cNvSpPr>
+          <p:nvPr>
+            <p:ph idx="1"/>
+          </p:nvPr>
+        </p:nvSpPr>
+        <p:spPr/>
+        <p:txBody>
+          <a:bodyPr/>
+          <a:lstStyle/>
+          <a:p>
+            <a:endParaRPr lang="en-US"/>
+          </a:p>
+        </p:txBody>
+      </p:sp>
+      <p:pic>
+        <p:nvPicPr>
+          <p:cNvPr id="5" name="Picture 4">
+            <a:extLst>
+              <a:ext uri="{FF2B5EF4-FFF2-40B4-BE49-F238E27FC236}">
+                <a16:creationId xmlns:a16="http://schemas.microsoft.com/office/drawing/2014/main" id="{3713F659-EB8D-CF42-9AF8-65FE292B13B7}"/>
+              </a:ext>
+            </a:extLst>
+          </p:cNvPr>
+          <p:cNvPicPr>
+            <a:picLocks noChangeAspect="1"/>
+          </p:cNvPicPr>
+          <p:nvPr/>
+        </p:nvPicPr>
+        <p:blipFill>
+          <a:blip r:embed="rId2"/>
+          <a:stretch>
+            <a:fillRect/>
+          </a:stretch>
+        </p:blipFill>
+        <p:spPr>
+          <a:xfrm>
+            <a:off x="7169426" y="1690688"/>
+            <a:ext cx="4572000" cy="3657600"/>
+          </a:xfrm>
+          <a:prstGeom prst="rect">
+            <a:avLst/>
+          </a:prstGeom>
+        </p:spPr>
+      </p:pic>
+      <p:sp>
+        <p:nvSpPr>
+          <p:cNvPr id="6" name="TextBox 5">
+            <a:extLst>
+              <a:ext uri="{FF2B5EF4-FFF2-40B4-BE49-F238E27FC236}">
+                <a16:creationId xmlns:a16="http://schemas.microsoft.com/office/drawing/2014/main" id="{94A1DBFD-8A01-9842-BFDB-B4D06B3D9207}"/>
+              </a:ext>
+            </a:extLst>
+          </p:cNvPr>
+          <p:cNvSpPr txBox="1"/>
+          <p:nvPr/>
+        </p:nvSpPr>
+        <p:spPr>
+          <a:xfrm>
+            <a:off x="5267739" y="5167312"/>
+            <a:ext cx="2634054" cy="1754326"/>
+          </a:xfrm>
+          <a:prstGeom prst="rect">
+            <a:avLst/>
+          </a:prstGeom>
+          <a:noFill/>
+        </p:spPr>
+        <p:txBody>
+          <a:bodyPr wrap="none" rtlCol="0">
+            <a:spAutoFit/>
+          </a:bodyPr>
+          <a:lstStyle/>
+          <a:p>
+            <a:r>
+              <a:rPr lang="en-US" dirty="0"/>
+              <a:t>model = </a:t>
+            </a:r>
+            <a:r>
+              <a:rPr lang="en-US" dirty="0" err="1"/>
+              <a:t>nn.Sequential</a:t>
+            </a:r>
+            <a:r>
+              <a:rPr lang="en-US" dirty="0"/>
+              <a:t>(</a:t>
+            </a:r>
+          </a:p>
+          <a:p>
+            <a:r>
+              <a:rPr lang="en-US" dirty="0"/>
+              <a:t>    </a:t>
+            </a:r>
+            <a:r>
+              <a:rPr lang="en-US" dirty="0" err="1"/>
+              <a:t>nn.Linear</a:t>
+            </a:r>
+            <a:r>
+              <a:rPr lang="en-US" dirty="0"/>
+              <a:t>(2, 10),</a:t>
+            </a:r>
+          </a:p>
+          <a:p>
+            <a:r>
+              <a:rPr lang="en-US" dirty="0"/>
+              <a:t>    </a:t>
+            </a:r>
+            <a:r>
+              <a:rPr lang="en-US" dirty="0" err="1"/>
+              <a:t>nn.Sigmoid</a:t>
+            </a:r>
+            <a:r>
+              <a:rPr lang="en-US" dirty="0"/>
+              <a:t>(),</a:t>
+            </a:r>
+          </a:p>
+          <a:p>
+            <a:r>
+              <a:rPr lang="en-US" dirty="0"/>
+              <a:t>    </a:t>
+            </a:r>
+            <a:r>
+              <a:rPr lang="en-US" dirty="0" err="1"/>
+              <a:t>nn.Linear</a:t>
+            </a:r>
+            <a:r>
+              <a:rPr lang="en-US" dirty="0"/>
+              <a:t>(10, 1),</a:t>
+            </a:r>
+          </a:p>
+          <a:p>
+            <a:r>
+              <a:rPr lang="en-US" dirty="0"/>
+              <a:t>    </a:t>
+            </a:r>
+            <a:r>
+              <a:rPr lang="en-US" dirty="0" err="1"/>
+              <a:t>nn.Sigmoid</a:t>
+            </a:r>
+            <a:r>
+              <a:rPr lang="en-US" dirty="0"/>
+              <a:t>()</a:t>
+            </a:r>
+          </a:p>
+          <a:p>
+            <a:r>
+              <a:rPr lang="en-US" dirty="0"/>
+              <a:t>)</a:t>
+            </a:r>
+          </a:p>
+        </p:txBody>
+      </p:sp>
+      <p:pic>
+        <p:nvPicPr>
+          <p:cNvPr id="8" name="Picture 7">
+            <a:extLst>
+              <a:ext uri="{FF2B5EF4-FFF2-40B4-BE49-F238E27FC236}">
+                <a16:creationId xmlns:a16="http://schemas.microsoft.com/office/drawing/2014/main" id="{AEB63B7C-26E1-3843-842B-116B4054BBCA}"/>
+              </a:ext>
+            </a:extLst>
+          </p:cNvPr>
+          <p:cNvPicPr>
+            <a:picLocks noChangeAspect="1"/>
+          </p:cNvPicPr>
+          <p:nvPr/>
+        </p:nvPicPr>
+        <p:blipFill>
+          <a:blip r:embed="rId3"/>
+          <a:stretch>
+            <a:fillRect/>
+          </a:stretch>
+        </p:blipFill>
+        <p:spPr>
+          <a:xfrm>
+            <a:off x="1202539" y="1944894"/>
+            <a:ext cx="5016044" cy="3946525"/>
+          </a:xfrm>
+          <a:prstGeom prst="rect">
+            <a:avLst/>
+          </a:prstGeom>
+        </p:spPr>
+      </p:pic>
+      <p:sp>
+        <p:nvSpPr>
+          <p:cNvPr id="10" name="TextBox 9">
+            <a:extLst>
+              <a:ext uri="{FF2B5EF4-FFF2-40B4-BE49-F238E27FC236}">
+                <a16:creationId xmlns:a16="http://schemas.microsoft.com/office/drawing/2014/main" id="{9B2598FD-472A-8F4F-890C-158B51E9B266}"/>
+              </a:ext>
+            </a:extLst>
+          </p:cNvPr>
+          <p:cNvSpPr txBox="1"/>
+          <p:nvPr/>
+        </p:nvSpPr>
+        <p:spPr>
+          <a:xfrm>
+            <a:off x="1202539" y="6296232"/>
+            <a:ext cx="1467068" cy="369332"/>
+          </a:xfrm>
+          <a:prstGeom prst="rect">
+            <a:avLst/>
+          </a:prstGeom>
+          <a:noFill/>
+        </p:spPr>
+        <p:txBody>
+          <a:bodyPr wrap="none" rtlCol="0">
+            <a:spAutoFit/>
+          </a:bodyPr>
+          <a:lstStyle/>
+          <a:p>
+            <a:r>
+              <a:rPr lang="en-US" dirty="0"/>
+              <a:t>Likely overfit</a:t>
+            </a:r>
+          </a:p>
+        </p:txBody>
+      </p:sp>
+    </p:spTree>
+    <p:extLst>
+      <p:ext uri="{BB962C8B-B14F-4D97-AF65-F5344CB8AC3E}">
+        <p14:creationId xmlns:p14="http://schemas.microsoft.com/office/powerpoint/2010/main" val="2345040433"/>
+      </p:ext>
+    </p:extLst>
+  </p:cSld>
+  <p:clrMapOvr>
+    <a:masterClrMapping/>
+  </p:clrMapOvr>
+</p:sld>
+</file>
+
+<file path=ppt/slides/slide19.xml><?xml version="1.0" encoding="utf-8"?>
+<p:sld xmlns:a="http://schemas.openxmlformats.org/drawingml/2006/main" xmlns:r="http://schemas.openxmlformats.org/officeDocument/2006/relationships" xmlns:p="http://schemas.openxmlformats.org/presentationml/2006/main">
+  <p:cSld>
+    <p:spTree>
+      <p:nvGrpSpPr>
+        <p:cNvPr id="1" name=""/>
+        <p:cNvGrpSpPr/>
+        <p:nvPr/>
+      </p:nvGrpSpPr>
+      <p:grpSpPr>
+        <a:xfrm>
+          <a:off x="0" y="0"/>
+          <a:ext cx="0" cy="0"/>
+          <a:chOff x="0" y="0"/>
+          <a:chExt cx="0" cy="0"/>
+        </a:xfrm>
+      </p:grpSpPr>
+      <p:sp>
+        <p:nvSpPr>
+          <p:cNvPr id="2" name="Title 1">
+            <a:extLst>
+              <a:ext uri="{FF2B5EF4-FFF2-40B4-BE49-F238E27FC236}">
+                <a16:creationId xmlns:a16="http://schemas.microsoft.com/office/drawing/2014/main" id="{E4CEFC32-7068-4649-A78A-E6193ACBDAFF}"/>
+              </a:ext>
+            </a:extLst>
+          </p:cNvPr>
+          <p:cNvSpPr>
+            <a:spLocks noGrp="1"/>
+          </p:cNvSpPr>
+          <p:nvPr>
+            <p:ph type="title"/>
+          </p:nvPr>
+        </p:nvSpPr>
+        <p:spPr/>
+        <p:txBody>
+          <a:bodyPr/>
+          <a:lstStyle/>
+          <a:p>
+            <a:r>
+              <a:rPr lang="en-US" dirty="0"/>
+              <a:t>What is math here? Vector transforms</a:t>
+            </a:r>
+          </a:p>
+        </p:txBody>
+      </p:sp>
+      <p:sp>
+        <p:nvSpPr>
+          <p:cNvPr id="3" name="Content Placeholder 2">
+            <a:extLst>
+              <a:ext uri="{FF2B5EF4-FFF2-40B4-BE49-F238E27FC236}">
+                <a16:creationId xmlns:a16="http://schemas.microsoft.com/office/drawing/2014/main" id="{091CD021-E7AA-E740-B4E2-73E0B317EA81}"/>
+              </a:ext>
+            </a:extLst>
+          </p:cNvPr>
+          <p:cNvSpPr>
+            <a:spLocks noGrp="1"/>
+          </p:cNvSpPr>
+          <p:nvPr>
+            <p:ph idx="1"/>
+          </p:nvPr>
+        </p:nvSpPr>
+        <p:spPr/>
+        <p:txBody>
+          <a:bodyPr/>
+          <a:lstStyle/>
+          <a:p>
+            <a:endParaRPr lang="en-US" dirty="0"/>
+          </a:p>
+        </p:txBody>
+      </p:sp>
+      <p:sp>
+        <p:nvSpPr>
+          <p:cNvPr id="5" name="Rectangle 4">
+            <a:extLst>
+              <a:ext uri="{FF2B5EF4-FFF2-40B4-BE49-F238E27FC236}">
+                <a16:creationId xmlns:a16="http://schemas.microsoft.com/office/drawing/2014/main" id="{7935FA76-997D-9047-AC3A-8643071F8ADE}"/>
+              </a:ext>
+            </a:extLst>
+          </p:cNvPr>
+          <p:cNvSpPr/>
+          <p:nvPr/>
+        </p:nvSpPr>
+        <p:spPr>
+          <a:xfrm>
+            <a:off x="1139687" y="4145638"/>
+            <a:ext cx="2686878" cy="2031325"/>
+          </a:xfrm>
+          <a:prstGeom prst="rect">
+            <a:avLst/>
+          </a:prstGeom>
+        </p:spPr>
+        <p:txBody>
+          <a:bodyPr wrap="square">
+            <a:spAutoFit/>
+          </a:bodyPr>
+          <a:lstStyle/>
+          <a:p>
+            <a:r>
+              <a:rPr lang="en-US" dirty="0"/>
+              <a:t>model = </a:t>
+            </a:r>
+            <a:r>
+              <a:rPr lang="en-US" dirty="0" err="1"/>
+              <a:t>nn.Sequential</a:t>
+            </a:r>
+            <a:r>
+              <a:rPr lang="en-US" dirty="0"/>
+              <a:t>(</a:t>
+            </a:r>
+          </a:p>
+          <a:p>
+            <a:r>
+              <a:rPr lang="en-US" dirty="0"/>
+              <a:t>    </a:t>
+            </a:r>
+            <a:r>
+              <a:rPr lang="en-US" dirty="0" err="1"/>
+              <a:t>nn.Linear</a:t>
+            </a:r>
+            <a:r>
+              <a:rPr lang="en-US" dirty="0"/>
+              <a:t>(1, 5),</a:t>
+            </a:r>
+          </a:p>
+          <a:p>
+            <a:r>
+              <a:rPr lang="en-US" dirty="0"/>
+              <a:t>    </a:t>
+            </a:r>
+            <a:r>
+              <a:rPr lang="en-US" dirty="0" err="1"/>
+              <a:t>nn.ReLU</a:t>
+            </a:r>
+            <a:r>
+              <a:rPr lang="en-US" dirty="0"/>
+              <a:t>(),</a:t>
+            </a:r>
+          </a:p>
+          <a:p>
+            <a:r>
+              <a:rPr lang="en-US" dirty="0"/>
+              <a:t>    </a:t>
+            </a:r>
+            <a:r>
+              <a:rPr lang="en-US" dirty="0" err="1"/>
+              <a:t>nn.Linear</a:t>
+            </a:r>
+            <a:r>
+              <a:rPr lang="en-US" dirty="0"/>
+              <a:t>(5, 2),</a:t>
+            </a:r>
+          </a:p>
+          <a:p>
+            <a:r>
+              <a:rPr lang="en-US" dirty="0"/>
+              <a:t>    </a:t>
+            </a:r>
+            <a:r>
+              <a:rPr lang="en-US" dirty="0" err="1"/>
+              <a:t>nn.ReLU</a:t>
+            </a:r>
+            <a:r>
+              <a:rPr lang="en-US" dirty="0"/>
+              <a:t>(),</a:t>
+            </a:r>
+          </a:p>
+          <a:p>
+            <a:r>
+              <a:rPr lang="en-US" dirty="0"/>
+              <a:t>    </a:t>
+            </a:r>
+            <a:r>
+              <a:rPr lang="en-US" dirty="0" err="1"/>
+              <a:t>nn.Linear</a:t>
+            </a:r>
+            <a:r>
+              <a:rPr lang="en-US" dirty="0"/>
+              <a:t>(2, 1)</a:t>
+            </a:r>
+          </a:p>
+          <a:p>
+            <a:r>
+              <a:rPr lang="en-US" dirty="0"/>
+              <a:t>)</a:t>
+            </a:r>
+          </a:p>
+        </p:txBody>
+      </p:sp>
+      <p:pic>
+        <p:nvPicPr>
+          <p:cNvPr id="8" name="Graphic 7">
+            <a:extLst>
+              <a:ext uri="{FF2B5EF4-FFF2-40B4-BE49-F238E27FC236}">
+                <a16:creationId xmlns:a16="http://schemas.microsoft.com/office/drawing/2014/main" id="{2062EC8D-8537-DE4C-8CDC-71B4D9D8A67E}"/>
+              </a:ext>
+            </a:extLst>
+          </p:cNvPr>
+          <p:cNvPicPr>
+            <a:picLocks noChangeAspect="1"/>
+          </p:cNvPicPr>
+          <p:nvPr/>
+        </p:nvPicPr>
+        <p:blipFill>
+          <a:blip r:embed="rId2">
+            <a:extLst>
+              <a:ext uri="{96DAC541-7B7A-43D3-8B79-37D633B846F1}">
+                <asvg:svgBlip xmlns:asvg="http://schemas.microsoft.com/office/drawing/2016/SVG/main" r:embed="rId3"/>
+              </a:ext>
+            </a:extLst>
+          </a:blip>
+          <a:stretch>
+            <a:fillRect/>
+          </a:stretch>
+        </p:blipFill>
+        <p:spPr>
+          <a:xfrm>
+            <a:off x="8252525" y="1462640"/>
+            <a:ext cx="2759994" cy="940907"/>
+          </a:xfrm>
+          <a:prstGeom prst="rect">
+            <a:avLst/>
+          </a:prstGeom>
+        </p:spPr>
+      </p:pic>
+      <p:pic>
+        <p:nvPicPr>
+          <p:cNvPr id="10" name="Graphic 9">
+            <a:extLst>
+              <a:ext uri="{FF2B5EF4-FFF2-40B4-BE49-F238E27FC236}">
+                <a16:creationId xmlns:a16="http://schemas.microsoft.com/office/drawing/2014/main" id="{35B80EA3-29F4-1E4B-A839-B9DBFB9E5BA2}"/>
+              </a:ext>
+            </a:extLst>
+          </p:cNvPr>
+          <p:cNvPicPr>
+            <a:picLocks noChangeAspect="1"/>
+          </p:cNvPicPr>
+          <p:nvPr/>
+        </p:nvPicPr>
+        <p:blipFill>
+          <a:blip r:embed="rId4">
+            <a:extLst>
+              <a:ext uri="{96DAC541-7B7A-43D3-8B79-37D633B846F1}">
+                <asvg:svgBlip xmlns:asvg="http://schemas.microsoft.com/office/drawing/2016/SVG/main" r:embed="rId5"/>
+              </a:ext>
+            </a:extLst>
+          </a:blip>
+          <a:stretch>
+            <a:fillRect/>
+          </a:stretch>
+        </p:blipFill>
+        <p:spPr>
+          <a:xfrm>
+            <a:off x="8252524" y="2556593"/>
+            <a:ext cx="3219993" cy="940907"/>
+          </a:xfrm>
+          <a:prstGeom prst="rect">
+            <a:avLst/>
+          </a:prstGeom>
+        </p:spPr>
+      </p:pic>
+      <p:pic>
+        <p:nvPicPr>
+          <p:cNvPr id="14" name="Graphic 13">
+            <a:extLst>
+              <a:ext uri="{FF2B5EF4-FFF2-40B4-BE49-F238E27FC236}">
+                <a16:creationId xmlns:a16="http://schemas.microsoft.com/office/drawing/2014/main" id="{1EA54041-73BB-8E45-94BE-DC4F56CE0DC4}"/>
+              </a:ext>
+            </a:extLst>
+          </p:cNvPr>
+          <p:cNvPicPr>
+            <a:picLocks noChangeAspect="1"/>
+          </p:cNvPicPr>
+          <p:nvPr/>
+        </p:nvPicPr>
+        <p:blipFill>
+          <a:blip r:embed="rId6">
+            <a:extLst>
+              <a:ext uri="{96DAC541-7B7A-43D3-8B79-37D633B846F1}">
+                <asvg:svgBlip xmlns:asvg="http://schemas.microsoft.com/office/drawing/2016/SVG/main" r:embed="rId7"/>
+              </a:ext>
+            </a:extLst>
+          </a:blip>
+          <a:stretch>
+            <a:fillRect/>
+          </a:stretch>
+        </p:blipFill>
+        <p:spPr>
+          <a:xfrm>
+            <a:off x="8252523" y="3767675"/>
+            <a:ext cx="1845919" cy="965888"/>
+          </a:xfrm>
+          <a:prstGeom prst="rect">
+            <a:avLst/>
+          </a:prstGeom>
+        </p:spPr>
+      </p:pic>
+      <p:pic>
+        <p:nvPicPr>
+          <p:cNvPr id="15" name="Picture 14">
+            <a:extLst>
+              <a:ext uri="{FF2B5EF4-FFF2-40B4-BE49-F238E27FC236}">
+                <a16:creationId xmlns:a16="http://schemas.microsoft.com/office/drawing/2014/main" id="{039E1BD2-1BCD-DA46-A97A-A4C72FF6B0CB}"/>
+              </a:ext>
+            </a:extLst>
+          </p:cNvPr>
+          <p:cNvPicPr>
+            <a:picLocks noChangeAspect="1"/>
+          </p:cNvPicPr>
+          <p:nvPr/>
+        </p:nvPicPr>
+        <p:blipFill>
+          <a:blip r:embed="rId8"/>
+          <a:stretch>
+            <a:fillRect/>
+          </a:stretch>
+        </p:blipFill>
+        <p:spPr>
+          <a:xfrm>
+            <a:off x="956917" y="1427532"/>
+            <a:ext cx="6131666" cy="2389094"/>
+          </a:xfrm>
+          <a:prstGeom prst="rect">
+            <a:avLst/>
+          </a:prstGeom>
+        </p:spPr>
+      </p:pic>
+    </p:spTree>
+    <p:extLst>
+      <p:ext uri="{BB962C8B-B14F-4D97-AF65-F5344CB8AC3E}">
+        <p14:creationId xmlns:p14="http://schemas.microsoft.com/office/powerpoint/2010/main" val="4166608278"/>
+      </p:ext>
+    </p:extLst>
+  </p:cSld>
+  <p:clrMapOvr>
+    <a:masterClrMapping/>
+  </p:clrMapOvr>
+</p:sld>
+</file>
+
+<file path=ppt/slides/slide2.xml><?xml version="1.0" encoding="utf-8"?>
+<p:sld xmlns:a="http://schemas.openxmlformats.org/drawingml/2006/main" xmlns:r="http://schemas.openxmlformats.org/officeDocument/2006/relationships" xmlns:p="http://schemas.openxmlformats.org/presentationml/2006/main">
+  <p:cSld>
+    <p:spTree>
+      <p:nvGrpSpPr>
+        <p:cNvPr id="1" name=""/>
+        <p:cNvGrpSpPr/>
+        <p:nvPr/>
+      </p:nvGrpSpPr>
+      <p:grpSpPr>
+        <a:xfrm>
+          <a:off x="0" y="0"/>
+          <a:ext cx="0" cy="0"/>
+          <a:chOff x="0" y="0"/>
+          <a:chExt cx="0" cy="0"/>
+        </a:xfrm>
+      </p:grpSpPr>
+      <p:sp>
+        <p:nvSpPr>
+          <p:cNvPr id="2" name="Title 1">
+            <a:extLst>
+              <a:ext uri="{FF2B5EF4-FFF2-40B4-BE49-F238E27FC236}">
+                <a16:creationId xmlns:a16="http://schemas.microsoft.com/office/drawing/2014/main" id="{AB203521-C5E7-CF43-945D-117CF27B2000}"/>
+              </a:ext>
+            </a:extLst>
+          </p:cNvPr>
+          <p:cNvSpPr>
+            <a:spLocks noGrp="1"/>
+          </p:cNvSpPr>
+          <p:nvPr>
+            <p:ph type="title"/>
+          </p:nvPr>
+        </p:nvSpPr>
+        <p:spPr/>
+        <p:txBody>
+          <a:bodyPr/>
+          <a:lstStyle/>
+          <a:p>
+            <a:r>
+              <a:rPr lang="en-US" dirty="0"/>
+              <a:t>The goal of machine learning</a:t>
+            </a:r>
+          </a:p>
+        </p:txBody>
+      </p:sp>
+      <p:sp>
+        <p:nvSpPr>
+          <p:cNvPr id="3" name="Content Placeholder 2">
+            <a:extLst>
+              <a:ext uri="{FF2B5EF4-FFF2-40B4-BE49-F238E27FC236}">
+                <a16:creationId xmlns:a16="http://schemas.microsoft.com/office/drawing/2014/main" id="{AE1D1A2F-CB6C-CA4F-86B0-9D2A5E86C942}"/>
+              </a:ext>
+            </a:extLst>
+          </p:cNvPr>
+          <p:cNvSpPr>
+            <a:spLocks noGrp="1"/>
+          </p:cNvSpPr>
+          <p:nvPr>
+            <p:ph idx="1"/>
+          </p:nvPr>
+        </p:nvSpPr>
+        <p:spPr/>
+        <p:txBody>
+          <a:bodyPr/>
+          <a:lstStyle/>
+          <a:p>
+            <a:r>
+              <a:rPr lang="en-US" dirty="0"/>
+              <a:t>Obtain a model that predicts numeric values (regressor) or categories (classifier) from information about an entity:</a:t>
+            </a:r>
+          </a:p>
+        </p:txBody>
+      </p:sp>
+      <p:pic>
+        <p:nvPicPr>
+          <p:cNvPr id="4" name="Picture 3">
+            <a:extLst>
+              <a:ext uri="{FF2B5EF4-FFF2-40B4-BE49-F238E27FC236}">
+                <a16:creationId xmlns:a16="http://schemas.microsoft.com/office/drawing/2014/main" id="{1D44E256-A7B3-7D48-9804-7DDF303A4F9C}"/>
+              </a:ext>
+            </a:extLst>
+          </p:cNvPr>
+          <p:cNvPicPr>
+            <a:picLocks noChangeAspect="1"/>
+          </p:cNvPicPr>
+          <p:nvPr/>
+        </p:nvPicPr>
+        <p:blipFill>
+          <a:blip r:embed="rId2"/>
+          <a:stretch>
+            <a:fillRect/>
+          </a:stretch>
+        </p:blipFill>
+        <p:spPr>
+          <a:xfrm>
+            <a:off x="6361044" y="2928628"/>
+            <a:ext cx="4794405" cy="1728216"/>
+          </a:xfrm>
+          <a:prstGeom prst="rect">
+            <a:avLst/>
+          </a:prstGeom>
+        </p:spPr>
+      </p:pic>
+      <p:pic>
+        <p:nvPicPr>
+          <p:cNvPr id="5" name="Graphic 4">
+            <a:extLst>
+              <a:ext uri="{FF2B5EF4-FFF2-40B4-BE49-F238E27FC236}">
+                <a16:creationId xmlns:a16="http://schemas.microsoft.com/office/drawing/2014/main" id="{F65E5F39-B394-CE41-B54D-82950907987A}"/>
+              </a:ext>
+            </a:extLst>
+          </p:cNvPr>
+          <p:cNvPicPr>
+            <a:picLocks noChangeAspect="1"/>
+          </p:cNvPicPr>
+          <p:nvPr/>
+        </p:nvPicPr>
+        <p:blipFill>
+          <a:blip r:embed="rId3">
+            <a:extLst>
+              <a:ext uri="{96DAC541-7B7A-43D3-8B79-37D633B846F1}">
+                <asvg:svgBlip xmlns:asvg="http://schemas.microsoft.com/office/drawing/2016/SVG/main" r:embed="rId4"/>
+              </a:ext>
+            </a:extLst>
+          </a:blip>
+          <a:stretch>
+            <a:fillRect/>
+          </a:stretch>
+        </p:blipFill>
+        <p:spPr>
+          <a:xfrm>
+            <a:off x="1146313" y="2978323"/>
+            <a:ext cx="4308738" cy="1772582"/>
+          </a:xfrm>
+          <a:prstGeom prst="rect">
+            <a:avLst/>
+          </a:prstGeom>
+        </p:spPr>
+      </p:pic>
+    </p:spTree>
+    <p:extLst>
+      <p:ext uri="{BB962C8B-B14F-4D97-AF65-F5344CB8AC3E}">
+        <p14:creationId xmlns:p14="http://schemas.microsoft.com/office/powerpoint/2010/main" val="298508201"/>
+      </p:ext>
+    </p:extLst>
+  </p:cSld>
+  <p:clrMapOvr>
+    <a:masterClrMapping/>
+  </p:clrMapOvr>
+</p:sld>
+</file>
+
+<file path=ppt/slides/slide20.xml><?xml version="1.0" encoding="utf-8"?>
+<p:sld xmlns:a="http://schemas.openxmlformats.org/drawingml/2006/main" xmlns:r="http://schemas.openxmlformats.org/officeDocument/2006/relationships" xmlns:p="http://schemas.openxmlformats.org/presentationml/2006/main">
+  <p:cSld>
+    <p:spTree>
+      <p:nvGrpSpPr>
+        <p:cNvPr id="1" name=""/>
+        <p:cNvGrpSpPr/>
+        <p:nvPr/>
+      </p:nvGrpSpPr>
+      <p:grpSpPr>
+        <a:xfrm>
+          <a:off x="0" y="0"/>
+          <a:ext cx="0" cy="0"/>
+          <a:chOff x="0" y="0"/>
+          <a:chExt cx="0" cy="0"/>
+        </a:xfrm>
+      </p:grpSpPr>
+      <p:sp>
+        <p:nvSpPr>
+          <p:cNvPr id="2" name="Title 1">
+            <a:extLst>
+              <a:ext uri="{FF2B5EF4-FFF2-40B4-BE49-F238E27FC236}">
+                <a16:creationId xmlns:a16="http://schemas.microsoft.com/office/drawing/2014/main" id="{A4185B4C-535F-FB49-BF4C-2BCB9A05590B}"/>
+              </a:ext>
+            </a:extLst>
+          </p:cNvPr>
+          <p:cNvSpPr>
+            <a:spLocks noGrp="1"/>
+          </p:cNvSpPr>
+          <p:nvPr>
+            <p:ph type="title"/>
+          </p:nvPr>
+        </p:nvSpPr>
+        <p:spPr/>
+        <p:txBody>
+          <a:bodyPr/>
+          <a:lstStyle/>
+          <a:p>
+            <a:endParaRPr lang="en-US"/>
+          </a:p>
+        </p:txBody>
+      </p:sp>
+      <p:sp>
+        <p:nvSpPr>
+          <p:cNvPr id="3" name="Content Placeholder 2">
+            <a:extLst>
+              <a:ext uri="{FF2B5EF4-FFF2-40B4-BE49-F238E27FC236}">
+                <a16:creationId xmlns:a16="http://schemas.microsoft.com/office/drawing/2014/main" id="{EFE373C9-A5BD-394B-8241-28904E2B959A}"/>
+              </a:ext>
+            </a:extLst>
+          </p:cNvPr>
+          <p:cNvSpPr>
+            <a:spLocks noGrp="1"/>
+          </p:cNvSpPr>
+          <p:nvPr>
+            <p:ph idx="1"/>
+          </p:nvPr>
+        </p:nvSpPr>
+        <p:spPr/>
+        <p:txBody>
+          <a:bodyPr/>
+          <a:lstStyle/>
+          <a:p>
+            <a:endParaRPr lang="en-US" dirty="0"/>
+          </a:p>
+        </p:txBody>
+      </p:sp>
+      <p:sp>
+        <p:nvSpPr>
+          <p:cNvPr id="4" name="TextBox 3">
+            <a:extLst>
+              <a:ext uri="{FF2B5EF4-FFF2-40B4-BE49-F238E27FC236}">
+                <a16:creationId xmlns:a16="http://schemas.microsoft.com/office/drawing/2014/main" id="{B16617ED-8ED9-0245-8C56-CEE9CD7A42B5}"/>
+              </a:ext>
+            </a:extLst>
+          </p:cNvPr>
+          <p:cNvSpPr txBox="1"/>
+          <p:nvPr/>
+        </p:nvSpPr>
+        <p:spPr>
+          <a:xfrm>
+            <a:off x="966141" y="2438888"/>
+            <a:ext cx="5804310" cy="1569660"/>
+          </a:xfrm>
+          <a:prstGeom prst="rect">
+            <a:avLst/>
+          </a:prstGeom>
+          <a:noFill/>
+          <a:ln>
+            <a:solidFill>
+              <a:schemeClr val="accent1"/>
+            </a:solidFill>
+          </a:ln>
+        </p:spPr>
+        <p:txBody>
+          <a:bodyPr wrap="square" rtlCol="0">
+            <a:spAutoFit/>
+          </a:bodyPr>
+          <a:lstStyle/>
+          <a:p>
+            <a:r>
+              <a:rPr lang="en-US" sz="2400" dirty="0">
+                <a:latin typeface="Monaco" charset="0"/>
+                <a:ea typeface="Monaco" charset="0"/>
+                <a:cs typeface="Monaco" charset="0"/>
+              </a:rPr>
+              <a:t>def walk(</a:t>
+            </a:r>
+            <a:r>
+              <a:rPr lang="en-US" sz="2400" dirty="0" err="1">
+                <a:latin typeface="Monaco" charset="0"/>
+                <a:ea typeface="Monaco" charset="0"/>
+                <a:cs typeface="Monaco" charset="0"/>
+              </a:rPr>
+              <a:t>A,nrows,ncols</a:t>
+            </a:r>
+            <a:r>
+              <a:rPr lang="en-US" sz="2400" dirty="0">
+                <a:latin typeface="Monaco" charset="0"/>
+                <a:ea typeface="Monaco" charset="0"/>
+                <a:cs typeface="Monaco" charset="0"/>
+              </a:rPr>
+              <a:t>):</a:t>
+            </a:r>
+          </a:p>
+          <a:p>
+            <a:r>
+              <a:rPr lang="en-US" sz="2400" dirty="0">
+                <a:latin typeface="Monaco" charset="0"/>
+                <a:ea typeface="Monaco" charset="0"/>
+                <a:cs typeface="Monaco" charset="0"/>
+              </a:rPr>
+              <a:t>    for </a:t>
+            </a:r>
+            <a:r>
+              <a:rPr lang="en-US" sz="2400" dirty="0" err="1">
+                <a:latin typeface="Monaco" charset="0"/>
+                <a:ea typeface="Monaco" charset="0"/>
+                <a:cs typeface="Monaco" charset="0"/>
+              </a:rPr>
+              <a:t>i</a:t>
+            </a:r>
+            <a:r>
+              <a:rPr lang="en-US" sz="2400" dirty="0">
+                <a:latin typeface="Monaco" charset="0"/>
+                <a:ea typeface="Monaco" charset="0"/>
+                <a:cs typeface="Monaco" charset="0"/>
+              </a:rPr>
+              <a:t> in range(</a:t>
+            </a:r>
+            <a:r>
+              <a:rPr lang="en-US" sz="2400" dirty="0" err="1">
+                <a:latin typeface="Monaco" charset="0"/>
+                <a:ea typeface="Monaco" charset="0"/>
+                <a:cs typeface="Monaco" charset="0"/>
+              </a:rPr>
+              <a:t>nrows</a:t>
+            </a:r>
+            <a:r>
+              <a:rPr lang="en-US" sz="2400" dirty="0">
+                <a:latin typeface="Monaco" charset="0"/>
+                <a:ea typeface="Monaco" charset="0"/>
+                <a:cs typeface="Monaco" charset="0"/>
+              </a:rPr>
+              <a:t>):</a:t>
+            </a:r>
+          </a:p>
+          <a:p>
+            <a:r>
+              <a:rPr lang="en-US" sz="2400" dirty="0">
+                <a:latin typeface="Monaco" charset="0"/>
+                <a:ea typeface="Monaco" charset="0"/>
+                <a:cs typeface="Monaco" charset="0"/>
+              </a:rPr>
+              <a:t>        for j in range(</a:t>
+            </a:r>
+            <a:r>
+              <a:rPr lang="en-US" sz="2400" dirty="0" err="1">
+                <a:latin typeface="Monaco" charset="0"/>
+                <a:ea typeface="Monaco" charset="0"/>
+                <a:cs typeface="Monaco" charset="0"/>
+              </a:rPr>
+              <a:t>ncols</a:t>
+            </a:r>
+            <a:r>
+              <a:rPr lang="en-US" sz="2400" dirty="0">
+                <a:latin typeface="Monaco" charset="0"/>
+                <a:ea typeface="Monaco" charset="0"/>
+                <a:cs typeface="Monaco" charset="0"/>
+              </a:rPr>
+              <a:t>):</a:t>
+            </a:r>
+          </a:p>
+          <a:p>
+            <a:r>
+              <a:rPr lang="en-US" sz="2400" dirty="0">
+                <a:latin typeface="Monaco" charset="0"/>
+                <a:ea typeface="Monaco" charset="0"/>
+                <a:cs typeface="Monaco" charset="0"/>
+              </a:rPr>
+              <a:t>            # process A[</a:t>
+            </a:r>
+            <a:r>
+              <a:rPr lang="en-US" sz="2400" dirty="0" err="1">
+                <a:latin typeface="Monaco" charset="0"/>
+                <a:ea typeface="Monaco" charset="0"/>
+                <a:cs typeface="Monaco" charset="0"/>
+              </a:rPr>
+              <a:t>i</a:t>
+            </a:r>
+            <a:r>
+              <a:rPr lang="en-US" sz="2400" dirty="0">
+                <a:latin typeface="Monaco" charset="0"/>
+                <a:ea typeface="Monaco" charset="0"/>
+                <a:cs typeface="Monaco" charset="0"/>
+              </a:rPr>
+              <a:t>][j]</a:t>
+            </a:r>
+          </a:p>
+        </p:txBody>
+      </p:sp>
+    </p:spTree>
+    <p:extLst>
+      <p:ext uri="{BB962C8B-B14F-4D97-AF65-F5344CB8AC3E}">
+        <p14:creationId xmlns:p14="http://schemas.microsoft.com/office/powerpoint/2010/main" val="321087353"/>
+      </p:ext>
+    </p:extLst>
+  </p:cSld>
+  <p:clrMapOvr>
+    <a:masterClrMapping/>
+  </p:clrMapOvr>
+</p:sld>
+</file>
+
+<file path=ppt/slides/slide3.xml><?xml version="1.0" encoding="utf-8"?>
+<p:sld xmlns:a="http://schemas.openxmlformats.org/drawingml/2006/main" xmlns:r="http://schemas.openxmlformats.org/officeDocument/2006/relationships" xmlns:p="http://schemas.openxmlformats.org/presentationml/2006/main">
+  <p:cSld>
+    <p:spTree>
+      <p:nvGrpSpPr>
+        <p:cNvPr id="1" name=""/>
+        <p:cNvGrpSpPr/>
+        <p:nvPr/>
+      </p:nvGrpSpPr>
+      <p:grpSpPr>
+        <a:xfrm>
+          <a:off x="0" y="0"/>
+          <a:ext cx="0" cy="0"/>
+          <a:chOff x="0" y="0"/>
+          <a:chExt cx="0" cy="0"/>
+        </a:xfrm>
+      </p:grpSpPr>
+      <p:sp>
+        <p:nvSpPr>
+          <p:cNvPr id="2" name="Title 1">
+            <a:extLst>
+              <a:ext uri="{FF2B5EF4-FFF2-40B4-BE49-F238E27FC236}">
+                <a16:creationId xmlns:a16="http://schemas.microsoft.com/office/drawing/2014/main" id="{28E269BC-FCD0-3641-BD6D-5B96C2417018}"/>
+              </a:ext>
+            </a:extLst>
+          </p:cNvPr>
+          <p:cNvSpPr>
+            <a:spLocks noGrp="1"/>
+          </p:cNvSpPr>
+          <p:nvPr>
+            <p:ph type="title"/>
+          </p:nvPr>
+        </p:nvSpPr>
+        <p:spPr/>
+        <p:txBody>
+          <a:bodyPr/>
+          <a:lstStyle/>
+          <a:p>
+            <a:r>
+              <a:rPr lang="en-US" dirty="0"/>
+              <a:t>The abstraction</a:t>
+            </a:r>
+          </a:p>
+        </p:txBody>
+      </p:sp>
+      <p:sp>
+        <p:nvSpPr>
+          <p:cNvPr id="3" name="Content Placeholder 2">
+            <a:extLst>
+              <a:ext uri="{FF2B5EF4-FFF2-40B4-BE49-F238E27FC236}">
+                <a16:creationId xmlns:a16="http://schemas.microsoft.com/office/drawing/2014/main" id="{011453FF-9B1C-204B-BAC3-7506D02A781A}"/>
+              </a:ext>
+            </a:extLst>
+          </p:cNvPr>
+          <p:cNvSpPr>
+            <a:spLocks noGrp="1"/>
+          </p:cNvSpPr>
+          <p:nvPr>
+            <p:ph idx="1"/>
+          </p:nvPr>
+        </p:nvSpPr>
+        <p:spPr/>
+        <p:txBody>
+          <a:bodyPr/>
+          <a:lstStyle/>
+          <a:p>
+            <a:r>
+              <a:rPr lang="en-US" dirty="0"/>
+              <a:t>Training a model means capturing relationship between feature vectors and some target variables given a training data set</a:t>
+            </a:r>
+          </a:p>
+          <a:p>
+            <a:r>
+              <a:rPr lang="en-US" b="1" dirty="0"/>
+              <a:t>Feature vector </a:t>
+            </a:r>
+            <a:r>
+              <a:rPr lang="en-US" dirty="0"/>
+              <a:t>x: set of features or attributes characterizing an entity, such as square footage, num of bedrooms, bathrooms</a:t>
+            </a:r>
+          </a:p>
+          <a:p>
+            <a:r>
+              <a:rPr lang="en-US" b="1" dirty="0"/>
+              <a:t>Target</a:t>
+            </a:r>
+            <a:r>
+              <a:rPr lang="en-US" dirty="0"/>
+              <a:t> y: either a scalar value like rent price (regressor), or it's an integer indicating “creditworthy” or “it's not cancer” (classifier)</a:t>
+            </a:r>
+          </a:p>
+          <a:p>
+            <a:r>
+              <a:rPr lang="en-US" dirty="0"/>
+              <a:t>Model capture this relationship: </a:t>
+            </a:r>
+            <a:r>
+              <a:rPr lang="en-US" dirty="0" err="1"/>
+              <a:t>x_i</a:t>
+            </a:r>
+            <a:r>
+              <a:rPr lang="en-US" dirty="0"/>
+              <a:t> -&gt; </a:t>
+            </a:r>
+            <a:r>
+              <a:rPr lang="en-US" dirty="0" err="1"/>
+              <a:t>y_i</a:t>
+            </a:r>
+            <a:endParaRPr lang="en-US" dirty="0"/>
+          </a:p>
+        </p:txBody>
+      </p:sp>
+      <p:pic>
+        <p:nvPicPr>
+          <p:cNvPr id="13" name="Picture 12">
+            <a:extLst>
+              <a:ext uri="{FF2B5EF4-FFF2-40B4-BE49-F238E27FC236}">
+                <a16:creationId xmlns:a16="http://schemas.microsoft.com/office/drawing/2014/main" id="{3B0382B5-CB6A-C64F-A551-AD8A91D93C24}"/>
+              </a:ext>
+            </a:extLst>
+          </p:cNvPr>
+          <p:cNvPicPr>
+            <a:picLocks noChangeAspect="1"/>
+          </p:cNvPicPr>
+          <p:nvPr/>
+        </p:nvPicPr>
+        <p:blipFill>
+          <a:blip r:embed="rId2"/>
+          <a:stretch>
+            <a:fillRect/>
+          </a:stretch>
+        </p:blipFill>
+        <p:spPr>
+          <a:xfrm>
+            <a:off x="9754980" y="4165600"/>
+            <a:ext cx="1854200" cy="1778000"/>
+          </a:xfrm>
+          <a:prstGeom prst="rect">
+            <a:avLst/>
+          </a:prstGeom>
+        </p:spPr>
+      </p:pic>
+    </p:spTree>
+    <p:extLst>
+      <p:ext uri="{BB962C8B-B14F-4D97-AF65-F5344CB8AC3E}">
+        <p14:creationId xmlns:p14="http://schemas.microsoft.com/office/powerpoint/2010/main" val="3002228280"/>
+      </p:ext>
+    </p:extLst>
+  </p:cSld>
+  <p:clrMapOvr>
+    <a:masterClrMapping/>
+  </p:clrMapOvr>
+</p:sld>
+</file>
+
+<file path=ppt/slides/slide4.xml><?xml version="1.0" encoding="utf-8"?>
+<p:sld xmlns:a="http://schemas.openxmlformats.org/drawingml/2006/main" xmlns:r="http://schemas.openxmlformats.org/officeDocument/2006/relationships" xmlns:p="http://schemas.openxmlformats.org/presentationml/2006/main">
+  <p:cSld>
+    <p:spTree>
+      <p:nvGrpSpPr>
+        <p:cNvPr id="1" name=""/>
+        <p:cNvGrpSpPr/>
+        <p:nvPr/>
+      </p:nvGrpSpPr>
+      <p:grpSpPr>
+        <a:xfrm>
+          <a:off x="0" y="0"/>
+          <a:ext cx="0" cy="0"/>
+          <a:chOff x="0" y="0"/>
+          <a:chExt cx="0" cy="0"/>
+        </a:xfrm>
+      </p:grpSpPr>
+      <p:sp>
+        <p:nvSpPr>
+          <p:cNvPr id="2" name="Title 1">
+            <a:extLst>
+              <a:ext uri="{FF2B5EF4-FFF2-40B4-BE49-F238E27FC236}">
+                <a16:creationId xmlns:a16="http://schemas.microsoft.com/office/drawing/2014/main" id="{484803F9-EC0B-E546-9120-BC7A9DDA7B4B}"/>
+              </a:ext>
+            </a:extLst>
+          </p:cNvPr>
+          <p:cNvSpPr>
+            <a:spLocks noGrp="1"/>
+          </p:cNvSpPr>
+          <p:nvPr>
+            <p:ph type="title"/>
+          </p:nvPr>
+        </p:nvSpPr>
+        <p:spPr/>
+        <p:txBody>
+          <a:bodyPr/>
+          <a:lstStyle/>
+          <a:p>
+            <a:r>
+              <a:rPr lang="en-US" dirty="0"/>
+              <a:t>Regression versus classification</a:t>
+            </a:r>
+          </a:p>
+        </p:txBody>
+      </p:sp>
+      <p:sp>
+        <p:nvSpPr>
+          <p:cNvPr id="3" name="Content Placeholder 2">
+            <a:extLst>
+              <a:ext uri="{FF2B5EF4-FFF2-40B4-BE49-F238E27FC236}">
+                <a16:creationId xmlns:a16="http://schemas.microsoft.com/office/drawing/2014/main" id="{18E58408-1F5B-5F43-B21B-AA23FF248133}"/>
+              </a:ext>
+            </a:extLst>
+          </p:cNvPr>
+          <p:cNvSpPr>
+            <a:spLocks noGrp="1"/>
+          </p:cNvSpPr>
+          <p:nvPr>
+            <p:ph idx="1"/>
+          </p:nvPr>
+        </p:nvSpPr>
+        <p:spPr/>
+        <p:txBody>
+          <a:bodyPr/>
+          <a:lstStyle/>
+          <a:p>
+            <a:r>
+              <a:rPr lang="en-US" dirty="0"/>
+              <a:t>Predictors fit curves to data and classifiers draw decision boundaries between data points in different categories</a:t>
+            </a:r>
+          </a:p>
+          <a:p>
+            <a:r>
+              <a:rPr lang="en-US" dirty="0"/>
+              <a:t>Two sides of the same coin</a:t>
+            </a:r>
+          </a:p>
+        </p:txBody>
+      </p:sp>
+      <p:pic>
+        <p:nvPicPr>
+          <p:cNvPr id="6" name="Graphic 5">
+            <a:extLst>
+              <a:ext uri="{FF2B5EF4-FFF2-40B4-BE49-F238E27FC236}">
+                <a16:creationId xmlns:a16="http://schemas.microsoft.com/office/drawing/2014/main" id="{7F1122B5-DB61-8646-AE03-0343A7BC0816}"/>
+              </a:ext>
+            </a:extLst>
+          </p:cNvPr>
+          <p:cNvPicPr>
+            <a:picLocks noChangeAspect="1"/>
+          </p:cNvPicPr>
+          <p:nvPr/>
+        </p:nvPicPr>
+        <p:blipFill>
+          <a:blip r:embed="rId2">
+            <a:extLst>
+              <a:ext uri="{96DAC541-7B7A-43D3-8B79-37D633B846F1}">
+                <asvg:svgBlip xmlns:asvg="http://schemas.microsoft.com/office/drawing/2016/SVG/main" r:embed="rId3"/>
+              </a:ext>
+            </a:extLst>
+          </a:blip>
+          <a:stretch>
+            <a:fillRect/>
+          </a:stretch>
+        </p:blipFill>
+        <p:spPr>
+          <a:xfrm>
+            <a:off x="1519030" y="3392280"/>
+            <a:ext cx="3430454" cy="2604604"/>
+          </a:xfrm>
+          <a:prstGeom prst="rect">
+            <a:avLst/>
+          </a:prstGeom>
+        </p:spPr>
+      </p:pic>
+      <p:pic>
+        <p:nvPicPr>
+          <p:cNvPr id="7" name="Graphic 6">
+            <a:extLst>
+              <a:ext uri="{FF2B5EF4-FFF2-40B4-BE49-F238E27FC236}">
+                <a16:creationId xmlns:a16="http://schemas.microsoft.com/office/drawing/2014/main" id="{131686B8-B9BF-B14E-AC13-BD1B577CCDCE}"/>
+              </a:ext>
+            </a:extLst>
+          </p:cNvPr>
+          <p:cNvPicPr>
+            <a:picLocks noChangeAspect="1"/>
+          </p:cNvPicPr>
+          <p:nvPr/>
+        </p:nvPicPr>
+        <p:blipFill>
+          <a:blip r:embed="rId4">
+            <a:extLst>
+              <a:ext uri="{96DAC541-7B7A-43D3-8B79-37D633B846F1}">
+                <asvg:svgBlip xmlns:asvg="http://schemas.microsoft.com/office/drawing/2016/SVG/main" r:embed="rId5"/>
+              </a:ext>
+            </a:extLst>
+          </a:blip>
+          <a:stretch>
+            <a:fillRect/>
+          </a:stretch>
+        </p:blipFill>
+        <p:spPr>
+          <a:xfrm>
+            <a:off x="5941943" y="3392280"/>
+            <a:ext cx="3430454" cy="2604604"/>
+          </a:xfrm>
+          <a:prstGeom prst="rect">
+            <a:avLst/>
+          </a:prstGeom>
+        </p:spPr>
+      </p:pic>
+    </p:spTree>
+    <p:extLst>
+      <p:ext uri="{BB962C8B-B14F-4D97-AF65-F5344CB8AC3E}">
+        <p14:creationId xmlns:p14="http://schemas.microsoft.com/office/powerpoint/2010/main" val="3721359882"/>
+      </p:ext>
+    </p:extLst>
+  </p:cSld>
+  <p:clrMapOvr>
+    <a:masterClrMapping/>
+  </p:clrMapOvr>
+</p:sld>
+</file>
+
+<file path=ppt/slides/slide5.xml><?xml version="1.0" encoding="utf-8"?>
+<p:sld xmlns:a="http://schemas.openxmlformats.org/drawingml/2006/main" xmlns:r="http://schemas.openxmlformats.org/officeDocument/2006/relationships" xmlns:p="http://schemas.openxmlformats.org/presentationml/2006/main">
+  <p:cSld>
+    <p:spTree>
+      <p:nvGrpSpPr>
+        <p:cNvPr id="1" name=""/>
+        <p:cNvGrpSpPr/>
+        <p:nvPr/>
+      </p:nvGrpSpPr>
+      <p:grpSpPr>
+        <a:xfrm>
+          <a:off x="0" y="0"/>
+          <a:ext cx="0" cy="0"/>
+          <a:chOff x="0" y="0"/>
+          <a:chExt cx="0" cy="0"/>
+        </a:xfrm>
+      </p:grpSpPr>
+      <p:sp>
+        <p:nvSpPr>
+          <p:cNvPr id="2" name="Title 1">
+            <a:extLst>
+              <a:ext uri="{FF2B5EF4-FFF2-40B4-BE49-F238E27FC236}">
+                <a16:creationId xmlns:a16="http://schemas.microsoft.com/office/drawing/2014/main" id="{55528133-89D7-A447-BA0A-B6F2C95F49A6}"/>
+              </a:ext>
+            </a:extLst>
+          </p:cNvPr>
+          <p:cNvSpPr>
+            <a:spLocks noGrp="1"/>
+          </p:cNvSpPr>
+          <p:nvPr>
+            <p:ph type="title"/>
+          </p:nvPr>
+        </p:nvSpPr>
+        <p:spPr/>
+        <p:txBody>
+          <a:bodyPr/>
+          <a:lstStyle/>
+          <a:p>
+            <a:r>
+              <a:rPr lang="en-US" dirty="0"/>
+              <a:t>Models</a:t>
+            </a:r>
+          </a:p>
+        </p:txBody>
+      </p:sp>
+      <p:sp>
+        <p:nvSpPr>
+          <p:cNvPr id="3" name="Content Placeholder 2">
+            <a:extLst>
+              <a:ext uri="{FF2B5EF4-FFF2-40B4-BE49-F238E27FC236}">
+                <a16:creationId xmlns:a16="http://schemas.microsoft.com/office/drawing/2014/main" id="{B55B58AC-E5CA-BA43-981A-A3E686F7ED72}"/>
+              </a:ext>
+            </a:extLst>
+          </p:cNvPr>
+          <p:cNvSpPr>
+            <a:spLocks noGrp="1"/>
+          </p:cNvSpPr>
+          <p:nvPr>
+            <p:ph idx="1"/>
+          </p:nvPr>
+        </p:nvSpPr>
+        <p:spPr/>
+        <p:txBody>
+          <a:bodyPr/>
+          <a:lstStyle/>
+          <a:p>
+            <a:r>
+              <a:rPr lang="en-US" dirty="0"/>
+              <a:t>Models have architecture: deep learning: number of layers, number of neurons per layer, which nonlinearity</a:t>
+            </a:r>
+          </a:p>
+          <a:p>
+            <a:r>
+              <a:rPr lang="en-US" dirty="0"/>
+              <a:t>Models also have hyper-parameters, which dictate the overall architecture or other aspects of the model.</a:t>
+            </a:r>
+          </a:p>
+          <a:p>
+            <a:r>
+              <a:rPr lang="en-US" dirty="0"/>
+              <a:t>Hyper-parameters are specified by the programmer, not computed from the training data</a:t>
+            </a:r>
+          </a:p>
+          <a:p>
+            <a:r>
+              <a:rPr lang="en-US" dirty="0"/>
+              <a:t>Deep learning training greatly affected by learning rate, and even things like parameter initialization</a:t>
+            </a:r>
+          </a:p>
+          <a:p>
+            <a:r>
+              <a:rPr lang="en-US" dirty="0"/>
+              <a:t>Must be tuned</a:t>
+            </a:r>
+          </a:p>
+          <a:p>
+            <a:endParaRPr lang="en-US" dirty="0"/>
+          </a:p>
+        </p:txBody>
+      </p:sp>
+    </p:spTree>
+    <p:extLst>
+      <p:ext uri="{BB962C8B-B14F-4D97-AF65-F5344CB8AC3E}">
+        <p14:creationId xmlns:p14="http://schemas.microsoft.com/office/powerpoint/2010/main" val="2565264894"/>
+      </p:ext>
+    </p:extLst>
+  </p:cSld>
+  <p:clrMapOvr>
+    <a:masterClrMapping/>
+  </p:clrMapOvr>
+</p:sld>
+</file>
+
+<file path=ppt/slides/slide6.xml><?xml version="1.0" encoding="utf-8"?>
+<p:sld xmlns:a="http://schemas.openxmlformats.org/drawingml/2006/main" xmlns:r="http://schemas.openxmlformats.org/officeDocument/2006/relationships" xmlns:p="http://schemas.openxmlformats.org/presentationml/2006/main">
+  <p:cSld>
+    <p:spTree>
+      <p:nvGrpSpPr>
+        <p:cNvPr id="1" name=""/>
+        <p:cNvGrpSpPr/>
+        <p:nvPr/>
+      </p:nvGrpSpPr>
+      <p:grpSpPr>
+        <a:xfrm>
+          <a:off x="0" y="0"/>
+          <a:ext cx="0" cy="0"/>
+          <a:chOff x="0" y="0"/>
+          <a:chExt cx="0" cy="0"/>
+        </a:xfrm>
+      </p:grpSpPr>
+      <p:sp>
+        <p:nvSpPr>
+          <p:cNvPr id="2" name="Title 1">
+            <a:extLst>
+              <a:ext uri="{FF2B5EF4-FFF2-40B4-BE49-F238E27FC236}">
+                <a16:creationId xmlns:a16="http://schemas.microsoft.com/office/drawing/2014/main" id="{72872A69-5764-9F48-B704-2F889DB1A960}"/>
+              </a:ext>
+            </a:extLst>
+          </p:cNvPr>
+          <p:cNvSpPr>
+            <a:spLocks noGrp="1"/>
+          </p:cNvSpPr>
+          <p:nvPr>
+            <p:ph type="title"/>
+          </p:nvPr>
+        </p:nvSpPr>
+        <p:spPr/>
+        <p:txBody>
+          <a:bodyPr/>
+          <a:lstStyle/>
+          <a:p>
+            <a:r>
+              <a:rPr lang="en-US" dirty="0"/>
+              <a:t>Training</a:t>
+            </a:r>
+          </a:p>
+        </p:txBody>
+      </p:sp>
+      <p:sp>
+        <p:nvSpPr>
+          <p:cNvPr id="3" name="Content Placeholder 2">
+            <a:extLst>
+              <a:ext uri="{FF2B5EF4-FFF2-40B4-BE49-F238E27FC236}">
+                <a16:creationId xmlns:a16="http://schemas.microsoft.com/office/drawing/2014/main" id="{DF8A031C-9DE9-5646-9FCB-3A9ADBE9D37F}"/>
+              </a:ext>
+            </a:extLst>
+          </p:cNvPr>
+          <p:cNvSpPr>
+            <a:spLocks noGrp="1"/>
+          </p:cNvSpPr>
+          <p:nvPr>
+            <p:ph idx="1"/>
+          </p:nvPr>
+        </p:nvSpPr>
+        <p:spPr/>
+        <p:txBody>
+          <a:bodyPr/>
+          <a:lstStyle/>
+          <a:p>
+            <a:r>
+              <a:rPr lang="en-US" i="1" dirty="0"/>
+              <a:t>Underfitting</a:t>
+            </a:r>
+            <a:r>
+              <a:rPr lang="en-US" dirty="0"/>
+              <a:t>: model unable to capture relationship (assuming there is a relationship to be had)</a:t>
+            </a:r>
+          </a:p>
+          <a:p>
+            <a:r>
+              <a:rPr lang="en-US" i="1" dirty="0"/>
+              <a:t>Overfitting</a:t>
+            </a:r>
+            <a:r>
+              <a:rPr lang="en-US" dirty="0"/>
+              <a:t>: model is too specific to the training data and doesn't generalize well</a:t>
+            </a:r>
+          </a:p>
+          <a:p>
+            <a:r>
+              <a:rPr lang="en-US" dirty="0"/>
+              <a:t>To </a:t>
+            </a:r>
+            <a:r>
+              <a:rPr lang="en-US" i="1" dirty="0"/>
+              <a:t>generalize</a:t>
+            </a:r>
+            <a:r>
+              <a:rPr lang="en-US" dirty="0"/>
+              <a:t> means we get accurate predictions for feature vectors not found in the training set</a:t>
+            </a:r>
+          </a:p>
+        </p:txBody>
+      </p:sp>
+    </p:spTree>
+    <p:extLst>
+      <p:ext uri="{BB962C8B-B14F-4D97-AF65-F5344CB8AC3E}">
+        <p14:creationId xmlns:p14="http://schemas.microsoft.com/office/powerpoint/2010/main" val="2313113274"/>
+      </p:ext>
+    </p:extLst>
+  </p:cSld>
+  <p:clrMapOvr>
+    <a:masterClrMapping/>
+  </p:clrMapOvr>
+</p:sld>
+</file>
+
+<file path=ppt/slides/slide7.xml><?xml version="1.0" encoding="utf-8"?>
+<p:sld xmlns:a="http://schemas.openxmlformats.org/drawingml/2006/main" xmlns:r="http://schemas.openxmlformats.org/officeDocument/2006/relationships" xmlns:p="http://schemas.openxmlformats.org/presentationml/2006/main">
+  <p:cSld>
+    <p:spTree>
+      <p:nvGrpSpPr>
+        <p:cNvPr id="1" name=""/>
+        <p:cNvGrpSpPr/>
+        <p:nvPr/>
+      </p:nvGrpSpPr>
+      <p:grpSpPr>
+        <a:xfrm>
+          <a:off x="0" y="0"/>
+          <a:ext cx="0" cy="0"/>
+          <a:chOff x="0" y="0"/>
+          <a:chExt cx="0" cy="0"/>
+        </a:xfrm>
+      </p:grpSpPr>
+      <p:sp>
+        <p:nvSpPr>
+          <p:cNvPr id="2" name="Title 1"/>
+          <p:cNvSpPr>
+            <a:spLocks noGrp="1"/>
+          </p:cNvSpPr>
+          <p:nvPr>
+            <p:ph type="title"/>
+          </p:nvPr>
+        </p:nvSpPr>
+        <p:spPr/>
+        <p:txBody>
+          <a:bodyPr/>
+          <a:lstStyle/>
+          <a:p>
+            <a:r>
+              <a:rPr lang="en-US" dirty="0"/>
+              <a:t>Train, validate, test</a:t>
+            </a:r>
+          </a:p>
+        </p:txBody>
+      </p:sp>
+      <p:sp>
+        <p:nvSpPr>
+          <p:cNvPr id="3" name="Content Placeholder 2"/>
+          <p:cNvSpPr>
+            <a:spLocks noGrp="1"/>
+          </p:cNvSpPr>
+          <p:nvPr>
+            <p:ph idx="1"/>
+          </p:nvPr>
+        </p:nvSpPr>
+        <p:spPr>
+          <a:xfrm>
+            <a:off x="838200" y="1640295"/>
+            <a:ext cx="10515600" cy="4671295"/>
+          </a:xfrm>
+        </p:spPr>
+        <p:txBody>
+          <a:bodyPr>
+            <a:normAutofit fontScale="92500" lnSpcReduction="10000"/>
+          </a:bodyPr>
+          <a:lstStyle/>
+          <a:p>
+            <a:r>
+              <a:rPr lang="en-US" dirty="0"/>
+              <a:t>We always need 3 data sets with known answers:</a:t>
+            </a:r>
+          </a:p>
+          <a:p>
+            <a:pPr lvl="1"/>
+            <a:r>
+              <a:rPr lang="en-US" dirty="0"/>
+              <a:t>training</a:t>
+            </a:r>
+          </a:p>
+          <a:p>
+            <a:pPr lvl="1"/>
+            <a:r>
+              <a:rPr lang="en-US" dirty="0"/>
+              <a:t>validation (as shorthand you’ll hear me / others call this test set)</a:t>
+            </a:r>
+          </a:p>
+          <a:p>
+            <a:pPr lvl="1"/>
+            <a:r>
+              <a:rPr lang="en-US" dirty="0"/>
+              <a:t>testing (put in a vault and </a:t>
+            </a:r>
+            <a:r>
+              <a:rPr lang="en-US" b="1" dirty="0"/>
+              <a:t>don’t peek</a:t>
+            </a:r>
+            <a:r>
+              <a:rPr lang="en-US" dirty="0"/>
+              <a:t>!!)</a:t>
+            </a:r>
+          </a:p>
+          <a:p>
+            <a:r>
+              <a:rPr lang="en-US" dirty="0"/>
+              <a:t>Validation set: used to evaluate, tune models and features</a:t>
+            </a:r>
+          </a:p>
+          <a:p>
+            <a:pPr lvl="1"/>
+            <a:r>
+              <a:rPr lang="en-US" dirty="0"/>
+              <a:t>Any changes you make to model tailor it to this specific validation set</a:t>
+            </a:r>
+          </a:p>
+          <a:p>
+            <a:r>
+              <a:rPr lang="en-US" dirty="0"/>
+              <a:t>Test set: used exactly </a:t>
+            </a:r>
+            <a:r>
+              <a:rPr lang="en-US" b="1" dirty="0"/>
+              <a:t>once</a:t>
+            </a:r>
+            <a:r>
+              <a:rPr lang="en-US" dirty="0"/>
+              <a:t> after you think you have best model</a:t>
+            </a:r>
+          </a:p>
+          <a:p>
+            <a:pPr lvl="1"/>
+            <a:r>
+              <a:rPr lang="en-US" dirty="0"/>
+              <a:t>The only true measure of model’s generality, how it’ll perform in production</a:t>
+            </a:r>
+          </a:p>
+          <a:p>
+            <a:pPr lvl="1"/>
+            <a:r>
+              <a:rPr lang="en-US" dirty="0"/>
+              <a:t>Never use test set to tune model</a:t>
+            </a:r>
+          </a:p>
+          <a:p>
+            <a:r>
+              <a:rPr lang="en-US" dirty="0"/>
+              <a:t>Production: recombine all sets back into a big training set again, retrain model but don’t change it according to test set metrics</a:t>
+            </a:r>
+          </a:p>
+          <a:p>
+            <a:endParaRPr lang="en-US" dirty="0"/>
+          </a:p>
+        </p:txBody>
+      </p:sp>
+    </p:spTree>
+    <p:extLst>
+      <p:ext uri="{BB962C8B-B14F-4D97-AF65-F5344CB8AC3E}">
+        <p14:creationId xmlns:p14="http://schemas.microsoft.com/office/powerpoint/2010/main" val="3712983599"/>
+      </p:ext>
+    </p:extLst>
+  </p:cSld>
+  <p:clrMapOvr>
+    <a:masterClrMapping/>
+  </p:clrMapOvr>
+</p:sld>
+</file>
+
+<file path=ppt/slides/slide8.xml><?xml version="1.0" encoding="utf-8"?>
+<p:sld xmlns:a="http://schemas.openxmlformats.org/drawingml/2006/main" xmlns:r="http://schemas.openxmlformats.org/officeDocument/2006/relationships" xmlns:p="http://schemas.openxmlformats.org/presentationml/2006/main">
+  <p:cSld>
+    <p:spTree>
+      <p:nvGrpSpPr>
+        <p:cNvPr id="1" name=""/>
+        <p:cNvGrpSpPr/>
+        <p:nvPr/>
+      </p:nvGrpSpPr>
+      <p:grpSpPr>
+        <a:xfrm>
+          <a:off x="0" y="0"/>
+          <a:ext cx="0" cy="0"/>
+          <a:chOff x="0" y="0"/>
+          <a:chExt cx="0" cy="0"/>
+        </a:xfrm>
+      </p:grpSpPr>
+      <p:sp>
+        <p:nvSpPr>
+          <p:cNvPr id="2" name="Title 1"/>
+          <p:cNvSpPr>
+            <a:spLocks noGrp="1"/>
+          </p:cNvSpPr>
+          <p:nvPr>
+            <p:ph type="title"/>
+          </p:nvPr>
+        </p:nvSpPr>
+        <p:spPr/>
+        <p:txBody>
+          <a:bodyPr/>
+          <a:lstStyle/>
+          <a:p>
+            <a:r>
+              <a:rPr lang="en-US" dirty="0"/>
+              <a:t>Terminology: Loss function vs metric</a:t>
+            </a:r>
+          </a:p>
+        </p:txBody>
+      </p:sp>
+      <mc:AlternateContent xmlns:mc="http://schemas.openxmlformats.org/markup-compatibility/2006">
+        <mc:Choice xmlns:a14="http://schemas.microsoft.com/office/drawing/2010/main" Requires="a14">
+          <p:sp>
+            <p:nvSpPr>
+              <p:cNvPr id="3" name="Content Placeholder 2"/>
+              <p:cNvSpPr>
+                <a:spLocks noGrp="1"/>
+              </p:cNvSpPr>
+              <p:nvPr>
+                <p:ph idx="1"/>
+              </p:nvPr>
+            </p:nvSpPr>
+            <p:spPr>
+              <a:xfrm>
+                <a:off x="838200" y="1591733"/>
+                <a:ext cx="10515600" cy="4585230"/>
+              </a:xfrm>
+            </p:spPr>
+            <p:txBody>
+              <a:bodyPr>
+                <a:normAutofit fontScale="92500" lnSpcReduction="10000"/>
+              </a:bodyPr>
+              <a:lstStyle/>
+              <a:p>
+                <a:r>
+                  <a:rPr lang="en-US" i="1" dirty="0"/>
+                  <a:t>Loss</a:t>
+                </a:r>
+                <a:r>
+                  <a:rPr lang="en-US" dirty="0"/>
+                  <a:t> </a:t>
+                </a:r>
+                <a:r>
+                  <a:rPr lang="en-US" i="1" dirty="0"/>
+                  <a:t>function</a:t>
+                </a:r>
+                <a:r>
+                  <a:rPr lang="en-US" dirty="0"/>
+                  <a:t>: minimized to train a model (if appropriate)</a:t>
+                </a:r>
+                <a:br>
+                  <a:rPr lang="en-US" dirty="0"/>
+                </a:br>
+                <a:r>
+                  <a:rPr lang="en-US" dirty="0"/>
+                  <a:t>E.g., gradient descent uses loss to train regularize linear model</a:t>
+                </a:r>
+              </a:p>
+              <a:p>
+                <a:r>
+                  <a:rPr lang="en-US" i="1" dirty="0"/>
+                  <a:t>Metric</a:t>
+                </a:r>
+                <a:r>
+                  <a:rPr lang="en-US" dirty="0"/>
+                  <a:t>: evaluate accuracy of predictions compared to known results (the business perspective)</a:t>
+                </a:r>
+              </a:p>
+              <a:p>
+                <a:r>
+                  <a:rPr lang="en-US" dirty="0"/>
+                  <a:t>Both are functions of </a:t>
+                </a:r>
+                <a14:m>
+                  <m:oMath xmlns:m="http://schemas.openxmlformats.org/officeDocument/2006/math">
+                    <m:r>
+                      <a:rPr lang="en-US" b="0" i="1" smtClean="0">
+                        <a:latin typeface="Cambria Math" panose="02040503050406030204" pitchFamily="18" charset="0"/>
+                      </a:rPr>
+                      <m:t>𝑦</m:t>
+                    </m:r>
+                  </m:oMath>
+                </a14:m>
+                <a:r>
+                  <a:rPr lang="en-US" dirty="0"/>
+                  <a:t> and </a:t>
+                </a:r>
+                <a14:m>
+                  <m:oMath xmlns:m="http://schemas.openxmlformats.org/officeDocument/2006/math">
+                    <m:acc>
+                      <m:accPr>
+                        <m:chr m:val="̂"/>
+                        <m:ctrlPr>
+                          <a:rPr lang="en-US" i="1" smtClean="0">
+                            <a:latin typeface="Cambria Math" panose="02040503050406030204" pitchFamily="18" charset="0"/>
+                          </a:rPr>
+                        </m:ctrlPr>
+                      </m:accPr>
+                      <m:e>
+                        <m:r>
+                          <a:rPr lang="en-US" b="0" i="1" smtClean="0">
+                            <a:latin typeface="Cambria Math" panose="02040503050406030204" pitchFamily="18" charset="0"/>
+                          </a:rPr>
+                          <m:t>𝑦</m:t>
+                        </m:r>
+                      </m:e>
+                    </m:acc>
+                  </m:oMath>
+                </a14:m>
+                <a:r>
+                  <a:rPr lang="en-US" dirty="0"/>
+                  <a:t>, but loss is also possibly model parameters (e.g., linear model regularization loss tests parameters)</a:t>
+                </a:r>
+              </a:p>
+              <a:p>
+                <a:r>
+                  <a:rPr lang="en-US" dirty="0"/>
+                  <a:t>Examples:</a:t>
+                </a:r>
+              </a:p>
+              <a:p>
+                <a:pPr lvl="1"/>
+                <a:r>
+                  <a:rPr lang="en-US" dirty="0"/>
+                  <a:t>Train: MSE loss &amp; Test: MSE metric</a:t>
+                </a:r>
+              </a:p>
+              <a:p>
+                <a:pPr lvl="1"/>
+                <a:r>
+                  <a:rPr lang="en-US" dirty="0"/>
+                  <a:t>Train: MSE loss &amp; Test: MAE metric</a:t>
+                </a:r>
+              </a:p>
+              <a:p>
+                <a:pPr lvl="1"/>
+                <a:r>
+                  <a:rPr lang="en-US" dirty="0"/>
+                  <a:t>Train: Cross entropy &amp; Test: misclassification or FP/FN metric</a:t>
+                </a:r>
+              </a:p>
+              <a:p>
+                <a:r>
+                  <a:rPr lang="en-US" dirty="0"/>
+                  <a:t>If metric is applied to validation or test set, informs on generality and quality of your model</a:t>
+                </a:r>
+              </a:p>
+              <a:p>
+                <a:endParaRPr lang="en-US" dirty="0"/>
+              </a:p>
+            </p:txBody>
+          </p:sp>
+        </mc:Choice>
+        <mc:Fallback>
+          <p:sp>
+            <p:nvSpPr>
+              <p:cNvPr id="3" name="Content Placeholder 2"/>
+              <p:cNvSpPr>
+                <a:spLocks noGrp="1" noRot="1" noChangeAspect="1" noMove="1" noResize="1" noEditPoints="1" noAdjustHandles="1" noChangeArrowheads="1" noChangeShapeType="1" noTextEdit="1"/>
+              </p:cNvSpPr>
+              <p:nvPr>
+                <p:ph idx="1"/>
+              </p:nvPr>
+            </p:nvSpPr>
+            <p:spPr>
+              <a:xfrm>
+                <a:off x="838200" y="1591733"/>
+                <a:ext cx="10515600" cy="4585230"/>
+              </a:xfrm>
+              <a:blipFill>
+                <a:blip r:embed="rId2"/>
+                <a:stretch>
+                  <a:fillRect l="-965" t="-3039" r="-483" b="-276"/>
+                </a:stretch>
+              </a:blipFill>
+            </p:spPr>
+            <p:txBody>
+              <a:bodyPr/>
+              <a:lstStyle/>
+              <a:p>
+                <a:r>
+                  <a:rPr lang="en-US">
+                    <a:noFill/>
+                  </a:rPr>
+                  <a:t> </a:t>
+                </a:r>
+              </a:p>
+            </p:txBody>
+          </p:sp>
+        </mc:Fallback>
+      </mc:AlternateContent>
+      <p:sp>
+        <p:nvSpPr>
+          <p:cNvPr id="5" name="Rectangle 4"/>
+          <p:cNvSpPr/>
+          <p:nvPr/>
+        </p:nvSpPr>
+        <p:spPr>
+          <a:xfrm>
+            <a:off x="126460" y="6311900"/>
+            <a:ext cx="7618689" cy="369332"/>
+          </a:xfrm>
+          <a:prstGeom prst="rect">
+            <a:avLst/>
+          </a:prstGeom>
+        </p:spPr>
+        <p:txBody>
+          <a:bodyPr wrap="none">
+            <a:spAutoFit/>
+          </a:bodyPr>
+          <a:lstStyle/>
+          <a:p>
+            <a:r>
+              <a:rPr lang="en-US" dirty="0"/>
+              <a:t>See also </a:t>
+            </a:r>
+            <a:r>
+              <a:rPr lang="en-US" dirty="0" err="1"/>
+              <a:t>stackoverflow</a:t>
+            </a:r>
+            <a:r>
+              <a:rPr lang="en-US" dirty="0"/>
+              <a:t> post by </a:t>
+            </a:r>
+            <a:r>
+              <a:rPr lang="en-US" dirty="0" err="1"/>
+              <a:t>Chstiros</a:t>
+            </a:r>
+            <a:r>
+              <a:rPr lang="en-US" dirty="0"/>
+              <a:t> </a:t>
+            </a:r>
+            <a:r>
+              <a:rPr lang="en-US" dirty="0" err="1"/>
+              <a:t>Tsatsoulis</a:t>
+            </a:r>
+            <a:r>
+              <a:rPr lang="en-US" dirty="0"/>
+              <a:t>: </a:t>
+            </a:r>
+            <a:r>
+              <a:rPr lang="en-US" dirty="0">
+                <a:hlinkClick r:id="rId3"/>
+              </a:rPr>
+              <a:t>https://goo.gl/T5AmrT</a:t>
+            </a:r>
+            <a:endParaRPr lang="en-US" dirty="0"/>
+          </a:p>
+        </p:txBody>
+      </p:sp>
+    </p:spTree>
+    <p:extLst>
+      <p:ext uri="{BB962C8B-B14F-4D97-AF65-F5344CB8AC3E}">
+        <p14:creationId xmlns:p14="http://schemas.microsoft.com/office/powerpoint/2010/main" val="858878956"/>
+      </p:ext>
+    </p:extLst>
+  </p:cSld>
+  <p:clrMapOvr>
+    <a:masterClrMapping/>
+  </p:clrMapOvr>
+</p:sld>
+</file>
+
+<file path=ppt/slides/slide9.xml><?xml version="1.0" encoding="utf-8"?>
+<p:sld xmlns:a="http://schemas.openxmlformats.org/drawingml/2006/main" xmlns:r="http://schemas.openxmlformats.org/officeDocument/2006/relationships" xmlns:p="http://schemas.openxmlformats.org/presentationml/2006/main">
+  <p:cSld>
+    <p:spTree>
+      <p:nvGrpSpPr>
+        <p:cNvPr id="1" name=""/>
+        <p:cNvGrpSpPr/>
+        <p:nvPr/>
+      </p:nvGrpSpPr>
+      <p:grpSpPr>
+        <a:xfrm>
+          <a:off x="0" y="0"/>
+          <a:ext cx="0" cy="0"/>
+          <a:chOff x="0" y="0"/>
+          <a:chExt cx="0" cy="0"/>
+        </a:xfrm>
+      </p:grpSpPr>
+      <p:sp>
+        <p:nvSpPr>
+          <p:cNvPr id="2" name="Title 1">
+            <a:extLst>
+              <a:ext uri="{FF2B5EF4-FFF2-40B4-BE49-F238E27FC236}">
+                <a16:creationId xmlns:a16="http://schemas.microsoft.com/office/drawing/2014/main" id="{019B8BD0-8158-7649-BD95-EB8212890DA8}"/>
+              </a:ext>
+            </a:extLst>
+          </p:cNvPr>
+          <p:cNvSpPr>
+            <a:spLocks noGrp="1"/>
+          </p:cNvSpPr>
+          <p:nvPr>
+            <p:ph type="title"/>
+          </p:nvPr>
+        </p:nvSpPr>
+        <p:spPr/>
+        <p:txBody>
+          <a:bodyPr/>
+          <a:lstStyle/>
+          <a:p>
+            <a:r>
+              <a:rPr lang="en-US" dirty="0"/>
+              <a:t>Preparing data</a:t>
+            </a:r>
+          </a:p>
+        </p:txBody>
+      </p:sp>
+      <p:sp>
+        <p:nvSpPr>
+          <p:cNvPr id="3" name="Content Placeholder 2">
+            <a:extLst>
+              <a:ext uri="{FF2B5EF4-FFF2-40B4-BE49-F238E27FC236}">
+                <a16:creationId xmlns:a16="http://schemas.microsoft.com/office/drawing/2014/main" id="{A42F3B01-3684-7044-9FDD-8DB29CAEFFC3}"/>
+              </a:ext>
+            </a:extLst>
+          </p:cNvPr>
+          <p:cNvSpPr>
+            <a:spLocks noGrp="1"/>
+          </p:cNvSpPr>
+          <p:nvPr>
+            <p:ph idx="1"/>
+          </p:nvPr>
+        </p:nvSpPr>
+        <p:spPr/>
+        <p:txBody>
+          <a:bodyPr/>
+          <a:lstStyle/>
+          <a:p>
+            <a:r>
+              <a:rPr lang="en-US" dirty="0"/>
+              <a:t> must normalize X</a:t>
+            </a:r>
+          </a:p>
+        </p:txBody>
+      </p:sp>
+      <p:pic>
+        <p:nvPicPr>
+          <p:cNvPr id="4" name="Picture 3">
+            <a:extLst>
+              <a:ext uri="{FF2B5EF4-FFF2-40B4-BE49-F238E27FC236}">
+                <a16:creationId xmlns:a16="http://schemas.microsoft.com/office/drawing/2014/main" id="{2776403C-1AA9-5A43-8191-6174A4F8EC34}"/>
+              </a:ext>
+            </a:extLst>
+          </p:cNvPr>
+          <p:cNvPicPr>
+            <a:picLocks noChangeAspect="1"/>
+          </p:cNvPicPr>
+          <p:nvPr/>
+        </p:nvPicPr>
+        <p:blipFill>
+          <a:blip r:embed="rId2"/>
+          <a:stretch>
+            <a:fillRect/>
+          </a:stretch>
+        </p:blipFill>
+        <p:spPr>
+          <a:xfrm>
+            <a:off x="4904685" y="-196781"/>
+            <a:ext cx="1854200" cy="1778000"/>
+          </a:xfrm>
+          <a:prstGeom prst="rect">
+            <a:avLst/>
+          </a:prstGeom>
+        </p:spPr>
+      </p:pic>
+      <p:pic>
+        <p:nvPicPr>
+          <p:cNvPr id="6" name="Picture 5">
+            <a:extLst>
+              <a:ext uri="{FF2B5EF4-FFF2-40B4-BE49-F238E27FC236}">
+                <a16:creationId xmlns:a16="http://schemas.microsoft.com/office/drawing/2014/main" id="{97643D02-06CB-CB4C-B863-2C0CD7EA8A63}"/>
+              </a:ext>
+            </a:extLst>
+          </p:cNvPr>
+          <p:cNvPicPr>
+            <a:picLocks noChangeAspect="1"/>
+          </p:cNvPicPr>
+          <p:nvPr/>
+        </p:nvPicPr>
+        <p:blipFill>
+          <a:blip r:embed="rId3"/>
+          <a:stretch>
+            <a:fillRect/>
+          </a:stretch>
+        </p:blipFill>
+        <p:spPr>
+          <a:xfrm>
+            <a:off x="4495800" y="1545328"/>
+            <a:ext cx="7315200" cy="2743200"/>
+          </a:xfrm>
+          <a:prstGeom prst="rect">
+            <a:avLst/>
+          </a:prstGeom>
+        </p:spPr>
+      </p:pic>
+      <p:pic>
+        <p:nvPicPr>
+          <p:cNvPr id="8" name="Picture 7">
+            <a:extLst>
+              <a:ext uri="{FF2B5EF4-FFF2-40B4-BE49-F238E27FC236}">
+                <a16:creationId xmlns:a16="http://schemas.microsoft.com/office/drawing/2014/main" id="{798035D3-675F-A946-884C-C911C0F07DBC}"/>
+              </a:ext>
+            </a:extLst>
+          </p:cNvPr>
+          <p:cNvPicPr>
+            <a:picLocks noChangeAspect="1"/>
+          </p:cNvPicPr>
+          <p:nvPr/>
+        </p:nvPicPr>
+        <p:blipFill>
+          <a:blip r:embed="rId4"/>
+          <a:stretch>
+            <a:fillRect/>
+          </a:stretch>
+        </p:blipFill>
+        <p:spPr>
+          <a:xfrm>
+            <a:off x="4513194" y="4097131"/>
+            <a:ext cx="7315200" cy="2743200"/>
+          </a:xfrm>
+          <a:prstGeom prst="rect">
+            <a:avLst/>
+          </a:prstGeom>
+        </p:spPr>
+      </p:pic>
+    </p:spTree>
+    <p:extLst>
+      <p:ext uri="{BB962C8B-B14F-4D97-AF65-F5344CB8AC3E}">
+        <p14:creationId xmlns:p14="http://schemas.microsoft.com/office/powerpoint/2010/main" val="3534432972"/>
       </p:ext>
     </p:extLst>
   </p:cSld>

--- a/lectures/intro.pptx
+++ b/lectures/intro.pptx
@@ -5,10 +5,10 @@
     <p:sldMasterId id="2147483672" r:id="rId1"/>
   </p:sldMasterIdLst>
   <p:notesMasterIdLst>
-    <p:notesMasterId r:id="rId22"/>
+    <p:notesMasterId r:id="rId25"/>
   </p:notesMasterIdLst>
   <p:handoutMasterIdLst>
-    <p:handoutMasterId r:id="rId23"/>
+    <p:handoutMasterId r:id="rId26"/>
   </p:handoutMasterIdLst>
   <p:sldIdLst>
     <p:sldId id="256" r:id="rId2"/>
@@ -17,20 +17,23 @@
     <p:sldId id="290" r:id="rId5"/>
     <p:sldId id="293" r:id="rId6"/>
     <p:sldId id="291" r:id="rId7"/>
-    <p:sldId id="294" r:id="rId8"/>
-    <p:sldId id="295" r:id="rId9"/>
+    <p:sldId id="295" r:id="rId8"/>
+    <p:sldId id="294" r:id="rId9"/>
     <p:sldId id="303" r:id="rId10"/>
-    <p:sldId id="296" r:id="rId11"/>
-    <p:sldId id="297" r:id="rId12"/>
-    <p:sldId id="298" r:id="rId13"/>
-    <p:sldId id="300" r:id="rId14"/>
-    <p:sldId id="299" r:id="rId15"/>
-    <p:sldId id="306" r:id="rId16"/>
-    <p:sldId id="301" r:id="rId17"/>
-    <p:sldId id="302" r:id="rId18"/>
-    <p:sldId id="304" r:id="rId19"/>
-    <p:sldId id="305" r:id="rId20"/>
-    <p:sldId id="289" r:id="rId21"/>
+    <p:sldId id="307" r:id="rId11"/>
+    <p:sldId id="308" r:id="rId12"/>
+    <p:sldId id="296" r:id="rId13"/>
+    <p:sldId id="297" r:id="rId14"/>
+    <p:sldId id="298" r:id="rId15"/>
+    <p:sldId id="300" r:id="rId16"/>
+    <p:sldId id="305" r:id="rId17"/>
+    <p:sldId id="306" r:id="rId18"/>
+    <p:sldId id="309" r:id="rId19"/>
+    <p:sldId id="301" r:id="rId20"/>
+    <p:sldId id="302" r:id="rId21"/>
+    <p:sldId id="304" r:id="rId22"/>
+    <p:sldId id="310" r:id="rId23"/>
+    <p:sldId id="289" r:id="rId24"/>
   </p:sldIdLst>
   <p:sldSz cx="12192000" cy="6858000"/>
   <p:notesSz cx="9144000" cy="6858000"/>
@@ -3974,7 +3977,7 @@
             <a:pPr algn="l"/>
             <a:r>
               <a:rPr lang="en-US" dirty="0"/>
-              <a:t>Using </a:t>
+              <a:t>Crash course in using </a:t>
             </a:r>
             <a:r>
               <a:rPr lang="en-US" dirty="0" err="1"/>
@@ -4070,7 +4073,7 @@
           <p:cNvPr id="2" name="Title 1">
             <a:extLst>
               <a:ext uri="{FF2B5EF4-FFF2-40B4-BE49-F238E27FC236}">
-                <a16:creationId xmlns:a16="http://schemas.microsoft.com/office/drawing/2014/main" id="{BE3488E0-CCC7-504A-8E04-17A3F65AD0B3}"/>
+                <a16:creationId xmlns:a16="http://schemas.microsoft.com/office/drawing/2014/main" id="{5ECDE7D2-3A5F-3D44-8C20-1F33BA2D7BAD}"/>
               </a:ext>
             </a:extLst>
           </p:cNvPr>
@@ -4088,8 +4091,603 @@
           <a:p>
             <a:r>
               <a:rPr lang="en-US" dirty="0"/>
-              <a:t> building blocks; X is n x m</a:t>
-            </a:r>
+              <a:t>Deep learning regressors</a:t>
+            </a:r>
+          </a:p>
+        </p:txBody>
+      </p:sp>
+      <p:sp>
+        <p:nvSpPr>
+          <p:cNvPr id="3" name="Text Placeholder 2">
+            <a:extLst>
+              <a:ext uri="{FF2B5EF4-FFF2-40B4-BE49-F238E27FC236}">
+                <a16:creationId xmlns:a16="http://schemas.microsoft.com/office/drawing/2014/main" id="{2CF972A5-F389-1A4E-A83B-B089231230C1}"/>
+              </a:ext>
+            </a:extLst>
+          </p:cNvPr>
+          <p:cNvSpPr>
+            <a:spLocks noGrp="1"/>
+          </p:cNvSpPr>
+          <p:nvPr>
+            <p:ph type="body" idx="1"/>
+          </p:nvPr>
+        </p:nvSpPr>
+        <p:spPr/>
+        <p:txBody>
+          <a:bodyPr/>
+          <a:lstStyle/>
+          <a:p>
+            <a:endParaRPr lang="en-US"/>
+          </a:p>
+        </p:txBody>
+      </p:sp>
+    </p:spTree>
+    <p:extLst>
+      <p:ext uri="{BB962C8B-B14F-4D97-AF65-F5344CB8AC3E}">
+        <p14:creationId xmlns:p14="http://schemas.microsoft.com/office/powerpoint/2010/main" val="503814486"/>
+      </p:ext>
+    </p:extLst>
+  </p:cSld>
+  <p:clrMapOvr>
+    <a:masterClrMapping/>
+  </p:clrMapOvr>
+</p:sld>
+</file>
+
+<file path=ppt/slides/slide11.xml><?xml version="1.0" encoding="utf-8"?>
+<p:sld xmlns:a="http://schemas.openxmlformats.org/drawingml/2006/main" xmlns:r="http://schemas.openxmlformats.org/officeDocument/2006/relationships" xmlns:p="http://schemas.openxmlformats.org/presentationml/2006/main">
+  <p:cSld>
+    <p:spTree>
+      <p:nvGrpSpPr>
+        <p:cNvPr id="1" name=""/>
+        <p:cNvGrpSpPr/>
+        <p:nvPr/>
+      </p:nvGrpSpPr>
+      <p:grpSpPr>
+        <a:xfrm>
+          <a:off x="0" y="0"/>
+          <a:ext cx="0" cy="0"/>
+          <a:chOff x="0" y="0"/>
+          <a:chExt cx="0" cy="0"/>
+        </a:xfrm>
+      </p:grpSpPr>
+      <p:sp>
+        <p:nvSpPr>
+          <p:cNvPr id="2" name="Title 1">
+            <a:extLst>
+              <a:ext uri="{FF2B5EF4-FFF2-40B4-BE49-F238E27FC236}">
+                <a16:creationId xmlns:a16="http://schemas.microsoft.com/office/drawing/2014/main" id="{ACDCADB6-AB73-C743-A99F-A8CAC8ED90BD}"/>
+              </a:ext>
+            </a:extLst>
+          </p:cNvPr>
+          <p:cNvSpPr>
+            <a:spLocks noGrp="1"/>
+          </p:cNvSpPr>
+          <p:nvPr>
+            <p:ph type="title"/>
+          </p:nvPr>
+        </p:nvSpPr>
+        <p:spPr/>
+        <p:txBody>
+          <a:bodyPr/>
+          <a:lstStyle/>
+          <a:p>
+            <a:r>
+              <a:rPr lang="en-US" dirty="0"/>
+              <a:t>What's a neural network?</a:t>
+            </a:r>
+          </a:p>
+        </p:txBody>
+      </p:sp>
+      <mc:AlternateContent xmlns:mc="http://schemas.openxmlformats.org/markup-compatibility/2006">
+        <mc:Choice xmlns:a14="http://schemas.microsoft.com/office/drawing/2010/main" Requires="a14">
+          <p:sp>
+            <p:nvSpPr>
+              <p:cNvPr id="3" name="Content Placeholder 2">
+                <a:extLst>
+                  <a:ext uri="{FF2B5EF4-FFF2-40B4-BE49-F238E27FC236}">
+                    <a16:creationId xmlns:a16="http://schemas.microsoft.com/office/drawing/2014/main" id="{B77D15F6-EA22-9B4A-A945-B01EA0C52CD8}"/>
+                  </a:ext>
+                </a:extLst>
+              </p:cNvPr>
+              <p:cNvSpPr>
+                <a:spLocks noGrp="1"/>
+              </p:cNvSpPr>
+              <p:nvPr>
+                <p:ph idx="1"/>
+              </p:nvPr>
+            </p:nvSpPr>
+            <p:spPr>
+              <a:xfrm>
+                <a:off x="838200" y="1550020"/>
+                <a:ext cx="10515600" cy="4626943"/>
+              </a:xfrm>
+            </p:spPr>
+            <p:txBody>
+              <a:bodyPr/>
+              <a:lstStyle/>
+              <a:p>
+                <a:r>
+                  <a:rPr lang="en-US" dirty="0"/>
+                  <a:t>A combination of linear and nonlinear transformations</a:t>
+                </a:r>
+              </a:p>
+              <a:p>
+                <a:pPr lvl="1"/>
+                <a:r>
+                  <a:rPr lang="en-US" dirty="0"/>
+                  <a:t>Linear: </a:t>
+                </a:r>
+                <a14:m>
+                  <m:oMath xmlns:m="http://schemas.openxmlformats.org/officeDocument/2006/math">
+                    <m:sSup>
+                      <m:sSupPr>
+                        <m:ctrlPr>
+                          <a:rPr lang="en-US" b="0" i="0" dirty="0" smtClean="0">
+                            <a:latin typeface="Cambria Math" panose="02040503050406030204" pitchFamily="18" charset="0"/>
+                          </a:rPr>
+                        </m:ctrlPr>
+                      </m:sSupPr>
+                      <m:e>
+                        <m:r>
+                          <a:rPr lang="en-US" b="0" i="1" dirty="0" smtClean="0">
+                            <a:latin typeface="Cambria Math" panose="02040503050406030204" pitchFamily="18" charset="0"/>
+                          </a:rPr>
+                          <m:t>𝑧</m:t>
+                        </m:r>
+                      </m:e>
+                      <m:sup>
+                        <m:d>
+                          <m:dPr>
+                            <m:begChr m:val="["/>
+                            <m:endChr m:val="]"/>
+                            <m:ctrlPr>
+                              <a:rPr lang="en-US" b="0" i="0" dirty="0" smtClean="0">
+                                <a:latin typeface="Cambria Math" panose="02040503050406030204" pitchFamily="18" charset="0"/>
+                              </a:rPr>
+                            </m:ctrlPr>
+                          </m:dPr>
+                          <m:e>
+                            <m:r>
+                              <a:rPr lang="en-US" b="0" i="1" dirty="0" smtClean="0">
+                                <a:latin typeface="Cambria Math" panose="02040503050406030204" pitchFamily="18" charset="0"/>
+                              </a:rPr>
+                              <m:t>𝑙𝑎𝑦𝑒𝑟</m:t>
+                            </m:r>
+                          </m:e>
+                        </m:d>
+                      </m:sup>
+                    </m:sSup>
+                    <m:r>
+                      <a:rPr lang="en-US" b="0" i="0" dirty="0" smtClean="0">
+                        <a:latin typeface="Cambria Math" panose="02040503050406030204" pitchFamily="18" charset="0"/>
+                      </a:rPr>
+                      <m:t>=</m:t>
+                    </m:r>
+                    <m:sSup>
+                      <m:sSupPr>
+                        <m:ctrlPr>
+                          <a:rPr lang="en-US" b="1" i="1">
+                            <a:latin typeface="Cambria Math" panose="02040503050406030204" pitchFamily="18" charset="0"/>
+                          </a:rPr>
+                        </m:ctrlPr>
+                      </m:sSupPr>
+                      <m:e>
+                        <m:r>
+                          <a:rPr lang="en-US" i="1">
+                            <a:latin typeface="Cambria Math" panose="02040503050406030204" pitchFamily="18" charset="0"/>
+                          </a:rPr>
+                          <m:t>𝑊</m:t>
+                        </m:r>
+                      </m:e>
+                      <m:sup>
+                        <m:d>
+                          <m:dPr>
+                            <m:begChr m:val="["/>
+                            <m:endChr m:val="]"/>
+                            <m:ctrlPr>
+                              <a:rPr lang="en-US" i="1">
+                                <a:latin typeface="Cambria Math" panose="02040503050406030204" pitchFamily="18" charset="0"/>
+                              </a:rPr>
+                            </m:ctrlPr>
+                          </m:dPr>
+                          <m:e>
+                            <m:r>
+                              <a:rPr lang="en-US" i="1">
+                                <a:latin typeface="Cambria Math" panose="02040503050406030204" pitchFamily="18" charset="0"/>
+                              </a:rPr>
+                              <m:t>𝑙𝑎𝑦𝑒𝑟</m:t>
+                            </m:r>
+                          </m:e>
+                        </m:d>
+                      </m:sup>
+                    </m:sSup>
+                    <m:sSup>
+                      <m:sSupPr>
+                        <m:ctrlPr>
+                          <a:rPr lang="en-US" b="1" i="1" smtClean="0">
+                            <a:latin typeface="Cambria Math" panose="02040503050406030204" pitchFamily="18" charset="0"/>
+                          </a:rPr>
+                        </m:ctrlPr>
+                      </m:sSupPr>
+                      <m:e>
+                        <m:r>
+                          <a:rPr lang="en-US" b="1" i="1">
+                            <a:latin typeface="Cambria Math" panose="02040503050406030204" pitchFamily="18" charset="0"/>
+                          </a:rPr>
+                          <m:t>𝒙</m:t>
+                        </m:r>
+                      </m:e>
+                      <m:sup>
+                        <m:r>
+                          <a:rPr lang="en-US" b="1" i="1" smtClean="0">
+                            <a:latin typeface="Cambria Math" panose="02040503050406030204" pitchFamily="18" charset="0"/>
+                          </a:rPr>
+                          <m:t>𝑻</m:t>
+                        </m:r>
+                      </m:sup>
+                    </m:sSup>
+                    <m:r>
+                      <a:rPr lang="en-US" i="1">
+                        <a:latin typeface="Cambria Math" panose="02040503050406030204" pitchFamily="18" charset="0"/>
+                      </a:rPr>
+                      <m:t>+</m:t>
+                    </m:r>
+                    <m:sSup>
+                      <m:sSupPr>
+                        <m:ctrlPr>
+                          <a:rPr lang="en-US" b="1" i="1">
+                            <a:latin typeface="Cambria Math" panose="02040503050406030204" pitchFamily="18" charset="0"/>
+                          </a:rPr>
+                        </m:ctrlPr>
+                      </m:sSupPr>
+                      <m:e>
+                        <m:r>
+                          <a:rPr lang="en-US" b="1" i="1">
+                            <a:latin typeface="Cambria Math" panose="02040503050406030204" pitchFamily="18" charset="0"/>
+                          </a:rPr>
+                          <m:t>𝒃</m:t>
+                        </m:r>
+                      </m:e>
+                      <m:sup>
+                        <m:d>
+                          <m:dPr>
+                            <m:begChr m:val="["/>
+                            <m:endChr m:val="]"/>
+                            <m:ctrlPr>
+                              <a:rPr lang="en-US" i="1">
+                                <a:latin typeface="Cambria Math" panose="02040503050406030204" pitchFamily="18" charset="0"/>
+                              </a:rPr>
+                            </m:ctrlPr>
+                          </m:dPr>
+                          <m:e>
+                            <m:r>
+                              <a:rPr lang="en-US" i="1">
+                                <a:latin typeface="Cambria Math" panose="02040503050406030204" pitchFamily="18" charset="0"/>
+                              </a:rPr>
+                              <m:t>𝑙𝑎𝑦𝑒𝑟</m:t>
+                            </m:r>
+                          </m:e>
+                        </m:d>
+                      </m:sup>
+                    </m:sSup>
+                  </m:oMath>
+                </a14:m>
+                <a:endParaRPr lang="en-US" b="1" i="1" dirty="0">
+                  <a:latin typeface="Cambria Math" panose="02040503050406030204" pitchFamily="18" charset="0"/>
+                </a:endParaRPr>
+              </a:p>
+              <a:p>
+                <a:pPr lvl="1"/>
+                <a:r>
+                  <a:rPr lang="en-US" dirty="0"/>
+                  <a:t>Nonlinear example: </a:t>
+                </a:r>
+                <a14:m>
+                  <m:oMath xmlns:m="http://schemas.openxmlformats.org/officeDocument/2006/math">
+                    <m:sSup>
+                      <m:sSupPr>
+                        <m:ctrlPr>
+                          <a:rPr lang="en-US" i="1">
+                            <a:latin typeface="Cambria Math" panose="02040503050406030204" pitchFamily="18" charset="0"/>
+                          </a:rPr>
+                        </m:ctrlPr>
+                      </m:sSupPr>
+                      <m:e>
+                        <m:r>
+                          <a:rPr lang="en-US" b="1" i="1">
+                            <a:latin typeface="Cambria Math" panose="02040503050406030204" pitchFamily="18" charset="0"/>
+                          </a:rPr>
+                          <m:t>𝒂</m:t>
+                        </m:r>
+                      </m:e>
+                      <m:sup>
+                        <m:d>
+                          <m:dPr>
+                            <m:begChr m:val="["/>
+                            <m:endChr m:val="]"/>
+                            <m:ctrlPr>
+                              <a:rPr lang="en-US" i="1">
+                                <a:latin typeface="Cambria Math" panose="02040503050406030204" pitchFamily="18" charset="0"/>
+                              </a:rPr>
+                            </m:ctrlPr>
+                          </m:dPr>
+                          <m:e>
+                            <m:r>
+                              <a:rPr lang="en-US" b="0" i="1" smtClean="0">
+                                <a:latin typeface="Cambria Math" panose="02040503050406030204" pitchFamily="18" charset="0"/>
+                              </a:rPr>
+                              <m:t>𝑙𝑎𝑦𝑒𝑟</m:t>
+                            </m:r>
+                          </m:e>
+                        </m:d>
+                      </m:sup>
+                    </m:sSup>
+                    <m:r>
+                      <a:rPr lang="en-US" i="1">
+                        <a:latin typeface="Cambria Math" panose="02040503050406030204" pitchFamily="18" charset="0"/>
+                      </a:rPr>
+                      <m:t>=</m:t>
+                    </m:r>
+                    <m:r>
+                      <a:rPr lang="en-US" i="1">
+                        <a:latin typeface="Cambria Math" panose="02040503050406030204" pitchFamily="18" charset="0"/>
+                      </a:rPr>
+                      <m:t>𝝈</m:t>
+                    </m:r>
+                    <m:d>
+                      <m:dPr>
+                        <m:ctrlPr>
+                          <a:rPr lang="en-US" i="1">
+                            <a:latin typeface="Cambria Math" panose="02040503050406030204" pitchFamily="18" charset="0"/>
+                          </a:rPr>
+                        </m:ctrlPr>
+                      </m:dPr>
+                      <m:e>
+                        <m:sSup>
+                          <m:sSupPr>
+                            <m:ctrlPr>
+                              <a:rPr lang="en-US" i="1" dirty="0">
+                                <a:latin typeface="Cambria Math" panose="02040503050406030204" pitchFamily="18" charset="0"/>
+                              </a:rPr>
+                            </m:ctrlPr>
+                          </m:sSupPr>
+                          <m:e>
+                            <m:r>
+                              <a:rPr lang="en-US" b="0" i="1" dirty="0" smtClean="0">
+                                <a:latin typeface="Cambria Math" panose="02040503050406030204" pitchFamily="18" charset="0"/>
+                              </a:rPr>
+                              <m:t>𝑧</m:t>
+                            </m:r>
+                          </m:e>
+                          <m:sup>
+                            <m:d>
+                              <m:dPr>
+                                <m:begChr m:val="["/>
+                                <m:endChr m:val="]"/>
+                                <m:ctrlPr>
+                                  <a:rPr lang="en-US" i="1" dirty="0">
+                                    <a:latin typeface="Cambria Math" panose="02040503050406030204" pitchFamily="18" charset="0"/>
+                                  </a:rPr>
+                                </m:ctrlPr>
+                              </m:dPr>
+                              <m:e>
+                                <m:r>
+                                  <a:rPr lang="en-US" i="1" dirty="0" smtClean="0">
+                                    <a:latin typeface="Cambria Math" panose="02040503050406030204" pitchFamily="18" charset="0"/>
+                                  </a:rPr>
+                                  <m:t>𝑙𝑎𝑦𝑒𝑟</m:t>
+                                </m:r>
+                              </m:e>
+                            </m:d>
+                          </m:sup>
+                        </m:sSup>
+                      </m:e>
+                    </m:d>
+                  </m:oMath>
+                </a14:m>
+                <a:r>
+                  <a:rPr lang="en-US" dirty="0"/>
+                  <a:t>; called </a:t>
+                </a:r>
+                <a:r>
+                  <a:rPr lang="en-US" i="1" dirty="0"/>
+                  <a:t>activation function</a:t>
+                </a:r>
+              </a:p>
+              <a:p>
+                <a:r>
+                  <a:rPr lang="en-US" dirty="0"/>
+                  <a:t>Ignore the neural network metaphor, but know the terminology</a:t>
+                </a:r>
+              </a:p>
+              <a:p>
+                <a:r>
+                  <a:rPr lang="en-US" dirty="0"/>
+                  <a:t>Networks have multiple </a:t>
+                </a:r>
+                <a:r>
+                  <a:rPr lang="en-US" i="1" dirty="0"/>
+                  <a:t>layers</a:t>
+                </a:r>
+                <a:r>
+                  <a:rPr lang="en-US" dirty="0"/>
+                  <a:t>; layer is a stack of </a:t>
+                </a:r>
+                <a:r>
+                  <a:rPr lang="en-US" i="1" dirty="0"/>
+                  <a:t>neurons</a:t>
+                </a:r>
+              </a:p>
+              <a:p>
+                <a:endParaRPr lang="en-US" dirty="0"/>
+              </a:p>
+              <a:p>
+                <a:pPr marL="0" indent="0">
+                  <a:buNone/>
+                </a:pPr>
+                <a:endParaRPr lang="en-US" dirty="0"/>
+              </a:p>
+              <a:p>
+                <a:endParaRPr lang="en-US" dirty="0"/>
+              </a:p>
+              <a:p>
+                <a:r>
+                  <a:rPr lang="en-US" dirty="0"/>
+                  <a:t>Transform raw </a:t>
+                </a:r>
+                <a14:m>
+                  <m:oMath xmlns:m="http://schemas.openxmlformats.org/officeDocument/2006/math">
+                    <m:r>
+                      <a:rPr lang="en-US" b="1" i="1" smtClean="0">
+                        <a:latin typeface="Cambria Math" panose="02040503050406030204" pitchFamily="18" charset="0"/>
+                      </a:rPr>
+                      <m:t>𝒙</m:t>
+                    </m:r>
+                  </m:oMath>
+                </a14:m>
+                <a:r>
+                  <a:rPr lang="en-US" dirty="0"/>
+                  <a:t> vector into better and better features, final linear layer can then make excellent prediction</a:t>
+                </a:r>
+                <a:endParaRPr lang="en-US" b="1" dirty="0"/>
+              </a:p>
+            </p:txBody>
+          </p:sp>
+        </mc:Choice>
+        <mc:Fallback>
+          <p:sp>
+            <p:nvSpPr>
+              <p:cNvPr id="3" name="Content Placeholder 2">
+                <a:extLst>
+                  <a:ext uri="{FF2B5EF4-FFF2-40B4-BE49-F238E27FC236}">
+                    <a16:creationId xmlns:a16="http://schemas.microsoft.com/office/drawing/2014/main" id="{B77D15F6-EA22-9B4A-A945-B01EA0C52CD8}"/>
+                  </a:ext>
+                </a:extLst>
+              </p:cNvPr>
+              <p:cNvSpPr>
+                <a:spLocks noGrp="1" noRot="1" noChangeAspect="1" noMove="1" noResize="1" noEditPoints="1" noAdjustHandles="1" noChangeArrowheads="1" noChangeShapeType="1" noTextEdit="1"/>
+              </p:cNvSpPr>
+              <p:nvPr>
+                <p:ph idx="1"/>
+              </p:nvPr>
+            </p:nvSpPr>
+            <p:spPr>
+              <a:xfrm>
+                <a:off x="838200" y="1550020"/>
+                <a:ext cx="10515600" cy="4626943"/>
+              </a:xfrm>
+              <a:blipFill>
+                <a:blip r:embed="rId2"/>
+                <a:stretch>
+                  <a:fillRect l="-1086" t="-2186" b="-6831"/>
+                </a:stretch>
+              </a:blipFill>
+            </p:spPr>
+            <p:txBody>
+              <a:bodyPr/>
+              <a:lstStyle/>
+              <a:p>
+                <a:r>
+                  <a:rPr lang="en-US">
+                    <a:noFill/>
+                  </a:rPr>
+                  <a:t> </a:t>
+                </a:r>
+              </a:p>
+            </p:txBody>
+          </p:sp>
+        </mc:Fallback>
+      </mc:AlternateContent>
+      <p:pic>
+        <p:nvPicPr>
+          <p:cNvPr id="6" name="Picture 5">
+            <a:extLst>
+              <a:ext uri="{FF2B5EF4-FFF2-40B4-BE49-F238E27FC236}">
+                <a16:creationId xmlns:a16="http://schemas.microsoft.com/office/drawing/2014/main" id="{47BBF747-687E-EE4A-B878-92DF56962E5B}"/>
+              </a:ext>
+            </a:extLst>
+          </p:cNvPr>
+          <p:cNvPicPr>
+            <a:picLocks noChangeAspect="1"/>
+          </p:cNvPicPr>
+          <p:nvPr/>
+        </p:nvPicPr>
+        <p:blipFill>
+          <a:blip r:embed="rId3"/>
+          <a:stretch>
+            <a:fillRect/>
+          </a:stretch>
+        </p:blipFill>
+        <p:spPr>
+          <a:xfrm>
+            <a:off x="1818888" y="3919246"/>
+            <a:ext cx="8331200" cy="1409700"/>
+          </a:xfrm>
+          <a:prstGeom prst="rect">
+            <a:avLst/>
+          </a:prstGeom>
+        </p:spPr>
+      </p:pic>
+    </p:spTree>
+    <p:extLst>
+      <p:ext uri="{BB962C8B-B14F-4D97-AF65-F5344CB8AC3E}">
+        <p14:creationId xmlns:p14="http://schemas.microsoft.com/office/powerpoint/2010/main" val="3505756149"/>
+      </p:ext>
+    </p:extLst>
+  </p:cSld>
+  <p:clrMapOvr>
+    <a:masterClrMapping/>
+  </p:clrMapOvr>
+</p:sld>
+</file>
+
+<file path=ppt/slides/slide12.xml><?xml version="1.0" encoding="utf-8"?>
+<p:sld xmlns:a="http://schemas.openxmlformats.org/drawingml/2006/main" xmlns:r="http://schemas.openxmlformats.org/officeDocument/2006/relationships" xmlns:p="http://schemas.openxmlformats.org/presentationml/2006/main">
+  <p:cSld>
+    <p:spTree>
+      <p:nvGrpSpPr>
+        <p:cNvPr id="1" name=""/>
+        <p:cNvGrpSpPr/>
+        <p:nvPr/>
+      </p:nvGrpSpPr>
+      <p:grpSpPr>
+        <a:xfrm>
+          <a:off x="0" y="0"/>
+          <a:ext cx="0" cy="0"/>
+          <a:chOff x="0" y="0"/>
+          <a:chExt cx="0" cy="0"/>
+        </a:xfrm>
+      </p:grpSpPr>
+      <p:sp>
+        <p:nvSpPr>
+          <p:cNvPr id="2" name="Title 1">
+            <a:extLst>
+              <a:ext uri="{FF2B5EF4-FFF2-40B4-BE49-F238E27FC236}">
+                <a16:creationId xmlns:a16="http://schemas.microsoft.com/office/drawing/2014/main" id="{BE3488E0-CCC7-504A-8E04-17A3F65AD0B3}"/>
+              </a:ext>
+            </a:extLst>
+          </p:cNvPr>
+          <p:cNvSpPr>
+            <a:spLocks noGrp="1"/>
+          </p:cNvSpPr>
+          <p:nvPr>
+            <p:ph type="title"/>
+          </p:nvPr>
+        </p:nvSpPr>
+        <p:spPr/>
+        <p:txBody>
+          <a:bodyPr/>
+          <a:lstStyle/>
+          <a:p>
+            <a:r>
+              <a:rPr lang="en-US" dirty="0"/>
+              <a:t> DL Building blocks</a:t>
+            </a:r>
+            <a:br>
+              <a:rPr lang="en-US" dirty="0"/>
+            </a:br>
+            <a:endParaRPr lang="en-US" dirty="0"/>
           </a:p>
         </p:txBody>
       </p:sp>
@@ -4111,7 +4709,12 @@
                 <p:ph idx="1"/>
               </p:nvPr>
             </p:nvSpPr>
-            <p:spPr/>
+            <p:spPr>
+              <a:xfrm>
+                <a:off x="838200" y="1594165"/>
+                <a:ext cx="10515600" cy="4582798"/>
+              </a:xfrm>
+            </p:spPr>
             <p:txBody>
               <a:bodyPr/>
               <a:lstStyle/>
@@ -4123,30 +4726,6 @@
                         <a:latin typeface="Cambria Math" panose="02040503050406030204" pitchFamily="18" charset="0"/>
                       </a:rPr>
                       <m:t>𝑦</m:t>
-                    </m:r>
-                    <m:r>
-                      <a:rPr lang="en-US" b="0" i="1" dirty="0" smtClean="0">
-                        <a:latin typeface="Cambria Math" panose="02040503050406030204" pitchFamily="18" charset="0"/>
-                      </a:rPr>
-                      <m:t>=</m:t>
-                    </m:r>
-                    <m:r>
-                      <a:rPr lang="en-US" b="1" i="1" dirty="0" smtClean="0">
-                        <a:latin typeface="Cambria Math" panose="02040503050406030204" pitchFamily="18" charset="0"/>
-                      </a:rPr>
-                      <m:t>𝒘𝒙</m:t>
-                    </m:r>
-                    <m:r>
-                      <a:rPr lang="en-US" b="0" i="1" dirty="0" smtClean="0">
-                        <a:latin typeface="Cambria Math" panose="02040503050406030204" pitchFamily="18" charset="0"/>
-                      </a:rPr>
-                      <m:t>+</m:t>
-                    </m:r>
-                    <m:r>
-                      <a:rPr lang="en-US" b="0" i="1" dirty="0" smtClean="0">
-                        <a:latin typeface="Cambria Math" panose="02040503050406030204" pitchFamily="18" charset="0"/>
-                      </a:rPr>
-                      <m:t>𝑏</m:t>
                     </m:r>
                     <m:r>
                       <a:rPr lang="en-US" b="0" i="1" dirty="0" smtClean="0">
@@ -4328,6 +4907,151 @@
                       </a:rPr>
                       <m:t>𝑏</m:t>
                     </m:r>
+                    <m:r>
+                      <a:rPr lang="en-US" b="0" i="1" dirty="0" smtClean="0">
+                        <a:latin typeface="Cambria Math" panose="02040503050406030204" pitchFamily="18" charset="0"/>
+                      </a:rPr>
+                      <m:t>=</m:t>
+                    </m:r>
+                    <m:r>
+                      <a:rPr lang="en-US" b="1" i="1" dirty="0">
+                        <a:latin typeface="Cambria Math" panose="02040503050406030204" pitchFamily="18" charset="0"/>
+                      </a:rPr>
+                      <m:t>𝒘</m:t>
+                    </m:r>
+                    <m:sSup>
+                      <m:sSupPr>
+                        <m:ctrlPr>
+                          <a:rPr lang="en-US" b="1" i="1" dirty="0" smtClean="0">
+                            <a:latin typeface="Cambria Math" panose="02040503050406030204" pitchFamily="18" charset="0"/>
+                          </a:rPr>
+                        </m:ctrlPr>
+                      </m:sSupPr>
+                      <m:e>
+                        <m:r>
+                          <a:rPr lang="en-US" b="1" i="1" dirty="0">
+                            <a:latin typeface="Cambria Math" panose="02040503050406030204" pitchFamily="18" charset="0"/>
+                          </a:rPr>
+                          <m:t>𝒙</m:t>
+                        </m:r>
+                      </m:e>
+                      <m:sup>
+                        <m:r>
+                          <a:rPr lang="en-US" b="1" i="1" dirty="0" smtClean="0">
+                            <a:latin typeface="Cambria Math" panose="02040503050406030204" pitchFamily="18" charset="0"/>
+                          </a:rPr>
+                          <m:t>𝑻</m:t>
+                        </m:r>
+                      </m:sup>
+                    </m:sSup>
+                    <m:r>
+                      <a:rPr lang="en-US" i="1" dirty="0">
+                        <a:latin typeface="Cambria Math" panose="02040503050406030204" pitchFamily="18" charset="0"/>
+                      </a:rPr>
+                      <m:t>+</m:t>
+                    </m:r>
+                    <m:r>
+                      <a:rPr lang="en-US" i="1" dirty="0">
+                        <a:latin typeface="Cambria Math" panose="02040503050406030204" pitchFamily="18" charset="0"/>
+                      </a:rPr>
+                      <m:t>𝑏</m:t>
+                    </m:r>
+                  </m:oMath>
+                </a14:m>
+                <a:r>
+                  <a:rPr lang="en-US" dirty="0"/>
+                  <a:t> for </a:t>
+                </a:r>
+                <a14:m>
+                  <m:oMath xmlns:m="http://schemas.openxmlformats.org/officeDocument/2006/math">
+                    <m:r>
+                      <a:rPr lang="en-US" i="1" dirty="0" smtClean="0">
+                        <a:latin typeface="Cambria Math" panose="02040503050406030204" pitchFamily="18" charset="0"/>
+                      </a:rPr>
+                      <m:t>𝑛</m:t>
+                    </m:r>
+                  </m:oMath>
+                </a14:m>
+                <a:r>
+                  <a:rPr lang="en-US" dirty="0"/>
+                  <a:t> x </a:t>
+                </a:r>
+                <a14:m>
+                  <m:oMath xmlns:m="http://schemas.openxmlformats.org/officeDocument/2006/math">
+                    <m:r>
+                      <a:rPr lang="en-US" i="1" dirty="0" smtClean="0">
+                        <a:latin typeface="Cambria Math" panose="02040503050406030204" pitchFamily="18" charset="0"/>
+                      </a:rPr>
+                      <m:t>𝑚</m:t>
+                    </m:r>
+                  </m:oMath>
+                </a14:m>
+                <a:r>
+                  <a:rPr lang="en-US" dirty="0"/>
+                  <a:t> dim </a:t>
+                </a:r>
+                <a14:m>
+                  <m:oMath xmlns:m="http://schemas.openxmlformats.org/officeDocument/2006/math">
+                    <m:r>
+                      <a:rPr lang="en-US" i="1" dirty="0">
+                        <a:latin typeface="Cambria Math" panose="02040503050406030204" pitchFamily="18" charset="0"/>
+                      </a:rPr>
+                      <m:t>𝑋</m:t>
+                    </m:r>
+                  </m:oMath>
+                </a14:m>
+                <a:r>
+                  <a:rPr lang="en-US" dirty="0"/>
+                  <a:t> </a:t>
+                </a:r>
+              </a:p>
+              <a:p>
+                <a:r>
+                  <a:rPr lang="en-US" dirty="0"/>
+                  <a:t>Linear/logistic regression equivalents (one </a:t>
+                </a:r>
+                <a14:m>
+                  <m:oMath xmlns:m="http://schemas.openxmlformats.org/officeDocument/2006/math">
+                    <m:r>
+                      <a:rPr lang="en-US" b="1" i="1" dirty="0" smtClean="0">
+                        <a:latin typeface="Cambria Math" panose="02040503050406030204" pitchFamily="18" charset="0"/>
+                      </a:rPr>
+                      <m:t>𝒙</m:t>
+                    </m:r>
+                  </m:oMath>
+                </a14:m>
+                <a:r>
+                  <a:rPr lang="en-US" dirty="0"/>
+                  <a:t> instance)</a:t>
+                </a:r>
+              </a:p>
+              <a:p>
+                <a:r>
+                  <a:rPr lang="en-US" dirty="0"/>
+                  <a:t>Assume we magically know </a:t>
+                </a:r>
+                <a14:m>
+                  <m:oMath xmlns:m="http://schemas.openxmlformats.org/officeDocument/2006/math">
+                    <m:r>
+                      <a:rPr lang="en-US" b="1" i="1" dirty="0" smtClean="0">
+                        <a:latin typeface="Cambria Math" panose="02040503050406030204" pitchFamily="18" charset="0"/>
+                      </a:rPr>
+                      <m:t>𝒘</m:t>
+                    </m:r>
+                  </m:oMath>
+                </a14:m>
+                <a:r>
+                  <a:rPr lang="en-US" dirty="0"/>
+                  <a:t> and </a:t>
+                </a:r>
+                <a14:m>
+                  <m:oMath xmlns:m="http://schemas.openxmlformats.org/officeDocument/2006/math">
+                    <m:r>
+                      <a:rPr lang="en-US" i="1" dirty="0" smtClean="0">
+                        <a:latin typeface="Cambria Math" panose="02040503050406030204" pitchFamily="18" charset="0"/>
+                      </a:rPr>
+                      <m:t>𝑏</m:t>
+                    </m:r>
                   </m:oMath>
                 </a14:m>
                 <a:endParaRPr lang="en-US" dirty="0"/>
@@ -4353,10 +5077,14 @@
               </p:nvPr>
             </p:nvSpPr>
             <p:spPr>
+              <a:xfrm>
+                <a:off x="838200" y="1594165"/>
+                <a:ext cx="10515600" cy="4582798"/>
+              </a:xfrm>
               <a:blipFill>
                 <a:blip r:embed="rId2"/>
                 <a:stretch>
-                  <a:fillRect l="-1086" t="-1453"/>
+                  <a:fillRect l="-1086" t="-2210"/>
                 </a:stretch>
               </a:blipFill>
             </p:spPr>
@@ -4397,7 +5125,7 @@
         </p:blipFill>
         <p:spPr>
           <a:xfrm>
-            <a:off x="1451113" y="2736850"/>
+            <a:off x="6635527" y="537576"/>
             <a:ext cx="1219200" cy="469900"/>
           </a:xfrm>
           <a:prstGeom prst="rect">
@@ -4427,7 +5155,7 @@
         </p:blipFill>
         <p:spPr>
           <a:xfrm>
-            <a:off x="1451113" y="3341687"/>
+            <a:off x="8352816" y="537576"/>
             <a:ext cx="431800" cy="469900"/>
           </a:xfrm>
           <a:prstGeom prst="rect">
@@ -4457,7 +5185,7 @@
         </p:blipFill>
         <p:spPr>
           <a:xfrm>
-            <a:off x="1451113" y="3926646"/>
+            <a:off x="9282705" y="537576"/>
             <a:ext cx="431800" cy="469900"/>
           </a:xfrm>
           <a:prstGeom prst="rect">
@@ -4487,7 +5215,7 @@
         </p:blipFill>
         <p:spPr>
           <a:xfrm>
-            <a:off x="3283226" y="4052265"/>
+            <a:off x="2276695" y="4747060"/>
             <a:ext cx="3543300" cy="1155700"/>
           </a:xfrm>
           <a:prstGeom prst="rect">
@@ -4517,7 +5245,7 @@
         </p:blipFill>
         <p:spPr>
           <a:xfrm>
-            <a:off x="7375939" y="3314700"/>
+            <a:off x="7635981" y="2697163"/>
             <a:ext cx="3657600" cy="2743200"/>
           </a:xfrm>
           <a:prstGeom prst="rect">
@@ -4547,7 +5275,7 @@
         </p:blipFill>
         <p:spPr>
           <a:xfrm>
-            <a:off x="3283226" y="2476500"/>
+            <a:off x="2276695" y="3155314"/>
             <a:ext cx="2692400" cy="1460500"/>
           </a:xfrm>
           <a:prstGeom prst="rect">
@@ -4555,497 +5283,272 @@
           </a:prstGeom>
         </p:spPr>
       </p:pic>
+      <p:sp>
+        <p:nvSpPr>
+          <p:cNvPr id="18" name="TextBox 17">
+            <a:extLst>
+              <a:ext uri="{FF2B5EF4-FFF2-40B4-BE49-F238E27FC236}">
+                <a16:creationId xmlns:a16="http://schemas.microsoft.com/office/drawing/2014/main" id="{ADB90C56-0EE4-9943-B5BA-F8DC38807345}"/>
+              </a:ext>
+            </a:extLst>
+          </p:cNvPr>
+          <p:cNvSpPr txBox="1"/>
+          <p:nvPr/>
+        </p:nvSpPr>
+        <p:spPr>
+          <a:xfrm>
+            <a:off x="8183819" y="5375530"/>
+            <a:ext cx="2903359" cy="646331"/>
+          </a:xfrm>
+          <a:prstGeom prst="rect">
+            <a:avLst/>
+          </a:prstGeom>
+          <a:noFill/>
+        </p:spPr>
+        <p:txBody>
+          <a:bodyPr wrap="none" rtlCol="0">
+            <a:spAutoFit/>
+          </a:bodyPr>
+          <a:lstStyle/>
+          <a:p>
+            <a:r>
+              <a:rPr lang="en-US" dirty="0"/>
+              <a:t>Underfitting a bit here</a:t>
+            </a:r>
+          </a:p>
+          <a:p>
+            <a:r>
+              <a:rPr lang="en-US" dirty="0"/>
+              <a:t>(need more of a quadratic)</a:t>
+            </a:r>
+          </a:p>
+        </p:txBody>
+      </p:sp>
+      <p:sp>
+        <p:nvSpPr>
+          <p:cNvPr id="19" name="TextBox 18">
+            <a:extLst>
+              <a:ext uri="{FF2B5EF4-FFF2-40B4-BE49-F238E27FC236}">
+                <a16:creationId xmlns:a16="http://schemas.microsoft.com/office/drawing/2014/main" id="{52D0156C-6AC3-4D46-8B66-B997B3EA223C}"/>
+              </a:ext>
+            </a:extLst>
+          </p:cNvPr>
+          <p:cNvSpPr txBox="1"/>
+          <p:nvPr/>
+        </p:nvSpPr>
+        <p:spPr>
+          <a:xfrm>
+            <a:off x="959069" y="3885564"/>
+            <a:ext cx="1249060" cy="369332"/>
+          </a:xfrm>
+          <a:prstGeom prst="rect">
+            <a:avLst/>
+          </a:prstGeom>
+          <a:noFill/>
+        </p:spPr>
+        <p:txBody>
+          <a:bodyPr wrap="none" rtlCol="0">
+            <a:spAutoFit/>
+          </a:bodyPr>
+          <a:lstStyle/>
+          <a:p>
+            <a:r>
+              <a:rPr lang="en-US" dirty="0"/>
+              <a:t>Regressor</a:t>
+            </a:r>
+          </a:p>
+        </p:txBody>
+      </p:sp>
+      <p:sp>
+        <p:nvSpPr>
+          <p:cNvPr id="20" name="TextBox 19">
+            <a:extLst>
+              <a:ext uri="{FF2B5EF4-FFF2-40B4-BE49-F238E27FC236}">
+                <a16:creationId xmlns:a16="http://schemas.microsoft.com/office/drawing/2014/main" id="{6CE227EB-BCF6-C843-B3AD-20EF45570B57}"/>
+              </a:ext>
+            </a:extLst>
+          </p:cNvPr>
+          <p:cNvSpPr txBox="1"/>
+          <p:nvPr/>
+        </p:nvSpPr>
+        <p:spPr>
+          <a:xfrm>
+            <a:off x="959069" y="5261371"/>
+            <a:ext cx="1210652" cy="646331"/>
+          </a:xfrm>
+          <a:prstGeom prst="rect">
+            <a:avLst/>
+          </a:prstGeom>
+          <a:noFill/>
+        </p:spPr>
+        <p:txBody>
+          <a:bodyPr wrap="none" rtlCol="0">
+            <a:spAutoFit/>
+          </a:bodyPr>
+          <a:lstStyle/>
+          <a:p>
+            <a:r>
+              <a:rPr lang="en-US" dirty="0"/>
+              <a:t>Two-class</a:t>
+            </a:r>
+            <a:br>
+              <a:rPr lang="en-US" dirty="0"/>
+            </a:br>
+            <a:r>
+              <a:rPr lang="en-US" dirty="0"/>
+              <a:t>Classifier</a:t>
+            </a:r>
+          </a:p>
+        </p:txBody>
+      </p:sp>
+      <p:sp>
+        <p:nvSpPr>
+          <p:cNvPr id="21" name="TextBox 20">
+            <a:extLst>
+              <a:ext uri="{FF2B5EF4-FFF2-40B4-BE49-F238E27FC236}">
+                <a16:creationId xmlns:a16="http://schemas.microsoft.com/office/drawing/2014/main" id="{2643C7BA-4DCE-9E44-8517-2229ABECA71F}"/>
+              </a:ext>
+            </a:extLst>
+          </p:cNvPr>
+          <p:cNvSpPr txBox="1"/>
+          <p:nvPr/>
+        </p:nvSpPr>
+        <p:spPr>
+          <a:xfrm>
+            <a:off x="6915621" y="951814"/>
+            <a:ext cx="748923" cy="369332"/>
+          </a:xfrm>
+          <a:prstGeom prst="rect">
+            <a:avLst/>
+          </a:prstGeom>
+          <a:noFill/>
+        </p:spPr>
+        <p:txBody>
+          <a:bodyPr wrap="none" rtlCol="0">
+            <a:spAutoFit/>
+          </a:bodyPr>
+          <a:lstStyle/>
+          <a:p>
+            <a:r>
+              <a:rPr lang="en-US" dirty="0"/>
+              <a:t>linear</a:t>
+            </a:r>
+          </a:p>
+        </p:txBody>
+      </p:sp>
+      <p:sp>
+        <p:nvSpPr>
+          <p:cNvPr id="22" name="TextBox 21">
+            <a:extLst>
+              <a:ext uri="{FF2B5EF4-FFF2-40B4-BE49-F238E27FC236}">
+                <a16:creationId xmlns:a16="http://schemas.microsoft.com/office/drawing/2014/main" id="{16C5436A-98DA-F742-B382-22225AAA2138}"/>
+              </a:ext>
+            </a:extLst>
+          </p:cNvPr>
+          <p:cNvSpPr txBox="1"/>
+          <p:nvPr/>
+        </p:nvSpPr>
+        <p:spPr>
+          <a:xfrm>
+            <a:off x="8062431" y="951814"/>
+            <a:ext cx="979755" cy="369332"/>
+          </a:xfrm>
+          <a:prstGeom prst="rect">
+            <a:avLst/>
+          </a:prstGeom>
+          <a:noFill/>
+        </p:spPr>
+        <p:txBody>
+          <a:bodyPr wrap="none" rtlCol="0">
+            <a:spAutoFit/>
+          </a:bodyPr>
+          <a:lstStyle/>
+          <a:p>
+            <a:r>
+              <a:rPr lang="en-US" dirty="0"/>
+              <a:t>sigmoid</a:t>
+            </a:r>
+          </a:p>
+        </p:txBody>
+      </p:sp>
+      <p:sp>
+        <p:nvSpPr>
+          <p:cNvPr id="23" name="TextBox 22">
+            <a:extLst>
+              <a:ext uri="{FF2B5EF4-FFF2-40B4-BE49-F238E27FC236}">
+                <a16:creationId xmlns:a16="http://schemas.microsoft.com/office/drawing/2014/main" id="{3D57F3C4-4EA4-D349-9EAF-6ECAC381A160}"/>
+              </a:ext>
+            </a:extLst>
+          </p:cNvPr>
+          <p:cNvSpPr txBox="1"/>
+          <p:nvPr/>
+        </p:nvSpPr>
+        <p:spPr>
+          <a:xfrm>
+            <a:off x="9161927" y="977041"/>
+            <a:ext cx="2864887" cy="369332"/>
+          </a:xfrm>
+          <a:prstGeom prst="rect">
+            <a:avLst/>
+          </a:prstGeom>
+          <a:noFill/>
+        </p:spPr>
+        <p:txBody>
+          <a:bodyPr wrap="none" rtlCol="0">
+            <a:spAutoFit/>
+          </a:bodyPr>
+          <a:lstStyle/>
+          <a:p>
+            <a:r>
+              <a:rPr lang="en-US" dirty="0" err="1"/>
+              <a:t>ReLU</a:t>
+            </a:r>
+            <a:r>
+              <a:rPr lang="en-US" dirty="0"/>
+              <a:t> (rectified linear unit)</a:t>
+            </a:r>
+          </a:p>
+        </p:txBody>
+      </p:sp>
+      <p:sp>
+        <p:nvSpPr>
+          <p:cNvPr id="24" name="TextBox 23">
+            <a:extLst>
+              <a:ext uri="{FF2B5EF4-FFF2-40B4-BE49-F238E27FC236}">
+                <a16:creationId xmlns:a16="http://schemas.microsoft.com/office/drawing/2014/main" id="{97F1A7F6-FB69-0A4E-82D9-049E75CB1918}"/>
+              </a:ext>
+            </a:extLst>
+          </p:cNvPr>
+          <p:cNvSpPr txBox="1"/>
+          <p:nvPr/>
+        </p:nvSpPr>
+        <p:spPr>
+          <a:xfrm>
+            <a:off x="9870860" y="2955496"/>
+            <a:ext cx="1249060" cy="369332"/>
+          </a:xfrm>
+          <a:prstGeom prst="rect">
+            <a:avLst/>
+          </a:prstGeom>
+          <a:noFill/>
+        </p:spPr>
+        <p:txBody>
+          <a:bodyPr wrap="none" rtlCol="0">
+            <a:spAutoFit/>
+          </a:bodyPr>
+          <a:lstStyle/>
+          <a:p>
+            <a:r>
+              <a:rPr lang="en-US" dirty="0"/>
+              <a:t>Regressor</a:t>
+            </a:r>
+          </a:p>
+        </p:txBody>
+      </p:sp>
     </p:spTree>
     <p:extLst>
       <p:ext uri="{BB962C8B-B14F-4D97-AF65-F5344CB8AC3E}">
         <p14:creationId xmlns:p14="http://schemas.microsoft.com/office/powerpoint/2010/main" val="1910129909"/>
-      </p:ext>
-    </p:extLst>
-  </p:cSld>
-  <p:clrMapOvr>
-    <a:masterClrMapping/>
-  </p:clrMapOvr>
-</p:sld>
-</file>
-
-<file path=ppt/slides/slide11.xml><?xml version="1.0" encoding="utf-8"?>
-<p:sld xmlns:a="http://schemas.openxmlformats.org/drawingml/2006/main" xmlns:r="http://schemas.openxmlformats.org/officeDocument/2006/relationships" xmlns:p="http://schemas.openxmlformats.org/presentationml/2006/main">
-  <p:cSld>
-    <p:spTree>
-      <p:nvGrpSpPr>
-        <p:cNvPr id="1" name=""/>
-        <p:cNvGrpSpPr/>
-        <p:nvPr/>
-      </p:nvGrpSpPr>
-      <p:grpSpPr>
-        <a:xfrm>
-          <a:off x="0" y="0"/>
-          <a:ext cx="0" cy="0"/>
-          <a:chOff x="0" y="0"/>
-          <a:chExt cx="0" cy="0"/>
-        </a:xfrm>
-      </p:grpSpPr>
-      <p:sp>
-        <p:nvSpPr>
-          <p:cNvPr id="2" name="Title 1">
-            <a:extLst>
-              <a:ext uri="{FF2B5EF4-FFF2-40B4-BE49-F238E27FC236}">
-                <a16:creationId xmlns:a16="http://schemas.microsoft.com/office/drawing/2014/main" id="{E82D9078-A3CD-7149-A235-21E44F2795DE}"/>
-              </a:ext>
-            </a:extLst>
-          </p:cNvPr>
-          <p:cNvSpPr>
-            <a:spLocks noGrp="1"/>
-          </p:cNvSpPr>
-          <p:nvPr>
-            <p:ph type="title"/>
-          </p:nvPr>
-        </p:nvSpPr>
-        <p:spPr/>
-        <p:txBody>
-          <a:bodyPr/>
-          <a:lstStyle/>
-          <a:p>
-            <a:endParaRPr lang="en-US" dirty="0"/>
-          </a:p>
-        </p:txBody>
-      </p:sp>
-      <p:sp>
-        <p:nvSpPr>
-          <p:cNvPr id="3" name="Content Placeholder 2">
-            <a:extLst>
-              <a:ext uri="{FF2B5EF4-FFF2-40B4-BE49-F238E27FC236}">
-                <a16:creationId xmlns:a16="http://schemas.microsoft.com/office/drawing/2014/main" id="{A9D149B7-B0FC-A942-A3E6-50277DC3790A}"/>
-              </a:ext>
-            </a:extLst>
-          </p:cNvPr>
-          <p:cNvSpPr>
-            <a:spLocks noGrp="1"/>
-          </p:cNvSpPr>
-          <p:nvPr>
-            <p:ph idx="1"/>
-          </p:nvPr>
-        </p:nvSpPr>
-        <p:spPr/>
-        <p:txBody>
-          <a:bodyPr/>
-          <a:lstStyle/>
-          <a:p>
-            <a:r>
-              <a:rPr lang="en-US" dirty="0"/>
-              <a:t>d</a:t>
-            </a:r>
-          </a:p>
-        </p:txBody>
-      </p:sp>
-      <p:pic>
-        <p:nvPicPr>
-          <p:cNvPr id="5" name="Picture 4">
-            <a:extLst>
-              <a:ext uri="{FF2B5EF4-FFF2-40B4-BE49-F238E27FC236}">
-                <a16:creationId xmlns:a16="http://schemas.microsoft.com/office/drawing/2014/main" id="{52EDFB65-1464-D940-9AE0-AA37EAAE52DB}"/>
-              </a:ext>
-            </a:extLst>
-          </p:cNvPr>
-          <p:cNvPicPr>
-            <a:picLocks noChangeAspect="1"/>
-          </p:cNvPicPr>
-          <p:nvPr/>
-        </p:nvPicPr>
-        <p:blipFill>
-          <a:blip r:embed="rId2"/>
-          <a:stretch>
-            <a:fillRect/>
-          </a:stretch>
-        </p:blipFill>
-        <p:spPr>
-          <a:xfrm>
-            <a:off x="1843433" y="1825625"/>
-            <a:ext cx="4330700" cy="1155700"/>
-          </a:xfrm>
-          <a:prstGeom prst="rect">
-            <a:avLst/>
-          </a:prstGeom>
-        </p:spPr>
-      </p:pic>
-      <p:sp>
-        <p:nvSpPr>
-          <p:cNvPr id="13" name="Rectangle 12">
-            <a:extLst>
-              <a:ext uri="{FF2B5EF4-FFF2-40B4-BE49-F238E27FC236}">
-                <a16:creationId xmlns:a16="http://schemas.microsoft.com/office/drawing/2014/main" id="{2E81B015-AB34-2545-8053-265088B3DA7A}"/>
-              </a:ext>
-            </a:extLst>
-          </p:cNvPr>
-          <p:cNvSpPr/>
-          <p:nvPr/>
-        </p:nvSpPr>
-        <p:spPr>
-          <a:xfrm>
-            <a:off x="2487129" y="4001294"/>
-            <a:ext cx="2641462" cy="1200329"/>
-          </a:xfrm>
-          <a:prstGeom prst="rect">
-            <a:avLst/>
-          </a:prstGeom>
-        </p:spPr>
-        <p:txBody>
-          <a:bodyPr wrap="square">
-            <a:spAutoFit/>
-          </a:bodyPr>
-          <a:lstStyle/>
-          <a:p>
-            <a:r>
-              <a:rPr lang="en-US" dirty="0"/>
-              <a:t>model = </a:t>
-            </a:r>
-            <a:r>
-              <a:rPr lang="en-US" dirty="0" err="1"/>
-              <a:t>nn.Sequential</a:t>
-            </a:r>
-            <a:r>
-              <a:rPr lang="en-US" dirty="0"/>
-              <a:t>(</a:t>
-            </a:r>
-          </a:p>
-          <a:p>
-            <a:r>
-              <a:rPr lang="en-US" dirty="0"/>
-              <a:t>    </a:t>
-            </a:r>
-            <a:r>
-              <a:rPr lang="en-US" dirty="0" err="1"/>
-              <a:t>nn.Linear</a:t>
-            </a:r>
-            <a:r>
-              <a:rPr lang="en-US" dirty="0"/>
-              <a:t>(m, 1),</a:t>
-            </a:r>
-          </a:p>
-          <a:p>
-            <a:r>
-              <a:rPr lang="en-US" dirty="0"/>
-              <a:t>    </a:t>
-            </a:r>
-            <a:r>
-              <a:rPr lang="en-US" dirty="0" err="1"/>
-              <a:t>nn.Linear</a:t>
-            </a:r>
-            <a:r>
-              <a:rPr lang="en-US" dirty="0"/>
-              <a:t>(m, 1)</a:t>
-            </a:r>
-          </a:p>
-          <a:p>
-            <a:r>
-              <a:rPr lang="en-US" dirty="0"/>
-              <a:t>)</a:t>
-            </a:r>
-          </a:p>
-        </p:txBody>
-      </p:sp>
-    </p:spTree>
-    <p:extLst>
-      <p:ext uri="{BB962C8B-B14F-4D97-AF65-F5344CB8AC3E}">
-        <p14:creationId xmlns:p14="http://schemas.microsoft.com/office/powerpoint/2010/main" val="708398555"/>
-      </p:ext>
-    </p:extLst>
-  </p:cSld>
-  <p:clrMapOvr>
-    <a:masterClrMapping/>
-  </p:clrMapOvr>
-</p:sld>
-</file>
-
-<file path=ppt/slides/slide12.xml><?xml version="1.0" encoding="utf-8"?>
-<p:sld xmlns:a="http://schemas.openxmlformats.org/drawingml/2006/main" xmlns:r="http://schemas.openxmlformats.org/officeDocument/2006/relationships" xmlns:p="http://schemas.openxmlformats.org/presentationml/2006/main">
-  <p:cSld>
-    <p:spTree>
-      <p:nvGrpSpPr>
-        <p:cNvPr id="1" name=""/>
-        <p:cNvGrpSpPr/>
-        <p:nvPr/>
-      </p:nvGrpSpPr>
-      <p:grpSpPr>
-        <a:xfrm>
-          <a:off x="0" y="0"/>
-          <a:ext cx="0" cy="0"/>
-          <a:chOff x="0" y="0"/>
-          <a:chExt cx="0" cy="0"/>
-        </a:xfrm>
-      </p:grpSpPr>
-      <p:sp>
-        <p:nvSpPr>
-          <p:cNvPr id="2" name="Title 1">
-            <a:extLst>
-              <a:ext uri="{FF2B5EF4-FFF2-40B4-BE49-F238E27FC236}">
-                <a16:creationId xmlns:a16="http://schemas.microsoft.com/office/drawing/2014/main" id="{7D7AC285-6FD8-2C41-9BCC-D7294E346B26}"/>
-              </a:ext>
-            </a:extLst>
-          </p:cNvPr>
-          <p:cNvSpPr>
-            <a:spLocks noGrp="1"/>
-          </p:cNvSpPr>
-          <p:nvPr>
-            <p:ph type="title"/>
-          </p:nvPr>
-        </p:nvSpPr>
-        <p:spPr/>
-        <p:txBody>
-          <a:bodyPr/>
-          <a:lstStyle/>
-          <a:p>
-            <a:r>
-              <a:rPr lang="en-US" dirty="0" err="1"/>
-              <a:t>sadfadsf</a:t>
-            </a:r>
-            <a:endParaRPr lang="en-US" dirty="0"/>
-          </a:p>
-        </p:txBody>
-      </p:sp>
-      <p:sp>
-        <p:nvSpPr>
-          <p:cNvPr id="3" name="Content Placeholder 2">
-            <a:extLst>
-              <a:ext uri="{FF2B5EF4-FFF2-40B4-BE49-F238E27FC236}">
-                <a16:creationId xmlns:a16="http://schemas.microsoft.com/office/drawing/2014/main" id="{1C737ED2-159D-704C-866D-7BB0C1ECDA62}"/>
-              </a:ext>
-            </a:extLst>
-          </p:cNvPr>
-          <p:cNvSpPr>
-            <a:spLocks noGrp="1"/>
-          </p:cNvSpPr>
-          <p:nvPr>
-            <p:ph idx="1"/>
-          </p:nvPr>
-        </p:nvSpPr>
-        <p:spPr/>
-        <p:txBody>
-          <a:bodyPr/>
-          <a:lstStyle/>
-          <a:p>
-            <a:r>
-              <a:rPr lang="en-US" dirty="0" err="1"/>
-              <a:t>dfsfd</a:t>
-            </a:r>
-            <a:endParaRPr lang="en-US" dirty="0"/>
-          </a:p>
-        </p:txBody>
-      </p:sp>
-      <p:pic>
-        <p:nvPicPr>
-          <p:cNvPr id="4" name="Picture 3">
-            <a:extLst>
-              <a:ext uri="{FF2B5EF4-FFF2-40B4-BE49-F238E27FC236}">
-                <a16:creationId xmlns:a16="http://schemas.microsoft.com/office/drawing/2014/main" id="{D86F40E6-DE69-F242-8F23-E44D7C081C8A}"/>
-              </a:ext>
-            </a:extLst>
-          </p:cNvPr>
-          <p:cNvPicPr>
-            <a:picLocks noChangeAspect="1"/>
-          </p:cNvPicPr>
-          <p:nvPr/>
-        </p:nvPicPr>
-        <p:blipFill>
-          <a:blip r:embed="rId2"/>
-          <a:stretch>
-            <a:fillRect/>
-          </a:stretch>
-        </p:blipFill>
-        <p:spPr>
-          <a:xfrm>
-            <a:off x="2191302" y="1446386"/>
-            <a:ext cx="5168900" cy="1155700"/>
-          </a:xfrm>
-          <a:prstGeom prst="rect">
-            <a:avLst/>
-          </a:prstGeom>
-        </p:spPr>
-      </p:pic>
-      <p:pic>
-        <p:nvPicPr>
-          <p:cNvPr id="5" name="Picture 4">
-            <a:extLst>
-              <a:ext uri="{FF2B5EF4-FFF2-40B4-BE49-F238E27FC236}">
-                <a16:creationId xmlns:a16="http://schemas.microsoft.com/office/drawing/2014/main" id="{781C878A-0D7F-8C43-AAD4-AD3A44009C76}"/>
-              </a:ext>
-            </a:extLst>
-          </p:cNvPr>
-          <p:cNvPicPr>
-            <a:picLocks noChangeAspect="1"/>
-          </p:cNvPicPr>
-          <p:nvPr/>
-        </p:nvPicPr>
-        <p:blipFill>
-          <a:blip r:embed="rId3"/>
-          <a:stretch>
-            <a:fillRect/>
-          </a:stretch>
-        </p:blipFill>
-        <p:spPr>
-          <a:xfrm>
-            <a:off x="1634711" y="4534246"/>
-            <a:ext cx="5168900" cy="1155700"/>
-          </a:xfrm>
-          <a:prstGeom prst="rect">
-            <a:avLst/>
-          </a:prstGeom>
-        </p:spPr>
-      </p:pic>
-      <p:pic>
-        <p:nvPicPr>
-          <p:cNvPr id="11" name="Picture 10">
-            <a:extLst>
-              <a:ext uri="{FF2B5EF4-FFF2-40B4-BE49-F238E27FC236}">
-                <a16:creationId xmlns:a16="http://schemas.microsoft.com/office/drawing/2014/main" id="{742169BE-6063-184A-91FE-2EF876FBE6C3}"/>
-              </a:ext>
-            </a:extLst>
-          </p:cNvPr>
-          <p:cNvPicPr>
-            <a:picLocks noChangeAspect="1"/>
-          </p:cNvPicPr>
-          <p:nvPr/>
-        </p:nvPicPr>
-        <p:blipFill>
-          <a:blip r:embed="rId4"/>
-          <a:stretch>
-            <a:fillRect/>
-          </a:stretch>
-        </p:blipFill>
-        <p:spPr>
-          <a:xfrm>
-            <a:off x="7785653" y="3568700"/>
-            <a:ext cx="3657600" cy="2743200"/>
-          </a:xfrm>
-          <a:prstGeom prst="rect">
-            <a:avLst/>
-          </a:prstGeom>
-        </p:spPr>
-      </p:pic>
-      <p:pic>
-        <p:nvPicPr>
-          <p:cNvPr id="15" name="Picture 14">
-            <a:extLst>
-              <a:ext uri="{FF2B5EF4-FFF2-40B4-BE49-F238E27FC236}">
-                <a16:creationId xmlns:a16="http://schemas.microsoft.com/office/drawing/2014/main" id="{5EE52951-EB62-8041-A691-D0586CE678E6}"/>
-              </a:ext>
-            </a:extLst>
-          </p:cNvPr>
-          <p:cNvPicPr>
-            <a:picLocks noChangeAspect="1"/>
-          </p:cNvPicPr>
-          <p:nvPr/>
-        </p:nvPicPr>
-        <p:blipFill>
-          <a:blip r:embed="rId5"/>
-          <a:stretch>
-            <a:fillRect/>
-          </a:stretch>
-        </p:blipFill>
-        <p:spPr>
-          <a:xfrm>
-            <a:off x="7785653" y="825500"/>
-            <a:ext cx="3657600" cy="2743200"/>
-          </a:xfrm>
-          <a:prstGeom prst="rect">
-            <a:avLst/>
-          </a:prstGeom>
-        </p:spPr>
-      </p:pic>
-      <p:sp>
-        <p:nvSpPr>
-          <p:cNvPr id="16" name="Rectangle 15">
-            <a:extLst>
-              <a:ext uri="{FF2B5EF4-FFF2-40B4-BE49-F238E27FC236}">
-                <a16:creationId xmlns:a16="http://schemas.microsoft.com/office/drawing/2014/main" id="{FA631EB0-DCD2-864A-A64D-8DC68B6BEDB4}"/>
-              </a:ext>
-            </a:extLst>
-          </p:cNvPr>
-          <p:cNvSpPr/>
-          <p:nvPr/>
-        </p:nvSpPr>
-        <p:spPr>
-          <a:xfrm>
-            <a:off x="3465443" y="2989450"/>
-            <a:ext cx="2627244" cy="1477328"/>
-          </a:xfrm>
-          <a:prstGeom prst="rect">
-            <a:avLst/>
-          </a:prstGeom>
-        </p:spPr>
-        <p:txBody>
-          <a:bodyPr wrap="square">
-            <a:spAutoFit/>
-          </a:bodyPr>
-          <a:lstStyle/>
-          <a:p>
-            <a:r>
-              <a:rPr lang="en-US" dirty="0"/>
-              <a:t>model = </a:t>
-            </a:r>
-            <a:r>
-              <a:rPr lang="en-US" dirty="0" err="1"/>
-              <a:t>nn.Sequential</a:t>
-            </a:r>
-            <a:r>
-              <a:rPr lang="en-US" dirty="0"/>
-              <a:t>(</a:t>
-            </a:r>
-          </a:p>
-          <a:p>
-            <a:r>
-              <a:rPr lang="en-US" dirty="0"/>
-              <a:t>    </a:t>
-            </a:r>
-            <a:r>
-              <a:rPr lang="en-US" dirty="0" err="1"/>
-              <a:t>nn.Linear</a:t>
-            </a:r>
-            <a:r>
-              <a:rPr lang="en-US" dirty="0"/>
-              <a:t>(m, 1),</a:t>
-            </a:r>
-          </a:p>
-          <a:p>
-            <a:r>
-              <a:rPr lang="en-US" dirty="0"/>
-              <a:t>    </a:t>
-            </a:r>
-            <a:r>
-              <a:rPr lang="en-US" dirty="0" err="1"/>
-              <a:t>nn.ReLU</a:t>
-            </a:r>
-            <a:r>
-              <a:rPr lang="en-US" dirty="0"/>
-              <a:t>(),</a:t>
-            </a:r>
-          </a:p>
-          <a:p>
-            <a:r>
-              <a:rPr lang="en-US" dirty="0"/>
-              <a:t>    </a:t>
-            </a:r>
-            <a:r>
-              <a:rPr lang="en-US" dirty="0" err="1"/>
-              <a:t>nn.Linear</a:t>
-            </a:r>
-            <a:r>
-              <a:rPr lang="en-US" dirty="0"/>
-              <a:t>(m, 1)</a:t>
-            </a:r>
-          </a:p>
-          <a:p>
-            <a:r>
-              <a:rPr lang="en-US" dirty="0"/>
-              <a:t>)</a:t>
-            </a:r>
-          </a:p>
-        </p:txBody>
-      </p:sp>
-    </p:spTree>
-    <p:extLst>
-      <p:ext uri="{BB962C8B-B14F-4D97-AF65-F5344CB8AC3E}">
-        <p14:creationId xmlns:p14="http://schemas.microsoft.com/office/powerpoint/2010/main" val="2858175416"/>
       </p:ext>
     </p:extLst>
   </p:cSld>
@@ -5077,7 +5580,7 @@
           <p:cNvPr id="2" name="Title 1">
             <a:extLst>
               <a:ext uri="{FF2B5EF4-FFF2-40B4-BE49-F238E27FC236}">
-                <a16:creationId xmlns:a16="http://schemas.microsoft.com/office/drawing/2014/main" id="{D0063125-EC62-E441-972A-4642575E043D}"/>
+                <a16:creationId xmlns:a16="http://schemas.microsoft.com/office/drawing/2014/main" id="{E82D9078-A3CD-7149-A235-21E44F2795DE}"/>
               </a:ext>
             </a:extLst>
           </p:cNvPr>
@@ -5093,74 +5596,193 @@
           <a:bodyPr/>
           <a:lstStyle/>
           <a:p>
-            <a:endParaRPr lang="en-US" dirty="0"/>
-          </a:p>
-        </p:txBody>
-      </p:sp>
-      <p:sp>
-        <p:nvSpPr>
-          <p:cNvPr id="3" name="Content Placeholder 2">
-            <a:extLst>
-              <a:ext uri="{FF2B5EF4-FFF2-40B4-BE49-F238E27FC236}">
-                <a16:creationId xmlns:a16="http://schemas.microsoft.com/office/drawing/2014/main" id="{E70F90C2-3914-6643-A249-846E097AAF6B}"/>
-              </a:ext>
-            </a:extLst>
-          </p:cNvPr>
-          <p:cNvSpPr>
-            <a:spLocks noGrp="1"/>
-          </p:cNvSpPr>
-          <p:nvPr>
-            <p:ph idx="1"/>
-          </p:nvPr>
-        </p:nvSpPr>
-        <p:spPr/>
-        <p:txBody>
-          <a:bodyPr/>
-          <a:lstStyle/>
-          <a:p>
-            <a:r>
-              <a:rPr lang="en-US" dirty="0"/>
-              <a:t>d</a:t>
-            </a:r>
-          </a:p>
-        </p:txBody>
-      </p:sp>
+            <a:r>
+              <a:rPr lang="en-US" dirty="0"/>
+              <a:t>Try adding layers to get more power</a:t>
+            </a:r>
+          </a:p>
+        </p:txBody>
+      </p:sp>
+      <mc:AlternateContent xmlns:mc="http://schemas.openxmlformats.org/markup-compatibility/2006">
+        <mc:Choice xmlns:a14="http://schemas.microsoft.com/office/drawing/2010/main" Requires="a14">
+          <p:sp>
+            <p:nvSpPr>
+              <p:cNvPr id="3" name="Content Placeholder 2">
+                <a:extLst>
+                  <a:ext uri="{FF2B5EF4-FFF2-40B4-BE49-F238E27FC236}">
+                    <a16:creationId xmlns:a16="http://schemas.microsoft.com/office/drawing/2014/main" id="{A9D149B7-B0FC-A942-A3E6-50277DC3790A}"/>
+                  </a:ext>
+                </a:extLst>
+              </p:cNvPr>
+              <p:cNvSpPr>
+                <a:spLocks noGrp="1"/>
+              </p:cNvSpPr>
+              <p:nvPr>
+                <p:ph idx="1"/>
+              </p:nvPr>
+            </p:nvSpPr>
+            <p:spPr/>
+            <p:txBody>
+              <a:bodyPr/>
+              <a:lstStyle/>
+              <a:p>
+                <a:r>
+                  <a:rPr lang="en-US" dirty="0"/>
+                  <a:t>But, sequence of linear models is just a linear model</a:t>
+                </a:r>
+                <a:br>
+                  <a:rPr lang="en-US" dirty="0"/>
+                </a:br>
+                <a:br>
+                  <a:rPr lang="en-US" dirty="0"/>
+                </a:br>
+                <a:br>
+                  <a:rPr lang="en-US" dirty="0"/>
+                </a:br>
+                <a:r>
+                  <a:rPr lang="en-US" dirty="0"/>
+                  <a:t>(</a:t>
+                </a:r>
+                <a14:m>
+                  <m:oMath xmlns:m="http://schemas.openxmlformats.org/officeDocument/2006/math">
+                    <m:r>
+                      <a:rPr lang="en-US" i="1" dirty="0" smtClean="0">
+                        <a:latin typeface="Cambria Math" panose="02040503050406030204" pitchFamily="18" charset="0"/>
+                      </a:rPr>
+                      <m:t>𝑤</m:t>
+                    </m:r>
+                    <m:r>
+                      <a:rPr lang="en-US" i="1" dirty="0" smtClean="0">
+                        <a:latin typeface="Cambria Math" panose="02040503050406030204" pitchFamily="18" charset="0"/>
+                      </a:rPr>
+                      <m:t>′</m:t>
+                    </m:r>
+                  </m:oMath>
+                </a14:m>
+                <a:r>
+                  <a:rPr lang="en-US" dirty="0"/>
+                  <a:t> is scalar since </a:t>
+                </a:r>
+                <a14:m>
+                  <m:oMath xmlns:m="http://schemas.openxmlformats.org/officeDocument/2006/math">
+                    <m:r>
+                      <a:rPr lang="en-US" b="1" i="1" dirty="0" smtClean="0">
+                        <a:latin typeface="Cambria Math" panose="02040503050406030204" pitchFamily="18" charset="0"/>
+                      </a:rPr>
+                      <m:t>𝒘</m:t>
+                    </m:r>
+                    <m:sSup>
+                      <m:sSupPr>
+                        <m:ctrlPr>
+                          <a:rPr lang="en-US" b="1" i="1" dirty="0" smtClean="0">
+                            <a:latin typeface="Cambria Math" panose="02040503050406030204" pitchFamily="18" charset="0"/>
+                          </a:rPr>
+                        </m:ctrlPr>
+                      </m:sSupPr>
+                      <m:e>
+                        <m:r>
+                          <a:rPr lang="en-US" b="1" i="1" dirty="0" smtClean="0">
+                            <a:latin typeface="Cambria Math" panose="02040503050406030204" pitchFamily="18" charset="0"/>
+                          </a:rPr>
+                          <m:t>𝒙</m:t>
+                        </m:r>
+                      </m:e>
+                      <m:sup>
+                        <m:r>
+                          <a:rPr lang="en-US" b="1" i="1" dirty="0" smtClean="0">
+                            <a:latin typeface="Cambria Math" panose="02040503050406030204" pitchFamily="18" charset="0"/>
+                          </a:rPr>
+                          <m:t>𝑻</m:t>
+                        </m:r>
+                      </m:sup>
+                    </m:sSup>
+                    <m:r>
+                      <a:rPr lang="en-US" i="1" dirty="0" smtClean="0">
+                        <a:latin typeface="Cambria Math" panose="02040503050406030204" pitchFamily="18" charset="0"/>
+                      </a:rPr>
+                      <m:t>+</m:t>
+                    </m:r>
+                    <m:r>
+                      <a:rPr lang="en-US" i="1" dirty="0" smtClean="0">
+                        <a:latin typeface="Cambria Math" panose="02040503050406030204" pitchFamily="18" charset="0"/>
+                      </a:rPr>
+                      <m:t>𝑏</m:t>
+                    </m:r>
+                  </m:oMath>
+                </a14:m>
+                <a:r>
+                  <a:rPr lang="en-US" dirty="0"/>
+                  <a:t> is scalar)</a:t>
+                </a:r>
+              </a:p>
+              <a:p>
+                <a:endParaRPr lang="en-US" dirty="0"/>
+              </a:p>
+              <a:p>
+                <a:endParaRPr lang="en-US" dirty="0"/>
+              </a:p>
+              <a:p>
+                <a:endParaRPr lang="en-US" dirty="0"/>
+              </a:p>
+              <a:p>
+                <a:r>
+                  <a:rPr lang="en-US" dirty="0" err="1"/>
+                  <a:t>PyTorch</a:t>
+                </a:r>
+                <a:r>
+                  <a:rPr lang="en-US" dirty="0"/>
+                  <a:t> code</a:t>
+                </a:r>
+              </a:p>
+            </p:txBody>
+          </p:sp>
+        </mc:Choice>
+        <mc:Fallback>
+          <p:sp>
+            <p:nvSpPr>
+              <p:cNvPr id="3" name="Content Placeholder 2">
+                <a:extLst>
+                  <a:ext uri="{FF2B5EF4-FFF2-40B4-BE49-F238E27FC236}">
+                    <a16:creationId xmlns:a16="http://schemas.microsoft.com/office/drawing/2014/main" id="{A9D149B7-B0FC-A942-A3E6-50277DC3790A}"/>
+                  </a:ext>
+                </a:extLst>
+              </p:cNvPr>
+              <p:cNvSpPr>
+                <a:spLocks noGrp="1" noRot="1" noChangeAspect="1" noMove="1" noResize="1" noEditPoints="1" noAdjustHandles="1" noChangeArrowheads="1" noChangeShapeType="1" noTextEdit="1"/>
+              </p:cNvSpPr>
+              <p:nvPr>
+                <p:ph idx="1"/>
+              </p:nvPr>
+            </p:nvSpPr>
+            <p:spPr>
+              <a:blipFill>
+                <a:blip r:embed="rId2"/>
+                <a:stretch>
+                  <a:fillRect l="-1086" t="-2326"/>
+                </a:stretch>
+              </a:blipFill>
+            </p:spPr>
+            <p:txBody>
+              <a:bodyPr/>
+              <a:lstStyle/>
+              <a:p>
+                <a:r>
+                  <a:rPr lang="en-US">
+                    <a:noFill/>
+                  </a:rPr>
+                  <a:t> </a:t>
+                </a:r>
+              </a:p>
+            </p:txBody>
+          </p:sp>
+        </mc:Fallback>
+      </mc:AlternateContent>
       <p:pic>
         <p:nvPicPr>
-          <p:cNvPr id="4" name="Picture 3">
-            <a:extLst>
-              <a:ext uri="{FF2B5EF4-FFF2-40B4-BE49-F238E27FC236}">
-                <a16:creationId xmlns:a16="http://schemas.microsoft.com/office/drawing/2014/main" id="{C1C30C4E-95BD-D940-866D-F57B192EA814}"/>
-              </a:ext>
-            </a:extLst>
-          </p:cNvPr>
-          <p:cNvPicPr>
-            <a:picLocks noChangeAspect="1"/>
-          </p:cNvPicPr>
-          <p:nvPr/>
-        </p:nvPicPr>
-        <p:blipFill>
-          <a:blip r:embed="rId2"/>
-          <a:stretch>
-            <a:fillRect/>
-          </a:stretch>
-        </p:blipFill>
-        <p:spPr>
-          <a:xfrm>
-            <a:off x="1817481" y="2687705"/>
-            <a:ext cx="5118100" cy="2933700"/>
-          </a:xfrm>
-          <a:prstGeom prst="rect">
-            <a:avLst/>
-          </a:prstGeom>
-        </p:spPr>
-      </p:pic>
-      <p:pic>
-        <p:nvPicPr>
-          <p:cNvPr id="6" name="Picture 5">
-            <a:extLst>
-              <a:ext uri="{FF2B5EF4-FFF2-40B4-BE49-F238E27FC236}">
-                <a16:creationId xmlns:a16="http://schemas.microsoft.com/office/drawing/2014/main" id="{B43BDC4D-134F-D84D-994F-560734792648}"/>
+          <p:cNvPr id="5" name="Picture 4">
+            <a:extLst>
+              <a:ext uri="{FF2B5EF4-FFF2-40B4-BE49-F238E27FC236}">
+                <a16:creationId xmlns:a16="http://schemas.microsoft.com/office/drawing/2014/main" id="{52EDFB65-1464-D940-9AE0-AA37EAAE52DB}"/>
               </a:ext>
             </a:extLst>
           </p:cNvPr>
@@ -5177,7 +5799,113 @@
         </p:blipFill>
         <p:spPr>
           <a:xfrm>
-            <a:off x="7696200" y="1825625"/>
+            <a:off x="1816445" y="3499636"/>
+            <a:ext cx="4330700" cy="1155700"/>
+          </a:xfrm>
+          <a:prstGeom prst="rect">
+            <a:avLst/>
+          </a:prstGeom>
+        </p:spPr>
+      </p:pic>
+      <p:sp>
+        <p:nvSpPr>
+          <p:cNvPr id="13" name="Rectangle 12">
+            <a:extLst>
+              <a:ext uri="{FF2B5EF4-FFF2-40B4-BE49-F238E27FC236}">
+                <a16:creationId xmlns:a16="http://schemas.microsoft.com/office/drawing/2014/main" id="{2E81B015-AB34-2545-8053-265088B3DA7A}"/>
+              </a:ext>
+            </a:extLst>
+          </p:cNvPr>
+          <p:cNvSpPr/>
+          <p:nvPr/>
+        </p:nvSpPr>
+        <p:spPr>
+          <a:xfrm>
+            <a:off x="3773873" y="5109295"/>
+            <a:ext cx="3519025" cy="1200329"/>
+          </a:xfrm>
+          <a:prstGeom prst="rect">
+            <a:avLst/>
+          </a:prstGeom>
+        </p:spPr>
+        <p:txBody>
+          <a:bodyPr wrap="square">
+            <a:spAutoFit/>
+          </a:bodyPr>
+          <a:lstStyle/>
+          <a:p>
+            <a:r>
+              <a:rPr lang="en-US" dirty="0"/>
+              <a:t>model = </a:t>
+            </a:r>
+            <a:r>
+              <a:rPr lang="en-US" dirty="0" err="1"/>
+              <a:t>nn.Sequential</a:t>
+            </a:r>
+            <a:r>
+              <a:rPr lang="en-US" dirty="0"/>
+              <a:t>(</a:t>
+            </a:r>
+          </a:p>
+          <a:p>
+            <a:r>
+              <a:rPr lang="en-US" dirty="0"/>
+              <a:t>    </a:t>
+            </a:r>
+            <a:r>
+              <a:rPr lang="en-US" dirty="0" err="1"/>
+              <a:t>nn.Linear</a:t>
+            </a:r>
+            <a:r>
+              <a:rPr lang="en-US" dirty="0"/>
+              <a:t>(m, 1), # m features</a:t>
+            </a:r>
+          </a:p>
+          <a:p>
+            <a:r>
+              <a:rPr lang="en-US" dirty="0"/>
+              <a:t>    </a:t>
+            </a:r>
+            <a:r>
+              <a:rPr lang="en-US" dirty="0" err="1"/>
+              <a:t>nn.Linear</a:t>
+            </a:r>
+            <a:r>
+              <a:rPr lang="en-US" dirty="0"/>
+              <a:t>(1, 1)</a:t>
+            </a:r>
+          </a:p>
+          <a:p>
+            <a:r>
+              <a:rPr lang="en-US" dirty="0"/>
+              <a:t>)</a:t>
+            </a:r>
+          </a:p>
+        </p:txBody>
+      </p:sp>
+      <p:pic>
+        <p:nvPicPr>
+          <p:cNvPr id="17" name="Picture 16">
+            <a:extLst>
+              <a:ext uri="{FF2B5EF4-FFF2-40B4-BE49-F238E27FC236}">
+                <a16:creationId xmlns:a16="http://schemas.microsoft.com/office/drawing/2014/main" id="{F6D8DC23-E88C-E342-BE0F-DC29CEA7D1FF}"/>
+              </a:ext>
+            </a:extLst>
+          </p:cNvPr>
+          <p:cNvPicPr>
+            <a:picLocks noChangeAspect="1"/>
+          </p:cNvPicPr>
+          <p:nvPr/>
+        </p:nvPicPr>
+        <p:blipFill>
+          <a:blip r:embed="rId4"/>
+          <a:stretch>
+            <a:fillRect/>
+          </a:stretch>
+        </p:blipFill>
+        <p:spPr>
+          <a:xfrm>
+            <a:off x="8030958" y="3160891"/>
             <a:ext cx="3657600" cy="2743200"/>
           </a:xfrm>
           <a:prstGeom prst="rect">
@@ -5187,10 +5915,10 @@
       </p:pic>
       <p:sp>
         <p:nvSpPr>
-          <p:cNvPr id="7" name="TextBox 6">
-            <a:extLst>
-              <a:ext uri="{FF2B5EF4-FFF2-40B4-BE49-F238E27FC236}">
-                <a16:creationId xmlns:a16="http://schemas.microsoft.com/office/drawing/2014/main" id="{706B2CCF-A8B2-5641-B47A-D8F843AFAAC8}"/>
+          <p:cNvPr id="18" name="TextBox 17">
+            <a:extLst>
+              <a:ext uri="{FF2B5EF4-FFF2-40B4-BE49-F238E27FC236}">
+                <a16:creationId xmlns:a16="http://schemas.microsoft.com/office/drawing/2014/main" id="{2C64D46D-73C1-AE4E-8D91-6256C7172055}"/>
               </a:ext>
             </a:extLst>
           </p:cNvPr>
@@ -5199,8 +5927,8 @@
         </p:nvSpPr>
         <p:spPr>
           <a:xfrm>
-            <a:off x="4496574" y="5065270"/>
-            <a:ext cx="2563522" cy="1477328"/>
+            <a:off x="9236222" y="5800082"/>
+            <a:ext cx="1595309" cy="369332"/>
           </a:xfrm>
           <a:prstGeom prst="rect">
             <a:avLst/>
@@ -5215,71 +5943,167 @@
           <a:p>
             <a:r>
               <a:rPr lang="en-US" dirty="0"/>
-              <a:t>model = </a:t>
-            </a:r>
-            <a:r>
-              <a:rPr lang="en-US" dirty="0" err="1"/>
-              <a:t>nn.Sequential</a:t>
-            </a:r>
-            <a:r>
-              <a:rPr lang="en-US" dirty="0"/>
-              <a:t>(</a:t>
-            </a:r>
-          </a:p>
-          <a:p>
-            <a:r>
-              <a:rPr lang="en-US" dirty="0"/>
-              <a:t>    </a:t>
-            </a:r>
-            <a:r>
-              <a:rPr lang="en-US" dirty="0" err="1"/>
-              <a:t>nn.Linear</a:t>
-            </a:r>
-            <a:r>
-              <a:rPr lang="en-US" dirty="0"/>
-              <a:t>(1, 5),</a:t>
-            </a:r>
-          </a:p>
-          <a:p>
-            <a:r>
-              <a:rPr lang="en-US" dirty="0"/>
-              <a:t>    </a:t>
-            </a:r>
-            <a:r>
-              <a:rPr lang="en-US" dirty="0" err="1"/>
-              <a:t>nn.ReLU</a:t>
-            </a:r>
-            <a:r>
-              <a:rPr lang="en-US" dirty="0"/>
-              <a:t>(),</a:t>
-            </a:r>
-          </a:p>
-          <a:p>
-            <a:r>
-              <a:rPr lang="en-US" dirty="0"/>
-              <a:t>    </a:t>
-            </a:r>
-            <a:r>
-              <a:rPr lang="en-US" dirty="0" err="1"/>
-              <a:t>nn.Linear</a:t>
-            </a:r>
-            <a:r>
-              <a:rPr lang="en-US" dirty="0"/>
-              <a:t>(5, 1)</a:t>
-            </a:r>
-          </a:p>
-          <a:p>
-            <a:r>
-              <a:rPr lang="en-US" dirty="0"/>
-              <a:t>)</a:t>
-            </a:r>
-          </a:p>
-        </p:txBody>
-      </p:sp>
+              <a:t>Still just a line</a:t>
+            </a:r>
+          </a:p>
+        </p:txBody>
+      </p:sp>
+      <p:pic>
+        <p:nvPicPr>
+          <p:cNvPr id="21" name="Picture 20">
+            <a:extLst>
+              <a:ext uri="{FF2B5EF4-FFF2-40B4-BE49-F238E27FC236}">
+                <a16:creationId xmlns:a16="http://schemas.microsoft.com/office/drawing/2014/main" id="{2C08C512-14F5-C841-849A-6ADC0222ABA6}"/>
+              </a:ext>
+            </a:extLst>
+          </p:cNvPr>
+          <p:cNvPicPr>
+            <a:picLocks noChangeAspect="1"/>
+          </p:cNvPicPr>
+          <p:nvPr/>
+        </p:nvPicPr>
+        <p:blipFill>
+          <a:blip r:embed="rId5"/>
+          <a:stretch>
+            <a:fillRect/>
+          </a:stretch>
+        </p:blipFill>
+        <p:spPr>
+          <a:xfrm>
+            <a:off x="1816445" y="2255171"/>
+            <a:ext cx="9197782" cy="569948"/>
+          </a:xfrm>
+          <a:prstGeom prst="rect">
+            <a:avLst/>
+          </a:prstGeom>
+        </p:spPr>
+      </p:pic>
+      <mc:AlternateContent xmlns:mc="http://schemas.openxmlformats.org/markup-compatibility/2006">
+        <mc:Choice xmlns:a14="http://schemas.microsoft.com/office/drawing/2010/main" Requires="a14">
+          <p:sp>
+            <p:nvSpPr>
+              <p:cNvPr id="22" name="TextBox 21">
+                <a:extLst>
+                  <a:ext uri="{FF2B5EF4-FFF2-40B4-BE49-F238E27FC236}">
+                    <a16:creationId xmlns:a16="http://schemas.microsoft.com/office/drawing/2014/main" id="{5D94CEAE-B293-DF4B-8119-52CC0B886BD3}"/>
+                  </a:ext>
+                </a:extLst>
+              </p:cNvPr>
+              <p:cNvSpPr txBox="1"/>
+              <p:nvPr/>
+            </p:nvSpPr>
+            <p:spPr>
+              <a:xfrm>
+                <a:off x="55758" y="6347922"/>
+                <a:ext cx="7449155" cy="342979"/>
+              </a:xfrm>
+              <a:prstGeom prst="rect">
+                <a:avLst/>
+              </a:prstGeom>
+              <a:noFill/>
+            </p:spPr>
+            <p:txBody>
+              <a:bodyPr wrap="none" rtlCol="0">
+                <a:spAutoFit/>
+              </a:bodyPr>
+              <a:lstStyle/>
+              <a:p>
+                <a:r>
+                  <a:rPr lang="en-US" sz="1600" dirty="0"/>
+                  <a:t>(For simplicity, I'm using proper </a:t>
+                </a:r>
+                <a14:m>
+                  <m:oMath xmlns:m="http://schemas.openxmlformats.org/officeDocument/2006/math">
+                    <m:r>
+                      <a:rPr lang="en-US" sz="1600" b="1" i="1" dirty="0">
+                        <a:latin typeface="Cambria Math" panose="02040503050406030204" pitchFamily="18" charset="0"/>
+                      </a:rPr>
+                      <m:t>𝒘</m:t>
+                    </m:r>
+                    <m:sSup>
+                      <m:sSupPr>
+                        <m:ctrlPr>
+                          <a:rPr lang="en-US" sz="1600" b="1" i="1" dirty="0">
+                            <a:latin typeface="Cambria Math" panose="02040503050406030204" pitchFamily="18" charset="0"/>
+                          </a:rPr>
+                        </m:ctrlPr>
+                      </m:sSupPr>
+                      <m:e>
+                        <m:r>
+                          <a:rPr lang="en-US" sz="1600" b="1" i="1" dirty="0">
+                            <a:latin typeface="Cambria Math" panose="02040503050406030204" pitchFamily="18" charset="0"/>
+                          </a:rPr>
+                          <m:t>𝒙</m:t>
+                        </m:r>
+                      </m:e>
+                      <m:sup>
+                        <m:r>
+                          <a:rPr lang="en-US" sz="1600" b="1" i="1" dirty="0">
+                            <a:latin typeface="Cambria Math" panose="02040503050406030204" pitchFamily="18" charset="0"/>
+                          </a:rPr>
+                          <m:t>𝑻</m:t>
+                        </m:r>
+                      </m:sup>
+                    </m:sSup>
+                  </m:oMath>
+                </a14:m>
+                <a:r>
+                  <a:rPr lang="en-US" sz="1600" dirty="0"/>
+                  <a:t> in math but omitting transpose in diagrams)</a:t>
+                </a:r>
+              </a:p>
+            </p:txBody>
+          </p:sp>
+        </mc:Choice>
+        <mc:Fallback>
+          <p:sp>
+            <p:nvSpPr>
+              <p:cNvPr id="22" name="TextBox 21">
+                <a:extLst>
+                  <a:ext uri="{FF2B5EF4-FFF2-40B4-BE49-F238E27FC236}">
+                    <a16:creationId xmlns:a16="http://schemas.microsoft.com/office/drawing/2014/main" id="{5D94CEAE-B293-DF4B-8119-52CC0B886BD3}"/>
+                  </a:ext>
+                </a:extLst>
+              </p:cNvPr>
+              <p:cNvSpPr txBox="1">
+                <a:spLocks noRot="1" noChangeAspect="1" noMove="1" noResize="1" noEditPoints="1" noAdjustHandles="1" noChangeArrowheads="1" noChangeShapeType="1" noTextEdit="1"/>
+              </p:cNvSpPr>
+              <p:nvPr/>
+            </p:nvSpPr>
+            <p:spPr>
+              <a:xfrm>
+                <a:off x="55758" y="6347922"/>
+                <a:ext cx="7449155" cy="342979"/>
+              </a:xfrm>
+              <a:prstGeom prst="rect">
+                <a:avLst/>
+              </a:prstGeom>
+              <a:blipFill>
+                <a:blip r:embed="rId6"/>
+                <a:stretch>
+                  <a:fillRect l="-511" t="-3448" b="-20690"/>
+                </a:stretch>
+              </a:blipFill>
+            </p:spPr>
+            <p:txBody>
+              <a:bodyPr/>
+              <a:lstStyle/>
+              <a:p>
+                <a:r>
+                  <a:rPr lang="en-US">
+                    <a:noFill/>
+                  </a:rPr>
+                  <a:t> </a:t>
+                </a:r>
+              </a:p>
+            </p:txBody>
+          </p:sp>
+        </mc:Fallback>
+      </mc:AlternateContent>
     </p:spTree>
     <p:extLst>
       <p:ext uri="{BB962C8B-B14F-4D97-AF65-F5344CB8AC3E}">
-        <p14:creationId xmlns:p14="http://schemas.microsoft.com/office/powerpoint/2010/main" val="170153977"/>
+        <p14:creationId xmlns:p14="http://schemas.microsoft.com/office/powerpoint/2010/main" val="708398555"/>
       </p:ext>
     </p:extLst>
   </p:cSld>
@@ -5311,7 +6135,7 @@
           <p:cNvPr id="2" name="Title 1">
             <a:extLst>
               <a:ext uri="{FF2B5EF4-FFF2-40B4-BE49-F238E27FC236}">
-                <a16:creationId xmlns:a16="http://schemas.microsoft.com/office/drawing/2014/main" id="{56E2489B-0015-F244-93EC-5DA11EA8250C}"/>
+                <a16:creationId xmlns:a16="http://schemas.microsoft.com/office/drawing/2014/main" id="{7D7AC285-6FD8-2C41-9BCC-D7294E346B26}"/>
               </a:ext>
             </a:extLst>
           </p:cNvPr>
@@ -5327,45 +6151,19 @@
           <a:bodyPr/>
           <a:lstStyle/>
           <a:p>
-            <a:endParaRPr lang="en-US"/>
-          </a:p>
-        </p:txBody>
-      </p:sp>
-      <p:sp>
-        <p:nvSpPr>
-          <p:cNvPr id="3" name="Content Placeholder 2">
-            <a:extLst>
-              <a:ext uri="{FF2B5EF4-FFF2-40B4-BE49-F238E27FC236}">
-                <a16:creationId xmlns:a16="http://schemas.microsoft.com/office/drawing/2014/main" id="{D8DE3412-A3FC-C545-A686-5C8071664824}"/>
-              </a:ext>
-            </a:extLst>
-          </p:cNvPr>
-          <p:cNvSpPr>
-            <a:spLocks noGrp="1"/>
-          </p:cNvSpPr>
-          <p:nvPr>
-            <p:ph idx="1"/>
-          </p:nvPr>
-        </p:nvSpPr>
-        <p:spPr/>
-        <p:txBody>
-          <a:bodyPr/>
-          <a:lstStyle/>
-          <a:p>
-            <a:r>
-              <a:rPr lang="en-US" dirty="0" err="1"/>
-              <a:t>dfs</a:t>
-            </a:r>
-            <a:endParaRPr lang="en-US" dirty="0"/>
+            <a:r>
+              <a:rPr lang="en-US" dirty="0"/>
+              <a:t>Must introduce nonlinearity</a:t>
+            </a:r>
           </a:p>
         </p:txBody>
       </p:sp>
       <p:pic>
         <p:nvPicPr>
-          <p:cNvPr id="6" name="Picture 5">
-            <a:extLst>
-              <a:ext uri="{FF2B5EF4-FFF2-40B4-BE49-F238E27FC236}">
-                <a16:creationId xmlns:a16="http://schemas.microsoft.com/office/drawing/2014/main" id="{474B5C4F-F544-1345-920B-87204C61B949}"/>
+          <p:cNvPr id="4" name="Picture 3">
+            <a:extLst>
+              <a:ext uri="{FF2B5EF4-FFF2-40B4-BE49-F238E27FC236}">
+                <a16:creationId xmlns:a16="http://schemas.microsoft.com/office/drawing/2014/main" id="{D86F40E6-DE69-F242-8F23-E44D7C081C8A}"/>
               </a:ext>
             </a:extLst>
           </p:cNvPr>
@@ -5382,138 +6180,20 @@
         </p:blipFill>
         <p:spPr>
           <a:xfrm>
-            <a:off x="7417905" y="2494722"/>
-            <a:ext cx="3657600" cy="2743200"/>
+            <a:off x="547959" y="1502010"/>
+            <a:ext cx="5168900" cy="1155700"/>
           </a:xfrm>
           <a:prstGeom prst="rect">
             <a:avLst/>
           </a:prstGeom>
         </p:spPr>
       </p:pic>
-      <p:sp>
-        <p:nvSpPr>
-          <p:cNvPr id="8" name="Rectangle 7">
-            <a:extLst>
-              <a:ext uri="{FF2B5EF4-FFF2-40B4-BE49-F238E27FC236}">
-                <a16:creationId xmlns:a16="http://schemas.microsoft.com/office/drawing/2014/main" id="{1338DF29-8F0F-EE4D-9E80-9F78D184AB29}"/>
-              </a:ext>
-            </a:extLst>
-          </p:cNvPr>
-          <p:cNvSpPr/>
-          <p:nvPr/>
-        </p:nvSpPr>
-        <p:spPr>
-          <a:xfrm>
-            <a:off x="4270513" y="4280575"/>
-            <a:ext cx="2686878" cy="2031325"/>
-          </a:xfrm>
-          <a:prstGeom prst="rect">
-            <a:avLst/>
-          </a:prstGeom>
-        </p:spPr>
-        <p:txBody>
-          <a:bodyPr wrap="square">
-            <a:spAutoFit/>
-          </a:bodyPr>
-          <a:lstStyle/>
-          <a:p>
-            <a:r>
-              <a:rPr lang="en-US" dirty="0"/>
-              <a:t>model = </a:t>
-            </a:r>
-            <a:r>
-              <a:rPr lang="en-US" dirty="0" err="1"/>
-              <a:t>nn.Sequential</a:t>
-            </a:r>
-            <a:r>
-              <a:rPr lang="en-US" dirty="0"/>
-              <a:t>(</a:t>
-            </a:r>
-          </a:p>
-          <a:p>
-            <a:r>
-              <a:rPr lang="en-US" dirty="0"/>
-              <a:t>    </a:t>
-            </a:r>
-            <a:r>
-              <a:rPr lang="en-US" dirty="0" err="1"/>
-              <a:t>nn.Linear</a:t>
-            </a:r>
-            <a:r>
-              <a:rPr lang="en-US" dirty="0"/>
-              <a:t>(1, 5),</a:t>
-            </a:r>
-          </a:p>
-          <a:p>
-            <a:r>
-              <a:rPr lang="en-US" dirty="0"/>
-              <a:t>    </a:t>
-            </a:r>
-            <a:r>
-              <a:rPr lang="en-US" dirty="0" err="1"/>
-              <a:t>nn.ReLU</a:t>
-            </a:r>
-            <a:r>
-              <a:rPr lang="en-US" dirty="0"/>
-              <a:t>(),</a:t>
-            </a:r>
-          </a:p>
-          <a:p>
-            <a:r>
-              <a:rPr lang="en-US" dirty="0"/>
-              <a:t>    </a:t>
-            </a:r>
-            <a:r>
-              <a:rPr lang="en-US" dirty="0" err="1"/>
-              <a:t>nn.Linear</a:t>
-            </a:r>
-            <a:r>
-              <a:rPr lang="en-US" dirty="0"/>
-              <a:t>(5, 2),</a:t>
-            </a:r>
-          </a:p>
-          <a:p>
-            <a:r>
-              <a:rPr lang="en-US" dirty="0"/>
-              <a:t>    </a:t>
-            </a:r>
-            <a:r>
-              <a:rPr lang="en-US" dirty="0" err="1"/>
-              <a:t>nn.ReLU</a:t>
-            </a:r>
-            <a:r>
-              <a:rPr lang="en-US" dirty="0"/>
-              <a:t>(),</a:t>
-            </a:r>
-          </a:p>
-          <a:p>
-            <a:r>
-              <a:rPr lang="en-US" dirty="0"/>
-              <a:t>    </a:t>
-            </a:r>
-            <a:r>
-              <a:rPr lang="en-US" dirty="0" err="1"/>
-              <a:t>nn.Linear</a:t>
-            </a:r>
-            <a:r>
-              <a:rPr lang="en-US" dirty="0"/>
-              <a:t>(2, 1)</a:t>
-            </a:r>
-          </a:p>
-          <a:p>
-            <a:r>
-              <a:rPr lang="en-US" dirty="0"/>
-              <a:t>)</a:t>
-            </a:r>
-          </a:p>
-        </p:txBody>
-      </p:sp>
       <p:pic>
         <p:nvPicPr>
-          <p:cNvPr id="9" name="Picture 8">
-            <a:extLst>
-              <a:ext uri="{FF2B5EF4-FFF2-40B4-BE49-F238E27FC236}">
-                <a16:creationId xmlns:a16="http://schemas.microsoft.com/office/drawing/2014/main" id="{DE24D993-4B40-8A4A-B68B-FB9EFDA28CE4}"/>
+          <p:cNvPr id="5" name="Picture 4">
+            <a:extLst>
+              <a:ext uri="{FF2B5EF4-FFF2-40B4-BE49-F238E27FC236}">
+                <a16:creationId xmlns:a16="http://schemas.microsoft.com/office/drawing/2014/main" id="{781C878A-0D7F-8C43-AAD4-AD3A44009C76}"/>
               </a:ext>
             </a:extLst>
           </p:cNvPr>
@@ -5530,18 +6210,214 @@
         </p:blipFill>
         <p:spPr>
           <a:xfrm>
-            <a:off x="330753" y="2386772"/>
-            <a:ext cx="7594600" cy="2959100"/>
+            <a:off x="6659932" y="1529080"/>
+            <a:ext cx="5168900" cy="1155700"/>
           </a:xfrm>
           <a:prstGeom prst="rect">
             <a:avLst/>
           </a:prstGeom>
         </p:spPr>
       </p:pic>
+      <p:pic>
+        <p:nvPicPr>
+          <p:cNvPr id="11" name="Picture 10">
+            <a:extLst>
+              <a:ext uri="{FF2B5EF4-FFF2-40B4-BE49-F238E27FC236}">
+                <a16:creationId xmlns:a16="http://schemas.microsoft.com/office/drawing/2014/main" id="{742169BE-6063-184A-91FE-2EF876FBE6C3}"/>
+              </a:ext>
+            </a:extLst>
+          </p:cNvPr>
+          <p:cNvPicPr>
+            <a:picLocks noChangeAspect="1"/>
+          </p:cNvPicPr>
+          <p:nvPr/>
+        </p:nvPicPr>
+        <p:blipFill>
+          <a:blip r:embed="rId4"/>
+          <a:stretch>
+            <a:fillRect/>
+          </a:stretch>
+        </p:blipFill>
+        <p:spPr>
+          <a:xfrm>
+            <a:off x="7414055" y="2814137"/>
+            <a:ext cx="3657600" cy="2743200"/>
+          </a:xfrm>
+          <a:prstGeom prst="rect">
+            <a:avLst/>
+          </a:prstGeom>
+        </p:spPr>
+      </p:pic>
+      <p:pic>
+        <p:nvPicPr>
+          <p:cNvPr id="15" name="Picture 14">
+            <a:extLst>
+              <a:ext uri="{FF2B5EF4-FFF2-40B4-BE49-F238E27FC236}">
+                <a16:creationId xmlns:a16="http://schemas.microsoft.com/office/drawing/2014/main" id="{5EE52951-EB62-8041-A691-D0586CE678E6}"/>
+              </a:ext>
+            </a:extLst>
+          </p:cNvPr>
+          <p:cNvPicPr>
+            <a:picLocks noChangeAspect="1"/>
+          </p:cNvPicPr>
+          <p:nvPr/>
+        </p:nvPicPr>
+        <p:blipFill>
+          <a:blip r:embed="rId5"/>
+          <a:stretch>
+            <a:fillRect/>
+          </a:stretch>
+        </p:blipFill>
+        <p:spPr>
+          <a:xfrm>
+            <a:off x="1195282" y="2830036"/>
+            <a:ext cx="3657600" cy="2743200"/>
+          </a:xfrm>
+          <a:prstGeom prst="rect">
+            <a:avLst/>
+          </a:prstGeom>
+        </p:spPr>
+      </p:pic>
+      <p:sp>
+        <p:nvSpPr>
+          <p:cNvPr id="16" name="Rectangle 15">
+            <a:extLst>
+              <a:ext uri="{FF2B5EF4-FFF2-40B4-BE49-F238E27FC236}">
+                <a16:creationId xmlns:a16="http://schemas.microsoft.com/office/drawing/2014/main" id="{FA631EB0-DCD2-864A-A64D-8DC68B6BEDB4}"/>
+              </a:ext>
+            </a:extLst>
+          </p:cNvPr>
+          <p:cNvSpPr/>
+          <p:nvPr/>
+        </p:nvSpPr>
+        <p:spPr>
+          <a:xfrm>
+            <a:off x="9242855" y="365125"/>
+            <a:ext cx="2627244" cy="1477328"/>
+          </a:xfrm>
+          <a:prstGeom prst="rect">
+            <a:avLst/>
+          </a:prstGeom>
+        </p:spPr>
+        <p:txBody>
+          <a:bodyPr wrap="square">
+            <a:spAutoFit/>
+          </a:bodyPr>
+          <a:lstStyle/>
+          <a:p>
+            <a:r>
+              <a:rPr lang="en-US" dirty="0"/>
+              <a:t>model = </a:t>
+            </a:r>
+            <a:r>
+              <a:rPr lang="en-US" dirty="0" err="1"/>
+              <a:t>nn.Sequential</a:t>
+            </a:r>
+            <a:r>
+              <a:rPr lang="en-US" dirty="0"/>
+              <a:t>(</a:t>
+            </a:r>
+          </a:p>
+          <a:p>
+            <a:r>
+              <a:rPr lang="en-US" dirty="0"/>
+              <a:t>    </a:t>
+            </a:r>
+            <a:r>
+              <a:rPr lang="en-US" dirty="0" err="1"/>
+              <a:t>nn.Linear</a:t>
+            </a:r>
+            <a:r>
+              <a:rPr lang="en-US" dirty="0"/>
+              <a:t>(m, 1),</a:t>
+            </a:r>
+          </a:p>
+          <a:p>
+            <a:r>
+              <a:rPr lang="en-US" dirty="0"/>
+              <a:t>    </a:t>
+            </a:r>
+            <a:r>
+              <a:rPr lang="en-US" dirty="0" err="1"/>
+              <a:t>nn.ReLU</a:t>
+            </a:r>
+            <a:r>
+              <a:rPr lang="en-US" dirty="0"/>
+              <a:t>(),</a:t>
+            </a:r>
+          </a:p>
+          <a:p>
+            <a:r>
+              <a:rPr lang="en-US" dirty="0"/>
+              <a:t>    </a:t>
+            </a:r>
+            <a:r>
+              <a:rPr lang="en-US" dirty="0" err="1"/>
+              <a:t>nn.Linear</a:t>
+            </a:r>
+            <a:r>
+              <a:rPr lang="en-US" dirty="0"/>
+              <a:t>(1, 1)</a:t>
+            </a:r>
+          </a:p>
+          <a:p>
+            <a:r>
+              <a:rPr lang="en-US" dirty="0"/>
+              <a:t>)</a:t>
+            </a:r>
+          </a:p>
+        </p:txBody>
+      </p:sp>
+      <p:sp>
+        <p:nvSpPr>
+          <p:cNvPr id="17" name="TextBox 16">
+            <a:extLst>
+              <a:ext uri="{FF2B5EF4-FFF2-40B4-BE49-F238E27FC236}">
+                <a16:creationId xmlns:a16="http://schemas.microsoft.com/office/drawing/2014/main" id="{6B15806E-84C7-6341-8FCF-BCCB40A1B1D2}"/>
+              </a:ext>
+            </a:extLst>
+          </p:cNvPr>
+          <p:cNvSpPr txBox="1"/>
+          <p:nvPr/>
+        </p:nvSpPr>
+        <p:spPr>
+          <a:xfrm>
+            <a:off x="7694539" y="5557337"/>
+            <a:ext cx="3429144" cy="646331"/>
+          </a:xfrm>
+          <a:prstGeom prst="rect">
+            <a:avLst/>
+          </a:prstGeom>
+          <a:noFill/>
+        </p:spPr>
+        <p:txBody>
+          <a:bodyPr wrap="none" rtlCol="0">
+            <a:spAutoFit/>
+          </a:bodyPr>
+          <a:lstStyle/>
+          <a:p>
+            <a:r>
+              <a:rPr lang="en-US" dirty="0" err="1"/>
+              <a:t>ReLU</a:t>
+            </a:r>
+            <a:r>
+              <a:rPr lang="en-US" dirty="0"/>
+              <a:t> idea here: Draw two lines</a:t>
+            </a:r>
+            <a:br>
+              <a:rPr lang="en-US" dirty="0"/>
+            </a:br>
+            <a:r>
+              <a:rPr lang="en-US" dirty="0"/>
+              <a:t>then clip at intersection</a:t>
+            </a:r>
+          </a:p>
+        </p:txBody>
+      </p:sp>
     </p:spTree>
     <p:extLst>
       <p:ext uri="{BB962C8B-B14F-4D97-AF65-F5344CB8AC3E}">
-        <p14:creationId xmlns:p14="http://schemas.microsoft.com/office/powerpoint/2010/main" val="966627113"/>
+        <p14:creationId xmlns:p14="http://schemas.microsoft.com/office/powerpoint/2010/main" val="2858175416"/>
       </p:ext>
     </p:extLst>
   </p:cSld>
@@ -5573,7 +6449,7 @@
           <p:cNvPr id="2" name="Title 1">
             <a:extLst>
               <a:ext uri="{FF2B5EF4-FFF2-40B4-BE49-F238E27FC236}">
-                <a16:creationId xmlns:a16="http://schemas.microsoft.com/office/drawing/2014/main" id="{94920348-73C8-124F-AAA7-407E19EFEBC0}"/>
+                <a16:creationId xmlns:a16="http://schemas.microsoft.com/office/drawing/2014/main" id="{D0063125-EC62-E441-972A-4642575E043D}"/>
               </a:ext>
             </a:extLst>
           </p:cNvPr>
@@ -5591,42 +6467,518 @@
           <a:p>
             <a:r>
               <a:rPr lang="en-US" dirty="0"/>
-              <a:t>Too much strength can lead to overfitting</a:t>
-            </a:r>
-          </a:p>
-        </p:txBody>
-      </p:sp>
-      <p:sp>
-        <p:nvSpPr>
-          <p:cNvPr id="3" name="Content Placeholder 2">
-            <a:extLst>
-              <a:ext uri="{FF2B5EF4-FFF2-40B4-BE49-F238E27FC236}">
-                <a16:creationId xmlns:a16="http://schemas.microsoft.com/office/drawing/2014/main" id="{D691D0BC-E438-AC43-802F-28F85258CB3A}"/>
-              </a:ext>
-            </a:extLst>
-          </p:cNvPr>
-          <p:cNvSpPr>
-            <a:spLocks noGrp="1"/>
-          </p:cNvSpPr>
-          <p:nvPr>
-            <p:ph idx="1"/>
-          </p:nvPr>
-        </p:nvSpPr>
-        <p:spPr/>
-        <p:txBody>
-          <a:bodyPr/>
-          <a:lstStyle/>
-          <a:p>
-            <a:endParaRPr lang="en-US"/>
-          </a:p>
-        </p:txBody>
-      </p:sp>
-      <p:sp>
-        <p:nvSpPr>
-          <p:cNvPr id="4" name="TextBox 3">
-            <a:extLst>
-              <a:ext uri="{FF2B5EF4-FFF2-40B4-BE49-F238E27FC236}">
-                <a16:creationId xmlns:a16="http://schemas.microsoft.com/office/drawing/2014/main" id="{89743707-FAB1-884E-A142-EF99FDF2A2C3}"/>
+              <a:t>Stack linear models for more power</a:t>
+            </a:r>
+          </a:p>
+        </p:txBody>
+      </p:sp>
+      <mc:AlternateContent xmlns:mc="http://schemas.openxmlformats.org/markup-compatibility/2006">
+        <mc:Choice xmlns:a14="http://schemas.microsoft.com/office/drawing/2010/main" Requires="a14">
+          <p:sp>
+            <p:nvSpPr>
+              <p:cNvPr id="3" name="Content Placeholder 2">
+                <a:extLst>
+                  <a:ext uri="{FF2B5EF4-FFF2-40B4-BE49-F238E27FC236}">
+                    <a16:creationId xmlns:a16="http://schemas.microsoft.com/office/drawing/2014/main" id="{E70F90C2-3914-6643-A249-846E097AAF6B}"/>
+                  </a:ext>
+                </a:extLst>
+              </p:cNvPr>
+              <p:cNvSpPr>
+                <a:spLocks noGrp="1"/>
+              </p:cNvSpPr>
+              <p:nvPr>
+                <p:ph idx="1"/>
+              </p:nvPr>
+            </p:nvSpPr>
+            <p:spPr>
+              <a:xfrm>
+                <a:off x="838200" y="1583473"/>
+                <a:ext cx="10515600" cy="4593490"/>
+              </a:xfrm>
+            </p:spPr>
+            <p:txBody>
+              <a:bodyPr/>
+              <a:lstStyle/>
+              <a:p>
+                <a:r>
+                  <a:rPr lang="en-US" dirty="0"/>
+                  <a:t>Stack gives layer: </a:t>
+                </a:r>
+                <a14:m>
+                  <m:oMath xmlns:m="http://schemas.openxmlformats.org/officeDocument/2006/math">
+                    <m:r>
+                      <a:rPr lang="en-US" i="1" dirty="0" smtClean="0">
+                        <a:latin typeface="Cambria Math" panose="02040503050406030204" pitchFamily="18" charset="0"/>
+                      </a:rPr>
+                      <m:t>𝑊</m:t>
+                    </m:r>
+                  </m:oMath>
+                </a14:m>
+                <a:r>
+                  <a:rPr lang="en-US" dirty="0"/>
+                  <a:t> matrix and </a:t>
+                </a:r>
+                <a14:m>
+                  <m:oMath xmlns:m="http://schemas.openxmlformats.org/officeDocument/2006/math">
+                    <m:r>
+                      <a:rPr lang="en-US" b="1" i="1" dirty="0" smtClean="0">
+                        <a:latin typeface="Cambria Math" panose="02040503050406030204" pitchFamily="18" charset="0"/>
+                      </a:rPr>
+                      <m:t>𝒃</m:t>
+                    </m:r>
+                  </m:oMath>
+                </a14:m>
+                <a:endParaRPr lang="en-US" dirty="0">
+                  <a:latin typeface="Cambria Math" panose="02040503050406030204" pitchFamily="18" charset="0"/>
+                </a:endParaRPr>
+              </a:p>
+              <a:p>
+                <a14:m>
+                  <m:oMath xmlns:m="http://schemas.openxmlformats.org/officeDocument/2006/math">
+                    <m:sSup>
+                      <m:sSupPr>
+                        <m:ctrlPr>
+                          <a:rPr lang="en-US" b="0" i="1" smtClean="0">
+                            <a:latin typeface="Cambria Math" panose="02040503050406030204" pitchFamily="18" charset="0"/>
+                          </a:rPr>
+                        </m:ctrlPr>
+                      </m:sSupPr>
+                      <m:e>
+                        <m:r>
+                          <a:rPr lang="en-US" b="1" i="1" smtClean="0">
+                            <a:latin typeface="Cambria Math" panose="02040503050406030204" pitchFamily="18" charset="0"/>
+                          </a:rPr>
+                          <m:t>𝒂</m:t>
+                        </m:r>
+                      </m:e>
+                      <m:sup>
+                        <m:d>
+                          <m:dPr>
+                            <m:begChr m:val="["/>
+                            <m:endChr m:val="]"/>
+                            <m:ctrlPr>
+                              <a:rPr lang="en-US" b="0" i="1" smtClean="0">
+                                <a:latin typeface="Cambria Math" panose="02040503050406030204" pitchFamily="18" charset="0"/>
+                              </a:rPr>
+                            </m:ctrlPr>
+                          </m:dPr>
+                          <m:e>
+                            <m:r>
+                              <a:rPr lang="en-US" b="0" i="1" smtClean="0">
+                                <a:latin typeface="Cambria Math" panose="02040503050406030204" pitchFamily="18" charset="0"/>
+                              </a:rPr>
+                              <m:t>1</m:t>
+                            </m:r>
+                          </m:e>
+                        </m:d>
+                      </m:sup>
+                    </m:sSup>
+                    <m:r>
+                      <a:rPr lang="en-US" b="0" i="1" smtClean="0">
+                        <a:latin typeface="Cambria Math" panose="02040503050406030204" pitchFamily="18" charset="0"/>
+                      </a:rPr>
+                      <m:t>=</m:t>
+                    </m:r>
+                    <m:r>
+                      <a:rPr lang="en-US" i="1" smtClean="0">
+                        <a:latin typeface="Cambria Math" panose="02040503050406030204" pitchFamily="18" charset="0"/>
+                      </a:rPr>
+                      <m:t>𝑟𝑒𝑙𝑢</m:t>
+                    </m:r>
+                    <m:d>
+                      <m:dPr>
+                        <m:ctrlPr>
+                          <a:rPr lang="en-US" i="1">
+                            <a:latin typeface="Cambria Math" panose="02040503050406030204" pitchFamily="18" charset="0"/>
+                          </a:rPr>
+                        </m:ctrlPr>
+                      </m:dPr>
+                      <m:e>
+                        <m:sSup>
+                          <m:sSupPr>
+                            <m:ctrlPr>
+                              <a:rPr lang="en-US" b="1" i="1">
+                                <a:latin typeface="Cambria Math" panose="02040503050406030204" pitchFamily="18" charset="0"/>
+                              </a:rPr>
+                            </m:ctrlPr>
+                          </m:sSupPr>
+                          <m:e>
+                            <m:r>
+                              <a:rPr lang="en-US" i="1">
+                                <a:latin typeface="Cambria Math" panose="02040503050406030204" pitchFamily="18" charset="0"/>
+                              </a:rPr>
+                              <m:t>𝑊</m:t>
+                            </m:r>
+                          </m:e>
+                          <m:sup>
+                            <m:d>
+                              <m:dPr>
+                                <m:begChr m:val="["/>
+                                <m:endChr m:val="]"/>
+                                <m:ctrlPr>
+                                  <a:rPr lang="en-US" i="1">
+                                    <a:latin typeface="Cambria Math" panose="02040503050406030204" pitchFamily="18" charset="0"/>
+                                  </a:rPr>
+                                </m:ctrlPr>
+                              </m:dPr>
+                              <m:e>
+                                <m:r>
+                                  <a:rPr lang="en-US" i="1">
+                                    <a:latin typeface="Cambria Math" panose="02040503050406030204" pitchFamily="18" charset="0"/>
+                                  </a:rPr>
+                                  <m:t>1</m:t>
+                                </m:r>
+                              </m:e>
+                            </m:d>
+                          </m:sup>
+                        </m:sSup>
+                        <m:sSup>
+                          <m:sSupPr>
+                            <m:ctrlPr>
+                              <a:rPr lang="en-US" b="1" i="1" smtClean="0">
+                                <a:latin typeface="Cambria Math" panose="02040503050406030204" pitchFamily="18" charset="0"/>
+                              </a:rPr>
+                            </m:ctrlPr>
+                          </m:sSupPr>
+                          <m:e>
+                            <m:r>
+                              <a:rPr lang="en-US" b="1" i="1">
+                                <a:latin typeface="Cambria Math" panose="02040503050406030204" pitchFamily="18" charset="0"/>
+                              </a:rPr>
+                              <m:t>𝒙</m:t>
+                            </m:r>
+                          </m:e>
+                          <m:sup>
+                            <m:r>
+                              <a:rPr lang="en-US" b="1" i="1" smtClean="0">
+                                <a:latin typeface="Cambria Math" panose="02040503050406030204" pitchFamily="18" charset="0"/>
+                              </a:rPr>
+                              <m:t>𝑻</m:t>
+                            </m:r>
+                          </m:sup>
+                        </m:sSup>
+                        <m:r>
+                          <a:rPr lang="en-US" i="1">
+                            <a:latin typeface="Cambria Math" panose="02040503050406030204" pitchFamily="18" charset="0"/>
+                          </a:rPr>
+                          <m:t>+</m:t>
+                        </m:r>
+                        <m:sSup>
+                          <m:sSupPr>
+                            <m:ctrlPr>
+                              <a:rPr lang="en-US" b="1" i="1">
+                                <a:latin typeface="Cambria Math" panose="02040503050406030204" pitchFamily="18" charset="0"/>
+                              </a:rPr>
+                            </m:ctrlPr>
+                          </m:sSupPr>
+                          <m:e>
+                            <m:r>
+                              <a:rPr lang="en-US" b="1" i="1">
+                                <a:latin typeface="Cambria Math" panose="02040503050406030204" pitchFamily="18" charset="0"/>
+                              </a:rPr>
+                              <m:t>𝒃</m:t>
+                            </m:r>
+                          </m:e>
+                          <m:sup>
+                            <m:d>
+                              <m:dPr>
+                                <m:begChr m:val="["/>
+                                <m:endChr m:val="]"/>
+                                <m:ctrlPr>
+                                  <a:rPr lang="en-US" i="1">
+                                    <a:latin typeface="Cambria Math" panose="02040503050406030204" pitchFamily="18" charset="0"/>
+                                  </a:rPr>
+                                </m:ctrlPr>
+                              </m:dPr>
+                              <m:e>
+                                <m:r>
+                                  <a:rPr lang="en-US" i="1">
+                                    <a:latin typeface="Cambria Math" panose="02040503050406030204" pitchFamily="18" charset="0"/>
+                                  </a:rPr>
+                                  <m:t>1</m:t>
+                                </m:r>
+                              </m:e>
+                            </m:d>
+                          </m:sup>
+                        </m:sSup>
+                      </m:e>
+                    </m:d>
+                  </m:oMath>
+                </a14:m>
+                <a:endParaRPr lang="en-US" i="1" dirty="0">
+                  <a:latin typeface="Cambria Math" panose="02040503050406030204" pitchFamily="18" charset="0"/>
+                </a:endParaRPr>
+              </a:p>
+              <a:p>
+                <a14:m>
+                  <m:oMath xmlns:m="http://schemas.openxmlformats.org/officeDocument/2006/math">
+                    <m:r>
+                      <a:rPr lang="en-US" b="0" i="1" smtClean="0">
+                        <a:latin typeface="Cambria Math" panose="02040503050406030204" pitchFamily="18" charset="0"/>
+                      </a:rPr>
+                      <m:t>𝑦</m:t>
+                    </m:r>
+                    <m:r>
+                      <a:rPr lang="en-US" b="0" i="1" smtClean="0">
+                        <a:latin typeface="Cambria Math" panose="02040503050406030204" pitchFamily="18" charset="0"/>
+                      </a:rPr>
+                      <m:t>=</m:t>
+                    </m:r>
+                    <m:sSup>
+                      <m:sSupPr>
+                        <m:ctrlPr>
+                          <a:rPr lang="en-US" b="0" i="1" smtClean="0">
+                            <a:latin typeface="Cambria Math" panose="02040503050406030204" pitchFamily="18" charset="0"/>
+                          </a:rPr>
+                        </m:ctrlPr>
+                      </m:sSupPr>
+                      <m:e>
+                        <m:sSup>
+                          <m:sSupPr>
+                            <m:ctrlPr>
+                              <a:rPr lang="en-US" i="1">
+                                <a:latin typeface="Cambria Math" panose="02040503050406030204" pitchFamily="18" charset="0"/>
+                              </a:rPr>
+                            </m:ctrlPr>
+                          </m:sSupPr>
+                          <m:e>
+                            <m:r>
+                              <a:rPr lang="en-US" b="1" i="1">
+                                <a:latin typeface="Cambria Math" panose="02040503050406030204" pitchFamily="18" charset="0"/>
+                              </a:rPr>
+                              <m:t>𝒂</m:t>
+                            </m:r>
+                          </m:e>
+                          <m:sup>
+                            <m:d>
+                              <m:dPr>
+                                <m:begChr m:val="["/>
+                                <m:endChr m:val="]"/>
+                                <m:ctrlPr>
+                                  <a:rPr lang="en-US" i="1">
+                                    <a:latin typeface="Cambria Math" panose="02040503050406030204" pitchFamily="18" charset="0"/>
+                                  </a:rPr>
+                                </m:ctrlPr>
+                              </m:dPr>
+                              <m:e>
+                                <m:r>
+                                  <a:rPr lang="en-US" b="0" i="1" smtClean="0">
+                                    <a:latin typeface="Cambria Math" panose="02040503050406030204" pitchFamily="18" charset="0"/>
+                                  </a:rPr>
+                                  <m:t>2</m:t>
+                                </m:r>
+                              </m:e>
+                            </m:d>
+                          </m:sup>
+                        </m:sSup>
+                        <m:r>
+                          <a:rPr lang="en-US" b="0" i="1" smtClean="0">
+                            <a:latin typeface="Cambria Math" panose="02040503050406030204" pitchFamily="18" charset="0"/>
+                          </a:rPr>
+                          <m:t>=</m:t>
+                        </m:r>
+                        <m:r>
+                          <a:rPr lang="en-US" b="0" i="1" smtClean="0">
+                            <a:latin typeface="Cambria Math" panose="02040503050406030204" pitchFamily="18" charset="0"/>
+                          </a:rPr>
+                          <m:t>𝑊</m:t>
+                        </m:r>
+                      </m:e>
+                      <m:sup>
+                        <m:r>
+                          <a:rPr lang="en-US" b="0" i="1" smtClean="0">
+                            <a:latin typeface="Cambria Math" panose="02040503050406030204" pitchFamily="18" charset="0"/>
+                          </a:rPr>
+                          <m:t>[2]</m:t>
+                        </m:r>
+                      </m:sup>
+                    </m:sSup>
+                    <m:sSup>
+                      <m:sSupPr>
+                        <m:ctrlPr>
+                          <a:rPr lang="en-US" i="1">
+                            <a:latin typeface="Cambria Math" panose="02040503050406030204" pitchFamily="18" charset="0"/>
+                          </a:rPr>
+                        </m:ctrlPr>
+                      </m:sSupPr>
+                      <m:e>
+                        <m:r>
+                          <a:rPr lang="en-US" b="1" i="1">
+                            <a:latin typeface="Cambria Math" panose="02040503050406030204" pitchFamily="18" charset="0"/>
+                          </a:rPr>
+                          <m:t>𝒂</m:t>
+                        </m:r>
+                      </m:e>
+                      <m:sup>
+                        <m:d>
+                          <m:dPr>
+                            <m:begChr m:val="["/>
+                            <m:endChr m:val="]"/>
+                            <m:ctrlPr>
+                              <a:rPr lang="en-US" i="1">
+                                <a:latin typeface="Cambria Math" panose="02040503050406030204" pitchFamily="18" charset="0"/>
+                              </a:rPr>
+                            </m:ctrlPr>
+                          </m:dPr>
+                          <m:e>
+                            <m:r>
+                              <a:rPr lang="en-US" i="1">
+                                <a:latin typeface="Cambria Math" panose="02040503050406030204" pitchFamily="18" charset="0"/>
+                              </a:rPr>
+                              <m:t>1</m:t>
+                            </m:r>
+                          </m:e>
+                        </m:d>
+                      </m:sup>
+                    </m:sSup>
+                    <m:r>
+                      <a:rPr lang="en-US" b="1" i="1" smtClean="0">
+                        <a:latin typeface="Cambria Math" panose="02040503050406030204" pitchFamily="18" charset="0"/>
+                      </a:rPr>
+                      <m:t>+</m:t>
+                    </m:r>
+                    <m:sSup>
+                      <m:sSupPr>
+                        <m:ctrlPr>
+                          <a:rPr lang="en-US" b="1" i="1" smtClean="0">
+                            <a:latin typeface="Cambria Math" panose="02040503050406030204" pitchFamily="18" charset="0"/>
+                          </a:rPr>
+                        </m:ctrlPr>
+                      </m:sSupPr>
+                      <m:e>
+                        <m:r>
+                          <a:rPr lang="en-US" b="1" i="1" smtClean="0">
+                            <a:latin typeface="Cambria Math" panose="02040503050406030204" pitchFamily="18" charset="0"/>
+                          </a:rPr>
+                          <m:t>𝒃</m:t>
+                        </m:r>
+                      </m:e>
+                      <m:sup>
+                        <m:r>
+                          <a:rPr lang="en-US" b="0" i="1" smtClean="0">
+                            <a:latin typeface="Cambria Math" panose="02040503050406030204" pitchFamily="18" charset="0"/>
+                          </a:rPr>
+                          <m:t>[2]</m:t>
+                        </m:r>
+                      </m:sup>
+                    </m:sSup>
+                  </m:oMath>
+                </a14:m>
+                <a:endParaRPr lang="en-US" b="1" dirty="0"/>
+              </a:p>
+            </p:txBody>
+          </p:sp>
+        </mc:Choice>
+        <mc:Fallback>
+          <p:sp>
+            <p:nvSpPr>
+              <p:cNvPr id="3" name="Content Placeholder 2">
+                <a:extLst>
+                  <a:ext uri="{FF2B5EF4-FFF2-40B4-BE49-F238E27FC236}">
+                    <a16:creationId xmlns:a16="http://schemas.microsoft.com/office/drawing/2014/main" id="{E70F90C2-3914-6643-A249-846E097AAF6B}"/>
+                  </a:ext>
+                </a:extLst>
+              </p:cNvPr>
+              <p:cNvSpPr>
+                <a:spLocks noGrp="1" noRot="1" noChangeAspect="1" noMove="1" noResize="1" noEditPoints="1" noAdjustHandles="1" noChangeArrowheads="1" noChangeShapeType="1" noTextEdit="1"/>
+              </p:cNvSpPr>
+              <p:nvPr>
+                <p:ph idx="1"/>
+              </p:nvPr>
+            </p:nvSpPr>
+            <p:spPr>
+              <a:xfrm>
+                <a:off x="838200" y="1583473"/>
+                <a:ext cx="10515600" cy="4593490"/>
+              </a:xfrm>
+              <a:blipFill>
+                <a:blip r:embed="rId2"/>
+                <a:stretch>
+                  <a:fillRect l="-1086" t="-2479"/>
+                </a:stretch>
+              </a:blipFill>
+            </p:spPr>
+            <p:txBody>
+              <a:bodyPr/>
+              <a:lstStyle/>
+              <a:p>
+                <a:r>
+                  <a:rPr lang="en-US">
+                    <a:noFill/>
+                  </a:rPr>
+                  <a:t> </a:t>
+                </a:r>
+              </a:p>
+            </p:txBody>
+          </p:sp>
+        </mc:Fallback>
+      </mc:AlternateContent>
+      <p:pic>
+        <p:nvPicPr>
+          <p:cNvPr id="4" name="Picture 3">
+            <a:extLst>
+              <a:ext uri="{FF2B5EF4-FFF2-40B4-BE49-F238E27FC236}">
+                <a16:creationId xmlns:a16="http://schemas.microsoft.com/office/drawing/2014/main" id="{C1C30C4E-95BD-D940-866D-F57B192EA814}"/>
+              </a:ext>
+            </a:extLst>
+          </p:cNvPr>
+          <p:cNvPicPr>
+            <a:picLocks noChangeAspect="1"/>
+          </p:cNvPicPr>
+          <p:nvPr/>
+        </p:nvPicPr>
+        <p:blipFill>
+          <a:blip r:embed="rId3"/>
+          <a:stretch>
+            <a:fillRect/>
+          </a:stretch>
+        </p:blipFill>
+        <p:spPr>
+          <a:xfrm>
+            <a:off x="838200" y="3429000"/>
+            <a:ext cx="5118100" cy="2933700"/>
+          </a:xfrm>
+          <a:prstGeom prst="rect">
+            <a:avLst/>
+          </a:prstGeom>
+        </p:spPr>
+      </p:pic>
+      <p:pic>
+        <p:nvPicPr>
+          <p:cNvPr id="6" name="Picture 5">
+            <a:extLst>
+              <a:ext uri="{FF2B5EF4-FFF2-40B4-BE49-F238E27FC236}">
+                <a16:creationId xmlns:a16="http://schemas.microsoft.com/office/drawing/2014/main" id="{B43BDC4D-134F-D84D-994F-560734792648}"/>
+              </a:ext>
+            </a:extLst>
+          </p:cNvPr>
+          <p:cNvPicPr>
+            <a:picLocks noChangeAspect="1"/>
+          </p:cNvPicPr>
+          <p:nvPr/>
+        </p:nvPicPr>
+        <p:blipFill>
+          <a:blip r:embed="rId4"/>
+          <a:stretch>
+            <a:fillRect/>
+          </a:stretch>
+        </p:blipFill>
+        <p:spPr>
+          <a:xfrm>
+            <a:off x="6773118" y="1459990"/>
+            <a:ext cx="4867661" cy="3650746"/>
+          </a:xfrm>
+          <a:prstGeom prst="rect">
+            <a:avLst/>
+          </a:prstGeom>
+        </p:spPr>
+      </p:pic>
+      <p:sp>
+        <p:nvSpPr>
+          <p:cNvPr id="7" name="TextBox 6">
+            <a:extLst>
+              <a:ext uri="{FF2B5EF4-FFF2-40B4-BE49-F238E27FC236}">
+                <a16:creationId xmlns:a16="http://schemas.microsoft.com/office/drawing/2014/main" id="{706B2CCF-A8B2-5641-B47A-D8F843AFAAC8}"/>
               </a:ext>
             </a:extLst>
           </p:cNvPr>
@@ -5635,8 +6987,8 @@
         </p:nvSpPr>
         <p:spPr>
           <a:xfrm>
-            <a:off x="1063486" y="2166731"/>
-            <a:ext cx="2563522" cy="1754326"/>
+            <a:off x="3536268" y="4895850"/>
+            <a:ext cx="2563522" cy="1477328"/>
           </a:xfrm>
           <a:prstGeom prst="rect">
             <a:avLst/>
@@ -5673,7 +7025,7 @@
             </a:r>
             <a:r>
               <a:rPr lang="en-US" dirty="0"/>
-              <a:t>(1, 1000),</a:t>
+              <a:t>(m, 5),</a:t>
             </a:r>
           </a:p>
           <a:p>
@@ -5701,7 +7053,7 @@
             </a:r>
             <a:r>
               <a:rPr lang="en-US" dirty="0"/>
-              <a:t>(1000, 1)</a:t>
+              <a:t>(5, 1)</a:t>
             </a:r>
           </a:p>
           <a:p>
@@ -5710,45 +7062,12 @@
               <a:t>)</a:t>
             </a:r>
           </a:p>
-          <a:p>
-            <a:endParaRPr lang="en-US" dirty="0"/>
-          </a:p>
-        </p:txBody>
-      </p:sp>
-      <p:pic>
-        <p:nvPicPr>
-          <p:cNvPr id="8" name="Picture 7">
-            <a:extLst>
-              <a:ext uri="{FF2B5EF4-FFF2-40B4-BE49-F238E27FC236}">
-                <a16:creationId xmlns:a16="http://schemas.microsoft.com/office/drawing/2014/main" id="{4E9EFC00-CC3A-2842-872F-8832710E564F}"/>
-              </a:ext>
-            </a:extLst>
-          </p:cNvPr>
-          <p:cNvPicPr>
-            <a:picLocks noChangeAspect="1"/>
-          </p:cNvPicPr>
-          <p:nvPr/>
-        </p:nvPicPr>
-        <p:blipFill>
-          <a:blip r:embed="rId2"/>
-          <a:stretch>
-            <a:fillRect/>
-          </a:stretch>
-        </p:blipFill>
-        <p:spPr>
-          <a:xfrm>
-            <a:off x="4267200" y="2057400"/>
-            <a:ext cx="3657600" cy="2743200"/>
-          </a:xfrm>
-          <a:prstGeom prst="rect">
-            <a:avLst/>
-          </a:prstGeom>
-        </p:spPr>
-      </p:pic>
+        </p:txBody>
+      </p:sp>
     </p:spTree>
     <p:extLst>
       <p:ext uri="{BB962C8B-B14F-4D97-AF65-F5344CB8AC3E}">
-        <p14:creationId xmlns:p14="http://schemas.microsoft.com/office/powerpoint/2010/main" val="4061427620"/>
+        <p14:creationId xmlns:p14="http://schemas.microsoft.com/office/powerpoint/2010/main" val="170153977"/>
       </p:ext>
     </p:extLst>
   </p:cSld>
@@ -5775,99 +7094,120 @@
           <a:chExt cx="0" cy="0"/>
         </a:xfrm>
       </p:grpSpPr>
-      <p:sp>
-        <p:nvSpPr>
-          <p:cNvPr id="2" name="Title 1">
-            <a:extLst>
-              <a:ext uri="{FF2B5EF4-FFF2-40B4-BE49-F238E27FC236}">
-                <a16:creationId xmlns:a16="http://schemas.microsoft.com/office/drawing/2014/main" id="{B08802F1-79F9-B844-B1FA-47147E170B80}"/>
-              </a:ext>
-            </a:extLst>
-          </p:cNvPr>
-          <p:cNvSpPr>
-            <a:spLocks noGrp="1"/>
-          </p:cNvSpPr>
-          <p:nvPr>
-            <p:ph type="title"/>
-          </p:nvPr>
-        </p:nvSpPr>
-        <p:spPr/>
-        <p:txBody>
-          <a:bodyPr/>
-          <a:lstStyle/>
-          <a:p>
-            <a:r>
-              <a:rPr lang="en-US" dirty="0"/>
-              <a:t>Classifier</a:t>
-            </a:r>
-          </a:p>
-        </p:txBody>
-      </p:sp>
-      <p:sp>
-        <p:nvSpPr>
-          <p:cNvPr id="3" name="Content Placeholder 2">
-            <a:extLst>
-              <a:ext uri="{FF2B5EF4-FFF2-40B4-BE49-F238E27FC236}">
-                <a16:creationId xmlns:a16="http://schemas.microsoft.com/office/drawing/2014/main" id="{D165BE80-36B0-E741-B0EE-EE774712B3F1}"/>
-              </a:ext>
-            </a:extLst>
-          </p:cNvPr>
-          <p:cNvSpPr>
-            <a:spLocks noGrp="1"/>
-          </p:cNvSpPr>
-          <p:nvPr>
-            <p:ph idx="1"/>
-          </p:nvPr>
-        </p:nvSpPr>
-        <p:spPr/>
-        <p:txBody>
-          <a:bodyPr/>
-          <a:lstStyle/>
-          <a:p>
-            <a:r>
-              <a:rPr lang="en-US" dirty="0"/>
-              <a:t>d</a:t>
-            </a:r>
-          </a:p>
-        </p:txBody>
-      </p:sp>
-      <p:sp>
-        <p:nvSpPr>
-          <p:cNvPr id="5" name="TextBox 4">
-            <a:extLst>
-              <a:ext uri="{FF2B5EF4-FFF2-40B4-BE49-F238E27FC236}">
-                <a16:creationId xmlns:a16="http://schemas.microsoft.com/office/drawing/2014/main" id="{87A7A1CD-FB32-7C47-A941-9D8CFF4347B9}"/>
-              </a:ext>
-            </a:extLst>
-          </p:cNvPr>
-          <p:cNvSpPr txBox="1"/>
+      <mc:AlternateContent xmlns:mc="http://schemas.openxmlformats.org/markup-compatibility/2006">
+        <mc:Choice xmlns:a14="http://schemas.microsoft.com/office/drawing/2010/main" Requires="a14">
+          <p:sp>
+            <p:nvSpPr>
+              <p:cNvPr id="2" name="Title 1">
+                <a:extLst>
+                  <a:ext uri="{FF2B5EF4-FFF2-40B4-BE49-F238E27FC236}">
+                    <a16:creationId xmlns:a16="http://schemas.microsoft.com/office/drawing/2014/main" id="{E4CEFC32-7068-4649-A78A-E6193ACBDAFF}"/>
+                  </a:ext>
+                </a:extLst>
+              </p:cNvPr>
+              <p:cNvSpPr>
+                <a:spLocks noGrp="1"/>
+              </p:cNvSpPr>
+              <p:nvPr>
+                <p:ph type="title"/>
+              </p:nvPr>
+            </p:nvSpPr>
+            <p:spPr/>
+            <p:txBody>
+              <a:bodyPr/>
+              <a:lstStyle/>
+              <a:p>
+                <a:r>
+                  <a:rPr lang="en-US" dirty="0"/>
+                  <a:t>Math for Cars 1D: weight</a:t>
+                </a:r>
+                <a14:m>
+                  <m:oMath xmlns:m="http://schemas.openxmlformats.org/officeDocument/2006/math">
+                    <m:r>
+                      <a:rPr lang="en-US" b="0" i="1" smtClean="0">
+                        <a:latin typeface="Cambria Math" panose="02040503050406030204" pitchFamily="18" charset="0"/>
+                      </a:rPr>
+                      <m:t>→</m:t>
+                    </m:r>
+                  </m:oMath>
+                </a14:m>
+                <a:r>
+                  <a:rPr lang="en-US" dirty="0"/>
+                  <a:t>MPG</a:t>
+                </a:r>
+              </a:p>
+            </p:txBody>
+          </p:sp>
+        </mc:Choice>
+        <mc:Fallback>
+          <p:sp>
+            <p:nvSpPr>
+              <p:cNvPr id="2" name="Title 1">
+                <a:extLst>
+                  <a:ext uri="{FF2B5EF4-FFF2-40B4-BE49-F238E27FC236}">
+                    <a16:creationId xmlns:a16="http://schemas.microsoft.com/office/drawing/2014/main" id="{E4CEFC32-7068-4649-A78A-E6193ACBDAFF}"/>
+                  </a:ext>
+                </a:extLst>
+              </p:cNvPr>
+              <p:cNvSpPr>
+                <a:spLocks noGrp="1" noRot="1" noChangeAspect="1" noMove="1" noResize="1" noEditPoints="1" noAdjustHandles="1" noChangeArrowheads="1" noChangeShapeType="1" noTextEdit="1"/>
+              </p:cNvSpPr>
+              <p:nvPr>
+                <p:ph type="title"/>
+              </p:nvPr>
+            </p:nvSpPr>
+            <p:spPr>
+              <a:blipFill>
+                <a:blip r:embed="rId2"/>
+                <a:stretch>
+                  <a:fillRect l="-2413"/>
+                </a:stretch>
+              </a:blipFill>
+            </p:spPr>
+            <p:txBody>
+              <a:bodyPr/>
+              <a:lstStyle/>
+              <a:p>
+                <a:r>
+                  <a:rPr lang="en-US">
+                    <a:noFill/>
+                  </a:rPr>
+                  <a:t> </a:t>
+                </a:r>
+              </a:p>
+            </p:txBody>
+          </p:sp>
+        </mc:Fallback>
+      </mc:AlternateContent>
+      <p:sp>
+        <p:nvSpPr>
+          <p:cNvPr id="5" name="Rectangle 4">
+            <a:extLst>
+              <a:ext uri="{FF2B5EF4-FFF2-40B4-BE49-F238E27FC236}">
+                <a16:creationId xmlns:a16="http://schemas.microsoft.com/office/drawing/2014/main" id="{7935FA76-997D-9047-AC3A-8643071F8ADE}"/>
+              </a:ext>
+            </a:extLst>
+          </p:cNvPr>
+          <p:cNvSpPr/>
           <p:nvPr/>
         </p:nvSpPr>
         <p:spPr>
           <a:xfrm>
-            <a:off x="8104192" y="1168254"/>
-            <a:ext cx="3249608" cy="1477328"/>
+            <a:off x="873643" y="4349669"/>
+            <a:ext cx="2686878" cy="2031325"/>
           </a:xfrm>
           <a:prstGeom prst="rect">
             <a:avLst/>
           </a:prstGeom>
-          <a:noFill/>
         </p:spPr>
         <p:txBody>
-          <a:bodyPr wrap="none" rtlCol="0">
+          <a:bodyPr wrap="square">
             <a:spAutoFit/>
           </a:bodyPr>
           <a:lstStyle/>
           <a:p>
             <a:r>
               <a:rPr lang="en-US" dirty="0"/>
-              <a:t># 2 input vars: proline, alcohol</a:t>
-            </a:r>
-            <a:br>
-              <a:rPr lang="en-US" dirty="0"/>
-            </a:br>
-            <a:r>
-              <a:rPr lang="en-US" dirty="0"/>
               <a:t>model = </a:t>
             </a:r>
             <a:r>
@@ -5890,7 +7230,7 @@
             </a:r>
             <a:r>
               <a:rPr lang="en-US" dirty="0"/>
-              <a:t>(2, 1), </a:t>
+              <a:t>(1, 5),</a:t>
             </a:r>
           </a:p>
           <a:p>
@@ -5900,11 +7240,53 @@
             </a:r>
             <a:r>
               <a:rPr lang="en-US" dirty="0" err="1"/>
-              <a:t>nn.Sigmoid</a:t>
+              <a:t>nn.ReLU</a:t>
             </a:r>
             <a:r>
               <a:rPr lang="en-US" dirty="0"/>
               <a:t>(),</a:t>
+            </a:r>
+          </a:p>
+          <a:p>
+            <a:r>
+              <a:rPr lang="en-US" dirty="0"/>
+              <a:t>    </a:t>
+            </a:r>
+            <a:r>
+              <a:rPr lang="en-US" dirty="0" err="1"/>
+              <a:t>nn.Linear</a:t>
+            </a:r>
+            <a:r>
+              <a:rPr lang="en-US" dirty="0"/>
+              <a:t>(5, 2),</a:t>
+            </a:r>
+          </a:p>
+          <a:p>
+            <a:r>
+              <a:rPr lang="en-US" dirty="0"/>
+              <a:t>    </a:t>
+            </a:r>
+            <a:r>
+              <a:rPr lang="en-US" dirty="0" err="1"/>
+              <a:t>nn.ReLU</a:t>
+            </a:r>
+            <a:r>
+              <a:rPr lang="en-US" dirty="0"/>
+              <a:t>(),</a:t>
+            </a:r>
+          </a:p>
+          <a:p>
+            <a:r>
+              <a:rPr lang="en-US" dirty="0"/>
+              <a:t>    </a:t>
+            </a:r>
+            <a:r>
+              <a:rPr lang="en-US" dirty="0" err="1"/>
+              <a:t>nn.Linear</a:t>
+            </a:r>
+            <a:r>
+              <a:rPr lang="en-US" dirty="0"/>
+              <a:t>(2, 1)</a:t>
             </a:r>
           </a:p>
           <a:p>
@@ -5917,10 +7299,10 @@
       </p:sp>
       <p:pic>
         <p:nvPicPr>
-          <p:cNvPr id="10" name="Picture 9">
-            <a:extLst>
-              <a:ext uri="{FF2B5EF4-FFF2-40B4-BE49-F238E27FC236}">
-                <a16:creationId xmlns:a16="http://schemas.microsoft.com/office/drawing/2014/main" id="{6D35E14F-B03F-2F4A-AB34-71F7A1E5A6B0}"/>
+          <p:cNvPr id="8" name="Graphic 7">
+            <a:extLst>
+              <a:ext uri="{FF2B5EF4-FFF2-40B4-BE49-F238E27FC236}">
+                <a16:creationId xmlns:a16="http://schemas.microsoft.com/office/drawing/2014/main" id="{2062EC8D-8537-DE4C-8CDC-71B4D9D8A67E}"/>
               </a:ext>
             </a:extLst>
           </p:cNvPr>
@@ -5930,15 +7312,21 @@
           <p:nvPr/>
         </p:nvPicPr>
         <p:blipFill>
-          <a:blip r:embed="rId2"/>
+          <a:blip r:embed="rId3">
+            <a:extLst>
+              <a:ext uri="{96DAC541-7B7A-43D3-8B79-37D633B846F1}">
+                <asvg:svgBlip xmlns:asvg="http://schemas.microsoft.com/office/drawing/2016/SVG/main" r:embed="rId4"/>
+              </a:ext>
+            </a:extLst>
+          </a:blip>
           <a:stretch>
             <a:fillRect/>
           </a:stretch>
         </p:blipFill>
         <p:spPr>
           <a:xfrm>
-            <a:off x="4032526" y="1631554"/>
-            <a:ext cx="3530600" cy="685800"/>
+            <a:off x="8062953" y="1871248"/>
+            <a:ext cx="3381717" cy="1152858"/>
           </a:xfrm>
           <a:prstGeom prst="rect">
             <a:avLst/>
@@ -5947,10 +7335,10 @@
       </p:pic>
       <p:pic>
         <p:nvPicPr>
-          <p:cNvPr id="12" name="Picture 11">
-            <a:extLst>
-              <a:ext uri="{FF2B5EF4-FFF2-40B4-BE49-F238E27FC236}">
-                <a16:creationId xmlns:a16="http://schemas.microsoft.com/office/drawing/2014/main" id="{1BEA6341-0CEE-E342-B5E4-08D202D4E8D9}"/>
+          <p:cNvPr id="10" name="Graphic 9">
+            <a:extLst>
+              <a:ext uri="{FF2B5EF4-FFF2-40B4-BE49-F238E27FC236}">
+                <a16:creationId xmlns:a16="http://schemas.microsoft.com/office/drawing/2014/main" id="{35B80EA3-29F4-1E4B-A839-B9DBFB9E5BA2}"/>
               </a:ext>
             </a:extLst>
           </p:cNvPr>
@@ -5960,15 +7348,21 @@
           <p:nvPr/>
         </p:nvPicPr>
         <p:blipFill>
-          <a:blip r:embed="rId3"/>
+          <a:blip r:embed="rId5">
+            <a:extLst>
+              <a:ext uri="{96DAC541-7B7A-43D3-8B79-37D633B846F1}">
+                <asvg:svgBlip xmlns:asvg="http://schemas.microsoft.com/office/drawing/2016/SVG/main" r:embed="rId6"/>
+              </a:ext>
+            </a:extLst>
+          </a:blip>
           <a:stretch>
             <a:fillRect/>
           </a:stretch>
         </p:blipFill>
         <p:spPr>
           <a:xfrm>
-            <a:off x="7308574" y="2519363"/>
-            <a:ext cx="4572000" cy="3657600"/>
+            <a:off x="8057093" y="3196811"/>
+            <a:ext cx="3945336" cy="1152858"/>
           </a:xfrm>
           <a:prstGeom prst="rect">
             <a:avLst/>
@@ -5977,10 +7371,10 @@
       </p:pic>
       <p:pic>
         <p:nvPicPr>
-          <p:cNvPr id="14" name="Picture 13">
-            <a:extLst>
-              <a:ext uri="{FF2B5EF4-FFF2-40B4-BE49-F238E27FC236}">
-                <a16:creationId xmlns:a16="http://schemas.microsoft.com/office/drawing/2014/main" id="{B178528C-AAFB-EE4C-8432-CAB0D26549C7}"/>
+          <p:cNvPr id="14" name="Graphic 13">
+            <a:extLst>
+              <a:ext uri="{FF2B5EF4-FFF2-40B4-BE49-F238E27FC236}">
+                <a16:creationId xmlns:a16="http://schemas.microsoft.com/office/drawing/2014/main" id="{1EA54041-73BB-8E45-94BE-DC4F56CE0DC4}"/>
               </a:ext>
             </a:extLst>
           </p:cNvPr>
@@ -5990,15 +7384,21 @@
           <p:nvPr/>
         </p:nvPicPr>
         <p:blipFill>
-          <a:blip r:embed="rId4"/>
+          <a:blip r:embed="rId7">
+            <a:extLst>
+              <a:ext uri="{96DAC541-7B7A-43D3-8B79-37D633B846F1}">
+                <asvg:svgBlip xmlns:asvg="http://schemas.microsoft.com/office/drawing/2016/SVG/main" r:embed="rId8"/>
+              </a:ext>
+            </a:extLst>
+          </a:blip>
           <a:stretch>
             <a:fillRect/>
           </a:stretch>
         </p:blipFill>
         <p:spPr>
           <a:xfrm>
-            <a:off x="0" y="4154557"/>
-            <a:ext cx="3657600" cy="2743200"/>
+            <a:off x="8057093" y="4522374"/>
+            <a:ext cx="2261735" cy="1183466"/>
           </a:xfrm>
           <a:prstGeom prst="rect">
             <a:avLst/>
@@ -6007,10 +7407,10 @@
       </p:pic>
       <p:pic>
         <p:nvPicPr>
-          <p:cNvPr id="16" name="Picture 15">
-            <a:extLst>
-              <a:ext uri="{FF2B5EF4-FFF2-40B4-BE49-F238E27FC236}">
-                <a16:creationId xmlns:a16="http://schemas.microsoft.com/office/drawing/2014/main" id="{E7E8FF11-C0D1-5542-B0C0-9499E762DB87}"/>
+          <p:cNvPr id="15" name="Picture 14">
+            <a:extLst>
+              <a:ext uri="{FF2B5EF4-FFF2-40B4-BE49-F238E27FC236}">
+                <a16:creationId xmlns:a16="http://schemas.microsoft.com/office/drawing/2014/main" id="{039E1BD2-1BCD-DA46-A97A-A4C72FF6B0CB}"/>
               </a:ext>
             </a:extLst>
           </p:cNvPr>
@@ -6020,25 +7420,98 @@
           <p:nvPr/>
         </p:nvPicPr>
         <p:blipFill>
-          <a:blip r:embed="rId5"/>
+          <a:blip r:embed="rId9"/>
           <a:stretch>
             <a:fillRect/>
           </a:stretch>
         </p:blipFill>
         <p:spPr>
           <a:xfrm>
-            <a:off x="3382130" y="4168259"/>
-            <a:ext cx="3657600" cy="2743200"/>
+            <a:off x="873643" y="1693126"/>
+            <a:ext cx="6131666" cy="2389094"/>
           </a:xfrm>
           <a:prstGeom prst="rect">
             <a:avLst/>
           </a:prstGeom>
         </p:spPr>
       </p:pic>
+      <p:pic>
+        <p:nvPicPr>
+          <p:cNvPr id="17" name="Picture 16">
+            <a:extLst>
+              <a:ext uri="{FF2B5EF4-FFF2-40B4-BE49-F238E27FC236}">
+                <a16:creationId xmlns:a16="http://schemas.microsoft.com/office/drawing/2014/main" id="{5985A2F3-A902-DD47-A96F-5E3726FA1734}"/>
+              </a:ext>
+            </a:extLst>
+          </p:cNvPr>
+          <p:cNvPicPr>
+            <a:picLocks noChangeAspect="1"/>
+          </p:cNvPicPr>
+          <p:nvPr/>
+        </p:nvPicPr>
+        <p:blipFill>
+          <a:blip r:embed="rId10"/>
+          <a:stretch>
+            <a:fillRect/>
+          </a:stretch>
+        </p:blipFill>
+        <p:spPr>
+          <a:xfrm>
+            <a:off x="3460174" y="3750602"/>
+            <a:ext cx="4293608" cy="3220206"/>
+          </a:xfrm>
+          <a:prstGeom prst="rect">
+            <a:avLst/>
+          </a:prstGeom>
+        </p:spPr>
+      </p:pic>
+      <p:sp>
+        <p:nvSpPr>
+          <p:cNvPr id="18" name="TextBox 17">
+            <a:extLst>
+              <a:ext uri="{FF2B5EF4-FFF2-40B4-BE49-F238E27FC236}">
+                <a16:creationId xmlns:a16="http://schemas.microsoft.com/office/drawing/2014/main" id="{06EA8B9A-3EB1-694E-ACF8-EE905A775774}"/>
+              </a:ext>
+            </a:extLst>
+          </p:cNvPr>
+          <p:cNvSpPr txBox="1"/>
+          <p:nvPr/>
+        </p:nvSpPr>
+        <p:spPr>
+          <a:xfrm>
+            <a:off x="8865371" y="5724656"/>
+            <a:ext cx="2328779" cy="307777"/>
+          </a:xfrm>
+          <a:prstGeom prst="rect">
+            <a:avLst/>
+          </a:prstGeom>
+          <a:noFill/>
+        </p:spPr>
+        <p:txBody>
+          <a:bodyPr wrap="none" rtlCol="0">
+            <a:spAutoFit/>
+          </a:bodyPr>
+          <a:lstStyle/>
+          <a:p>
+            <a:r>
+              <a:rPr lang="en-US" sz="1400" dirty="0"/>
+              <a:t>(courtesy of </a:t>
+            </a:r>
+            <a:r>
+              <a:rPr lang="en-US" sz="1400" dirty="0" err="1"/>
+              <a:t>TensorSensor</a:t>
+            </a:r>
+            <a:r>
+              <a:rPr lang="en-US" sz="1400" dirty="0"/>
+              <a:t>)</a:t>
+            </a:r>
+          </a:p>
+        </p:txBody>
+      </p:sp>
     </p:spTree>
     <p:extLst>
       <p:ext uri="{BB962C8B-B14F-4D97-AF65-F5344CB8AC3E}">
-        <p14:creationId xmlns:p14="http://schemas.microsoft.com/office/powerpoint/2010/main" val="4251213431"/>
+        <p14:creationId xmlns:p14="http://schemas.microsoft.com/office/powerpoint/2010/main" val="4166608278"/>
       </p:ext>
     </p:extLst>
   </p:cSld>
@@ -6070,7 +7543,7 @@
           <p:cNvPr id="2" name="Title 1">
             <a:extLst>
               <a:ext uri="{FF2B5EF4-FFF2-40B4-BE49-F238E27FC236}">
-                <a16:creationId xmlns:a16="http://schemas.microsoft.com/office/drawing/2014/main" id="{6CDD21CE-D1F0-614C-8E41-3C1CACD63000}"/>
+                <a16:creationId xmlns:a16="http://schemas.microsoft.com/office/drawing/2014/main" id="{94920348-73C8-124F-AAA7-407E19EFEBC0}"/>
               </a:ext>
             </a:extLst>
           </p:cNvPr>
@@ -6086,7 +7559,10 @@
           <a:bodyPr/>
           <a:lstStyle/>
           <a:p>
-            <a:endParaRPr lang="en-US"/>
+            <a:r>
+              <a:rPr lang="en-US" dirty="0"/>
+              <a:t>Too much strength can lead to overfitting</a:t>
+            </a:r>
           </a:p>
         </p:txBody>
       </p:sp>
@@ -6095,7 +7571,7 @@
           <p:cNvPr id="3" name="Content Placeholder 2">
             <a:extLst>
               <a:ext uri="{FF2B5EF4-FFF2-40B4-BE49-F238E27FC236}">
-                <a16:creationId xmlns:a16="http://schemas.microsoft.com/office/drawing/2014/main" id="{ACE95AC2-7E22-F849-9403-9FE052DA407C}"/>
+                <a16:creationId xmlns:a16="http://schemas.microsoft.com/office/drawing/2014/main" id="{D691D0BC-E438-AC43-802F-28F85258CB3A}"/>
               </a:ext>
             </a:extLst>
           </p:cNvPr>
@@ -6111,16 +7587,25 @@
           <a:bodyPr/>
           <a:lstStyle/>
           <a:p>
-            <a:endParaRPr lang="en-US" dirty="0"/>
-          </a:p>
-        </p:txBody>
-      </p:sp>
-      <p:sp>
-        <p:nvSpPr>
-          <p:cNvPr id="6" name="TextBox 5">
-            <a:extLst>
-              <a:ext uri="{FF2B5EF4-FFF2-40B4-BE49-F238E27FC236}">
-                <a16:creationId xmlns:a16="http://schemas.microsoft.com/office/drawing/2014/main" id="{6FF65EF3-7A1C-BB42-9AB4-6BD63009193B}"/>
+            <a:r>
+              <a:rPr lang="en-US" dirty="0"/>
+              <a:t>Models with too many parameters will overfit easily</a:t>
+            </a:r>
+          </a:p>
+          <a:p>
+            <a:r>
+              <a:rPr lang="en-US" dirty="0"/>
+              <a:t>We'll look at regularization later</a:t>
+            </a:r>
+          </a:p>
+        </p:txBody>
+      </p:sp>
+      <p:sp>
+        <p:nvSpPr>
+          <p:cNvPr id="4" name="TextBox 3">
+            <a:extLst>
+              <a:ext uri="{FF2B5EF4-FFF2-40B4-BE49-F238E27FC236}">
+                <a16:creationId xmlns:a16="http://schemas.microsoft.com/office/drawing/2014/main" id="{89743707-FAB1-884E-A142-EF99FDF2A2C3}"/>
               </a:ext>
             </a:extLst>
           </p:cNvPr>
@@ -6129,8 +7614,8 @@
         </p:nvSpPr>
         <p:spPr>
           <a:xfrm>
-            <a:off x="1007165" y="4304679"/>
-            <a:ext cx="2563522" cy="1754326"/>
+            <a:off x="2118231" y="3488229"/>
+            <a:ext cx="2563522" cy="1477328"/>
           </a:xfrm>
           <a:prstGeom prst="rect">
             <a:avLst/>
@@ -6167,7 +7652,7 @@
             </a:r>
             <a:r>
               <a:rPr lang="en-US" dirty="0"/>
-              <a:t>(2, 3),</a:t>
+              <a:t>(1, 1000),</a:t>
             </a:r>
           </a:p>
           <a:p>
@@ -6177,7 +7662,7 @@
             </a:r>
             <a:r>
               <a:rPr lang="en-US" dirty="0" err="1"/>
-              <a:t>nn.Tanh</a:t>
+              <a:t>nn.ReLU</a:t>
             </a:r>
             <a:r>
               <a:rPr lang="en-US" dirty="0"/>
@@ -6195,21 +7680,7 @@
             </a:r>
             <a:r>
               <a:rPr lang="en-US" dirty="0"/>
-              <a:t>(3, 1),</a:t>
-            </a:r>
-          </a:p>
-          <a:p>
-            <a:r>
-              <a:rPr lang="en-US" dirty="0"/>
-              <a:t>    </a:t>
-            </a:r>
-            <a:r>
-              <a:rPr lang="en-US" dirty="0" err="1"/>
-              <a:t>nn.Sigmoid</a:t>
-            </a:r>
-            <a:r>
-              <a:rPr lang="en-US" dirty="0"/>
-              <a:t>()</a:t>
+              <a:t>(1000, 1)</a:t>
             </a:r>
           </a:p>
           <a:p>
@@ -6225,7 +7696,7 @@
           <p:cNvPr id="8" name="Picture 7">
             <a:extLst>
               <a:ext uri="{FF2B5EF4-FFF2-40B4-BE49-F238E27FC236}">
-                <a16:creationId xmlns:a16="http://schemas.microsoft.com/office/drawing/2014/main" id="{1B9B48D8-D12C-AB46-AB79-4D922CFC5B8B}"/>
+                <a16:creationId xmlns:a16="http://schemas.microsoft.com/office/drawing/2014/main" id="{4E9EFC00-CC3A-2842-872F-8832710E564F}"/>
               </a:ext>
             </a:extLst>
           </p:cNvPr>
@@ -6242,38 +7713,8 @@
         </p:blipFill>
         <p:spPr>
           <a:xfrm>
-            <a:off x="1007165" y="2429842"/>
-            <a:ext cx="5956300" cy="1739900"/>
-          </a:xfrm>
-          <a:prstGeom prst="rect">
-            <a:avLst/>
-          </a:prstGeom>
-        </p:spPr>
-      </p:pic>
-      <p:pic>
-        <p:nvPicPr>
-          <p:cNvPr id="10" name="Picture 9">
-            <a:extLst>
-              <a:ext uri="{FF2B5EF4-FFF2-40B4-BE49-F238E27FC236}">
-                <a16:creationId xmlns:a16="http://schemas.microsoft.com/office/drawing/2014/main" id="{6A742C6B-7095-2945-BFE8-D7227E343B7C}"/>
-              </a:ext>
-            </a:extLst>
-          </p:cNvPr>
-          <p:cNvPicPr>
-            <a:picLocks noChangeAspect="1"/>
-          </p:cNvPicPr>
-          <p:nvPr/>
-        </p:nvPicPr>
-        <p:blipFill>
-          <a:blip r:embed="rId3"/>
-          <a:stretch>
-            <a:fillRect/>
-          </a:stretch>
-        </p:blipFill>
-        <p:spPr>
-          <a:xfrm>
-            <a:off x="6781800" y="1958009"/>
-            <a:ext cx="4572000" cy="3657600"/>
+            <a:off x="5961783" y="2276824"/>
+            <a:ext cx="5200185" cy="3900139"/>
           </a:xfrm>
           <a:prstGeom prst="rect">
             <a:avLst/>
@@ -6283,7 +7724,7 @@
     </p:spTree>
     <p:extLst>
       <p:ext uri="{BB962C8B-B14F-4D97-AF65-F5344CB8AC3E}">
-        <p14:creationId xmlns:p14="http://schemas.microsoft.com/office/powerpoint/2010/main" val="3455785278"/>
+        <p14:creationId xmlns:p14="http://schemas.microsoft.com/office/powerpoint/2010/main" val="4061427620"/>
       </p:ext>
     </p:extLst>
   </p:cSld>
@@ -6315,7 +7756,7 @@
           <p:cNvPr id="2" name="Title 1">
             <a:extLst>
               <a:ext uri="{FF2B5EF4-FFF2-40B4-BE49-F238E27FC236}">
-                <a16:creationId xmlns:a16="http://schemas.microsoft.com/office/drawing/2014/main" id="{49B89F71-6727-3B45-B145-86DE943E433F}"/>
+                <a16:creationId xmlns:a16="http://schemas.microsoft.com/office/drawing/2014/main" id="{F499536E-B42C-8B4A-B851-485A25443527}"/>
               </a:ext>
             </a:extLst>
           </p:cNvPr>
@@ -6331,16 +7772,19 @@
           <a:bodyPr/>
           <a:lstStyle/>
           <a:p>
-            <a:endParaRPr lang="en-US"/>
-          </a:p>
-        </p:txBody>
-      </p:sp>
-      <p:sp>
-        <p:nvSpPr>
-          <p:cNvPr id="3" name="Content Placeholder 2">
-            <a:extLst>
-              <a:ext uri="{FF2B5EF4-FFF2-40B4-BE49-F238E27FC236}">
-                <a16:creationId xmlns:a16="http://schemas.microsoft.com/office/drawing/2014/main" id="{B864C968-1E1F-EB41-91D6-56A5000EAB5C}"/>
+            <a:r>
+              <a:rPr lang="en-US" dirty="0"/>
+              <a:t>Classifiers</a:t>
+            </a:r>
+          </a:p>
+        </p:txBody>
+      </p:sp>
+      <p:sp>
+        <p:nvSpPr>
+          <p:cNvPr id="3" name="Text Placeholder 2">
+            <a:extLst>
+              <a:ext uri="{FF2B5EF4-FFF2-40B4-BE49-F238E27FC236}">
+                <a16:creationId xmlns:a16="http://schemas.microsoft.com/office/drawing/2014/main" id="{5428D420-0775-664D-9194-F8094F3C6694}"/>
               </a:ext>
             </a:extLst>
           </p:cNvPr>
@@ -6348,7 +7792,7 @@
             <a:spLocks noGrp="1"/>
           </p:cNvSpPr>
           <p:nvPr>
-            <p:ph idx="1"/>
+            <p:ph type="body" idx="1"/>
           </p:nvPr>
         </p:nvSpPr>
         <p:spPr/>
@@ -6357,213 +7801,13 @@
           <a:lstStyle/>
           <a:p>
             <a:endParaRPr lang="en-US"/>
-          </a:p>
-        </p:txBody>
-      </p:sp>
-      <p:pic>
-        <p:nvPicPr>
-          <p:cNvPr id="5" name="Picture 4">
-            <a:extLst>
-              <a:ext uri="{FF2B5EF4-FFF2-40B4-BE49-F238E27FC236}">
-                <a16:creationId xmlns:a16="http://schemas.microsoft.com/office/drawing/2014/main" id="{3713F659-EB8D-CF42-9AF8-65FE292B13B7}"/>
-              </a:ext>
-            </a:extLst>
-          </p:cNvPr>
-          <p:cNvPicPr>
-            <a:picLocks noChangeAspect="1"/>
-          </p:cNvPicPr>
-          <p:nvPr/>
-        </p:nvPicPr>
-        <p:blipFill>
-          <a:blip r:embed="rId2"/>
-          <a:stretch>
-            <a:fillRect/>
-          </a:stretch>
-        </p:blipFill>
-        <p:spPr>
-          <a:xfrm>
-            <a:off x="7169426" y="1690688"/>
-            <a:ext cx="4572000" cy="3657600"/>
-          </a:xfrm>
-          <a:prstGeom prst="rect">
-            <a:avLst/>
-          </a:prstGeom>
-        </p:spPr>
-      </p:pic>
-      <p:sp>
-        <p:nvSpPr>
-          <p:cNvPr id="6" name="TextBox 5">
-            <a:extLst>
-              <a:ext uri="{FF2B5EF4-FFF2-40B4-BE49-F238E27FC236}">
-                <a16:creationId xmlns:a16="http://schemas.microsoft.com/office/drawing/2014/main" id="{94A1DBFD-8A01-9842-BFDB-B4D06B3D9207}"/>
-              </a:ext>
-            </a:extLst>
-          </p:cNvPr>
-          <p:cNvSpPr txBox="1"/>
-          <p:nvPr/>
-        </p:nvSpPr>
-        <p:spPr>
-          <a:xfrm>
-            <a:off x="5267739" y="5167312"/>
-            <a:ext cx="2634054" cy="1754326"/>
-          </a:xfrm>
-          <a:prstGeom prst="rect">
-            <a:avLst/>
-          </a:prstGeom>
-          <a:noFill/>
-        </p:spPr>
-        <p:txBody>
-          <a:bodyPr wrap="none" rtlCol="0">
-            <a:spAutoFit/>
-          </a:bodyPr>
-          <a:lstStyle/>
-          <a:p>
-            <a:r>
-              <a:rPr lang="en-US" dirty="0"/>
-              <a:t>model = </a:t>
-            </a:r>
-            <a:r>
-              <a:rPr lang="en-US" dirty="0" err="1"/>
-              <a:t>nn.Sequential</a:t>
-            </a:r>
-            <a:r>
-              <a:rPr lang="en-US" dirty="0"/>
-              <a:t>(</a:t>
-            </a:r>
-          </a:p>
-          <a:p>
-            <a:r>
-              <a:rPr lang="en-US" dirty="0"/>
-              <a:t>    </a:t>
-            </a:r>
-            <a:r>
-              <a:rPr lang="en-US" dirty="0" err="1"/>
-              <a:t>nn.Linear</a:t>
-            </a:r>
-            <a:r>
-              <a:rPr lang="en-US" dirty="0"/>
-              <a:t>(2, 10),</a:t>
-            </a:r>
-          </a:p>
-          <a:p>
-            <a:r>
-              <a:rPr lang="en-US" dirty="0"/>
-              <a:t>    </a:t>
-            </a:r>
-            <a:r>
-              <a:rPr lang="en-US" dirty="0" err="1"/>
-              <a:t>nn.Sigmoid</a:t>
-            </a:r>
-            <a:r>
-              <a:rPr lang="en-US" dirty="0"/>
-              <a:t>(),</a:t>
-            </a:r>
-          </a:p>
-          <a:p>
-            <a:r>
-              <a:rPr lang="en-US" dirty="0"/>
-              <a:t>    </a:t>
-            </a:r>
-            <a:r>
-              <a:rPr lang="en-US" dirty="0" err="1"/>
-              <a:t>nn.Linear</a:t>
-            </a:r>
-            <a:r>
-              <a:rPr lang="en-US" dirty="0"/>
-              <a:t>(10, 1),</a:t>
-            </a:r>
-          </a:p>
-          <a:p>
-            <a:r>
-              <a:rPr lang="en-US" dirty="0"/>
-              <a:t>    </a:t>
-            </a:r>
-            <a:r>
-              <a:rPr lang="en-US" dirty="0" err="1"/>
-              <a:t>nn.Sigmoid</a:t>
-            </a:r>
-            <a:r>
-              <a:rPr lang="en-US" dirty="0"/>
-              <a:t>()</a:t>
-            </a:r>
-          </a:p>
-          <a:p>
-            <a:r>
-              <a:rPr lang="en-US" dirty="0"/>
-              <a:t>)</a:t>
-            </a:r>
-          </a:p>
-        </p:txBody>
-      </p:sp>
-      <p:pic>
-        <p:nvPicPr>
-          <p:cNvPr id="8" name="Picture 7">
-            <a:extLst>
-              <a:ext uri="{FF2B5EF4-FFF2-40B4-BE49-F238E27FC236}">
-                <a16:creationId xmlns:a16="http://schemas.microsoft.com/office/drawing/2014/main" id="{AEB63B7C-26E1-3843-842B-116B4054BBCA}"/>
-              </a:ext>
-            </a:extLst>
-          </p:cNvPr>
-          <p:cNvPicPr>
-            <a:picLocks noChangeAspect="1"/>
-          </p:cNvPicPr>
-          <p:nvPr/>
-        </p:nvPicPr>
-        <p:blipFill>
-          <a:blip r:embed="rId3"/>
-          <a:stretch>
-            <a:fillRect/>
-          </a:stretch>
-        </p:blipFill>
-        <p:spPr>
-          <a:xfrm>
-            <a:off x="1202539" y="1944894"/>
-            <a:ext cx="5016044" cy="3946525"/>
-          </a:xfrm>
-          <a:prstGeom prst="rect">
-            <a:avLst/>
-          </a:prstGeom>
-        </p:spPr>
-      </p:pic>
-      <p:sp>
-        <p:nvSpPr>
-          <p:cNvPr id="10" name="TextBox 9">
-            <a:extLst>
-              <a:ext uri="{FF2B5EF4-FFF2-40B4-BE49-F238E27FC236}">
-                <a16:creationId xmlns:a16="http://schemas.microsoft.com/office/drawing/2014/main" id="{9B2598FD-472A-8F4F-890C-158B51E9B266}"/>
-              </a:ext>
-            </a:extLst>
-          </p:cNvPr>
-          <p:cNvSpPr txBox="1"/>
-          <p:nvPr/>
-        </p:nvSpPr>
-        <p:spPr>
-          <a:xfrm>
-            <a:off x="1202539" y="6296232"/>
-            <a:ext cx="1467068" cy="369332"/>
-          </a:xfrm>
-          <a:prstGeom prst="rect">
-            <a:avLst/>
-          </a:prstGeom>
-          <a:noFill/>
-        </p:spPr>
-        <p:txBody>
-          <a:bodyPr wrap="none" rtlCol="0">
-            <a:spAutoFit/>
-          </a:bodyPr>
-          <a:lstStyle/>
-          <a:p>
-            <a:r>
-              <a:rPr lang="en-US" dirty="0"/>
-              <a:t>Likely overfit</a:t>
-            </a:r>
           </a:p>
         </p:txBody>
       </p:sp>
     </p:spTree>
     <p:extLst>
       <p:ext uri="{BB962C8B-B14F-4D97-AF65-F5344CB8AC3E}">
-        <p14:creationId xmlns:p14="http://schemas.microsoft.com/office/powerpoint/2010/main" val="2345040433"/>
+        <p14:creationId xmlns:p14="http://schemas.microsoft.com/office/powerpoint/2010/main" val="416341110"/>
       </p:ext>
     </p:extLst>
   </p:cSld>
@@ -6595,7 +7839,7 @@
           <p:cNvPr id="2" name="Title 1">
             <a:extLst>
               <a:ext uri="{FF2B5EF4-FFF2-40B4-BE49-F238E27FC236}">
-                <a16:creationId xmlns:a16="http://schemas.microsoft.com/office/drawing/2014/main" id="{E4CEFC32-7068-4649-A78A-E6193ACBDAFF}"/>
+                <a16:creationId xmlns:a16="http://schemas.microsoft.com/office/drawing/2014/main" id="{B08802F1-79F9-B844-B1FA-47147E170B80}"/>
               </a:ext>
             </a:extLst>
           </p:cNvPr>
@@ -6613,7 +7857,7 @@
           <a:p>
             <a:r>
               <a:rPr lang="en-US" dirty="0"/>
-              <a:t>What is math here? Vector transforms</a:t>
+              <a:t>Binary classifiers</a:t>
             </a:r>
           </a:p>
         </p:txBody>
@@ -6623,7 +7867,7 @@
           <p:cNvPr id="3" name="Content Placeholder 2">
             <a:extLst>
               <a:ext uri="{FF2B5EF4-FFF2-40B4-BE49-F238E27FC236}">
-                <a16:creationId xmlns:a16="http://schemas.microsoft.com/office/drawing/2014/main" id="{091CD021-E7AA-E740-B4E2-73E0B317EA81}"/>
+                <a16:creationId xmlns:a16="http://schemas.microsoft.com/office/drawing/2014/main" id="{D165BE80-36B0-E741-B0EE-EE774712B3F1}"/>
               </a:ext>
             </a:extLst>
           </p:cNvPr>
@@ -6634,44 +7878,72 @@
             <p:ph idx="1"/>
           </p:nvPr>
         </p:nvSpPr>
-        <p:spPr/>
+        <p:spPr>
+          <a:xfrm>
+            <a:off x="838200" y="1825625"/>
+            <a:ext cx="6911898" cy="4351338"/>
+          </a:xfrm>
+        </p:spPr>
         <p:txBody>
           <a:bodyPr/>
           <a:lstStyle/>
           <a:p>
-            <a:endParaRPr lang="en-US" dirty="0"/>
-          </a:p>
-        </p:txBody>
-      </p:sp>
-      <p:sp>
-        <p:nvSpPr>
-          <p:cNvPr id="5" name="Rectangle 4">
-            <a:extLst>
-              <a:ext uri="{FF2B5EF4-FFF2-40B4-BE49-F238E27FC236}">
-                <a16:creationId xmlns:a16="http://schemas.microsoft.com/office/drawing/2014/main" id="{7935FA76-997D-9047-AC3A-8643071F8ADE}"/>
-              </a:ext>
-            </a:extLst>
-          </p:cNvPr>
-          <p:cNvSpPr/>
+            <a:r>
+              <a:rPr lang="en-US" dirty="0"/>
+              <a:t>Add sigmoid to regressor and we get a two-class classifier</a:t>
+            </a:r>
+          </a:p>
+          <a:p>
+            <a:r>
+              <a:rPr lang="en-US" dirty="0"/>
+              <a:t>One-layer network with sigmoid activation function is just a logistic regression models</a:t>
+            </a:r>
+          </a:p>
+          <a:p>
+            <a:r>
+              <a:rPr lang="en-US" dirty="0"/>
+              <a:t>Provide hyper-plane decision surfaces</a:t>
+            </a:r>
+          </a:p>
+        </p:txBody>
+      </p:sp>
+      <p:sp>
+        <p:nvSpPr>
+          <p:cNvPr id="5" name="TextBox 4">
+            <a:extLst>
+              <a:ext uri="{FF2B5EF4-FFF2-40B4-BE49-F238E27FC236}">
+                <a16:creationId xmlns:a16="http://schemas.microsoft.com/office/drawing/2014/main" id="{87A7A1CD-FB32-7C47-A941-9D8CFF4347B9}"/>
+              </a:ext>
+            </a:extLst>
+          </p:cNvPr>
+          <p:cNvSpPr txBox="1"/>
           <p:nvPr/>
         </p:nvSpPr>
         <p:spPr>
           <a:xfrm>
-            <a:off x="1139687" y="4145638"/>
-            <a:ext cx="2686878" cy="2031325"/>
+            <a:off x="2153486" y="4834572"/>
+            <a:ext cx="3249608" cy="1477328"/>
           </a:xfrm>
           <a:prstGeom prst="rect">
             <a:avLst/>
           </a:prstGeom>
+          <a:noFill/>
         </p:spPr>
         <p:txBody>
-          <a:bodyPr wrap="square">
+          <a:bodyPr wrap="none" rtlCol="0">
             <a:spAutoFit/>
           </a:bodyPr>
           <a:lstStyle/>
           <a:p>
             <a:r>
               <a:rPr lang="en-US" dirty="0"/>
+              <a:t># 2 input vars: proline, alcohol</a:t>
+            </a:r>
+            <a:br>
+              <a:rPr lang="en-US" dirty="0"/>
+            </a:br>
+            <a:r>
+              <a:rPr lang="en-US" dirty="0"/>
               <a:t>model = </a:t>
             </a:r>
             <a:r>
@@ -6694,7 +7966,7 @@
             </a:r>
             <a:r>
               <a:rPr lang="en-US" dirty="0"/>
-              <a:t>(1, 5),</a:t>
+              <a:t>(2, 1), </a:t>
             </a:r>
           </a:p>
           <a:p>
@@ -6704,53 +7976,11 @@
             </a:r>
             <a:r>
               <a:rPr lang="en-US" dirty="0" err="1"/>
-              <a:t>nn.ReLU</a:t>
+              <a:t>nn.Sigmoid</a:t>
             </a:r>
             <a:r>
               <a:rPr lang="en-US" dirty="0"/>
               <a:t>(),</a:t>
-            </a:r>
-          </a:p>
-          <a:p>
-            <a:r>
-              <a:rPr lang="en-US" dirty="0"/>
-              <a:t>    </a:t>
-            </a:r>
-            <a:r>
-              <a:rPr lang="en-US" dirty="0" err="1"/>
-              <a:t>nn.Linear</a:t>
-            </a:r>
-            <a:r>
-              <a:rPr lang="en-US" dirty="0"/>
-              <a:t>(5, 2),</a:t>
-            </a:r>
-          </a:p>
-          <a:p>
-            <a:r>
-              <a:rPr lang="en-US" dirty="0"/>
-              <a:t>    </a:t>
-            </a:r>
-            <a:r>
-              <a:rPr lang="en-US" dirty="0" err="1"/>
-              <a:t>nn.ReLU</a:t>
-            </a:r>
-            <a:r>
-              <a:rPr lang="en-US" dirty="0"/>
-              <a:t>(),</a:t>
-            </a:r>
-          </a:p>
-          <a:p>
-            <a:r>
-              <a:rPr lang="en-US" dirty="0"/>
-              <a:t>    </a:t>
-            </a:r>
-            <a:r>
-              <a:rPr lang="en-US" dirty="0" err="1"/>
-              <a:t>nn.Linear</a:t>
-            </a:r>
-            <a:r>
-              <a:rPr lang="en-US" dirty="0"/>
-              <a:t>(2, 1)</a:t>
             </a:r>
           </a:p>
           <a:p>
@@ -6763,10 +7993,10 @@
       </p:sp>
       <p:pic>
         <p:nvPicPr>
-          <p:cNvPr id="8" name="Graphic 7">
-            <a:extLst>
-              <a:ext uri="{FF2B5EF4-FFF2-40B4-BE49-F238E27FC236}">
-                <a16:creationId xmlns:a16="http://schemas.microsoft.com/office/drawing/2014/main" id="{2062EC8D-8537-DE4C-8CDC-71B4D9D8A67E}"/>
+          <p:cNvPr id="10" name="Picture 9">
+            <a:extLst>
+              <a:ext uri="{FF2B5EF4-FFF2-40B4-BE49-F238E27FC236}">
+                <a16:creationId xmlns:a16="http://schemas.microsoft.com/office/drawing/2014/main" id="{6D35E14F-B03F-2F4A-AB34-71F7A1E5A6B0}"/>
               </a:ext>
             </a:extLst>
           </p:cNvPr>
@@ -6776,21 +8006,15 @@
           <p:nvPr/>
         </p:nvPicPr>
         <p:blipFill>
-          <a:blip r:embed="rId2">
-            <a:extLst>
-              <a:ext uri="{96DAC541-7B7A-43D3-8B79-37D633B846F1}">
-                <asvg:svgBlip xmlns:asvg="http://schemas.microsoft.com/office/drawing/2016/SVG/main" r:embed="rId3"/>
-              </a:ext>
-            </a:extLst>
-          </a:blip>
+          <a:blip r:embed="rId2"/>
           <a:stretch>
             <a:fillRect/>
           </a:stretch>
         </p:blipFill>
         <p:spPr>
           <a:xfrm>
-            <a:off x="8252525" y="1462640"/>
-            <a:ext cx="2759994" cy="940907"/>
+            <a:off x="7949909" y="685006"/>
+            <a:ext cx="3530600" cy="685800"/>
           </a:xfrm>
           <a:prstGeom prst="rect">
             <a:avLst/>
@@ -6799,10 +8023,10 @@
       </p:pic>
       <p:pic>
         <p:nvPicPr>
-          <p:cNvPr id="10" name="Graphic 9">
-            <a:extLst>
-              <a:ext uri="{FF2B5EF4-FFF2-40B4-BE49-F238E27FC236}">
-                <a16:creationId xmlns:a16="http://schemas.microsoft.com/office/drawing/2014/main" id="{35B80EA3-29F4-1E4B-A839-B9DBFB9E5BA2}"/>
+          <p:cNvPr id="12" name="Picture 11">
+            <a:extLst>
+              <a:ext uri="{FF2B5EF4-FFF2-40B4-BE49-F238E27FC236}">
+                <a16:creationId xmlns:a16="http://schemas.microsoft.com/office/drawing/2014/main" id="{1BEA6341-0CEE-E342-B5E4-08D202D4E8D9}"/>
               </a:ext>
             </a:extLst>
           </p:cNvPr>
@@ -6812,87 +8036,15 @@
           <p:nvPr/>
         </p:nvPicPr>
         <p:blipFill>
-          <a:blip r:embed="rId4">
-            <a:extLst>
-              <a:ext uri="{96DAC541-7B7A-43D3-8B79-37D633B846F1}">
-                <asvg:svgBlip xmlns:asvg="http://schemas.microsoft.com/office/drawing/2016/SVG/main" r:embed="rId5"/>
-              </a:ext>
-            </a:extLst>
-          </a:blip>
+          <a:blip r:embed="rId3"/>
           <a:stretch>
             <a:fillRect/>
           </a:stretch>
         </p:blipFill>
         <p:spPr>
           <a:xfrm>
-            <a:off x="8252524" y="2556593"/>
-            <a:ext cx="3219993" cy="940907"/>
-          </a:xfrm>
-          <a:prstGeom prst="rect">
-            <a:avLst/>
-          </a:prstGeom>
-        </p:spPr>
-      </p:pic>
-      <p:pic>
-        <p:nvPicPr>
-          <p:cNvPr id="14" name="Graphic 13">
-            <a:extLst>
-              <a:ext uri="{FF2B5EF4-FFF2-40B4-BE49-F238E27FC236}">
-                <a16:creationId xmlns:a16="http://schemas.microsoft.com/office/drawing/2014/main" id="{1EA54041-73BB-8E45-94BE-DC4F56CE0DC4}"/>
-              </a:ext>
-            </a:extLst>
-          </p:cNvPr>
-          <p:cNvPicPr>
-            <a:picLocks noChangeAspect="1"/>
-          </p:cNvPicPr>
-          <p:nvPr/>
-        </p:nvPicPr>
-        <p:blipFill>
-          <a:blip r:embed="rId6">
-            <a:extLst>
-              <a:ext uri="{96DAC541-7B7A-43D3-8B79-37D633B846F1}">
-                <asvg:svgBlip xmlns:asvg="http://schemas.microsoft.com/office/drawing/2016/SVG/main" r:embed="rId7"/>
-              </a:ext>
-            </a:extLst>
-          </a:blip>
-          <a:stretch>
-            <a:fillRect/>
-          </a:stretch>
-        </p:blipFill>
-        <p:spPr>
-          <a:xfrm>
-            <a:off x="8252523" y="3767675"/>
-            <a:ext cx="1845919" cy="965888"/>
-          </a:xfrm>
-          <a:prstGeom prst="rect">
-            <a:avLst/>
-          </a:prstGeom>
-        </p:spPr>
-      </p:pic>
-      <p:pic>
-        <p:nvPicPr>
-          <p:cNvPr id="15" name="Picture 14">
-            <a:extLst>
-              <a:ext uri="{FF2B5EF4-FFF2-40B4-BE49-F238E27FC236}">
-                <a16:creationId xmlns:a16="http://schemas.microsoft.com/office/drawing/2014/main" id="{039E1BD2-1BCD-DA46-A97A-A4C72FF6B0CB}"/>
-              </a:ext>
-            </a:extLst>
-          </p:cNvPr>
-          <p:cNvPicPr>
-            <a:picLocks noChangeAspect="1"/>
-          </p:cNvPicPr>
-          <p:nvPr/>
-        </p:nvPicPr>
-        <p:blipFill>
-          <a:blip r:embed="rId8"/>
-          <a:stretch>
-            <a:fillRect/>
-          </a:stretch>
-        </p:blipFill>
-        <p:spPr>
-          <a:xfrm>
-            <a:off x="956917" y="1427532"/>
-            <a:ext cx="6131666" cy="2389094"/>
+            <a:off x="7284162" y="1690688"/>
+            <a:ext cx="4572000" cy="3657600"/>
           </a:xfrm>
           <a:prstGeom prst="rect">
             <a:avLst/>
@@ -6902,7 +8054,7 @@
     </p:spTree>
     <p:extLst>
       <p:ext uri="{BB962C8B-B14F-4D97-AF65-F5344CB8AC3E}">
-        <p14:creationId xmlns:p14="http://schemas.microsoft.com/office/powerpoint/2010/main" val="4166608278"/>
+        <p14:creationId xmlns:p14="http://schemas.microsoft.com/office/powerpoint/2010/main" val="4251213431"/>
       </p:ext>
     </p:extLst>
   </p:cSld>
@@ -7086,6 +8238,821 @@
           <p:cNvPr id="2" name="Title 1">
             <a:extLst>
               <a:ext uri="{FF2B5EF4-FFF2-40B4-BE49-F238E27FC236}">
+                <a16:creationId xmlns:a16="http://schemas.microsoft.com/office/drawing/2014/main" id="{6CDD21CE-D1F0-614C-8E41-3C1CACD63000}"/>
+              </a:ext>
+            </a:extLst>
+          </p:cNvPr>
+          <p:cNvSpPr>
+            <a:spLocks noGrp="1"/>
+          </p:cNvSpPr>
+          <p:nvPr>
+            <p:ph type="title"/>
+          </p:nvPr>
+        </p:nvSpPr>
+        <p:spPr/>
+        <p:txBody>
+          <a:bodyPr/>
+          <a:lstStyle/>
+          <a:p>
+            <a:r>
+              <a:rPr lang="en-US" dirty="0"/>
+              <a:t>Stack neurons, add layer</a:t>
+            </a:r>
+          </a:p>
+        </p:txBody>
+      </p:sp>
+      <p:sp>
+        <p:nvSpPr>
+          <p:cNvPr id="3" name="Content Placeholder 2">
+            <a:extLst>
+              <a:ext uri="{FF2B5EF4-FFF2-40B4-BE49-F238E27FC236}">
+                <a16:creationId xmlns:a16="http://schemas.microsoft.com/office/drawing/2014/main" id="{ACE95AC2-7E22-F849-9403-9FE052DA407C}"/>
+              </a:ext>
+            </a:extLst>
+          </p:cNvPr>
+          <p:cNvSpPr>
+            <a:spLocks noGrp="1"/>
+          </p:cNvSpPr>
+          <p:nvPr>
+            <p:ph idx="1"/>
+          </p:nvPr>
+        </p:nvSpPr>
+        <p:spPr/>
+        <p:txBody>
+          <a:bodyPr/>
+          <a:lstStyle/>
+          <a:p>
+            <a:endParaRPr lang="en-US" dirty="0"/>
+          </a:p>
+        </p:txBody>
+      </p:sp>
+      <p:sp>
+        <p:nvSpPr>
+          <p:cNvPr id="6" name="TextBox 5">
+            <a:extLst>
+              <a:ext uri="{FF2B5EF4-FFF2-40B4-BE49-F238E27FC236}">
+                <a16:creationId xmlns:a16="http://schemas.microsoft.com/office/drawing/2014/main" id="{6FF65EF3-7A1C-BB42-9AB4-6BD63009193B}"/>
+              </a:ext>
+            </a:extLst>
+          </p:cNvPr>
+          <p:cNvSpPr txBox="1"/>
+          <p:nvPr/>
+        </p:nvSpPr>
+        <p:spPr>
+          <a:xfrm>
+            <a:off x="1007165" y="4304679"/>
+            <a:ext cx="2563522" cy="1754326"/>
+          </a:xfrm>
+          <a:prstGeom prst="rect">
+            <a:avLst/>
+          </a:prstGeom>
+          <a:noFill/>
+        </p:spPr>
+        <p:txBody>
+          <a:bodyPr wrap="none" rtlCol="0">
+            <a:spAutoFit/>
+          </a:bodyPr>
+          <a:lstStyle/>
+          <a:p>
+            <a:r>
+              <a:rPr lang="en-US" dirty="0"/>
+              <a:t>model = </a:t>
+            </a:r>
+            <a:r>
+              <a:rPr lang="en-US" dirty="0" err="1"/>
+              <a:t>nn.Sequential</a:t>
+            </a:r>
+            <a:r>
+              <a:rPr lang="en-US" dirty="0"/>
+              <a:t>(</a:t>
+            </a:r>
+          </a:p>
+          <a:p>
+            <a:r>
+              <a:rPr lang="en-US" dirty="0"/>
+              <a:t>    </a:t>
+            </a:r>
+            <a:r>
+              <a:rPr lang="en-US" dirty="0" err="1"/>
+              <a:t>nn.Linear</a:t>
+            </a:r>
+            <a:r>
+              <a:rPr lang="en-US" dirty="0"/>
+              <a:t>(2, 3),</a:t>
+            </a:r>
+          </a:p>
+          <a:p>
+            <a:r>
+              <a:rPr lang="en-US" dirty="0"/>
+              <a:t>    </a:t>
+            </a:r>
+            <a:r>
+              <a:rPr lang="en-US" dirty="0" err="1"/>
+              <a:t>nn</a:t>
+            </a:r>
+            <a:r>
+              <a:rPr lang="en-US" dirty="0"/>
+              <a:t>. Sigmoid(),</a:t>
+            </a:r>
+          </a:p>
+          <a:p>
+            <a:r>
+              <a:rPr lang="en-US" dirty="0"/>
+              <a:t>    </a:t>
+            </a:r>
+            <a:r>
+              <a:rPr lang="en-US" dirty="0" err="1"/>
+              <a:t>nn.Linear</a:t>
+            </a:r>
+            <a:r>
+              <a:rPr lang="en-US" dirty="0"/>
+              <a:t>(3, 1),</a:t>
+            </a:r>
+          </a:p>
+          <a:p>
+            <a:r>
+              <a:rPr lang="en-US" dirty="0"/>
+              <a:t>    </a:t>
+            </a:r>
+            <a:r>
+              <a:rPr lang="en-US" dirty="0" err="1"/>
+              <a:t>nn.Sigmoid</a:t>
+            </a:r>
+            <a:r>
+              <a:rPr lang="en-US" dirty="0"/>
+              <a:t>()</a:t>
+            </a:r>
+          </a:p>
+          <a:p>
+            <a:r>
+              <a:rPr lang="en-US" dirty="0"/>
+              <a:t>)</a:t>
+            </a:r>
+          </a:p>
+        </p:txBody>
+      </p:sp>
+      <p:pic>
+        <p:nvPicPr>
+          <p:cNvPr id="8" name="Picture 7">
+            <a:extLst>
+              <a:ext uri="{FF2B5EF4-FFF2-40B4-BE49-F238E27FC236}">
+                <a16:creationId xmlns:a16="http://schemas.microsoft.com/office/drawing/2014/main" id="{1B9B48D8-D12C-AB46-AB79-4D922CFC5B8B}"/>
+              </a:ext>
+            </a:extLst>
+          </p:cNvPr>
+          <p:cNvPicPr>
+            <a:picLocks noChangeAspect="1"/>
+          </p:cNvPicPr>
+          <p:nvPr/>
+        </p:nvPicPr>
+        <p:blipFill>
+          <a:blip r:embed="rId2"/>
+          <a:stretch>
+            <a:fillRect/>
+          </a:stretch>
+        </p:blipFill>
+        <p:spPr>
+          <a:xfrm>
+            <a:off x="1007165" y="2429842"/>
+            <a:ext cx="5956300" cy="1739900"/>
+          </a:xfrm>
+          <a:prstGeom prst="rect">
+            <a:avLst/>
+          </a:prstGeom>
+        </p:spPr>
+      </p:pic>
+      <p:pic>
+        <p:nvPicPr>
+          <p:cNvPr id="10" name="Picture 9">
+            <a:extLst>
+              <a:ext uri="{FF2B5EF4-FFF2-40B4-BE49-F238E27FC236}">
+                <a16:creationId xmlns:a16="http://schemas.microsoft.com/office/drawing/2014/main" id="{6A742C6B-7095-2945-BFE8-D7227E343B7C}"/>
+              </a:ext>
+            </a:extLst>
+          </p:cNvPr>
+          <p:cNvPicPr>
+            <a:picLocks noChangeAspect="1"/>
+          </p:cNvPicPr>
+          <p:nvPr/>
+        </p:nvPicPr>
+        <p:blipFill>
+          <a:blip r:embed="rId3"/>
+          <a:stretch>
+            <a:fillRect/>
+          </a:stretch>
+        </p:blipFill>
+        <p:spPr>
+          <a:xfrm>
+            <a:off x="6781800" y="1958009"/>
+            <a:ext cx="4572000" cy="3657600"/>
+          </a:xfrm>
+          <a:prstGeom prst="rect">
+            <a:avLst/>
+          </a:prstGeom>
+        </p:spPr>
+      </p:pic>
+    </p:spTree>
+    <p:extLst>
+      <p:ext uri="{BB962C8B-B14F-4D97-AF65-F5344CB8AC3E}">
+        <p14:creationId xmlns:p14="http://schemas.microsoft.com/office/powerpoint/2010/main" val="3455785278"/>
+      </p:ext>
+    </p:extLst>
+  </p:cSld>
+  <p:clrMapOvr>
+    <a:masterClrMapping/>
+  </p:clrMapOvr>
+</p:sld>
+</file>
+
+<file path=ppt/slides/slide21.xml><?xml version="1.0" encoding="utf-8"?>
+<p:sld xmlns:a="http://schemas.openxmlformats.org/drawingml/2006/main" xmlns:r="http://schemas.openxmlformats.org/officeDocument/2006/relationships" xmlns:p="http://schemas.openxmlformats.org/presentationml/2006/main">
+  <p:cSld>
+    <p:spTree>
+      <p:nvGrpSpPr>
+        <p:cNvPr id="1" name=""/>
+        <p:cNvGrpSpPr/>
+        <p:nvPr/>
+      </p:nvGrpSpPr>
+      <p:grpSpPr>
+        <a:xfrm>
+          <a:off x="0" y="0"/>
+          <a:ext cx="0" cy="0"/>
+          <a:chOff x="0" y="0"/>
+          <a:chExt cx="0" cy="0"/>
+        </a:xfrm>
+      </p:grpSpPr>
+      <p:sp>
+        <p:nvSpPr>
+          <p:cNvPr id="2" name="Title 1">
+            <a:extLst>
+              <a:ext uri="{FF2B5EF4-FFF2-40B4-BE49-F238E27FC236}">
+                <a16:creationId xmlns:a16="http://schemas.microsoft.com/office/drawing/2014/main" id="{49B89F71-6727-3B45-B145-86DE943E433F}"/>
+              </a:ext>
+            </a:extLst>
+          </p:cNvPr>
+          <p:cNvSpPr>
+            <a:spLocks noGrp="1"/>
+          </p:cNvSpPr>
+          <p:nvPr>
+            <p:ph type="title"/>
+          </p:nvPr>
+        </p:nvSpPr>
+        <p:spPr>
+          <a:xfrm>
+            <a:off x="1186555" y="311360"/>
+            <a:ext cx="10165386" cy="1325563"/>
+          </a:xfrm>
+        </p:spPr>
+        <p:txBody>
+          <a:bodyPr/>
+          <a:lstStyle/>
+          <a:p>
+            <a:r>
+              <a:rPr lang="en-US" dirty="0"/>
+              <a:t>More neurons: more complex decision surface</a:t>
+            </a:r>
+          </a:p>
+        </p:txBody>
+      </p:sp>
+      <p:pic>
+        <p:nvPicPr>
+          <p:cNvPr id="5" name="Picture 4">
+            <a:extLst>
+              <a:ext uri="{FF2B5EF4-FFF2-40B4-BE49-F238E27FC236}">
+                <a16:creationId xmlns:a16="http://schemas.microsoft.com/office/drawing/2014/main" id="{3713F659-EB8D-CF42-9AF8-65FE292B13B7}"/>
+              </a:ext>
+            </a:extLst>
+          </p:cNvPr>
+          <p:cNvPicPr>
+            <a:picLocks noChangeAspect="1"/>
+          </p:cNvPicPr>
+          <p:nvPr/>
+        </p:nvPicPr>
+        <p:blipFill>
+          <a:blip r:embed="rId2"/>
+          <a:stretch>
+            <a:fillRect/>
+          </a:stretch>
+        </p:blipFill>
+        <p:spPr>
+          <a:xfrm>
+            <a:off x="7169426" y="1690688"/>
+            <a:ext cx="4572000" cy="3657600"/>
+          </a:xfrm>
+          <a:prstGeom prst="rect">
+            <a:avLst/>
+          </a:prstGeom>
+        </p:spPr>
+      </p:pic>
+      <p:sp>
+        <p:nvSpPr>
+          <p:cNvPr id="6" name="TextBox 5">
+            <a:extLst>
+              <a:ext uri="{FF2B5EF4-FFF2-40B4-BE49-F238E27FC236}">
+                <a16:creationId xmlns:a16="http://schemas.microsoft.com/office/drawing/2014/main" id="{94A1DBFD-8A01-9842-BFDB-B4D06B3D9207}"/>
+              </a:ext>
+            </a:extLst>
+          </p:cNvPr>
+          <p:cNvSpPr txBox="1"/>
+          <p:nvPr/>
+        </p:nvSpPr>
+        <p:spPr>
+          <a:xfrm>
+            <a:off x="4181402" y="3466751"/>
+            <a:ext cx="2634054" cy="1754326"/>
+          </a:xfrm>
+          <a:prstGeom prst="rect">
+            <a:avLst/>
+          </a:prstGeom>
+          <a:noFill/>
+        </p:spPr>
+        <p:txBody>
+          <a:bodyPr wrap="none" rtlCol="0">
+            <a:spAutoFit/>
+          </a:bodyPr>
+          <a:lstStyle/>
+          <a:p>
+            <a:r>
+              <a:rPr lang="en-US" dirty="0"/>
+              <a:t>model = </a:t>
+            </a:r>
+            <a:r>
+              <a:rPr lang="en-US" dirty="0" err="1"/>
+              <a:t>nn.Sequential</a:t>
+            </a:r>
+            <a:r>
+              <a:rPr lang="en-US" dirty="0"/>
+              <a:t>(</a:t>
+            </a:r>
+          </a:p>
+          <a:p>
+            <a:r>
+              <a:rPr lang="en-US" dirty="0"/>
+              <a:t>    </a:t>
+            </a:r>
+            <a:r>
+              <a:rPr lang="en-US" dirty="0" err="1"/>
+              <a:t>nn.Linear</a:t>
+            </a:r>
+            <a:r>
+              <a:rPr lang="en-US" dirty="0"/>
+              <a:t>(2, 10),</a:t>
+            </a:r>
+          </a:p>
+          <a:p>
+            <a:r>
+              <a:rPr lang="en-US" dirty="0"/>
+              <a:t>    </a:t>
+            </a:r>
+            <a:r>
+              <a:rPr lang="en-US" dirty="0" err="1"/>
+              <a:t>nn.Sigmoid</a:t>
+            </a:r>
+            <a:r>
+              <a:rPr lang="en-US" dirty="0"/>
+              <a:t>(),</a:t>
+            </a:r>
+          </a:p>
+          <a:p>
+            <a:r>
+              <a:rPr lang="en-US" dirty="0"/>
+              <a:t>    </a:t>
+            </a:r>
+            <a:r>
+              <a:rPr lang="en-US" dirty="0" err="1"/>
+              <a:t>nn.Linear</a:t>
+            </a:r>
+            <a:r>
+              <a:rPr lang="en-US" dirty="0"/>
+              <a:t>(10, 1),</a:t>
+            </a:r>
+          </a:p>
+          <a:p>
+            <a:r>
+              <a:rPr lang="en-US" dirty="0"/>
+              <a:t>    </a:t>
+            </a:r>
+            <a:r>
+              <a:rPr lang="en-US" dirty="0" err="1"/>
+              <a:t>nn.Sigmoid</a:t>
+            </a:r>
+            <a:r>
+              <a:rPr lang="en-US" dirty="0"/>
+              <a:t>()</a:t>
+            </a:r>
+          </a:p>
+          <a:p>
+            <a:r>
+              <a:rPr lang="en-US" dirty="0"/>
+              <a:t>)</a:t>
+            </a:r>
+          </a:p>
+        </p:txBody>
+      </p:sp>
+      <p:pic>
+        <p:nvPicPr>
+          <p:cNvPr id="8" name="Picture 7">
+            <a:extLst>
+              <a:ext uri="{FF2B5EF4-FFF2-40B4-BE49-F238E27FC236}">
+                <a16:creationId xmlns:a16="http://schemas.microsoft.com/office/drawing/2014/main" id="{AEB63B7C-26E1-3843-842B-116B4054BBCA}"/>
+              </a:ext>
+            </a:extLst>
+          </p:cNvPr>
+          <p:cNvPicPr>
+            <a:picLocks noChangeAspect="1"/>
+          </p:cNvPicPr>
+          <p:nvPr/>
+        </p:nvPicPr>
+        <p:blipFill>
+          <a:blip r:embed="rId3"/>
+          <a:stretch>
+            <a:fillRect/>
+          </a:stretch>
+        </p:blipFill>
+        <p:spPr>
+          <a:xfrm>
+            <a:off x="482385" y="1855684"/>
+            <a:ext cx="5016044" cy="3946525"/>
+          </a:xfrm>
+          <a:prstGeom prst="rect">
+            <a:avLst/>
+          </a:prstGeom>
+        </p:spPr>
+      </p:pic>
+      <p:sp>
+        <p:nvSpPr>
+          <p:cNvPr id="10" name="TextBox 9">
+            <a:extLst>
+              <a:ext uri="{FF2B5EF4-FFF2-40B4-BE49-F238E27FC236}">
+                <a16:creationId xmlns:a16="http://schemas.microsoft.com/office/drawing/2014/main" id="{9B2598FD-472A-8F4F-890C-158B51E9B266}"/>
+              </a:ext>
+            </a:extLst>
+          </p:cNvPr>
+          <p:cNvSpPr txBox="1"/>
+          <p:nvPr/>
+        </p:nvSpPr>
+        <p:spPr>
+          <a:xfrm>
+            <a:off x="8963788" y="5348288"/>
+            <a:ext cx="1467068" cy="369332"/>
+          </a:xfrm>
+          <a:prstGeom prst="rect">
+            <a:avLst/>
+          </a:prstGeom>
+          <a:noFill/>
+        </p:spPr>
+        <p:txBody>
+          <a:bodyPr wrap="none" rtlCol="0">
+            <a:spAutoFit/>
+          </a:bodyPr>
+          <a:lstStyle/>
+          <a:p>
+            <a:r>
+              <a:rPr lang="en-US" dirty="0"/>
+              <a:t>Likely overfit</a:t>
+            </a:r>
+          </a:p>
+        </p:txBody>
+      </p:sp>
+    </p:spTree>
+    <p:extLst>
+      <p:ext uri="{BB962C8B-B14F-4D97-AF65-F5344CB8AC3E}">
+        <p14:creationId xmlns:p14="http://schemas.microsoft.com/office/powerpoint/2010/main" val="2345040433"/>
+      </p:ext>
+    </p:extLst>
+  </p:cSld>
+  <p:clrMapOvr>
+    <a:masterClrMapping/>
+  </p:clrMapOvr>
+</p:sld>
+</file>
+
+<file path=ppt/slides/slide22.xml><?xml version="1.0" encoding="utf-8"?>
+<p:sld xmlns:a="http://schemas.openxmlformats.org/drawingml/2006/main" xmlns:r="http://schemas.openxmlformats.org/officeDocument/2006/relationships" xmlns:p="http://schemas.openxmlformats.org/presentationml/2006/main">
+  <p:cSld>
+    <p:spTree>
+      <p:nvGrpSpPr>
+        <p:cNvPr id="1" name=""/>
+        <p:cNvGrpSpPr/>
+        <p:nvPr/>
+      </p:nvGrpSpPr>
+      <p:grpSpPr>
+        <a:xfrm>
+          <a:off x="0" y="0"/>
+          <a:ext cx="0" cy="0"/>
+          <a:chOff x="0" y="0"/>
+          <a:chExt cx="0" cy="0"/>
+        </a:xfrm>
+      </p:grpSpPr>
+      <p:sp>
+        <p:nvSpPr>
+          <p:cNvPr id="2" name="Title 1">
+            <a:extLst>
+              <a:ext uri="{FF2B5EF4-FFF2-40B4-BE49-F238E27FC236}">
+                <a16:creationId xmlns:a16="http://schemas.microsoft.com/office/drawing/2014/main" id="{4445DC69-B0A3-3041-9EB3-DE65EA3EB7CC}"/>
+              </a:ext>
+            </a:extLst>
+          </p:cNvPr>
+          <p:cNvSpPr>
+            <a:spLocks noGrp="1"/>
+          </p:cNvSpPr>
+          <p:nvPr>
+            <p:ph type="title"/>
+          </p:nvPr>
+        </p:nvSpPr>
+        <p:spPr/>
+        <p:txBody>
+          <a:bodyPr/>
+          <a:lstStyle/>
+          <a:p>
+            <a:r>
+              <a:rPr lang="en-US" dirty="0"/>
+              <a:t>Even </a:t>
+            </a:r>
+            <a:r>
+              <a:rPr lang="en-US" dirty="0" err="1"/>
+              <a:t>ReLUs</a:t>
+            </a:r>
+            <a:r>
+              <a:rPr lang="en-US" dirty="0"/>
+              <a:t> can get curved surfaces</a:t>
+            </a:r>
+          </a:p>
+        </p:txBody>
+      </p:sp>
+      <p:sp>
+        <p:nvSpPr>
+          <p:cNvPr id="4" name="Rectangle 3">
+            <a:extLst>
+              <a:ext uri="{FF2B5EF4-FFF2-40B4-BE49-F238E27FC236}">
+                <a16:creationId xmlns:a16="http://schemas.microsoft.com/office/drawing/2014/main" id="{78A02B10-053C-9B47-8C58-CC0D5DC09B10}"/>
+              </a:ext>
+            </a:extLst>
+          </p:cNvPr>
+          <p:cNvSpPr/>
+          <p:nvPr/>
+        </p:nvSpPr>
+        <p:spPr>
+          <a:xfrm>
+            <a:off x="1985847" y="2620526"/>
+            <a:ext cx="2817541" cy="2308324"/>
+          </a:xfrm>
+          <a:prstGeom prst="rect">
+            <a:avLst/>
+          </a:prstGeom>
+        </p:spPr>
+        <p:txBody>
+          <a:bodyPr wrap="square">
+            <a:spAutoFit/>
+          </a:bodyPr>
+          <a:lstStyle/>
+          <a:p>
+            <a:r>
+              <a:rPr lang="en-US" dirty="0"/>
+              <a:t>model = </a:t>
+            </a:r>
+            <a:r>
+              <a:rPr lang="en-US" dirty="0" err="1"/>
+              <a:t>nn.Sequential</a:t>
+            </a:r>
+            <a:r>
+              <a:rPr lang="en-US" dirty="0"/>
+              <a:t>(</a:t>
+            </a:r>
+          </a:p>
+          <a:p>
+            <a:r>
+              <a:rPr lang="en-US" dirty="0"/>
+              <a:t>    </a:t>
+            </a:r>
+            <a:r>
+              <a:rPr lang="en-US" dirty="0" err="1"/>
+              <a:t>nn.Linear</a:t>
+            </a:r>
+            <a:r>
+              <a:rPr lang="en-US" dirty="0"/>
+              <a:t>(2, 10),</a:t>
+            </a:r>
+          </a:p>
+          <a:p>
+            <a:r>
+              <a:rPr lang="en-US" dirty="0"/>
+              <a:t>    </a:t>
+            </a:r>
+            <a:r>
+              <a:rPr lang="en-US" dirty="0" err="1"/>
+              <a:t>nn.ReLU</a:t>
+            </a:r>
+            <a:r>
+              <a:rPr lang="en-US" dirty="0"/>
+              <a:t>(),</a:t>
+            </a:r>
+          </a:p>
+          <a:p>
+            <a:r>
+              <a:rPr lang="en-US" dirty="0"/>
+              <a:t>    </a:t>
+            </a:r>
+            <a:r>
+              <a:rPr lang="en-US" dirty="0" err="1"/>
+              <a:t>nn.Linear</a:t>
+            </a:r>
+            <a:r>
+              <a:rPr lang="en-US" dirty="0"/>
+              <a:t>(10, 10),</a:t>
+            </a:r>
+          </a:p>
+          <a:p>
+            <a:r>
+              <a:rPr lang="en-US" dirty="0"/>
+              <a:t>    </a:t>
+            </a:r>
+            <a:r>
+              <a:rPr lang="en-US" dirty="0" err="1"/>
+              <a:t>nn.ReLU</a:t>
+            </a:r>
+            <a:r>
+              <a:rPr lang="en-US" dirty="0"/>
+              <a:t>(),</a:t>
+            </a:r>
+          </a:p>
+          <a:p>
+            <a:r>
+              <a:rPr lang="en-US" dirty="0"/>
+              <a:t>    </a:t>
+            </a:r>
+            <a:r>
+              <a:rPr lang="en-US" dirty="0" err="1"/>
+              <a:t>nn.Linear</a:t>
+            </a:r>
+            <a:r>
+              <a:rPr lang="en-US" dirty="0"/>
+              <a:t>(10, 1),</a:t>
+            </a:r>
+          </a:p>
+          <a:p>
+            <a:r>
+              <a:rPr lang="en-US" dirty="0"/>
+              <a:t>    </a:t>
+            </a:r>
+            <a:r>
+              <a:rPr lang="en-US" dirty="0" err="1"/>
+              <a:t>nn.Sigmoid</a:t>
+            </a:r>
+            <a:r>
+              <a:rPr lang="en-US" dirty="0"/>
+              <a:t>()</a:t>
+            </a:r>
+          </a:p>
+          <a:p>
+            <a:r>
+              <a:rPr lang="en-US" dirty="0"/>
+              <a:t>)</a:t>
+            </a:r>
+          </a:p>
+        </p:txBody>
+      </p:sp>
+      <p:pic>
+        <p:nvPicPr>
+          <p:cNvPr id="6" name="Picture 5">
+            <a:extLst>
+              <a:ext uri="{FF2B5EF4-FFF2-40B4-BE49-F238E27FC236}">
+                <a16:creationId xmlns:a16="http://schemas.microsoft.com/office/drawing/2014/main" id="{E0F25055-FAB7-4742-B67E-FDCFB10943E9}"/>
+              </a:ext>
+            </a:extLst>
+          </p:cNvPr>
+          <p:cNvPicPr>
+            <a:picLocks noChangeAspect="1"/>
+          </p:cNvPicPr>
+          <p:nvPr/>
+        </p:nvPicPr>
+        <p:blipFill>
+          <a:blip r:embed="rId2"/>
+          <a:stretch>
+            <a:fillRect/>
+          </a:stretch>
+        </p:blipFill>
+        <p:spPr>
+          <a:xfrm>
+            <a:off x="5951035" y="1945888"/>
+            <a:ext cx="4572000" cy="3657600"/>
+          </a:xfrm>
+          <a:prstGeom prst="rect">
+            <a:avLst/>
+          </a:prstGeom>
+        </p:spPr>
+      </p:pic>
+      <p:sp>
+        <p:nvSpPr>
+          <p:cNvPr id="7" name="TextBox 6">
+            <a:extLst>
+              <a:ext uri="{FF2B5EF4-FFF2-40B4-BE49-F238E27FC236}">
+                <a16:creationId xmlns:a16="http://schemas.microsoft.com/office/drawing/2014/main" id="{0E2800B5-8328-9247-8289-0E00BFFE593B}"/>
+              </a:ext>
+            </a:extLst>
+          </p:cNvPr>
+          <p:cNvSpPr txBox="1"/>
+          <p:nvPr/>
+        </p:nvSpPr>
+        <p:spPr>
+          <a:xfrm>
+            <a:off x="1124073" y="5418822"/>
+            <a:ext cx="4826962" cy="369332"/>
+          </a:xfrm>
+          <a:prstGeom prst="rect">
+            <a:avLst/>
+          </a:prstGeom>
+          <a:noFill/>
+        </p:spPr>
+        <p:txBody>
+          <a:bodyPr wrap="none" rtlCol="0">
+            <a:spAutoFit/>
+          </a:bodyPr>
+          <a:lstStyle/>
+          <a:p>
+            <a:r>
+              <a:rPr lang="en-US" dirty="0"/>
+              <a:t>(Last activation function still must be sigmoid)</a:t>
+            </a:r>
+          </a:p>
+        </p:txBody>
+      </p:sp>
+      <p:cxnSp>
+        <p:nvCxnSpPr>
+          <p:cNvPr id="9" name="Straight Arrow Connector 8">
+            <a:extLst>
+              <a:ext uri="{FF2B5EF4-FFF2-40B4-BE49-F238E27FC236}">
+                <a16:creationId xmlns:a16="http://schemas.microsoft.com/office/drawing/2014/main" id="{37B356C9-F813-F643-9F24-17030CEA85EE}"/>
+              </a:ext>
+            </a:extLst>
+          </p:cNvPr>
+          <p:cNvCxnSpPr>
+            <a:cxnSpLocks/>
+          </p:cNvCxnSpPr>
+          <p:nvPr/>
+        </p:nvCxnSpPr>
+        <p:spPr>
+          <a:xfrm flipV="1">
+            <a:off x="3010829" y="4605465"/>
+            <a:ext cx="0" cy="813357"/>
+          </a:xfrm>
+          <a:prstGeom prst="straightConnector1">
+            <a:avLst/>
+          </a:prstGeom>
+          <a:ln>
+            <a:tailEnd type="triangle"/>
+          </a:ln>
+        </p:spPr>
+        <p:style>
+          <a:lnRef idx="1">
+            <a:schemeClr val="accent1"/>
+          </a:lnRef>
+          <a:fillRef idx="0">
+            <a:schemeClr val="accent1"/>
+          </a:fillRef>
+          <a:effectRef idx="0">
+            <a:schemeClr val="accent1"/>
+          </a:effectRef>
+          <a:fontRef idx="minor">
+            <a:schemeClr val="tx1"/>
+          </a:fontRef>
+        </p:style>
+      </p:cxnSp>
+    </p:spTree>
+    <p:extLst>
+      <p:ext uri="{BB962C8B-B14F-4D97-AF65-F5344CB8AC3E}">
+        <p14:creationId xmlns:p14="http://schemas.microsoft.com/office/powerpoint/2010/main" val="591627604"/>
+      </p:ext>
+    </p:extLst>
+  </p:cSld>
+  <p:clrMapOvr>
+    <a:masterClrMapping/>
+  </p:clrMapOvr>
+</p:sld>
+</file>
+
+<file path=ppt/slides/slide23.xml><?xml version="1.0" encoding="utf-8"?>
+<p:sld xmlns:a="http://schemas.openxmlformats.org/drawingml/2006/main" xmlns:r="http://schemas.openxmlformats.org/officeDocument/2006/relationships" xmlns:p="http://schemas.openxmlformats.org/presentationml/2006/main">
+  <p:cSld>
+    <p:spTree>
+      <p:nvGrpSpPr>
+        <p:cNvPr id="1" name=""/>
+        <p:cNvGrpSpPr/>
+        <p:nvPr/>
+      </p:nvGrpSpPr>
+      <p:grpSpPr>
+        <a:xfrm>
+          <a:off x="0" y="0"/>
+          <a:ext cx="0" cy="0"/>
+          <a:chOff x="0" y="0"/>
+          <a:chExt cx="0" cy="0"/>
+        </a:xfrm>
+      </p:grpSpPr>
+      <p:sp>
+        <p:nvSpPr>
+          <p:cNvPr id="2" name="Title 1">
+            <a:extLst>
+              <a:ext uri="{FF2B5EF4-FFF2-40B4-BE49-F238E27FC236}">
                 <a16:creationId xmlns:a16="http://schemas.microsoft.com/office/drawing/2014/main" id="{A4185B4C-535F-FB49-BF4C-2BCB9A05590B}"/>
               </a:ext>
             </a:extLst>
@@ -7343,79 +9310,287 @@
           </a:p>
         </p:txBody>
       </p:sp>
-      <p:sp>
-        <p:nvSpPr>
-          <p:cNvPr id="3" name="Content Placeholder 2">
-            <a:extLst>
-              <a:ext uri="{FF2B5EF4-FFF2-40B4-BE49-F238E27FC236}">
-                <a16:creationId xmlns:a16="http://schemas.microsoft.com/office/drawing/2014/main" id="{011453FF-9B1C-204B-BAC3-7506D02A781A}"/>
-              </a:ext>
-            </a:extLst>
-          </p:cNvPr>
-          <p:cNvSpPr>
-            <a:spLocks noGrp="1"/>
-          </p:cNvSpPr>
-          <p:nvPr>
-            <p:ph idx="1"/>
-          </p:nvPr>
-        </p:nvSpPr>
-        <p:spPr/>
-        <p:txBody>
-          <a:bodyPr/>
-          <a:lstStyle/>
-          <a:p>
-            <a:r>
-              <a:rPr lang="en-US" dirty="0"/>
-              <a:t>Training a model means capturing relationship between feature vectors and some target variables given a training data set</a:t>
-            </a:r>
-          </a:p>
-          <a:p>
-            <a:r>
-              <a:rPr lang="en-US" b="1" dirty="0"/>
-              <a:t>Feature vector </a:t>
-            </a:r>
-            <a:r>
-              <a:rPr lang="en-US" dirty="0"/>
-              <a:t>x: set of features or attributes characterizing an entity, such as square footage, num of bedrooms, bathrooms</a:t>
-            </a:r>
-          </a:p>
-          <a:p>
-            <a:r>
-              <a:rPr lang="en-US" b="1" dirty="0"/>
-              <a:t>Target</a:t>
-            </a:r>
-            <a:r>
-              <a:rPr lang="en-US" dirty="0"/>
-              <a:t> y: either a scalar value like rent price (regressor), or it's an integer indicating “creditworthy” or “it's not cancer” (classifier)</a:t>
-            </a:r>
-          </a:p>
-          <a:p>
-            <a:r>
-              <a:rPr lang="en-US" dirty="0"/>
-              <a:t>Model capture this relationship: </a:t>
-            </a:r>
-            <a:r>
-              <a:rPr lang="en-US" dirty="0" err="1"/>
-              <a:t>x_i</a:t>
-            </a:r>
-            <a:r>
-              <a:rPr lang="en-US" dirty="0"/>
-              <a:t> -&gt; </a:t>
-            </a:r>
-            <a:r>
-              <a:rPr lang="en-US" dirty="0" err="1"/>
-              <a:t>y_i</a:t>
-            </a:r>
-            <a:endParaRPr lang="en-US" dirty="0"/>
-          </a:p>
-        </p:txBody>
-      </p:sp>
+      <mc:AlternateContent xmlns:mc="http://schemas.openxmlformats.org/markup-compatibility/2006">
+        <mc:Choice xmlns:a14="http://schemas.microsoft.com/office/drawing/2010/main" Requires="a14">
+          <p:sp>
+            <p:nvSpPr>
+              <p:cNvPr id="3" name="Content Placeholder 2">
+                <a:extLst>
+                  <a:ext uri="{FF2B5EF4-FFF2-40B4-BE49-F238E27FC236}">
+                    <a16:creationId xmlns:a16="http://schemas.microsoft.com/office/drawing/2014/main" id="{011453FF-9B1C-204B-BAC3-7506D02A781A}"/>
+                  </a:ext>
+                </a:extLst>
+              </p:cNvPr>
+              <p:cNvSpPr>
+                <a:spLocks noGrp="1"/>
+              </p:cNvSpPr>
+              <p:nvPr>
+                <p:ph idx="1"/>
+              </p:nvPr>
+            </p:nvSpPr>
+            <p:spPr>
+              <a:xfrm>
+                <a:off x="838200" y="1825625"/>
+                <a:ext cx="8203102" cy="4351338"/>
+              </a:xfrm>
+            </p:spPr>
+            <p:txBody>
+              <a:bodyPr/>
+              <a:lstStyle/>
+              <a:p>
+                <a:r>
+                  <a:rPr lang="en-US" dirty="0"/>
+                  <a:t>Training a model means capturing the relationship between feature vectors and a target variable, given a training data set</a:t>
+                </a:r>
+              </a:p>
+              <a:p>
+                <a:r>
+                  <a:rPr lang="en-US" b="1" dirty="0"/>
+                  <a:t>Feature vector </a:t>
+                </a:r>
+                <a14:m>
+                  <m:oMath xmlns:m="http://schemas.openxmlformats.org/officeDocument/2006/math">
+                    <m:r>
+                      <a:rPr lang="en-US" b="1" i="1" smtClean="0">
+                        <a:latin typeface="Cambria Math" panose="02040503050406030204" pitchFamily="18" charset="0"/>
+                      </a:rPr>
+                      <m:t>𝒙</m:t>
+                    </m:r>
+                  </m:oMath>
+                </a14:m>
+                <a:r>
+                  <a:rPr lang="en-US" dirty="0"/>
+                  <a:t>: set of features or attributes characterizing an entity, such as square footage, num of bedrooms, bathrooms</a:t>
+                </a:r>
+              </a:p>
+              <a:p>
+                <a:r>
+                  <a:rPr lang="en-US" b="1" dirty="0"/>
+                  <a:t>Target</a:t>
+                </a:r>
+                <a:r>
+                  <a:rPr lang="en-US" dirty="0"/>
+                  <a:t> </a:t>
+                </a:r>
+                <a14:m>
+                  <m:oMath xmlns:m="http://schemas.openxmlformats.org/officeDocument/2006/math">
+                    <m:r>
+                      <a:rPr lang="en-US" b="0" i="1" smtClean="0">
+                        <a:latin typeface="Cambria Math" panose="02040503050406030204" pitchFamily="18" charset="0"/>
+                      </a:rPr>
+                      <m:t>𝑦</m:t>
+                    </m:r>
+                  </m:oMath>
+                </a14:m>
+                <a:r>
+                  <a:rPr lang="en-US" dirty="0"/>
+                  <a:t>: either a scalar value like rent price (regressor), or an integer indicating “creditworthy” or “it's not cancer” (classifier)</a:t>
+                </a:r>
+              </a:p>
+              <a:p>
+                <a:r>
+                  <a:rPr lang="en-US" dirty="0"/>
+                  <a:t>Model capture this relationship: </a:t>
+                </a:r>
+                <a14:m>
+                  <m:oMath xmlns:m="http://schemas.openxmlformats.org/officeDocument/2006/math">
+                    <m:r>
+                      <a:rPr lang="en-US" b="0" i="1" smtClean="0">
+                        <a:latin typeface="Cambria Math" panose="02040503050406030204" pitchFamily="18" charset="0"/>
+                      </a:rPr>
+                      <m:t>𝑋</m:t>
+                    </m:r>
+                    <m:r>
+                      <a:rPr lang="en-US" b="0" i="1" smtClean="0">
+                        <a:latin typeface="Cambria Math" panose="02040503050406030204" pitchFamily="18" charset="0"/>
+                      </a:rPr>
+                      <m:t>→</m:t>
+                    </m:r>
+                    <m:r>
+                      <a:rPr lang="en-US" b="1" i="1" smtClean="0">
+                        <a:latin typeface="Cambria Math" panose="02040503050406030204" pitchFamily="18" charset="0"/>
+                      </a:rPr>
+                      <m:t>𝒚</m:t>
+                    </m:r>
+                  </m:oMath>
+                </a14:m>
+                <a:endParaRPr lang="en-US" b="1" dirty="0"/>
+              </a:p>
+            </p:txBody>
+          </p:sp>
+        </mc:Choice>
+        <mc:Fallback>
+          <p:sp>
+            <p:nvSpPr>
+              <p:cNvPr id="3" name="Content Placeholder 2">
+                <a:extLst>
+                  <a:ext uri="{FF2B5EF4-FFF2-40B4-BE49-F238E27FC236}">
+                    <a16:creationId xmlns:a16="http://schemas.microsoft.com/office/drawing/2014/main" id="{011453FF-9B1C-204B-BAC3-7506D02A781A}"/>
+                  </a:ext>
+                </a:extLst>
+              </p:cNvPr>
+              <p:cNvSpPr>
+                <a:spLocks noGrp="1" noRot="1" noChangeAspect="1" noMove="1" noResize="1" noEditPoints="1" noAdjustHandles="1" noChangeArrowheads="1" noChangeShapeType="1" noTextEdit="1"/>
+              </p:cNvSpPr>
+              <p:nvPr>
+                <p:ph idx="1"/>
+              </p:nvPr>
+            </p:nvSpPr>
+            <p:spPr>
+              <a:xfrm>
+                <a:off x="838200" y="1825625"/>
+                <a:ext cx="8203102" cy="4351338"/>
+              </a:xfrm>
+              <a:blipFill>
+                <a:blip r:embed="rId2"/>
+                <a:stretch>
+                  <a:fillRect l="-1393" t="-2326" r="-2012" b="-2907"/>
+                </a:stretch>
+              </a:blipFill>
+            </p:spPr>
+            <p:txBody>
+              <a:bodyPr/>
+              <a:lstStyle/>
+              <a:p>
+                <a:r>
+                  <a:rPr lang="en-US">
+                    <a:noFill/>
+                  </a:rPr>
+                  <a:t> </a:t>
+                </a:r>
+              </a:p>
+            </p:txBody>
+          </p:sp>
+        </mc:Fallback>
+      </mc:AlternateContent>
+      <mc:AlternateContent xmlns:mc="http://schemas.openxmlformats.org/markup-compatibility/2006">
+        <mc:Choice xmlns:a14="http://schemas.microsoft.com/office/drawing/2010/main" Requires="a14">
+          <p:sp>
+            <p:nvSpPr>
+              <p:cNvPr id="14" name="TextBox 13">
+                <a:extLst>
+                  <a:ext uri="{FF2B5EF4-FFF2-40B4-BE49-F238E27FC236}">
+                    <a16:creationId xmlns:a16="http://schemas.microsoft.com/office/drawing/2014/main" id="{356CB844-3154-DB44-886F-71D6CA350BFE}"/>
+                  </a:ext>
+                </a:extLst>
+              </p:cNvPr>
+              <p:cNvSpPr txBox="1"/>
+              <p:nvPr/>
+            </p:nvSpPr>
+            <p:spPr>
+              <a:xfrm>
+                <a:off x="9155150" y="4282068"/>
+                <a:ext cx="2232103" cy="646331"/>
+              </a:xfrm>
+              <a:prstGeom prst="rect">
+                <a:avLst/>
+              </a:prstGeom>
+              <a:noFill/>
+            </p:spPr>
+            <p:txBody>
+              <a:bodyPr wrap="square" rtlCol="0">
+                <a:spAutoFit/>
+              </a:bodyPr>
+              <a:lstStyle/>
+              <a:p>
+                <a:r>
+                  <a:rPr lang="en-US" dirty="0"/>
+                  <a:t>Row vectors, </a:t>
+                </a:r>
+                <a14:m>
+                  <m:oMath xmlns:m="http://schemas.openxmlformats.org/officeDocument/2006/math">
+                    <m:sSub>
+                      <m:sSubPr>
+                        <m:ctrlPr>
+                          <a:rPr lang="en-US" b="0" i="1" smtClean="0">
+                            <a:latin typeface="Cambria Math" panose="02040503050406030204" pitchFamily="18" charset="0"/>
+                          </a:rPr>
+                        </m:ctrlPr>
+                      </m:sSubPr>
+                      <m:e>
+                        <m:r>
+                          <a:rPr lang="en-US" b="1" i="1" smtClean="0">
+                            <a:latin typeface="Cambria Math" panose="02040503050406030204" pitchFamily="18" charset="0"/>
+                          </a:rPr>
+                          <m:t>𝒙</m:t>
+                        </m:r>
+                      </m:e>
+                      <m:sub>
+                        <m:r>
+                          <a:rPr lang="en-US" b="0" i="1" smtClean="0">
+                            <a:latin typeface="Cambria Math" panose="02040503050406030204" pitchFamily="18" charset="0"/>
+                          </a:rPr>
+                          <m:t>𝑖</m:t>
+                        </m:r>
+                      </m:sub>
+                    </m:sSub>
+                    <m:r>
+                      <a:rPr lang="en-US" b="0" i="0" smtClean="0">
+                        <a:latin typeface="Cambria Math" panose="02040503050406030204" pitchFamily="18" charset="0"/>
+                      </a:rPr>
+                      <m:t>,</m:t>
+                    </m:r>
+                  </m:oMath>
+                </a14:m>
+                <a:r>
+                  <a:rPr lang="en-US" dirty="0"/>
+                  <a:t> represent instances</a:t>
+                </a:r>
+              </a:p>
+            </p:txBody>
+          </p:sp>
+        </mc:Choice>
+        <mc:Fallback>
+          <p:sp>
+            <p:nvSpPr>
+              <p:cNvPr id="14" name="TextBox 13">
+                <a:extLst>
+                  <a:ext uri="{FF2B5EF4-FFF2-40B4-BE49-F238E27FC236}">
+                    <a16:creationId xmlns:a16="http://schemas.microsoft.com/office/drawing/2014/main" id="{356CB844-3154-DB44-886F-71D6CA350BFE}"/>
+                  </a:ext>
+                </a:extLst>
+              </p:cNvPr>
+              <p:cNvSpPr txBox="1">
+                <a:spLocks noRot="1" noChangeAspect="1" noMove="1" noResize="1" noEditPoints="1" noAdjustHandles="1" noChangeArrowheads="1" noChangeShapeType="1" noTextEdit="1"/>
+              </p:cNvSpPr>
+              <p:nvPr/>
+            </p:nvSpPr>
+            <p:spPr>
+              <a:xfrm>
+                <a:off x="9155150" y="4282068"/>
+                <a:ext cx="2232103" cy="646331"/>
+              </a:xfrm>
+              <a:prstGeom prst="rect">
+                <a:avLst/>
+              </a:prstGeom>
+              <a:blipFill>
+                <a:blip r:embed="rId3"/>
+                <a:stretch>
+                  <a:fillRect l="-2260" t="-1923" b="-15385"/>
+                </a:stretch>
+              </a:blipFill>
+            </p:spPr>
+            <p:txBody>
+              <a:bodyPr/>
+              <a:lstStyle/>
+              <a:p>
+                <a:r>
+                  <a:rPr lang="en-US">
+                    <a:noFill/>
+                  </a:rPr>
+                  <a:t> </a:t>
+                </a:r>
+              </a:p>
+            </p:txBody>
+          </p:sp>
+        </mc:Fallback>
+      </mc:AlternateContent>
       <p:pic>
         <p:nvPicPr>
-          <p:cNvPr id="13" name="Picture 12">
-            <a:extLst>
-              <a:ext uri="{FF2B5EF4-FFF2-40B4-BE49-F238E27FC236}">
-                <a16:creationId xmlns:a16="http://schemas.microsoft.com/office/drawing/2014/main" id="{3B0382B5-CB6A-C64F-A551-AD8A91D93C24}"/>
+          <p:cNvPr id="15" name="Picture 14">
+            <a:extLst>
+              <a:ext uri="{FF2B5EF4-FFF2-40B4-BE49-F238E27FC236}">
+                <a16:creationId xmlns:a16="http://schemas.microsoft.com/office/drawing/2014/main" id="{C1254304-877C-3F42-8352-1BC64F4CC96D}"/>
               </a:ext>
             </a:extLst>
           </p:cNvPr>
@@ -7425,15 +9600,15 @@
           <p:nvPr/>
         </p:nvPicPr>
         <p:blipFill>
-          <a:blip r:embed="rId2"/>
+          <a:blip r:embed="rId4"/>
           <a:stretch>
             <a:fillRect/>
           </a:stretch>
         </p:blipFill>
         <p:spPr>
           <a:xfrm>
-            <a:off x="9754980" y="4165600"/>
-            <a:ext cx="1854200" cy="1778000"/>
+            <a:off x="9248279" y="1764293"/>
+            <a:ext cx="2464917" cy="2363619"/>
           </a:xfrm>
           <a:prstGeom prst="rect">
             <a:avLst/>
@@ -7527,7 +9702,7 @@
           <a:p>
             <a:r>
               <a:rPr lang="en-US" dirty="0"/>
-              <a:t>Two sides of the same coin</a:t>
+              <a:t>Two sides of the same coin in implementation typically</a:t>
             </a:r>
           </a:p>
         </p:txBody>
@@ -7685,19 +9860,49 @@
           <a:p>
             <a:r>
               <a:rPr lang="en-US" dirty="0"/>
-              <a:t>Models have architecture: deep learning: number of layers, number of neurons per layer, which nonlinearity</a:t>
-            </a:r>
-          </a:p>
-          <a:p>
-            <a:r>
-              <a:rPr lang="en-US" dirty="0"/>
-              <a:t>Models also have hyper-parameters, which dictate the overall architecture or other aspects of the model.</a:t>
-            </a:r>
-          </a:p>
-          <a:p>
-            <a:r>
-              <a:rPr lang="en-US" dirty="0"/>
-              <a:t>Hyper-parameters are specified by the programmer, not computed from the training data</a:t>
+              <a:t>Models are composed of </a:t>
+            </a:r>
+            <a:r>
+              <a:rPr lang="en-US" i="1" dirty="0"/>
+              <a:t>parameters</a:t>
+            </a:r>
+            <a:r>
+              <a:rPr lang="en-US" dirty="0"/>
+              <a:t>; predictions are a computation based upon these parameters</a:t>
+            </a:r>
+          </a:p>
+          <a:p>
+            <a:r>
+              <a:rPr lang="en-US" dirty="0"/>
+              <a:t>Models have </a:t>
+            </a:r>
+            <a:r>
+              <a:rPr lang="en-US" i="1" dirty="0"/>
+              <a:t>architecture; e</a:t>
+            </a:r>
+            <a:r>
+              <a:rPr lang="en-US" dirty="0"/>
+              <a:t>.g., number of layers, number of neurons per layer, which nonlinearity</a:t>
+            </a:r>
+          </a:p>
+          <a:p>
+            <a:r>
+              <a:rPr lang="en-US" dirty="0"/>
+              <a:t>Models have </a:t>
+            </a:r>
+            <a:r>
+              <a:rPr lang="en-US" i="1" dirty="0"/>
+              <a:t>hyper-parameters</a:t>
+            </a:r>
+            <a:r>
+              <a:rPr lang="en-US" dirty="0"/>
+              <a:t> that govern architecture and the training process; e.g., learning rate, weight decay</a:t>
+            </a:r>
+          </a:p>
+          <a:p>
+            <a:r>
+              <a:rPr lang="en-US" dirty="0"/>
+              <a:t>Hyper-parameters are specified by the programmer, not computed from the training data; must be tuned</a:t>
             </a:r>
           </a:p>
           <a:p>
@@ -7705,15 +9910,6 @@
               <a:rPr lang="en-US" dirty="0"/>
               <a:t>Deep learning training greatly affected by learning rate, and even things like parameter initialization</a:t>
             </a:r>
-          </a:p>
-          <a:p>
-            <a:r>
-              <a:rPr lang="en-US" dirty="0"/>
-              <a:t>Must be tuned</a:t>
-            </a:r>
-          </a:p>
-          <a:p>
-            <a:endParaRPr lang="en-US" dirty="0"/>
           </a:p>
         </p:txBody>
       </p:sp>
@@ -7775,62 +9971,151 @@
           </a:p>
         </p:txBody>
       </p:sp>
-      <p:sp>
-        <p:nvSpPr>
-          <p:cNvPr id="3" name="Content Placeholder 2">
-            <a:extLst>
-              <a:ext uri="{FF2B5EF4-FFF2-40B4-BE49-F238E27FC236}">
-                <a16:creationId xmlns:a16="http://schemas.microsoft.com/office/drawing/2014/main" id="{DF8A031C-9DE9-5646-9FCB-3A9ADBE9D37F}"/>
-              </a:ext>
-            </a:extLst>
-          </p:cNvPr>
-          <p:cNvSpPr>
-            <a:spLocks noGrp="1"/>
-          </p:cNvSpPr>
-          <p:nvPr>
-            <p:ph idx="1"/>
-          </p:nvPr>
-        </p:nvSpPr>
-        <p:spPr/>
-        <p:txBody>
-          <a:bodyPr/>
-          <a:lstStyle/>
-          <a:p>
-            <a:r>
-              <a:rPr lang="en-US" i="1" dirty="0"/>
-              <a:t>Underfitting</a:t>
-            </a:r>
-            <a:r>
-              <a:rPr lang="en-US" dirty="0"/>
-              <a:t>: model unable to capture relationship (assuming there is a relationship to be had)</a:t>
-            </a:r>
-          </a:p>
-          <a:p>
-            <a:r>
-              <a:rPr lang="en-US" i="1" dirty="0"/>
-              <a:t>Overfitting</a:t>
-            </a:r>
-            <a:r>
-              <a:rPr lang="en-US" dirty="0"/>
-              <a:t>: model is too specific to the training data and doesn't generalize well</a:t>
-            </a:r>
-          </a:p>
-          <a:p>
-            <a:r>
-              <a:rPr lang="en-US" dirty="0"/>
-              <a:t>To </a:t>
-            </a:r>
-            <a:r>
-              <a:rPr lang="en-US" i="1" dirty="0"/>
-              <a:t>generalize</a:t>
-            </a:r>
-            <a:r>
-              <a:rPr lang="en-US" dirty="0"/>
-              <a:t> means we get accurate predictions for feature vectors not found in the training set</a:t>
-            </a:r>
-          </a:p>
-        </p:txBody>
-      </p:sp>
+      <mc:AlternateContent xmlns:mc="http://schemas.openxmlformats.org/markup-compatibility/2006">
+        <mc:Choice xmlns:a14="http://schemas.microsoft.com/office/drawing/2010/main" Requires="a14">
+          <p:sp>
+            <p:nvSpPr>
+              <p:cNvPr id="3" name="Content Placeholder 2">
+                <a:extLst>
+                  <a:ext uri="{FF2B5EF4-FFF2-40B4-BE49-F238E27FC236}">
+                    <a16:creationId xmlns:a16="http://schemas.microsoft.com/office/drawing/2014/main" id="{DF8A031C-9DE9-5646-9FCB-3A9ADBE9D37F}"/>
+                  </a:ext>
+                </a:extLst>
+              </p:cNvPr>
+              <p:cNvSpPr>
+                <a:spLocks noGrp="1"/>
+              </p:cNvSpPr>
+              <p:nvPr>
+                <p:ph idx="1"/>
+              </p:nvPr>
+            </p:nvSpPr>
+            <p:spPr/>
+            <p:txBody>
+              <a:bodyPr/>
+              <a:lstStyle/>
+              <a:p>
+                <a:r>
+                  <a:rPr lang="en-US" dirty="0"/>
+                  <a:t>Training a model means finding optimal (or good enough) model parameters as measured by a </a:t>
+                </a:r>
+                <a:r>
+                  <a:rPr lang="en-US" i="1" dirty="0"/>
+                  <a:t>loss </a:t>
+                </a:r>
+                <a:r>
+                  <a:rPr lang="en-US" dirty="0"/>
+                  <a:t>(cost) function</a:t>
+                </a:r>
+              </a:p>
+              <a:p>
+                <a:r>
+                  <a:rPr lang="en-US" dirty="0"/>
+                  <a:t>Loss function measures the difference between model predictions and known targets</a:t>
+                </a:r>
+              </a:p>
+              <a:p>
+                <a:r>
+                  <a:rPr lang="en-US" i="1" dirty="0"/>
+                  <a:t>Underfitting</a:t>
+                </a:r>
+                <a:r>
+                  <a:rPr lang="en-US" dirty="0"/>
+                  <a:t>: model unable to capture the relationship </a:t>
+                </a:r>
+                <a14:m>
+                  <m:oMath xmlns:m="http://schemas.openxmlformats.org/officeDocument/2006/math">
+                    <m:r>
+                      <a:rPr lang="en-US" b="0" i="1" dirty="0" smtClean="0">
+                        <a:latin typeface="Cambria Math" panose="02040503050406030204" pitchFamily="18" charset="0"/>
+                      </a:rPr>
+                      <m:t>𝑋</m:t>
+                    </m:r>
+                    <m:r>
+                      <a:rPr lang="en-US" b="0" i="1" dirty="0" smtClean="0">
+                        <a:latin typeface="Cambria Math" panose="02040503050406030204" pitchFamily="18" charset="0"/>
+                      </a:rPr>
+                      <m:t>→</m:t>
+                    </m:r>
+                    <m:r>
+                      <a:rPr lang="en-US" b="1" i="1" dirty="0" smtClean="0">
+                        <a:latin typeface="Cambria Math" panose="02040503050406030204" pitchFamily="18" charset="0"/>
+                      </a:rPr>
+                      <m:t>𝒚</m:t>
+                    </m:r>
+                  </m:oMath>
+                </a14:m>
+                <a:r>
+                  <a:rPr lang="en-US" dirty="0"/>
+                  <a:t>  (assuming there is a relationship to be had)</a:t>
+                </a:r>
+              </a:p>
+              <a:p>
+                <a:r>
+                  <a:rPr lang="en-US" i="1" dirty="0"/>
+                  <a:t>Overfitting</a:t>
+                </a:r>
+                <a:r>
+                  <a:rPr lang="en-US" dirty="0"/>
+                  <a:t>: model is too specific to the training data and doesn't generalize well</a:t>
+                </a:r>
+              </a:p>
+              <a:p>
+                <a:r>
+                  <a:rPr lang="en-US" dirty="0"/>
+                  <a:t>To </a:t>
+                </a:r>
+                <a:r>
+                  <a:rPr lang="en-US" i="1" dirty="0"/>
+                  <a:t>generalize</a:t>
+                </a:r>
+                <a:r>
+                  <a:rPr lang="en-US" dirty="0"/>
+                  <a:t> means we get accurate predictions for test feature vectors not found in the training set</a:t>
+                </a:r>
+              </a:p>
+            </p:txBody>
+          </p:sp>
+        </mc:Choice>
+        <mc:Fallback>
+          <p:sp>
+            <p:nvSpPr>
+              <p:cNvPr id="3" name="Content Placeholder 2">
+                <a:extLst>
+                  <a:ext uri="{FF2B5EF4-FFF2-40B4-BE49-F238E27FC236}">
+                    <a16:creationId xmlns:a16="http://schemas.microsoft.com/office/drawing/2014/main" id="{DF8A031C-9DE9-5646-9FCB-3A9ADBE9D37F}"/>
+                  </a:ext>
+                </a:extLst>
+              </p:cNvPr>
+              <p:cNvSpPr>
+                <a:spLocks noGrp="1" noRot="1" noChangeAspect="1" noMove="1" noResize="1" noEditPoints="1" noAdjustHandles="1" noChangeArrowheads="1" noChangeShapeType="1" noTextEdit="1"/>
+              </p:cNvSpPr>
+              <p:nvPr>
+                <p:ph idx="1"/>
+              </p:nvPr>
+            </p:nvSpPr>
+            <p:spPr>
+              <a:blipFill>
+                <a:blip r:embed="rId2"/>
+                <a:stretch>
+                  <a:fillRect l="-1086" t="-2326" r="-1086" b="-5814"/>
+                </a:stretch>
+              </a:blipFill>
+            </p:spPr>
+            <p:txBody>
+              <a:bodyPr/>
+              <a:lstStyle/>
+              <a:p>
+                <a:r>
+                  <a:rPr lang="en-US">
+                    <a:noFill/>
+                  </a:rPr>
+                  <a:t> </a:t>
+                </a:r>
+              </a:p>
+            </p:txBody>
+          </p:sp>
+        </mc:Fallback>
+      </mc:AlternateContent>
     </p:spTree>
     <p:extLst>
       <p:ext uri="{BB962C8B-B14F-4D97-AF65-F5344CB8AC3E}">
@@ -7845,166 +10130,6 @@
 </file>
 
 <file path=ppt/slides/slide7.xml><?xml version="1.0" encoding="utf-8"?>
-<p:sld xmlns:a="http://schemas.openxmlformats.org/drawingml/2006/main" xmlns:r="http://schemas.openxmlformats.org/officeDocument/2006/relationships" xmlns:p="http://schemas.openxmlformats.org/presentationml/2006/main">
-  <p:cSld>
-    <p:spTree>
-      <p:nvGrpSpPr>
-        <p:cNvPr id="1" name=""/>
-        <p:cNvGrpSpPr/>
-        <p:nvPr/>
-      </p:nvGrpSpPr>
-      <p:grpSpPr>
-        <a:xfrm>
-          <a:off x="0" y="0"/>
-          <a:ext cx="0" cy="0"/>
-          <a:chOff x="0" y="0"/>
-          <a:chExt cx="0" cy="0"/>
-        </a:xfrm>
-      </p:grpSpPr>
-      <p:sp>
-        <p:nvSpPr>
-          <p:cNvPr id="2" name="Title 1"/>
-          <p:cNvSpPr>
-            <a:spLocks noGrp="1"/>
-          </p:cNvSpPr>
-          <p:nvPr>
-            <p:ph type="title"/>
-          </p:nvPr>
-        </p:nvSpPr>
-        <p:spPr/>
-        <p:txBody>
-          <a:bodyPr/>
-          <a:lstStyle/>
-          <a:p>
-            <a:r>
-              <a:rPr lang="en-US" dirty="0"/>
-              <a:t>Train, validate, test</a:t>
-            </a:r>
-          </a:p>
-        </p:txBody>
-      </p:sp>
-      <p:sp>
-        <p:nvSpPr>
-          <p:cNvPr id="3" name="Content Placeholder 2"/>
-          <p:cNvSpPr>
-            <a:spLocks noGrp="1"/>
-          </p:cNvSpPr>
-          <p:nvPr>
-            <p:ph idx="1"/>
-          </p:nvPr>
-        </p:nvSpPr>
-        <p:spPr>
-          <a:xfrm>
-            <a:off x="838200" y="1640295"/>
-            <a:ext cx="10515600" cy="4671295"/>
-          </a:xfrm>
-        </p:spPr>
-        <p:txBody>
-          <a:bodyPr>
-            <a:normAutofit fontScale="92500" lnSpcReduction="10000"/>
-          </a:bodyPr>
-          <a:lstStyle/>
-          <a:p>
-            <a:r>
-              <a:rPr lang="en-US" dirty="0"/>
-              <a:t>We always need 3 data sets with known answers:</a:t>
-            </a:r>
-          </a:p>
-          <a:p>
-            <a:pPr lvl="1"/>
-            <a:r>
-              <a:rPr lang="en-US" dirty="0"/>
-              <a:t>training</a:t>
-            </a:r>
-          </a:p>
-          <a:p>
-            <a:pPr lvl="1"/>
-            <a:r>
-              <a:rPr lang="en-US" dirty="0"/>
-              <a:t>validation (as shorthand you’ll hear me / others call this test set)</a:t>
-            </a:r>
-          </a:p>
-          <a:p>
-            <a:pPr lvl="1"/>
-            <a:r>
-              <a:rPr lang="en-US" dirty="0"/>
-              <a:t>testing (put in a vault and </a:t>
-            </a:r>
-            <a:r>
-              <a:rPr lang="en-US" b="1" dirty="0"/>
-              <a:t>don’t peek</a:t>
-            </a:r>
-            <a:r>
-              <a:rPr lang="en-US" dirty="0"/>
-              <a:t>!!)</a:t>
-            </a:r>
-          </a:p>
-          <a:p>
-            <a:r>
-              <a:rPr lang="en-US" dirty="0"/>
-              <a:t>Validation set: used to evaluate, tune models and features</a:t>
-            </a:r>
-          </a:p>
-          <a:p>
-            <a:pPr lvl="1"/>
-            <a:r>
-              <a:rPr lang="en-US" dirty="0"/>
-              <a:t>Any changes you make to model tailor it to this specific validation set</a:t>
-            </a:r>
-          </a:p>
-          <a:p>
-            <a:r>
-              <a:rPr lang="en-US" dirty="0"/>
-              <a:t>Test set: used exactly </a:t>
-            </a:r>
-            <a:r>
-              <a:rPr lang="en-US" b="1" dirty="0"/>
-              <a:t>once</a:t>
-            </a:r>
-            <a:r>
-              <a:rPr lang="en-US" dirty="0"/>
-              <a:t> after you think you have best model</a:t>
-            </a:r>
-          </a:p>
-          <a:p>
-            <a:pPr lvl="1"/>
-            <a:r>
-              <a:rPr lang="en-US" dirty="0"/>
-              <a:t>The only true measure of model’s generality, how it’ll perform in production</a:t>
-            </a:r>
-          </a:p>
-          <a:p>
-            <a:pPr lvl="1"/>
-            <a:r>
-              <a:rPr lang="en-US" dirty="0"/>
-              <a:t>Never use test set to tune model</a:t>
-            </a:r>
-          </a:p>
-          <a:p>
-            <a:r>
-              <a:rPr lang="en-US" dirty="0"/>
-              <a:t>Production: recombine all sets back into a big training set again, retrain model but don’t change it according to test set metrics</a:t>
-            </a:r>
-          </a:p>
-          <a:p>
-            <a:endParaRPr lang="en-US" dirty="0"/>
-          </a:p>
-        </p:txBody>
-      </p:sp>
-    </p:spTree>
-    <p:extLst>
-      <p:ext uri="{BB962C8B-B14F-4D97-AF65-F5344CB8AC3E}">
-        <p14:creationId xmlns:p14="http://schemas.microsoft.com/office/powerpoint/2010/main" val="3712983599"/>
-      </p:ext>
-    </p:extLst>
-  </p:cSld>
-  <p:clrMapOvr>
-    <a:masterClrMapping/>
-  </p:clrMapOvr>
-</p:sld>
-</file>
-
-<file path=ppt/slides/slide8.xml><?xml version="1.0" encoding="utf-8"?>
 <p:sld xmlns:a="http://schemas.openxmlformats.org/drawingml/2006/main" xmlns:r="http://schemas.openxmlformats.org/officeDocument/2006/relationships" xmlns:p="http://schemas.openxmlformats.org/presentationml/2006/main">
   <p:cSld>
     <p:spTree>
@@ -8081,7 +10206,7 @@
                 </a:r>
                 <a:r>
                   <a:rPr lang="en-US" dirty="0"/>
-                  <a:t>: minimized to train a model (if appropriate)</a:t>
+                  <a:t>: minimized to train a model</a:t>
                 </a:r>
                 <a:br>
                   <a:rPr lang="en-US" dirty="0"/>
@@ -8157,21 +10282,21 @@
                 <a:pPr lvl="1"/>
                 <a:r>
                   <a:rPr lang="en-US" dirty="0"/>
-                  <a:t>Train: MSE loss &amp; Test: MSE metric</a:t>
+                  <a:t>Train: MSE loss &amp; Metric: MSE metric</a:t>
                 </a:r>
               </a:p>
               <a:p>
                 <a:pPr lvl="1"/>
                 <a:r>
                   <a:rPr lang="en-US" dirty="0"/>
-                  <a:t>Train: MSE loss &amp; Test: MAE metric</a:t>
+                  <a:t>Train: MSE loss &amp; Metric : MAE metric</a:t>
                 </a:r>
               </a:p>
               <a:p>
                 <a:pPr lvl="1"/>
                 <a:r>
                   <a:rPr lang="en-US" dirty="0"/>
-                  <a:t>Train: Cross entropy &amp; Test: misclassification or FP/FN metric</a:t>
+                  <a:t>Train: Negative Log Loss &amp; Metric : misclassification or FP/FN metric</a:t>
                 </a:r>
               </a:p>
               <a:p>
@@ -8296,6 +10421,166 @@
 </p:sld>
 </file>
 
+<file path=ppt/slides/slide8.xml><?xml version="1.0" encoding="utf-8"?>
+<p:sld xmlns:a="http://schemas.openxmlformats.org/drawingml/2006/main" xmlns:r="http://schemas.openxmlformats.org/officeDocument/2006/relationships" xmlns:p="http://schemas.openxmlformats.org/presentationml/2006/main">
+  <p:cSld>
+    <p:spTree>
+      <p:nvGrpSpPr>
+        <p:cNvPr id="1" name=""/>
+        <p:cNvGrpSpPr/>
+        <p:nvPr/>
+      </p:nvGrpSpPr>
+      <p:grpSpPr>
+        <a:xfrm>
+          <a:off x="0" y="0"/>
+          <a:ext cx="0" cy="0"/>
+          <a:chOff x="0" y="0"/>
+          <a:chExt cx="0" cy="0"/>
+        </a:xfrm>
+      </p:grpSpPr>
+      <p:sp>
+        <p:nvSpPr>
+          <p:cNvPr id="2" name="Title 1"/>
+          <p:cNvSpPr>
+            <a:spLocks noGrp="1"/>
+          </p:cNvSpPr>
+          <p:nvPr>
+            <p:ph type="title"/>
+          </p:nvPr>
+        </p:nvSpPr>
+        <p:spPr/>
+        <p:txBody>
+          <a:bodyPr/>
+          <a:lstStyle/>
+          <a:p>
+            <a:r>
+              <a:rPr lang="en-US" dirty="0"/>
+              <a:t>Train, validate, test</a:t>
+            </a:r>
+          </a:p>
+        </p:txBody>
+      </p:sp>
+      <p:sp>
+        <p:nvSpPr>
+          <p:cNvPr id="3" name="Content Placeholder 2"/>
+          <p:cNvSpPr>
+            <a:spLocks noGrp="1"/>
+          </p:cNvSpPr>
+          <p:nvPr>
+            <p:ph idx="1"/>
+          </p:nvPr>
+        </p:nvSpPr>
+        <p:spPr>
+          <a:xfrm>
+            <a:off x="838200" y="1640295"/>
+            <a:ext cx="10515600" cy="4671295"/>
+          </a:xfrm>
+        </p:spPr>
+        <p:txBody>
+          <a:bodyPr>
+            <a:normAutofit fontScale="92500" lnSpcReduction="10000"/>
+          </a:bodyPr>
+          <a:lstStyle/>
+          <a:p>
+            <a:r>
+              <a:rPr lang="en-US" dirty="0"/>
+              <a:t>We always need 3 data sets with known answers:</a:t>
+            </a:r>
+          </a:p>
+          <a:p>
+            <a:pPr lvl="1"/>
+            <a:r>
+              <a:rPr lang="en-US" dirty="0"/>
+              <a:t>training</a:t>
+            </a:r>
+          </a:p>
+          <a:p>
+            <a:pPr lvl="1"/>
+            <a:r>
+              <a:rPr lang="en-US" dirty="0"/>
+              <a:t>validation (as shorthand you’ll hear me &amp; others call this test set)</a:t>
+            </a:r>
+          </a:p>
+          <a:p>
+            <a:pPr lvl="1"/>
+            <a:r>
+              <a:rPr lang="en-US" dirty="0"/>
+              <a:t>testing (put in a vault and </a:t>
+            </a:r>
+            <a:r>
+              <a:rPr lang="en-US" b="1" dirty="0"/>
+              <a:t>don’t peek</a:t>
+            </a:r>
+            <a:r>
+              <a:rPr lang="en-US" dirty="0"/>
+              <a:t>!!)</a:t>
+            </a:r>
+          </a:p>
+          <a:p>
+            <a:r>
+              <a:rPr lang="en-US" dirty="0"/>
+              <a:t>Validation set: used to evaluate, tune models and features</a:t>
+            </a:r>
+          </a:p>
+          <a:p>
+            <a:pPr lvl="1"/>
+            <a:r>
+              <a:rPr lang="en-US" dirty="0"/>
+              <a:t>Any changes you make to model tailor it to this specific validation set</a:t>
+            </a:r>
+          </a:p>
+          <a:p>
+            <a:r>
+              <a:rPr lang="en-US" dirty="0"/>
+              <a:t>Test set: used exactly </a:t>
+            </a:r>
+            <a:r>
+              <a:rPr lang="en-US" b="1" dirty="0"/>
+              <a:t>once</a:t>
+            </a:r>
+            <a:r>
+              <a:rPr lang="en-US" dirty="0"/>
+              <a:t> after you think you have best model</a:t>
+            </a:r>
+          </a:p>
+          <a:p>
+            <a:pPr lvl="1"/>
+            <a:r>
+              <a:rPr lang="en-US" dirty="0"/>
+              <a:t>The only true measure of model’s generality, how it’ll perform in production</a:t>
+            </a:r>
+          </a:p>
+          <a:p>
+            <a:pPr lvl="1"/>
+            <a:r>
+              <a:rPr lang="en-US" dirty="0"/>
+              <a:t>Never use test set to tune model</a:t>
+            </a:r>
+          </a:p>
+          <a:p>
+            <a:r>
+              <a:rPr lang="en-US" dirty="0"/>
+              <a:t>Production: recombine all sets back into a big training set again, retrain model but don’t change it according to test set metrics</a:t>
+            </a:r>
+          </a:p>
+          <a:p>
+            <a:endParaRPr lang="en-US" dirty="0"/>
+          </a:p>
+        </p:txBody>
+      </p:sp>
+    </p:spTree>
+    <p:extLst>
+      <p:ext uri="{BB962C8B-B14F-4D97-AF65-F5344CB8AC3E}">
+        <p14:creationId xmlns:p14="http://schemas.microsoft.com/office/powerpoint/2010/main" val="3712983599"/>
+      </p:ext>
+    </p:extLst>
+  </p:cSld>
+  <p:clrMapOvr>
+    <a:masterClrMapping/>
+  </p:clrMapOvr>
+</p:sld>
+</file>
+
 <file path=ppt/slides/slide9.xml><?xml version="1.0" encoding="utf-8"?>
 <p:sld xmlns:a="http://schemas.openxmlformats.org/drawingml/2006/main" xmlns:r="http://schemas.openxmlformats.org/officeDocument/2006/relationships" xmlns:p="http://schemas.openxmlformats.org/presentationml/2006/main">
   <p:cSld>
@@ -8341,64 +10626,147 @@
           </a:p>
         </p:txBody>
       </p:sp>
-      <p:sp>
-        <p:nvSpPr>
-          <p:cNvPr id="3" name="Content Placeholder 2">
-            <a:extLst>
-              <a:ext uri="{FF2B5EF4-FFF2-40B4-BE49-F238E27FC236}">
-                <a16:creationId xmlns:a16="http://schemas.microsoft.com/office/drawing/2014/main" id="{A42F3B01-3684-7044-9FDD-8DB29CAEFFC3}"/>
-              </a:ext>
-            </a:extLst>
-          </p:cNvPr>
-          <p:cNvSpPr>
-            <a:spLocks noGrp="1"/>
-          </p:cNvSpPr>
-          <p:nvPr>
-            <p:ph idx="1"/>
-          </p:nvPr>
-        </p:nvSpPr>
-        <p:spPr/>
-        <p:txBody>
-          <a:bodyPr/>
-          <a:lstStyle/>
-          <a:p>
-            <a:r>
-              <a:rPr lang="en-US" dirty="0"/>
-              <a:t> must normalize X</a:t>
-            </a:r>
-          </a:p>
-        </p:txBody>
-      </p:sp>
-      <p:pic>
-        <p:nvPicPr>
-          <p:cNvPr id="4" name="Picture 3">
-            <a:extLst>
-              <a:ext uri="{FF2B5EF4-FFF2-40B4-BE49-F238E27FC236}">
-                <a16:creationId xmlns:a16="http://schemas.microsoft.com/office/drawing/2014/main" id="{2776403C-1AA9-5A43-8191-6174A4F8EC34}"/>
-              </a:ext>
-            </a:extLst>
-          </p:cNvPr>
-          <p:cNvPicPr>
-            <a:picLocks noChangeAspect="1"/>
-          </p:cNvPicPr>
-          <p:nvPr/>
-        </p:nvPicPr>
-        <p:blipFill>
-          <a:blip r:embed="rId2"/>
-          <a:stretch>
-            <a:fillRect/>
-          </a:stretch>
-        </p:blipFill>
-        <p:spPr>
-          <a:xfrm>
-            <a:off x="4904685" y="-196781"/>
-            <a:ext cx="1854200" cy="1778000"/>
-          </a:xfrm>
-          <a:prstGeom prst="rect">
-            <a:avLst/>
-          </a:prstGeom>
-        </p:spPr>
-      </p:pic>
+      <mc:AlternateContent xmlns:mc="http://schemas.openxmlformats.org/markup-compatibility/2006">
+        <mc:Choice xmlns:a14="http://schemas.microsoft.com/office/drawing/2010/main" Requires="a14">
+          <p:sp>
+            <p:nvSpPr>
+              <p:cNvPr id="3" name="Content Placeholder 2">
+                <a:extLst>
+                  <a:ext uri="{FF2B5EF4-FFF2-40B4-BE49-F238E27FC236}">
+                    <a16:creationId xmlns:a16="http://schemas.microsoft.com/office/drawing/2014/main" id="{A42F3B01-3684-7044-9FDD-8DB29CAEFFC3}"/>
+                  </a:ext>
+                </a:extLst>
+              </p:cNvPr>
+              <p:cNvSpPr>
+                <a:spLocks noGrp="1"/>
+              </p:cNvSpPr>
+              <p:nvPr>
+                <p:ph idx="1"/>
+              </p:nvPr>
+            </p:nvSpPr>
+            <p:spPr/>
+            <p:txBody>
+              <a:bodyPr/>
+              <a:lstStyle/>
+              <a:p>
+                <a:r>
+                  <a:rPr lang="en-US" dirty="0"/>
+                  <a:t>Everything must be numeric</a:t>
+                </a:r>
+              </a:p>
+              <a:p>
+                <a:r>
+                  <a:rPr lang="en-US" dirty="0"/>
+                  <a:t>No missing values</a:t>
+                </a:r>
+              </a:p>
+              <a:p>
+                <a:r>
+                  <a:rPr lang="en-US" dirty="0"/>
+                  <a:t>Dummy encode </a:t>
+                </a:r>
+                <a:r>
+                  <a:rPr lang="en-US" dirty="0" err="1"/>
+                  <a:t>categoricals</a:t>
+                </a:r>
+                <a:endParaRPr lang="en-US" dirty="0"/>
+              </a:p>
+              <a:p>
+                <a:r>
+                  <a:rPr lang="en-US" dirty="0"/>
+                  <a:t>Should normalize numeric</a:t>
+                </a:r>
+                <a:br>
+                  <a:rPr lang="en-US" dirty="0"/>
+                </a:br>
+                <a:r>
+                  <a:rPr lang="en-US" dirty="0"/>
+                  <a:t>features in </a:t>
+                </a:r>
+                <a14:m>
+                  <m:oMath xmlns:m="http://schemas.openxmlformats.org/officeDocument/2006/math">
+                    <m:r>
+                      <a:rPr lang="en-US" b="0" i="1" smtClean="0">
+                        <a:latin typeface="Cambria Math" panose="02040503050406030204" pitchFamily="18" charset="0"/>
+                      </a:rPr>
+                      <m:t>𝑋</m:t>
+                    </m:r>
+                  </m:oMath>
+                </a14:m>
+                <a:r>
+                  <a:rPr lang="en-US" dirty="0"/>
+                  <a:t> to zero-mean,</a:t>
+                </a:r>
+                <a:br>
+                  <a:rPr lang="en-US" dirty="0"/>
+                </a:br>
+                <a:r>
+                  <a:rPr lang="en-US" dirty="0"/>
+                  <a:t>variance one ("whitening")</a:t>
+                </a:r>
+              </a:p>
+              <a:p>
+                <a:r>
+                  <a:rPr lang="en-US" dirty="0"/>
+                  <a:t>Speeds up training</a:t>
+                </a:r>
+              </a:p>
+              <a:p>
+                <a:r>
+                  <a:rPr lang="en-US" dirty="0"/>
+                  <a:t>Compare regression equations,</a:t>
+                </a:r>
+                <a:br>
+                  <a:rPr lang="en-US" dirty="0"/>
+                </a:br>
+                <a:r>
+                  <a:rPr lang="en-US" dirty="0"/>
+                  <a:t>loss function surfaces</a:t>
+                </a:r>
+              </a:p>
+            </p:txBody>
+          </p:sp>
+        </mc:Choice>
+        <mc:Fallback>
+          <p:sp>
+            <p:nvSpPr>
+              <p:cNvPr id="3" name="Content Placeholder 2">
+                <a:extLst>
+                  <a:ext uri="{FF2B5EF4-FFF2-40B4-BE49-F238E27FC236}">
+                    <a16:creationId xmlns:a16="http://schemas.microsoft.com/office/drawing/2014/main" id="{A42F3B01-3684-7044-9FDD-8DB29CAEFFC3}"/>
+                  </a:ext>
+                </a:extLst>
+              </p:cNvPr>
+              <p:cNvSpPr>
+                <a:spLocks noGrp="1" noRot="1" noChangeAspect="1" noMove="1" noResize="1" noEditPoints="1" noAdjustHandles="1" noChangeArrowheads="1" noChangeShapeType="1" noTextEdit="1"/>
+              </p:cNvSpPr>
+              <p:nvPr>
+                <p:ph idx="1"/>
+              </p:nvPr>
+            </p:nvSpPr>
+            <p:spPr>
+              <a:blipFill>
+                <a:blip r:embed="rId2"/>
+                <a:stretch>
+                  <a:fillRect l="-1086" t="-2326"/>
+                </a:stretch>
+              </a:blipFill>
+            </p:spPr>
+            <p:txBody>
+              <a:bodyPr/>
+              <a:lstStyle/>
+              <a:p>
+                <a:r>
+                  <a:rPr lang="en-US">
+                    <a:noFill/>
+                  </a:rPr>
+                  <a:t> </a:t>
+                </a:r>
+              </a:p>
+            </p:txBody>
+          </p:sp>
+        </mc:Fallback>
+      </mc:AlternateContent>
       <p:pic>
         <p:nvPicPr>
           <p:cNvPr id="6" name="Picture 5">
@@ -8421,8 +10789,8 @@
         </p:blipFill>
         <p:spPr>
           <a:xfrm>
-            <a:off x="4495800" y="1545328"/>
-            <a:ext cx="7315200" cy="2743200"/>
+            <a:off x="6066762" y="1545328"/>
+            <a:ext cx="5811144" cy="2179179"/>
           </a:xfrm>
           <a:prstGeom prst="rect">
             <a:avLst/>
@@ -8451,8 +10819,38 @@
         </p:blipFill>
         <p:spPr>
           <a:xfrm>
-            <a:off x="4513194" y="4097131"/>
-            <a:ext cx="7315200" cy="2743200"/>
+            <a:off x="6084156" y="4097131"/>
+            <a:ext cx="5811144" cy="2179179"/>
+          </a:xfrm>
+          <a:prstGeom prst="rect">
+            <a:avLst/>
+          </a:prstGeom>
+        </p:spPr>
+      </p:pic>
+      <p:pic>
+        <p:nvPicPr>
+          <p:cNvPr id="9" name="Picture 8">
+            <a:extLst>
+              <a:ext uri="{FF2B5EF4-FFF2-40B4-BE49-F238E27FC236}">
+                <a16:creationId xmlns:a16="http://schemas.microsoft.com/office/drawing/2014/main" id="{DB06FFCA-9AA7-6F45-81A8-E1529C0CE2C6}"/>
+              </a:ext>
+            </a:extLst>
+          </p:cNvPr>
+          <p:cNvPicPr>
+            <a:picLocks noChangeAspect="1"/>
+          </p:cNvPicPr>
+          <p:nvPr/>
+        </p:nvPicPr>
+        <p:blipFill>
+          <a:blip r:embed="rId5"/>
+          <a:stretch>
+            <a:fillRect/>
+          </a:stretch>
+        </p:blipFill>
+        <p:spPr>
+          <a:xfrm>
+            <a:off x="4977364" y="208698"/>
+            <a:ext cx="1434588" cy="1375632"/>
           </a:xfrm>
           <a:prstGeom prst="rect">
             <a:avLst/>
